--- a/Github Actions.pptx
+++ b/Github Actions.pptx
@@ -5,38 +5,38 @@
     <p:sldMasterId id="2147483696" r:id="rId1"/>
   </p:sldMasterIdLst>
   <p:handoutMasterIdLst>
-    <p:handoutMasterId r:id="rId6"/>
+    <p:handoutMasterId r:id="rId11"/>
   </p:handoutMasterIdLst>
   <p:sldIdLst>
     <p:sldId id="261" r:id="rId2"/>
     <p:sldId id="262" r:id="rId3"/>
-    <p:sldId id="260" r:id="rId4"/>
-    <p:sldId id="259" r:id="rId5"/>
+    <p:sldId id="263" r:id="rId4"/>
+    <p:sldId id="264" r:id="rId5"/>
+    <p:sldId id="260" r:id="rId6"/>
+    <p:sldId id="259" r:id="rId7"/>
+    <p:sldId id="265" r:id="rId8"/>
+    <p:sldId id="266" r:id="rId9"/>
+    <p:sldId id="267" r:id="rId10"/>
   </p:sldIdLst>
   <p:sldSz cx="9144000" cy="6858000" type="screen4x3"/>
   <p:notesSz cx="6858000" cy="9144000"/>
   <p:embeddedFontLst>
     <p:embeddedFont>
-      <p:font typeface="나눔바른고딕" panose="020B0603020101020101" pitchFamily="50" charset="-127"/>
-      <p:regular r:id="rId7"/>
-      <p:bold r:id="rId8"/>
+      <p:font typeface="Calibri" panose="020F0502020204030204" pitchFamily="34" charset="0"/>
+      <p:regular r:id="rId12"/>
+      <p:bold r:id="rId13"/>
+      <p:italic r:id="rId14"/>
+      <p:boldItalic r:id="rId15"/>
     </p:embeddedFont>
     <p:embeddedFont>
       <p:font typeface="Calibri Light" panose="020F0302020204030204" pitchFamily="34" charset="0"/>
-      <p:regular r:id="rId9"/>
-      <p:italic r:id="rId10"/>
+      <p:regular r:id="rId16"/>
+      <p:italic r:id="rId17"/>
     </p:embeddedFont>
     <p:embeddedFont>
       <p:font typeface="맑은 고딕" panose="020B0503020000020004" pitchFamily="50" charset="-127"/>
-      <p:regular r:id="rId11"/>
-      <p:bold r:id="rId12"/>
-    </p:embeddedFont>
-    <p:embeddedFont>
-      <p:font typeface="Calibri" panose="020F0502020204030204" pitchFamily="34" charset="0"/>
-      <p:regular r:id="rId13"/>
-      <p:bold r:id="rId14"/>
-      <p:italic r:id="rId15"/>
-      <p:boldItalic r:id="rId16"/>
+      <p:regular r:id="rId18"/>
+      <p:bold r:id="rId19"/>
     </p:embeddedFont>
   </p:embeddedFontLst>
   <p:defaultTextStyle>
@@ -156,1879 +156,6 @@
 </p:presentation>
 </file>
 
-<file path=ppt/charts/chart1.xml><?xml version="1.0" encoding="utf-8"?>
-<c:chartSpace xmlns:c="http://schemas.openxmlformats.org/drawingml/2006/chart" xmlns:a="http://schemas.openxmlformats.org/drawingml/2006/main" xmlns:r="http://schemas.openxmlformats.org/officeDocument/2006/relationships" xmlns:c16r2="http://schemas.microsoft.com/office/drawing/2015/06/chart">
-  <c:date1904 val="0"/>
-  <c:lang val="ko-KR"/>
-  <c:roundedCorners val="0"/>
-  <mc:AlternateContent xmlns:mc="http://schemas.openxmlformats.org/markup-compatibility/2006">
-    <mc:Choice xmlns:c14="http://schemas.microsoft.com/office/drawing/2007/8/2/chart" Requires="c14">
-      <c14:style val="102"/>
-    </mc:Choice>
-    <mc:Fallback>
-      <c:style val="2"/>
-    </mc:Fallback>
-  </mc:AlternateContent>
-  <c:chart>
-    <c:title>
-      <c:overlay val="0"/>
-      <c:spPr>
-        <a:noFill/>
-        <a:ln>
-          <a:noFill/>
-        </a:ln>
-        <a:effectLst/>
-      </c:spPr>
-      <c:txPr>
-        <a:bodyPr rot="0" spcFirstLastPara="1" vertOverflow="ellipsis" vert="horz" wrap="square" anchor="ctr" anchorCtr="1"/>
-        <a:lstStyle/>
-        <a:p>
-          <a:pPr>
-            <a:defRPr sz="1862" b="0" i="0" u="none" strike="noStrike" kern="1200" spc="0" baseline="0">
-              <a:solidFill>
-                <a:schemeClr val="tx1">
-                  <a:lumMod val="65000"/>
-                  <a:lumOff val="35000"/>
-                </a:schemeClr>
-              </a:solidFill>
-              <a:latin typeface="+mn-lt"/>
-              <a:ea typeface="+mn-ea"/>
-              <a:cs typeface="+mn-cs"/>
-            </a:defRPr>
-          </a:pPr>
-          <a:endParaRPr lang="ko-KR"/>
-        </a:p>
-      </c:txPr>
-    </c:title>
-    <c:autoTitleDeleted val="0"/>
-    <c:plotArea>
-      <c:layout/>
-      <c:barChart>
-        <c:barDir val="col"/>
-        <c:grouping val="clustered"/>
-        <c:varyColors val="0"/>
-        <c:ser>
-          <c:idx val="0"/>
-          <c:order val="0"/>
-          <c:tx>
-            <c:strRef>
-              <c:f>Sheet1!$B$1</c:f>
-              <c:strCache>
-                <c:ptCount val="1"/>
-                <c:pt idx="0">
-                  <c:v>계열 1</c:v>
-                </c:pt>
-              </c:strCache>
-            </c:strRef>
-          </c:tx>
-          <c:spPr>
-            <a:solidFill>
-              <a:schemeClr val="accent1"/>
-            </a:solidFill>
-            <a:ln>
-              <a:noFill/>
-            </a:ln>
-            <a:effectLst/>
-          </c:spPr>
-          <c:invertIfNegative val="0"/>
-          <c:cat>
-            <c:strRef>
-              <c:f>Sheet1!$A$2:$A$5</c:f>
-              <c:strCache>
-                <c:ptCount val="4"/>
-                <c:pt idx="0">
-                  <c:v>항목 1</c:v>
-                </c:pt>
-                <c:pt idx="1">
-                  <c:v>항목 2</c:v>
-                </c:pt>
-                <c:pt idx="2">
-                  <c:v>항목 3</c:v>
-                </c:pt>
-                <c:pt idx="3">
-                  <c:v>항목 4</c:v>
-                </c:pt>
-              </c:strCache>
-            </c:strRef>
-          </c:cat>
-          <c:val>
-            <c:numRef>
-              <c:f>Sheet1!$B$2:$B$5</c:f>
-              <c:numCache>
-                <c:formatCode>General</c:formatCode>
-                <c:ptCount val="4"/>
-                <c:pt idx="0">
-                  <c:v>4.3</c:v>
-                </c:pt>
-                <c:pt idx="1">
-                  <c:v>2.5</c:v>
-                </c:pt>
-                <c:pt idx="2">
-                  <c:v>3.5</c:v>
-                </c:pt>
-                <c:pt idx="3">
-                  <c:v>4.5</c:v>
-                </c:pt>
-              </c:numCache>
-            </c:numRef>
-          </c:val>
-          <c:extLst>
-            <c:ext xmlns:c16="http://schemas.microsoft.com/office/drawing/2014/chart" uri="{C3380CC4-5D6E-409C-BE32-E72D297353CC}">
-              <c16:uniqueId val="{00000000-7BA7-4E6A-9DD1-DF522E9F30E5}"/>
-            </c:ext>
-          </c:extLst>
-        </c:ser>
-        <c:ser>
-          <c:idx val="1"/>
-          <c:order val="1"/>
-          <c:tx>
-            <c:strRef>
-              <c:f>Sheet1!$C$1</c:f>
-              <c:strCache>
-                <c:ptCount val="1"/>
-                <c:pt idx="0">
-                  <c:v>계열 2</c:v>
-                </c:pt>
-              </c:strCache>
-            </c:strRef>
-          </c:tx>
-          <c:spPr>
-            <a:solidFill>
-              <a:schemeClr val="accent2"/>
-            </a:solidFill>
-            <a:ln>
-              <a:noFill/>
-            </a:ln>
-            <a:effectLst/>
-          </c:spPr>
-          <c:invertIfNegative val="0"/>
-          <c:cat>
-            <c:strRef>
-              <c:f>Sheet1!$A$2:$A$5</c:f>
-              <c:strCache>
-                <c:ptCount val="4"/>
-                <c:pt idx="0">
-                  <c:v>항목 1</c:v>
-                </c:pt>
-                <c:pt idx="1">
-                  <c:v>항목 2</c:v>
-                </c:pt>
-                <c:pt idx="2">
-                  <c:v>항목 3</c:v>
-                </c:pt>
-                <c:pt idx="3">
-                  <c:v>항목 4</c:v>
-                </c:pt>
-              </c:strCache>
-            </c:strRef>
-          </c:cat>
-          <c:val>
-            <c:numRef>
-              <c:f>Sheet1!$C$2:$C$5</c:f>
-              <c:numCache>
-                <c:formatCode>General</c:formatCode>
-                <c:ptCount val="4"/>
-                <c:pt idx="0">
-                  <c:v>2.4</c:v>
-                </c:pt>
-                <c:pt idx="1">
-                  <c:v>4.4000000000000004</c:v>
-                </c:pt>
-                <c:pt idx="2">
-                  <c:v>1.8</c:v>
-                </c:pt>
-                <c:pt idx="3">
-                  <c:v>2.8</c:v>
-                </c:pt>
-              </c:numCache>
-            </c:numRef>
-          </c:val>
-          <c:extLst>
-            <c:ext xmlns:c16="http://schemas.microsoft.com/office/drawing/2014/chart" uri="{C3380CC4-5D6E-409C-BE32-E72D297353CC}">
-              <c16:uniqueId val="{00000001-7BA7-4E6A-9DD1-DF522E9F30E5}"/>
-            </c:ext>
-          </c:extLst>
-        </c:ser>
-        <c:ser>
-          <c:idx val="2"/>
-          <c:order val="2"/>
-          <c:tx>
-            <c:strRef>
-              <c:f>Sheet1!$D$1</c:f>
-              <c:strCache>
-                <c:ptCount val="1"/>
-                <c:pt idx="0">
-                  <c:v>계열 3</c:v>
-                </c:pt>
-              </c:strCache>
-            </c:strRef>
-          </c:tx>
-          <c:spPr>
-            <a:solidFill>
-              <a:schemeClr val="accent3"/>
-            </a:solidFill>
-            <a:ln>
-              <a:noFill/>
-            </a:ln>
-            <a:effectLst/>
-          </c:spPr>
-          <c:invertIfNegative val="0"/>
-          <c:cat>
-            <c:strRef>
-              <c:f>Sheet1!$A$2:$A$5</c:f>
-              <c:strCache>
-                <c:ptCount val="4"/>
-                <c:pt idx="0">
-                  <c:v>항목 1</c:v>
-                </c:pt>
-                <c:pt idx="1">
-                  <c:v>항목 2</c:v>
-                </c:pt>
-                <c:pt idx="2">
-                  <c:v>항목 3</c:v>
-                </c:pt>
-                <c:pt idx="3">
-                  <c:v>항목 4</c:v>
-                </c:pt>
-              </c:strCache>
-            </c:strRef>
-          </c:cat>
-          <c:val>
-            <c:numRef>
-              <c:f>Sheet1!$D$2:$D$5</c:f>
-              <c:numCache>
-                <c:formatCode>General</c:formatCode>
-                <c:ptCount val="4"/>
-                <c:pt idx="0">
-                  <c:v>2</c:v>
-                </c:pt>
-                <c:pt idx="1">
-                  <c:v>2</c:v>
-                </c:pt>
-                <c:pt idx="2">
-                  <c:v>3</c:v>
-                </c:pt>
-                <c:pt idx="3">
-                  <c:v>5</c:v>
-                </c:pt>
-              </c:numCache>
-            </c:numRef>
-          </c:val>
-          <c:extLst>
-            <c:ext xmlns:c16="http://schemas.microsoft.com/office/drawing/2014/chart" uri="{C3380CC4-5D6E-409C-BE32-E72D297353CC}">
-              <c16:uniqueId val="{00000002-7BA7-4E6A-9DD1-DF522E9F30E5}"/>
-            </c:ext>
-          </c:extLst>
-        </c:ser>
-        <c:dLbls>
-          <c:showLegendKey val="0"/>
-          <c:showVal val="0"/>
-          <c:showCatName val="0"/>
-          <c:showSerName val="0"/>
-          <c:showPercent val="0"/>
-          <c:showBubbleSize val="0"/>
-        </c:dLbls>
-        <c:gapWidth val="219"/>
-        <c:overlap val="-27"/>
-        <c:axId val="337420816"/>
-        <c:axId val="337423168"/>
-      </c:barChart>
-      <c:catAx>
-        <c:axId val="337420816"/>
-        <c:scaling>
-          <c:orientation val="minMax"/>
-        </c:scaling>
-        <c:delete val="0"/>
-        <c:axPos val="b"/>
-        <c:numFmt formatCode="General" sourceLinked="1"/>
-        <c:majorTickMark val="none"/>
-        <c:minorTickMark val="none"/>
-        <c:tickLblPos val="nextTo"/>
-        <c:spPr>
-          <a:noFill/>
-          <a:ln w="9525" cap="flat" cmpd="sng" algn="ctr">
-            <a:solidFill>
-              <a:schemeClr val="tx1">
-                <a:lumMod val="15000"/>
-                <a:lumOff val="85000"/>
-              </a:schemeClr>
-            </a:solidFill>
-            <a:round/>
-          </a:ln>
-          <a:effectLst/>
-        </c:spPr>
-        <c:txPr>
-          <a:bodyPr rot="-60000000" spcFirstLastPara="1" vertOverflow="ellipsis" vert="horz" wrap="square" anchor="ctr" anchorCtr="1"/>
-          <a:lstStyle/>
-          <a:p>
-            <a:pPr>
-              <a:defRPr sz="1197" b="0" i="0" u="none" strike="noStrike" kern="1200" baseline="0">
-                <a:solidFill>
-                  <a:schemeClr val="tx1">
-                    <a:lumMod val="65000"/>
-                    <a:lumOff val="35000"/>
-                  </a:schemeClr>
-                </a:solidFill>
-                <a:latin typeface="+mn-lt"/>
-                <a:ea typeface="+mn-ea"/>
-                <a:cs typeface="+mn-cs"/>
-              </a:defRPr>
-            </a:pPr>
-            <a:endParaRPr lang="ko-KR"/>
-          </a:p>
-        </c:txPr>
-        <c:crossAx val="337423168"/>
-        <c:crosses val="autoZero"/>
-        <c:auto val="1"/>
-        <c:lblAlgn val="ctr"/>
-        <c:lblOffset val="100"/>
-        <c:noMultiLvlLbl val="0"/>
-      </c:catAx>
-      <c:valAx>
-        <c:axId val="337423168"/>
-        <c:scaling>
-          <c:orientation val="minMax"/>
-        </c:scaling>
-        <c:delete val="0"/>
-        <c:axPos val="l"/>
-        <c:majorGridlines>
-          <c:spPr>
-            <a:ln w="9525" cap="flat" cmpd="sng" algn="ctr">
-              <a:solidFill>
-                <a:schemeClr val="tx1">
-                  <a:lumMod val="15000"/>
-                  <a:lumOff val="85000"/>
-                </a:schemeClr>
-              </a:solidFill>
-              <a:round/>
-            </a:ln>
-            <a:effectLst/>
-          </c:spPr>
-        </c:majorGridlines>
-        <c:numFmt formatCode="General" sourceLinked="1"/>
-        <c:majorTickMark val="none"/>
-        <c:minorTickMark val="none"/>
-        <c:tickLblPos val="nextTo"/>
-        <c:spPr>
-          <a:noFill/>
-          <a:ln>
-            <a:noFill/>
-          </a:ln>
-          <a:effectLst/>
-        </c:spPr>
-        <c:txPr>
-          <a:bodyPr rot="-60000000" spcFirstLastPara="1" vertOverflow="ellipsis" vert="horz" wrap="square" anchor="ctr" anchorCtr="1"/>
-          <a:lstStyle/>
-          <a:p>
-            <a:pPr>
-              <a:defRPr sz="1197" b="0" i="0" u="none" strike="noStrike" kern="1200" baseline="0">
-                <a:solidFill>
-                  <a:schemeClr val="tx1">
-                    <a:lumMod val="65000"/>
-                    <a:lumOff val="35000"/>
-                  </a:schemeClr>
-                </a:solidFill>
-                <a:latin typeface="+mn-lt"/>
-                <a:ea typeface="+mn-ea"/>
-                <a:cs typeface="+mn-cs"/>
-              </a:defRPr>
-            </a:pPr>
-            <a:endParaRPr lang="ko-KR"/>
-          </a:p>
-        </c:txPr>
-        <c:crossAx val="337420816"/>
-        <c:crosses val="autoZero"/>
-        <c:crossBetween val="between"/>
-      </c:valAx>
-      <c:spPr>
-        <a:noFill/>
-        <a:ln>
-          <a:noFill/>
-        </a:ln>
-        <a:effectLst/>
-      </c:spPr>
-    </c:plotArea>
-    <c:legend>
-      <c:legendPos val="b"/>
-      <c:overlay val="0"/>
-      <c:spPr>
-        <a:noFill/>
-        <a:ln>
-          <a:noFill/>
-        </a:ln>
-        <a:effectLst/>
-      </c:spPr>
-      <c:txPr>
-        <a:bodyPr rot="0" spcFirstLastPara="1" vertOverflow="ellipsis" vert="horz" wrap="square" anchor="ctr" anchorCtr="1"/>
-        <a:lstStyle/>
-        <a:p>
-          <a:pPr>
-            <a:defRPr sz="1197" b="0" i="0" u="none" strike="noStrike" kern="1200" baseline="0">
-              <a:solidFill>
-                <a:schemeClr val="tx1">
-                  <a:lumMod val="65000"/>
-                  <a:lumOff val="35000"/>
-                </a:schemeClr>
-              </a:solidFill>
-              <a:latin typeface="+mn-lt"/>
-              <a:ea typeface="+mn-ea"/>
-              <a:cs typeface="+mn-cs"/>
-            </a:defRPr>
-          </a:pPr>
-          <a:endParaRPr lang="ko-KR"/>
-        </a:p>
-      </c:txPr>
-    </c:legend>
-    <c:plotVisOnly val="1"/>
-    <c:dispBlanksAs val="gap"/>
-    <c:showDLblsOverMax val="0"/>
-  </c:chart>
-  <c:spPr>
-    <a:noFill/>
-    <a:ln>
-      <a:noFill/>
-    </a:ln>
-    <a:effectLst/>
-  </c:spPr>
-  <c:txPr>
-    <a:bodyPr/>
-    <a:lstStyle/>
-    <a:p>
-      <a:pPr>
-        <a:defRPr/>
-      </a:pPr>
-      <a:endParaRPr lang="ko-KR"/>
-    </a:p>
-  </c:txPr>
-  <c:externalData r:id="rId3">
-    <c:autoUpdate val="0"/>
-  </c:externalData>
-</c:chartSpace>
-</file>
-
-<file path=ppt/charts/chart2.xml><?xml version="1.0" encoding="utf-8"?>
-<c:chartSpace xmlns:c="http://schemas.openxmlformats.org/drawingml/2006/chart" xmlns:a="http://schemas.openxmlformats.org/drawingml/2006/main" xmlns:r="http://schemas.openxmlformats.org/officeDocument/2006/relationships" xmlns:c16r2="http://schemas.microsoft.com/office/drawing/2015/06/chart">
-  <c:date1904 val="0"/>
-  <c:lang val="ko-KR"/>
-  <c:roundedCorners val="0"/>
-  <mc:AlternateContent xmlns:mc="http://schemas.openxmlformats.org/markup-compatibility/2006">
-    <mc:Choice xmlns:c14="http://schemas.microsoft.com/office/drawing/2007/8/2/chart" Requires="c14">
-      <c14:style val="102"/>
-    </mc:Choice>
-    <mc:Fallback>
-      <c:style val="2"/>
-    </mc:Fallback>
-  </mc:AlternateContent>
-  <c:chart>
-    <c:title>
-      <c:overlay val="0"/>
-      <c:spPr>
-        <a:noFill/>
-        <a:ln>
-          <a:noFill/>
-        </a:ln>
-        <a:effectLst/>
-      </c:spPr>
-      <c:txPr>
-        <a:bodyPr rot="0" spcFirstLastPara="1" vertOverflow="ellipsis" vert="horz" wrap="square" anchor="ctr" anchorCtr="1"/>
-        <a:lstStyle/>
-        <a:p>
-          <a:pPr>
-            <a:defRPr sz="1862" b="0" i="0" u="none" strike="noStrike" kern="1200" spc="0" baseline="0">
-              <a:solidFill>
-                <a:schemeClr val="tx1">
-                  <a:lumMod val="65000"/>
-                  <a:lumOff val="35000"/>
-                </a:schemeClr>
-              </a:solidFill>
-              <a:latin typeface="+mn-lt"/>
-              <a:ea typeface="+mn-ea"/>
-              <a:cs typeface="+mn-cs"/>
-            </a:defRPr>
-          </a:pPr>
-          <a:endParaRPr lang="ko-KR"/>
-        </a:p>
-      </c:txPr>
-    </c:title>
-    <c:autoTitleDeleted val="0"/>
-    <c:plotArea>
-      <c:layout/>
-      <c:pieChart>
-        <c:varyColors val="1"/>
-        <c:ser>
-          <c:idx val="0"/>
-          <c:order val="0"/>
-          <c:tx>
-            <c:strRef>
-              <c:f>Sheet1!$B$1</c:f>
-              <c:strCache>
-                <c:ptCount val="1"/>
-                <c:pt idx="0">
-                  <c:v>판매</c:v>
-                </c:pt>
-              </c:strCache>
-            </c:strRef>
-          </c:tx>
-          <c:spPr>
-            <a:ln>
-              <a:noFill/>
-            </a:ln>
-          </c:spPr>
-          <c:dPt>
-            <c:idx val="0"/>
-            <c:bubble3D val="0"/>
-            <c:spPr>
-              <a:solidFill>
-                <a:schemeClr val="accent1"/>
-              </a:solidFill>
-              <a:ln w="19050">
-                <a:noFill/>
-              </a:ln>
-              <a:effectLst/>
-            </c:spPr>
-            <c:extLst>
-              <c:ext xmlns:c16="http://schemas.microsoft.com/office/drawing/2014/chart" uri="{C3380CC4-5D6E-409C-BE32-E72D297353CC}">
-                <c16:uniqueId val="{00000001-5AD2-496F-A1DC-998F8A8B1FDC}"/>
-              </c:ext>
-            </c:extLst>
-          </c:dPt>
-          <c:dPt>
-            <c:idx val="1"/>
-            <c:bubble3D val="0"/>
-            <c:spPr>
-              <a:solidFill>
-                <a:schemeClr val="accent2"/>
-              </a:solidFill>
-              <a:ln w="19050">
-                <a:noFill/>
-              </a:ln>
-              <a:effectLst/>
-            </c:spPr>
-            <c:extLst>
-              <c:ext xmlns:c16="http://schemas.microsoft.com/office/drawing/2014/chart" uri="{C3380CC4-5D6E-409C-BE32-E72D297353CC}">
-                <c16:uniqueId val="{00000003-5AD2-496F-A1DC-998F8A8B1FDC}"/>
-              </c:ext>
-            </c:extLst>
-          </c:dPt>
-          <c:dPt>
-            <c:idx val="2"/>
-            <c:bubble3D val="0"/>
-            <c:spPr>
-              <a:solidFill>
-                <a:schemeClr val="accent3"/>
-              </a:solidFill>
-              <a:ln w="19050">
-                <a:noFill/>
-              </a:ln>
-              <a:effectLst/>
-            </c:spPr>
-            <c:extLst>
-              <c:ext xmlns:c16="http://schemas.microsoft.com/office/drawing/2014/chart" uri="{C3380CC4-5D6E-409C-BE32-E72D297353CC}">
-                <c16:uniqueId val="{00000005-5AD2-496F-A1DC-998F8A8B1FDC}"/>
-              </c:ext>
-            </c:extLst>
-          </c:dPt>
-          <c:dPt>
-            <c:idx val="3"/>
-            <c:bubble3D val="0"/>
-            <c:spPr>
-              <a:solidFill>
-                <a:schemeClr val="accent4"/>
-              </a:solidFill>
-              <a:ln w="19050">
-                <a:noFill/>
-              </a:ln>
-              <a:effectLst/>
-            </c:spPr>
-            <c:extLst>
-              <c:ext xmlns:c16="http://schemas.microsoft.com/office/drawing/2014/chart" uri="{C3380CC4-5D6E-409C-BE32-E72D297353CC}">
-                <c16:uniqueId val="{00000007-5AD2-496F-A1DC-998F8A8B1FDC}"/>
-              </c:ext>
-            </c:extLst>
-          </c:dPt>
-          <c:dLbls>
-            <c:spPr>
-              <a:noFill/>
-              <a:ln>
-                <a:noFill/>
-              </a:ln>
-              <a:effectLst/>
-            </c:spPr>
-            <c:txPr>
-              <a:bodyPr rot="0" spcFirstLastPara="1" vertOverflow="ellipsis" vert="horz" wrap="square" lIns="38100" tIns="19050" rIns="38100" bIns="19050" anchor="ctr" anchorCtr="1">
-                <a:spAutoFit/>
-              </a:bodyPr>
-              <a:lstStyle/>
-              <a:p>
-                <a:pPr>
-                  <a:defRPr sz="1197" b="0" i="0" u="none" strike="noStrike" kern="1200" baseline="0">
-                    <a:solidFill>
-                      <a:schemeClr val="tx1">
-                        <a:lumMod val="75000"/>
-                        <a:lumOff val="25000"/>
-                      </a:schemeClr>
-                    </a:solidFill>
-                    <a:latin typeface="+mn-lt"/>
-                    <a:ea typeface="+mn-ea"/>
-                    <a:cs typeface="+mn-cs"/>
-                  </a:defRPr>
-                </a:pPr>
-                <a:endParaRPr lang="ko-KR"/>
-              </a:p>
-            </c:txPr>
-            <c:dLblPos val="outEnd"/>
-            <c:showLegendKey val="0"/>
-            <c:showVal val="0"/>
-            <c:showCatName val="1"/>
-            <c:showSerName val="0"/>
-            <c:showPercent val="0"/>
-            <c:showBubbleSize val="0"/>
-            <c:showLeaderLines val="1"/>
-            <c:leaderLines>
-              <c:spPr>
-                <a:ln w="9525" cap="flat" cmpd="sng" algn="ctr">
-                  <a:solidFill>
-                    <a:schemeClr val="tx1">
-                      <a:lumMod val="35000"/>
-                      <a:lumOff val="65000"/>
-                    </a:schemeClr>
-                  </a:solidFill>
-                  <a:round/>
-                </a:ln>
-                <a:effectLst/>
-              </c:spPr>
-            </c:leaderLines>
-            <c:extLst>
-              <c:ext xmlns:c15="http://schemas.microsoft.com/office/drawing/2012/chart" uri="{CE6537A1-D6FC-4f65-9D91-7224C49458BB}"/>
-            </c:extLst>
-          </c:dLbls>
-          <c:cat>
-            <c:strRef>
-              <c:f>Sheet1!$A$2:$A$5</c:f>
-              <c:strCache>
-                <c:ptCount val="4"/>
-                <c:pt idx="0">
-                  <c:v>1분기</c:v>
-                </c:pt>
-                <c:pt idx="1">
-                  <c:v>2분기</c:v>
-                </c:pt>
-                <c:pt idx="2">
-                  <c:v>3분기</c:v>
-                </c:pt>
-                <c:pt idx="3">
-                  <c:v>4분기</c:v>
-                </c:pt>
-              </c:strCache>
-            </c:strRef>
-          </c:cat>
-          <c:val>
-            <c:numRef>
-              <c:f>Sheet1!$B$2:$B$5</c:f>
-              <c:numCache>
-                <c:formatCode>General</c:formatCode>
-                <c:ptCount val="4"/>
-                <c:pt idx="0">
-                  <c:v>8.1999999999999993</c:v>
-                </c:pt>
-                <c:pt idx="1">
-                  <c:v>3.2</c:v>
-                </c:pt>
-                <c:pt idx="2">
-                  <c:v>1.4</c:v>
-                </c:pt>
-                <c:pt idx="3">
-                  <c:v>1.2</c:v>
-                </c:pt>
-              </c:numCache>
-            </c:numRef>
-          </c:val>
-          <c:extLst>
-            <c:ext xmlns:c16="http://schemas.microsoft.com/office/drawing/2014/chart" uri="{C3380CC4-5D6E-409C-BE32-E72D297353CC}">
-              <c16:uniqueId val="{00000008-5AD2-496F-A1DC-998F8A8B1FDC}"/>
-            </c:ext>
-          </c:extLst>
-        </c:ser>
-        <c:dLbls>
-          <c:dLblPos val="outEnd"/>
-          <c:showLegendKey val="0"/>
-          <c:showVal val="0"/>
-          <c:showCatName val="1"/>
-          <c:showSerName val="0"/>
-          <c:showPercent val="0"/>
-          <c:showBubbleSize val="0"/>
-          <c:showLeaderLines val="1"/>
-        </c:dLbls>
-        <c:firstSliceAng val="0"/>
-      </c:pieChart>
-      <c:spPr>
-        <a:noFill/>
-        <a:ln>
-          <a:noFill/>
-        </a:ln>
-        <a:effectLst/>
-      </c:spPr>
-    </c:plotArea>
-    <c:legend>
-      <c:legendPos val="b"/>
-      <c:overlay val="0"/>
-      <c:spPr>
-        <a:noFill/>
-        <a:ln>
-          <a:noFill/>
-        </a:ln>
-        <a:effectLst/>
-      </c:spPr>
-      <c:txPr>
-        <a:bodyPr rot="0" spcFirstLastPara="1" vertOverflow="ellipsis" vert="horz" wrap="square" anchor="ctr" anchorCtr="1"/>
-        <a:lstStyle/>
-        <a:p>
-          <a:pPr>
-            <a:defRPr sz="1197" b="0" i="0" u="none" strike="noStrike" kern="1200" baseline="0">
-              <a:solidFill>
-                <a:schemeClr val="tx1">
-                  <a:lumMod val="65000"/>
-                  <a:lumOff val="35000"/>
-                </a:schemeClr>
-              </a:solidFill>
-              <a:latin typeface="+mn-lt"/>
-              <a:ea typeface="+mn-ea"/>
-              <a:cs typeface="+mn-cs"/>
-            </a:defRPr>
-          </a:pPr>
-          <a:endParaRPr lang="ko-KR"/>
-        </a:p>
-      </c:txPr>
-    </c:legend>
-    <c:plotVisOnly val="1"/>
-    <c:dispBlanksAs val="gap"/>
-    <c:showDLblsOverMax val="0"/>
-  </c:chart>
-  <c:spPr>
-    <a:noFill/>
-    <a:ln>
-      <a:noFill/>
-    </a:ln>
-    <a:effectLst/>
-  </c:spPr>
-  <c:txPr>
-    <a:bodyPr/>
-    <a:lstStyle/>
-    <a:p>
-      <a:pPr>
-        <a:defRPr/>
-      </a:pPr>
-      <a:endParaRPr lang="ko-KR"/>
-    </a:p>
-  </c:txPr>
-  <c:externalData r:id="rId3">
-    <c:autoUpdate val="0"/>
-  </c:externalData>
-</c:chartSpace>
-</file>
-
-<file path=ppt/charts/colors1.xml><?xml version="1.0" encoding="utf-8"?>
-<cs:colorStyle xmlns:cs="http://schemas.microsoft.com/office/drawing/2012/chartStyle" xmlns:a="http://schemas.openxmlformats.org/drawingml/2006/main" meth="cycle" id="10">
-  <a:schemeClr val="accent1"/>
-  <a:schemeClr val="accent2"/>
-  <a:schemeClr val="accent3"/>
-  <a:schemeClr val="accent4"/>
-  <a:schemeClr val="accent5"/>
-  <a:schemeClr val="accent6"/>
-  <cs:variation/>
-  <cs:variation>
-    <a:lumMod val="60000"/>
-  </cs:variation>
-  <cs:variation>
-    <a:lumMod val="80000"/>
-    <a:lumOff val="20000"/>
-  </cs:variation>
-  <cs:variation>
-    <a:lumMod val="80000"/>
-  </cs:variation>
-  <cs:variation>
-    <a:lumMod val="60000"/>
-    <a:lumOff val="40000"/>
-  </cs:variation>
-  <cs:variation>
-    <a:lumMod val="50000"/>
-  </cs:variation>
-  <cs:variation>
-    <a:lumMod val="70000"/>
-    <a:lumOff val="30000"/>
-  </cs:variation>
-  <cs:variation>
-    <a:lumMod val="70000"/>
-  </cs:variation>
-  <cs:variation>
-    <a:lumMod val="50000"/>
-    <a:lumOff val="50000"/>
-  </cs:variation>
-</cs:colorStyle>
-</file>
-
-<file path=ppt/charts/colors2.xml><?xml version="1.0" encoding="utf-8"?>
-<cs:colorStyle xmlns:cs="http://schemas.microsoft.com/office/drawing/2012/chartStyle" xmlns:a="http://schemas.openxmlformats.org/drawingml/2006/main" meth="cycle" id="10">
-  <a:schemeClr val="accent1"/>
-  <a:schemeClr val="accent2"/>
-  <a:schemeClr val="accent3"/>
-  <a:schemeClr val="accent4"/>
-  <a:schemeClr val="accent5"/>
-  <a:schemeClr val="accent6"/>
-  <cs:variation/>
-  <cs:variation>
-    <a:lumMod val="60000"/>
-  </cs:variation>
-  <cs:variation>
-    <a:lumMod val="80000"/>
-    <a:lumOff val="20000"/>
-  </cs:variation>
-  <cs:variation>
-    <a:lumMod val="80000"/>
-  </cs:variation>
-  <cs:variation>
-    <a:lumMod val="60000"/>
-    <a:lumOff val="40000"/>
-  </cs:variation>
-  <cs:variation>
-    <a:lumMod val="50000"/>
-  </cs:variation>
-  <cs:variation>
-    <a:lumMod val="70000"/>
-    <a:lumOff val="30000"/>
-  </cs:variation>
-  <cs:variation>
-    <a:lumMod val="70000"/>
-  </cs:variation>
-  <cs:variation>
-    <a:lumMod val="50000"/>
-    <a:lumOff val="50000"/>
-  </cs:variation>
-</cs:colorStyle>
-</file>
-
-<file path=ppt/charts/style1.xml><?xml version="1.0" encoding="utf-8"?>
-<cs:chartStyle xmlns:cs="http://schemas.microsoft.com/office/drawing/2012/chartStyle" xmlns:a="http://schemas.openxmlformats.org/drawingml/2006/main" id="201">
-  <cs:axisTitle>
-    <cs:lnRef idx="0"/>
-    <cs:fillRef idx="0"/>
-    <cs:effectRef idx="0"/>
-    <cs:fontRef idx="minor">
-      <a:schemeClr val="tx1">
-        <a:lumMod val="65000"/>
-        <a:lumOff val="35000"/>
-      </a:schemeClr>
-    </cs:fontRef>
-    <cs:defRPr sz="1330" kern="1200"/>
-  </cs:axisTitle>
-  <cs:categoryAxis>
-    <cs:lnRef idx="0"/>
-    <cs:fillRef idx="0"/>
-    <cs:effectRef idx="0"/>
-    <cs:fontRef idx="minor">
-      <a:schemeClr val="tx1">
-        <a:lumMod val="65000"/>
-        <a:lumOff val="35000"/>
-      </a:schemeClr>
-    </cs:fontRef>
-    <cs:spPr>
-      <a:ln w="9525" cap="flat" cmpd="sng" algn="ctr">
-        <a:solidFill>
-          <a:schemeClr val="tx1">
-            <a:lumMod val="15000"/>
-            <a:lumOff val="85000"/>
-          </a:schemeClr>
-        </a:solidFill>
-        <a:round/>
-      </a:ln>
-    </cs:spPr>
-    <cs:defRPr sz="1197" kern="1200"/>
-  </cs:categoryAxis>
-  <cs:chartArea mods="allowNoFillOverride allowNoLineOverride">
-    <cs:lnRef idx="0"/>
-    <cs:fillRef idx="0"/>
-    <cs:effectRef idx="0"/>
-    <cs:fontRef idx="minor">
-      <a:schemeClr val="tx1"/>
-    </cs:fontRef>
-    <cs:spPr>
-      <a:solidFill>
-        <a:schemeClr val="bg1"/>
-      </a:solidFill>
-      <a:ln w="9525" cap="flat" cmpd="sng" algn="ctr">
-        <a:solidFill>
-          <a:schemeClr val="tx1">
-            <a:lumMod val="15000"/>
-            <a:lumOff val="85000"/>
-          </a:schemeClr>
-        </a:solidFill>
-        <a:round/>
-      </a:ln>
-    </cs:spPr>
-    <cs:defRPr sz="1330" kern="1200"/>
-  </cs:chartArea>
-  <cs:dataLabel>
-    <cs:lnRef idx="0"/>
-    <cs:fillRef idx="0"/>
-    <cs:effectRef idx="0"/>
-    <cs:fontRef idx="minor">
-      <a:schemeClr val="tx1">
-        <a:lumMod val="75000"/>
-        <a:lumOff val="25000"/>
-      </a:schemeClr>
-    </cs:fontRef>
-    <cs:defRPr sz="1197" kern="1200"/>
-  </cs:dataLabel>
-  <cs:dataLabelCallout>
-    <cs:lnRef idx="0"/>
-    <cs:fillRef idx="0"/>
-    <cs:effectRef idx="0"/>
-    <cs:fontRef idx="minor">
-      <a:schemeClr val="dk1">
-        <a:lumMod val="65000"/>
-        <a:lumOff val="35000"/>
-      </a:schemeClr>
-    </cs:fontRef>
-    <cs:spPr>
-      <a:solidFill>
-        <a:schemeClr val="lt1"/>
-      </a:solidFill>
-      <a:ln>
-        <a:solidFill>
-          <a:schemeClr val="dk1">
-            <a:lumMod val="25000"/>
-            <a:lumOff val="75000"/>
-          </a:schemeClr>
-        </a:solidFill>
-      </a:ln>
-    </cs:spPr>
-    <cs:defRPr sz="1197" kern="1200"/>
-    <cs:bodyPr rot="0" spcFirstLastPara="1" vertOverflow="clip" horzOverflow="clip" vert="horz" wrap="square" lIns="36576" tIns="18288" rIns="36576" bIns="18288" anchor="ctr" anchorCtr="1">
-      <a:spAutoFit/>
-    </cs:bodyPr>
-  </cs:dataLabelCallout>
-  <cs:dataPoint>
-    <cs:lnRef idx="0"/>
-    <cs:fillRef idx="1">
-      <cs:styleClr val="auto"/>
-    </cs:fillRef>
-    <cs:effectRef idx="0"/>
-    <cs:fontRef idx="minor">
-      <a:schemeClr val="tx1"/>
-    </cs:fontRef>
-  </cs:dataPoint>
-  <cs:dataPoint3D>
-    <cs:lnRef idx="0"/>
-    <cs:fillRef idx="1">
-      <cs:styleClr val="auto"/>
-    </cs:fillRef>
-    <cs:effectRef idx="0"/>
-    <cs:fontRef idx="minor">
-      <a:schemeClr val="tx1"/>
-    </cs:fontRef>
-  </cs:dataPoint3D>
-  <cs:dataPointLine>
-    <cs:lnRef idx="0">
-      <cs:styleClr val="auto"/>
-    </cs:lnRef>
-    <cs:fillRef idx="1"/>
-    <cs:effectRef idx="0"/>
-    <cs:fontRef idx="minor">
-      <a:schemeClr val="tx1"/>
-    </cs:fontRef>
-    <cs:spPr>
-      <a:ln w="28575" cap="rnd">
-        <a:solidFill>
-          <a:schemeClr val="phClr"/>
-        </a:solidFill>
-        <a:round/>
-      </a:ln>
-    </cs:spPr>
-  </cs:dataPointLine>
-  <cs:dataPointMarker>
-    <cs:lnRef idx="0">
-      <cs:styleClr val="auto"/>
-    </cs:lnRef>
-    <cs:fillRef idx="1">
-      <cs:styleClr val="auto"/>
-    </cs:fillRef>
-    <cs:effectRef idx="0"/>
-    <cs:fontRef idx="minor">
-      <a:schemeClr val="tx1"/>
-    </cs:fontRef>
-    <cs:spPr>
-      <a:ln w="9525">
-        <a:solidFill>
-          <a:schemeClr val="phClr"/>
-        </a:solidFill>
-      </a:ln>
-    </cs:spPr>
-  </cs:dataPointMarker>
-  <cs:dataPointMarkerLayout symbol="circle" size="5"/>
-  <cs:dataPointWireframe>
-    <cs:lnRef idx="0">
-      <cs:styleClr val="auto"/>
-    </cs:lnRef>
-    <cs:fillRef idx="1"/>
-    <cs:effectRef idx="0"/>
-    <cs:fontRef idx="minor">
-      <a:schemeClr val="tx1"/>
-    </cs:fontRef>
-    <cs:spPr>
-      <a:ln w="9525" cap="rnd">
-        <a:solidFill>
-          <a:schemeClr val="phClr"/>
-        </a:solidFill>
-        <a:round/>
-      </a:ln>
-    </cs:spPr>
-  </cs:dataPointWireframe>
-  <cs:dataTable>
-    <cs:lnRef idx="0"/>
-    <cs:fillRef idx="0"/>
-    <cs:effectRef idx="0"/>
-    <cs:fontRef idx="minor">
-      <a:schemeClr val="tx1">
-        <a:lumMod val="65000"/>
-        <a:lumOff val="35000"/>
-      </a:schemeClr>
-    </cs:fontRef>
-    <cs:spPr>
-      <a:noFill/>
-      <a:ln w="9525" cap="flat" cmpd="sng" algn="ctr">
-        <a:solidFill>
-          <a:schemeClr val="tx1">
-            <a:lumMod val="15000"/>
-            <a:lumOff val="85000"/>
-          </a:schemeClr>
-        </a:solidFill>
-        <a:round/>
-      </a:ln>
-    </cs:spPr>
-    <cs:defRPr sz="1197" kern="1200"/>
-  </cs:dataTable>
-  <cs:downBar>
-    <cs:lnRef idx="0"/>
-    <cs:fillRef idx="0"/>
-    <cs:effectRef idx="0"/>
-    <cs:fontRef idx="minor">
-      <a:schemeClr val="dk1"/>
-    </cs:fontRef>
-    <cs:spPr>
-      <a:solidFill>
-        <a:schemeClr val="dk1">
-          <a:lumMod val="65000"/>
-          <a:lumOff val="35000"/>
-        </a:schemeClr>
-      </a:solidFill>
-      <a:ln w="9525">
-        <a:solidFill>
-          <a:schemeClr val="tx1">
-            <a:lumMod val="65000"/>
-            <a:lumOff val="35000"/>
-          </a:schemeClr>
-        </a:solidFill>
-      </a:ln>
-    </cs:spPr>
-  </cs:downBar>
-  <cs:dropLine>
-    <cs:lnRef idx="0"/>
-    <cs:fillRef idx="0"/>
-    <cs:effectRef idx="0"/>
-    <cs:fontRef idx="minor">
-      <a:schemeClr val="tx1"/>
-    </cs:fontRef>
-    <cs:spPr>
-      <a:ln w="9525" cap="flat" cmpd="sng" algn="ctr">
-        <a:solidFill>
-          <a:schemeClr val="tx1">
-            <a:lumMod val="35000"/>
-            <a:lumOff val="65000"/>
-          </a:schemeClr>
-        </a:solidFill>
-        <a:round/>
-      </a:ln>
-    </cs:spPr>
-  </cs:dropLine>
-  <cs:errorBar>
-    <cs:lnRef idx="0"/>
-    <cs:fillRef idx="0"/>
-    <cs:effectRef idx="0"/>
-    <cs:fontRef idx="minor">
-      <a:schemeClr val="tx1"/>
-    </cs:fontRef>
-    <cs:spPr>
-      <a:ln w="9525" cap="flat" cmpd="sng" algn="ctr">
-        <a:solidFill>
-          <a:schemeClr val="tx1">
-            <a:lumMod val="65000"/>
-            <a:lumOff val="35000"/>
-          </a:schemeClr>
-        </a:solidFill>
-        <a:round/>
-      </a:ln>
-    </cs:spPr>
-  </cs:errorBar>
-  <cs:floor>
-    <cs:lnRef idx="0"/>
-    <cs:fillRef idx="0"/>
-    <cs:effectRef idx="0"/>
-    <cs:fontRef idx="minor">
-      <a:schemeClr val="tx1"/>
-    </cs:fontRef>
-    <cs:spPr>
-      <a:noFill/>
-      <a:ln>
-        <a:noFill/>
-      </a:ln>
-    </cs:spPr>
-  </cs:floor>
-  <cs:gridlineMajor>
-    <cs:lnRef idx="0"/>
-    <cs:fillRef idx="0"/>
-    <cs:effectRef idx="0"/>
-    <cs:fontRef idx="minor">
-      <a:schemeClr val="tx1"/>
-    </cs:fontRef>
-    <cs:spPr>
-      <a:ln w="9525" cap="flat" cmpd="sng" algn="ctr">
-        <a:solidFill>
-          <a:schemeClr val="tx1">
-            <a:lumMod val="15000"/>
-            <a:lumOff val="85000"/>
-          </a:schemeClr>
-        </a:solidFill>
-        <a:round/>
-      </a:ln>
-    </cs:spPr>
-  </cs:gridlineMajor>
-  <cs:gridlineMinor>
-    <cs:lnRef idx="0"/>
-    <cs:fillRef idx="0"/>
-    <cs:effectRef idx="0"/>
-    <cs:fontRef idx="minor">
-      <a:schemeClr val="tx1"/>
-    </cs:fontRef>
-    <cs:spPr>
-      <a:ln w="9525" cap="flat" cmpd="sng" algn="ctr">
-        <a:solidFill>
-          <a:schemeClr val="tx1">
-            <a:lumMod val="5000"/>
-            <a:lumOff val="95000"/>
-          </a:schemeClr>
-        </a:solidFill>
-        <a:round/>
-      </a:ln>
-    </cs:spPr>
-  </cs:gridlineMinor>
-  <cs:hiLoLine>
-    <cs:lnRef idx="0"/>
-    <cs:fillRef idx="0"/>
-    <cs:effectRef idx="0"/>
-    <cs:fontRef idx="minor">
-      <a:schemeClr val="tx1"/>
-    </cs:fontRef>
-    <cs:spPr>
-      <a:ln w="9525" cap="flat" cmpd="sng" algn="ctr">
-        <a:solidFill>
-          <a:schemeClr val="tx1">
-            <a:lumMod val="75000"/>
-            <a:lumOff val="25000"/>
-          </a:schemeClr>
-        </a:solidFill>
-        <a:round/>
-      </a:ln>
-    </cs:spPr>
-  </cs:hiLoLine>
-  <cs:leaderLine>
-    <cs:lnRef idx="0"/>
-    <cs:fillRef idx="0"/>
-    <cs:effectRef idx="0"/>
-    <cs:fontRef idx="minor">
-      <a:schemeClr val="tx1"/>
-    </cs:fontRef>
-    <cs:spPr>
-      <a:ln w="9525" cap="flat" cmpd="sng" algn="ctr">
-        <a:solidFill>
-          <a:schemeClr val="tx1">
-            <a:lumMod val="35000"/>
-            <a:lumOff val="65000"/>
-          </a:schemeClr>
-        </a:solidFill>
-        <a:round/>
-      </a:ln>
-    </cs:spPr>
-  </cs:leaderLine>
-  <cs:legend>
-    <cs:lnRef idx="0"/>
-    <cs:fillRef idx="0"/>
-    <cs:effectRef idx="0"/>
-    <cs:fontRef idx="minor">
-      <a:schemeClr val="tx1">
-        <a:lumMod val="65000"/>
-        <a:lumOff val="35000"/>
-      </a:schemeClr>
-    </cs:fontRef>
-    <cs:defRPr sz="1197" kern="1200"/>
-  </cs:legend>
-  <cs:plotArea mods="allowNoFillOverride allowNoLineOverride">
-    <cs:lnRef idx="0"/>
-    <cs:fillRef idx="0"/>
-    <cs:effectRef idx="0"/>
-    <cs:fontRef idx="minor">
-      <a:schemeClr val="tx1"/>
-    </cs:fontRef>
-  </cs:plotArea>
-  <cs:plotArea3D mods="allowNoFillOverride allowNoLineOverride">
-    <cs:lnRef idx="0"/>
-    <cs:fillRef idx="0"/>
-    <cs:effectRef idx="0"/>
-    <cs:fontRef idx="minor">
-      <a:schemeClr val="tx1"/>
-    </cs:fontRef>
-  </cs:plotArea3D>
-  <cs:seriesAxis>
-    <cs:lnRef idx="0"/>
-    <cs:fillRef idx="0"/>
-    <cs:effectRef idx="0"/>
-    <cs:fontRef idx="minor">
-      <a:schemeClr val="tx1">
-        <a:lumMod val="65000"/>
-        <a:lumOff val="35000"/>
-      </a:schemeClr>
-    </cs:fontRef>
-    <cs:defRPr sz="1197" kern="1200"/>
-  </cs:seriesAxis>
-  <cs:seriesLine>
-    <cs:lnRef idx="0"/>
-    <cs:fillRef idx="0"/>
-    <cs:effectRef idx="0"/>
-    <cs:fontRef idx="minor">
-      <a:schemeClr val="tx1"/>
-    </cs:fontRef>
-    <cs:spPr>
-      <a:ln w="9525" cap="flat" cmpd="sng" algn="ctr">
-        <a:solidFill>
-          <a:schemeClr val="tx1">
-            <a:lumMod val="35000"/>
-            <a:lumOff val="65000"/>
-          </a:schemeClr>
-        </a:solidFill>
-        <a:round/>
-      </a:ln>
-    </cs:spPr>
-  </cs:seriesLine>
-  <cs:title>
-    <cs:lnRef idx="0"/>
-    <cs:fillRef idx="0"/>
-    <cs:effectRef idx="0"/>
-    <cs:fontRef idx="minor">
-      <a:schemeClr val="tx1">
-        <a:lumMod val="65000"/>
-        <a:lumOff val="35000"/>
-      </a:schemeClr>
-    </cs:fontRef>
-    <cs:defRPr sz="1862" b="0" kern="1200" spc="0" baseline="0"/>
-  </cs:title>
-  <cs:trendline>
-    <cs:lnRef idx="0">
-      <cs:styleClr val="auto"/>
-    </cs:lnRef>
-    <cs:fillRef idx="0"/>
-    <cs:effectRef idx="0"/>
-    <cs:fontRef idx="minor">
-      <a:schemeClr val="tx1"/>
-    </cs:fontRef>
-    <cs:spPr>
-      <a:ln w="19050" cap="rnd">
-        <a:solidFill>
-          <a:schemeClr val="phClr"/>
-        </a:solidFill>
-        <a:prstDash val="sysDot"/>
-      </a:ln>
-    </cs:spPr>
-  </cs:trendline>
-  <cs:trendlineLabel>
-    <cs:lnRef idx="0"/>
-    <cs:fillRef idx="0"/>
-    <cs:effectRef idx="0"/>
-    <cs:fontRef idx="minor">
-      <a:schemeClr val="tx1">
-        <a:lumMod val="65000"/>
-        <a:lumOff val="35000"/>
-      </a:schemeClr>
-    </cs:fontRef>
-    <cs:defRPr sz="1197" kern="1200"/>
-  </cs:trendlineLabel>
-  <cs:upBar>
-    <cs:lnRef idx="0"/>
-    <cs:fillRef idx="0"/>
-    <cs:effectRef idx="0"/>
-    <cs:fontRef idx="minor">
-      <a:schemeClr val="dk1"/>
-    </cs:fontRef>
-    <cs:spPr>
-      <a:solidFill>
-        <a:schemeClr val="lt1"/>
-      </a:solidFill>
-      <a:ln w="9525">
-        <a:solidFill>
-          <a:schemeClr val="tx1">
-            <a:lumMod val="15000"/>
-            <a:lumOff val="85000"/>
-          </a:schemeClr>
-        </a:solidFill>
-      </a:ln>
-    </cs:spPr>
-  </cs:upBar>
-  <cs:valueAxis>
-    <cs:lnRef idx="0"/>
-    <cs:fillRef idx="0"/>
-    <cs:effectRef idx="0"/>
-    <cs:fontRef idx="minor">
-      <a:schemeClr val="tx1">
-        <a:lumMod val="65000"/>
-        <a:lumOff val="35000"/>
-      </a:schemeClr>
-    </cs:fontRef>
-    <cs:defRPr sz="1197" kern="1200"/>
-  </cs:valueAxis>
-  <cs:wall>
-    <cs:lnRef idx="0"/>
-    <cs:fillRef idx="0"/>
-    <cs:effectRef idx="0"/>
-    <cs:fontRef idx="minor">
-      <a:schemeClr val="tx1"/>
-    </cs:fontRef>
-    <cs:spPr>
-      <a:noFill/>
-      <a:ln>
-        <a:noFill/>
-      </a:ln>
-    </cs:spPr>
-  </cs:wall>
-</cs:chartStyle>
-</file>
-
-<file path=ppt/charts/style2.xml><?xml version="1.0" encoding="utf-8"?>
-<cs:chartStyle xmlns:cs="http://schemas.microsoft.com/office/drawing/2012/chartStyle" xmlns:a="http://schemas.openxmlformats.org/drawingml/2006/main" id="251">
-  <cs:axisTitle>
-    <cs:lnRef idx="0"/>
-    <cs:fillRef idx="0"/>
-    <cs:effectRef idx="0"/>
-    <cs:fontRef idx="minor">
-      <a:schemeClr val="tx1">
-        <a:lumMod val="65000"/>
-        <a:lumOff val="35000"/>
-      </a:schemeClr>
-    </cs:fontRef>
-    <cs:defRPr sz="1330" kern="1200"/>
-  </cs:axisTitle>
-  <cs:categoryAxis>
-    <cs:lnRef idx="0"/>
-    <cs:fillRef idx="0"/>
-    <cs:effectRef idx="0"/>
-    <cs:fontRef idx="minor">
-      <a:schemeClr val="tx1">
-        <a:lumMod val="65000"/>
-        <a:lumOff val="35000"/>
-      </a:schemeClr>
-    </cs:fontRef>
-    <cs:spPr>
-      <a:ln w="9525" cap="flat" cmpd="sng" algn="ctr">
-        <a:solidFill>
-          <a:schemeClr val="tx1">
-            <a:lumMod val="15000"/>
-            <a:lumOff val="85000"/>
-          </a:schemeClr>
-        </a:solidFill>
-        <a:round/>
-      </a:ln>
-    </cs:spPr>
-    <cs:defRPr sz="1197" kern="1200"/>
-  </cs:categoryAxis>
-  <cs:chartArea mods="allowNoFillOverride allowNoLineOverride">
-    <cs:lnRef idx="0"/>
-    <cs:fillRef idx="0"/>
-    <cs:effectRef idx="0"/>
-    <cs:fontRef idx="minor">
-      <a:schemeClr val="tx1"/>
-    </cs:fontRef>
-    <cs:spPr>
-      <a:solidFill>
-        <a:schemeClr val="bg1"/>
-      </a:solidFill>
-      <a:ln w="9525" cap="flat" cmpd="sng" algn="ctr">
-        <a:solidFill>
-          <a:schemeClr val="tx1">
-            <a:lumMod val="15000"/>
-            <a:lumOff val="85000"/>
-          </a:schemeClr>
-        </a:solidFill>
-        <a:round/>
-      </a:ln>
-    </cs:spPr>
-    <cs:defRPr sz="1197" kern="1200"/>
-  </cs:chartArea>
-  <cs:dataLabel>
-    <cs:lnRef idx="0"/>
-    <cs:fillRef idx="0"/>
-    <cs:effectRef idx="0"/>
-    <cs:fontRef idx="minor">
-      <a:schemeClr val="tx1">
-        <a:lumMod val="75000"/>
-        <a:lumOff val="25000"/>
-      </a:schemeClr>
-    </cs:fontRef>
-    <cs:defRPr sz="1197" kern="1200"/>
-  </cs:dataLabel>
-  <cs:dataLabelCallout>
-    <cs:lnRef idx="0"/>
-    <cs:fillRef idx="0"/>
-    <cs:effectRef idx="0"/>
-    <cs:fontRef idx="minor">
-      <a:schemeClr val="dk1">
-        <a:lumMod val="65000"/>
-        <a:lumOff val="35000"/>
-      </a:schemeClr>
-    </cs:fontRef>
-    <cs:spPr>
-      <a:solidFill>
-        <a:schemeClr val="lt1"/>
-      </a:solidFill>
-      <a:ln>
-        <a:solidFill>
-          <a:schemeClr val="dk1">
-            <a:lumMod val="25000"/>
-            <a:lumOff val="75000"/>
-          </a:schemeClr>
-        </a:solidFill>
-      </a:ln>
-    </cs:spPr>
-    <cs:defRPr sz="1197" kern="1200"/>
-    <cs:bodyPr rot="0" spcFirstLastPara="1" vertOverflow="clip" horzOverflow="clip" vert="horz" wrap="square" lIns="36576" tIns="18288" rIns="36576" bIns="18288" anchor="ctr" anchorCtr="1">
-      <a:spAutoFit/>
-    </cs:bodyPr>
-  </cs:dataLabelCallout>
-  <cs:dataPoint>
-    <cs:lnRef idx="0"/>
-    <cs:fillRef idx="1">
-      <cs:styleClr val="auto"/>
-    </cs:fillRef>
-    <cs:effectRef idx="0"/>
-    <cs:fontRef idx="minor">
-      <a:schemeClr val="tx1"/>
-    </cs:fontRef>
-    <cs:spPr>
-      <a:ln w="19050">
-        <a:solidFill>
-          <a:schemeClr val="lt1"/>
-        </a:solidFill>
-      </a:ln>
-    </cs:spPr>
-  </cs:dataPoint>
-  <cs:dataPoint3D>
-    <cs:lnRef idx="0"/>
-    <cs:fillRef idx="1">
-      <cs:styleClr val="auto"/>
-    </cs:fillRef>
-    <cs:effectRef idx="0"/>
-    <cs:fontRef idx="minor">
-      <a:schemeClr val="tx1"/>
-    </cs:fontRef>
-    <cs:spPr>
-      <a:ln w="25400">
-        <a:solidFill>
-          <a:schemeClr val="lt1"/>
-        </a:solidFill>
-      </a:ln>
-    </cs:spPr>
-  </cs:dataPoint3D>
-  <cs:dataPointLine>
-    <cs:lnRef idx="0">
-      <cs:styleClr val="auto"/>
-    </cs:lnRef>
-    <cs:fillRef idx="0"/>
-    <cs:effectRef idx="0"/>
-    <cs:fontRef idx="minor">
-      <a:schemeClr val="tx1"/>
-    </cs:fontRef>
-    <cs:spPr>
-      <a:ln w="28575" cap="rnd">
-        <a:solidFill>
-          <a:schemeClr val="phClr"/>
-        </a:solidFill>
-        <a:round/>
-      </a:ln>
-    </cs:spPr>
-  </cs:dataPointLine>
-  <cs:dataPointMarker>
-    <cs:lnRef idx="0">
-      <cs:styleClr val="auto"/>
-    </cs:lnRef>
-    <cs:fillRef idx="1">
-      <cs:styleClr val="auto"/>
-    </cs:fillRef>
-    <cs:effectRef idx="0"/>
-    <cs:fontRef idx="minor">
-      <a:schemeClr val="tx1"/>
-    </cs:fontRef>
-    <cs:spPr>
-      <a:ln w="9525">
-        <a:solidFill>
-          <a:schemeClr val="phClr"/>
-        </a:solidFill>
-      </a:ln>
-    </cs:spPr>
-  </cs:dataPointMarker>
-  <cs:dataPointMarkerLayout symbol="circle" size="5"/>
-  <cs:dataPointWireframe>
-    <cs:lnRef idx="0">
-      <cs:styleClr val="auto"/>
-    </cs:lnRef>
-    <cs:fillRef idx="0"/>
-    <cs:effectRef idx="0"/>
-    <cs:fontRef idx="minor">
-      <a:schemeClr val="tx1"/>
-    </cs:fontRef>
-    <cs:spPr>
-      <a:ln w="9525" cap="rnd">
-        <a:solidFill>
-          <a:schemeClr val="phClr"/>
-        </a:solidFill>
-        <a:round/>
-      </a:ln>
-    </cs:spPr>
-  </cs:dataPointWireframe>
-  <cs:dataTable>
-    <cs:lnRef idx="0"/>
-    <cs:fillRef idx="0"/>
-    <cs:effectRef idx="0"/>
-    <cs:fontRef idx="minor">
-      <a:schemeClr val="tx1">
-        <a:lumMod val="65000"/>
-        <a:lumOff val="35000"/>
-      </a:schemeClr>
-    </cs:fontRef>
-    <cs:spPr>
-      <a:noFill/>
-      <a:ln w="9525" cap="flat" cmpd="sng" algn="ctr">
-        <a:solidFill>
-          <a:schemeClr val="tx1">
-            <a:lumMod val="15000"/>
-            <a:lumOff val="85000"/>
-          </a:schemeClr>
-        </a:solidFill>
-        <a:round/>
-      </a:ln>
-    </cs:spPr>
-    <cs:defRPr sz="1197" kern="1200"/>
-  </cs:dataTable>
-  <cs:downBar>
-    <cs:lnRef idx="0"/>
-    <cs:fillRef idx="0"/>
-    <cs:effectRef idx="0"/>
-    <cs:fontRef idx="minor">
-      <a:schemeClr val="tx1"/>
-    </cs:fontRef>
-    <cs:spPr>
-      <a:solidFill>
-        <a:schemeClr val="dk1">
-          <a:lumMod val="75000"/>
-          <a:lumOff val="25000"/>
-        </a:schemeClr>
-      </a:solidFill>
-      <a:ln w="9525" cap="flat" cmpd="sng" algn="ctr">
-        <a:solidFill>
-          <a:schemeClr val="tx1">
-            <a:lumMod val="65000"/>
-            <a:lumOff val="35000"/>
-          </a:schemeClr>
-        </a:solidFill>
-        <a:round/>
-      </a:ln>
-    </cs:spPr>
-  </cs:downBar>
-  <cs:dropLine>
-    <cs:lnRef idx="0"/>
-    <cs:fillRef idx="0"/>
-    <cs:effectRef idx="0"/>
-    <cs:fontRef idx="minor">
-      <a:schemeClr val="tx1"/>
-    </cs:fontRef>
-    <cs:spPr>
-      <a:ln w="9525" cap="flat" cmpd="sng" algn="ctr">
-        <a:solidFill>
-          <a:schemeClr val="tx1">
-            <a:lumMod val="35000"/>
-            <a:lumOff val="65000"/>
-          </a:schemeClr>
-        </a:solidFill>
-        <a:round/>
-      </a:ln>
-    </cs:spPr>
-  </cs:dropLine>
-  <cs:errorBar>
-    <cs:lnRef idx="0"/>
-    <cs:fillRef idx="0"/>
-    <cs:effectRef idx="0"/>
-    <cs:fontRef idx="minor">
-      <a:schemeClr val="tx1"/>
-    </cs:fontRef>
-    <cs:spPr>
-      <a:ln w="9525" cap="flat" cmpd="sng" algn="ctr">
-        <a:solidFill>
-          <a:schemeClr val="tx1">
-            <a:lumMod val="65000"/>
-            <a:lumOff val="35000"/>
-          </a:schemeClr>
-        </a:solidFill>
-        <a:round/>
-      </a:ln>
-    </cs:spPr>
-  </cs:errorBar>
-  <cs:floor>
-    <cs:lnRef idx="0"/>
-    <cs:fillRef idx="0"/>
-    <cs:effectRef idx="0"/>
-    <cs:fontRef idx="minor">
-      <a:schemeClr val="tx1"/>
-    </cs:fontRef>
-    <cs:spPr>
-      <a:noFill/>
-      <a:ln>
-        <a:noFill/>
-      </a:ln>
-    </cs:spPr>
-  </cs:floor>
-  <cs:gridlineMajor>
-    <cs:lnRef idx="0"/>
-    <cs:fillRef idx="0"/>
-    <cs:effectRef idx="0"/>
-    <cs:fontRef idx="minor">
-      <a:schemeClr val="tx1"/>
-    </cs:fontRef>
-    <cs:spPr>
-      <a:ln w="9525" cap="flat" cmpd="sng" algn="ctr">
-        <a:solidFill>
-          <a:schemeClr val="tx1">
-            <a:lumMod val="15000"/>
-            <a:lumOff val="85000"/>
-          </a:schemeClr>
-        </a:solidFill>
-        <a:round/>
-      </a:ln>
-    </cs:spPr>
-  </cs:gridlineMajor>
-  <cs:gridlineMinor>
-    <cs:lnRef idx="0"/>
-    <cs:fillRef idx="0"/>
-    <cs:effectRef idx="0"/>
-    <cs:fontRef idx="minor">
-      <a:schemeClr val="tx1"/>
-    </cs:fontRef>
-    <cs:spPr>
-      <a:ln w="9525" cap="flat" cmpd="sng" algn="ctr">
-        <a:solidFill>
-          <a:schemeClr val="tx1">
-            <a:lumMod val="5000"/>
-            <a:lumOff val="95000"/>
-          </a:schemeClr>
-        </a:solidFill>
-        <a:round/>
-      </a:ln>
-    </cs:spPr>
-  </cs:gridlineMinor>
-  <cs:hiLoLine>
-    <cs:lnRef idx="0"/>
-    <cs:fillRef idx="0"/>
-    <cs:effectRef idx="0"/>
-    <cs:fontRef idx="minor">
-      <a:schemeClr val="tx1"/>
-    </cs:fontRef>
-    <cs:spPr>
-      <a:ln w="9525" cap="flat" cmpd="sng" algn="ctr">
-        <a:solidFill>
-          <a:schemeClr val="tx1">
-            <a:lumMod val="50000"/>
-            <a:lumOff val="50000"/>
-          </a:schemeClr>
-        </a:solidFill>
-        <a:round/>
-      </a:ln>
-    </cs:spPr>
-  </cs:hiLoLine>
-  <cs:leaderLine>
-    <cs:lnRef idx="0"/>
-    <cs:fillRef idx="0"/>
-    <cs:effectRef idx="0"/>
-    <cs:fontRef idx="minor">
-      <a:schemeClr val="tx1"/>
-    </cs:fontRef>
-    <cs:spPr>
-      <a:ln w="9525" cap="flat" cmpd="sng" algn="ctr">
-        <a:solidFill>
-          <a:schemeClr val="tx1">
-            <a:lumMod val="35000"/>
-            <a:lumOff val="65000"/>
-          </a:schemeClr>
-        </a:solidFill>
-        <a:round/>
-      </a:ln>
-    </cs:spPr>
-  </cs:leaderLine>
-  <cs:legend>
-    <cs:lnRef idx="0"/>
-    <cs:fillRef idx="0"/>
-    <cs:effectRef idx="0"/>
-    <cs:fontRef idx="minor">
-      <a:schemeClr val="tx1">
-        <a:lumMod val="65000"/>
-        <a:lumOff val="35000"/>
-      </a:schemeClr>
-    </cs:fontRef>
-    <cs:defRPr sz="1197" kern="1200"/>
-  </cs:legend>
-  <cs:plotArea mods="allowNoFillOverride allowNoLineOverride">
-    <cs:lnRef idx="0"/>
-    <cs:fillRef idx="0"/>
-    <cs:effectRef idx="0"/>
-    <cs:fontRef idx="minor">
-      <a:schemeClr val="tx1"/>
-    </cs:fontRef>
-  </cs:plotArea>
-  <cs:plotArea3D mods="allowNoFillOverride allowNoLineOverride">
-    <cs:lnRef idx="0"/>
-    <cs:fillRef idx="0"/>
-    <cs:effectRef idx="0"/>
-    <cs:fontRef idx="minor">
-      <a:schemeClr val="tx1"/>
-    </cs:fontRef>
-  </cs:plotArea3D>
-  <cs:seriesAxis>
-    <cs:lnRef idx="0"/>
-    <cs:fillRef idx="0"/>
-    <cs:effectRef idx="0"/>
-    <cs:fontRef idx="minor">
-      <a:schemeClr val="tx1">
-        <a:lumMod val="65000"/>
-        <a:lumOff val="35000"/>
-      </a:schemeClr>
-    </cs:fontRef>
-    <cs:defRPr sz="1197" kern="1200"/>
-  </cs:seriesAxis>
-  <cs:seriesLine>
-    <cs:lnRef idx="0"/>
-    <cs:fillRef idx="0"/>
-    <cs:effectRef idx="0"/>
-    <cs:fontRef idx="minor">
-      <a:schemeClr val="tx1"/>
-    </cs:fontRef>
-    <cs:spPr>
-      <a:ln w="9525" cap="flat" cmpd="sng" algn="ctr">
-        <a:solidFill>
-          <a:schemeClr val="tx1">
-            <a:lumMod val="35000"/>
-            <a:lumOff val="65000"/>
-          </a:schemeClr>
-        </a:solidFill>
-        <a:round/>
-      </a:ln>
-    </cs:spPr>
-  </cs:seriesLine>
-  <cs:title>
-    <cs:lnRef idx="0"/>
-    <cs:fillRef idx="0"/>
-    <cs:effectRef idx="0"/>
-    <cs:fontRef idx="minor">
-      <a:schemeClr val="tx1">
-        <a:lumMod val="65000"/>
-        <a:lumOff val="35000"/>
-      </a:schemeClr>
-    </cs:fontRef>
-    <cs:defRPr sz="1862" b="0" kern="1200" spc="0" baseline="0"/>
-  </cs:title>
-  <cs:trendline>
-    <cs:lnRef idx="0">
-      <cs:styleClr val="auto"/>
-    </cs:lnRef>
-    <cs:fillRef idx="0"/>
-    <cs:effectRef idx="0"/>
-    <cs:fontRef idx="minor">
-      <a:schemeClr val="tx1"/>
-    </cs:fontRef>
-    <cs:spPr>
-      <a:ln w="19050" cap="rnd">
-        <a:solidFill>
-          <a:schemeClr val="phClr"/>
-        </a:solidFill>
-        <a:prstDash val="sysDot"/>
-      </a:ln>
-    </cs:spPr>
-  </cs:trendline>
-  <cs:trendlineLabel>
-    <cs:lnRef idx="0"/>
-    <cs:fillRef idx="0"/>
-    <cs:effectRef idx="0"/>
-    <cs:fontRef idx="minor">
-      <a:schemeClr val="tx1">
-        <a:lumMod val="65000"/>
-        <a:lumOff val="35000"/>
-      </a:schemeClr>
-    </cs:fontRef>
-    <cs:defRPr sz="1197" kern="1200"/>
-  </cs:trendlineLabel>
-  <cs:upBar>
-    <cs:lnRef idx="0"/>
-    <cs:fillRef idx="0"/>
-    <cs:effectRef idx="0"/>
-    <cs:fontRef idx="minor">
-      <a:schemeClr val="tx1"/>
-    </cs:fontRef>
-    <cs:spPr>
-      <a:solidFill>
-        <a:schemeClr val="lt1"/>
-      </a:solidFill>
-      <a:ln w="9525" cap="flat" cmpd="sng" algn="ctr">
-        <a:solidFill>
-          <a:schemeClr val="tx1">
-            <a:lumMod val="65000"/>
-            <a:lumOff val="35000"/>
-          </a:schemeClr>
-        </a:solidFill>
-        <a:round/>
-      </a:ln>
-    </cs:spPr>
-  </cs:upBar>
-  <cs:valueAxis>
-    <cs:lnRef idx="0"/>
-    <cs:fillRef idx="0"/>
-    <cs:effectRef idx="0"/>
-    <cs:fontRef idx="minor">
-      <a:schemeClr val="tx1">
-        <a:lumMod val="65000"/>
-        <a:lumOff val="35000"/>
-      </a:schemeClr>
-    </cs:fontRef>
-    <cs:defRPr sz="1197" kern="1200"/>
-  </cs:valueAxis>
-  <cs:wall>
-    <cs:lnRef idx="0"/>
-    <cs:fillRef idx="0"/>
-    <cs:effectRef idx="0"/>
-    <cs:fontRef idx="minor">
-      <a:schemeClr val="tx1"/>
-    </cs:fontRef>
-    <cs:spPr>
-      <a:noFill/>
-      <a:ln>
-        <a:noFill/>
-      </a:ln>
-    </cs:spPr>
-  </cs:wall>
-</cs:chartStyle>
-</file>
-
 <file path=ppt/handoutMasters/handoutMaster1.xml><?xml version="1.0" encoding="utf-8"?>
 <p:handoutMaster xmlns:a="http://schemas.openxmlformats.org/drawingml/2006/main" xmlns:r="http://schemas.openxmlformats.org/officeDocument/2006/relationships" xmlns:p="http://schemas.openxmlformats.org/presentationml/2006/main">
   <p:cSld>
@@ -2177,7 +304,7 @@
           <a:p>
             <a:fld id="{22DC2647-C259-4EB5-84B8-93A3F8E54DE7}" type="datetimeFigureOut">
               <a:rPr lang="ko-KR" altLang="en-US" smtClean="0"/>
-              <a:t>2017-11-16</a:t>
+              <a:t>2023-10-03</a:t>
             </a:fld>
             <a:endParaRPr lang="ko-KR" altLang="en-US"/>
           </a:p>
@@ -2325,7 +452,7 @@
           <a:p>
             <a:fld id="{8771C398-EBCC-4210-8AFD-1D056CED0821}" type="datetimeFigureOut">
               <a:rPr lang="ko-KR" altLang="en-US" smtClean="0"/>
-              <a:t>2017-11-16</a:t>
+              <a:t>2023-10-03</a:t>
             </a:fld>
             <a:endParaRPr lang="ko-KR" altLang="en-US"/>
           </a:p>
@@ -2495,7 +622,7 @@
           <a:p>
             <a:fld id="{8771C398-EBCC-4210-8AFD-1D056CED0821}" type="datetimeFigureOut">
               <a:rPr lang="ko-KR" altLang="en-US" smtClean="0"/>
-              <a:t>2017-11-16</a:t>
+              <a:t>2023-10-03</a:t>
             </a:fld>
             <a:endParaRPr lang="ko-KR" altLang="en-US"/>
           </a:p>
@@ -2675,7 +802,7 @@
           <a:p>
             <a:fld id="{8771C398-EBCC-4210-8AFD-1D056CED0821}" type="datetimeFigureOut">
               <a:rPr lang="ko-KR" altLang="en-US" smtClean="0"/>
-              <a:t>2017-11-16</a:t>
+              <a:t>2023-10-03</a:t>
             </a:fld>
             <a:endParaRPr lang="ko-KR" altLang="en-US"/>
           </a:p>
@@ -2845,7 +972,7 @@
           <a:p>
             <a:fld id="{8771C398-EBCC-4210-8AFD-1D056CED0821}" type="datetimeFigureOut">
               <a:rPr lang="ko-KR" altLang="en-US" smtClean="0"/>
-              <a:t>2017-11-16</a:t>
+              <a:t>2023-10-03</a:t>
             </a:fld>
             <a:endParaRPr lang="ko-KR" altLang="en-US"/>
           </a:p>
@@ -3089,7 +1216,7 @@
           <a:p>
             <a:fld id="{8771C398-EBCC-4210-8AFD-1D056CED0821}" type="datetimeFigureOut">
               <a:rPr lang="ko-KR" altLang="en-US" smtClean="0"/>
-              <a:t>2017-11-16</a:t>
+              <a:t>2023-10-03</a:t>
             </a:fld>
             <a:endParaRPr lang="ko-KR" altLang="en-US"/>
           </a:p>
@@ -3321,7 +1448,7 @@
           <a:p>
             <a:fld id="{8771C398-EBCC-4210-8AFD-1D056CED0821}" type="datetimeFigureOut">
               <a:rPr lang="ko-KR" altLang="en-US" smtClean="0"/>
-              <a:t>2017-11-16</a:t>
+              <a:t>2023-10-03</a:t>
             </a:fld>
             <a:endParaRPr lang="ko-KR" altLang="en-US"/>
           </a:p>
@@ -3688,7 +1815,7 @@
           <a:p>
             <a:fld id="{8771C398-EBCC-4210-8AFD-1D056CED0821}" type="datetimeFigureOut">
               <a:rPr lang="ko-KR" altLang="en-US" smtClean="0"/>
-              <a:t>2017-11-16</a:t>
+              <a:t>2023-10-03</a:t>
             </a:fld>
             <a:endParaRPr lang="ko-KR" altLang="en-US"/>
           </a:p>
@@ -3806,7 +1933,7 @@
           <a:p>
             <a:fld id="{8771C398-EBCC-4210-8AFD-1D056CED0821}" type="datetimeFigureOut">
               <a:rPr lang="ko-KR" altLang="en-US" smtClean="0"/>
-              <a:t>2017-11-16</a:t>
+              <a:t>2023-10-03</a:t>
             </a:fld>
             <a:endParaRPr lang="ko-KR" altLang="en-US"/>
           </a:p>
@@ -3901,7 +2028,7 @@
           <a:p>
             <a:fld id="{8771C398-EBCC-4210-8AFD-1D056CED0821}" type="datetimeFigureOut">
               <a:rPr lang="ko-KR" altLang="en-US" smtClean="0"/>
-              <a:t>2017-11-16</a:t>
+              <a:t>2023-10-03</a:t>
             </a:fld>
             <a:endParaRPr lang="ko-KR" altLang="en-US"/>
           </a:p>
@@ -4178,7 +2305,7 @@
           <a:p>
             <a:fld id="{8771C398-EBCC-4210-8AFD-1D056CED0821}" type="datetimeFigureOut">
               <a:rPr lang="ko-KR" altLang="en-US" smtClean="0"/>
-              <a:t>2017-11-16</a:t>
+              <a:t>2023-10-03</a:t>
             </a:fld>
             <a:endParaRPr lang="ko-KR" altLang="en-US"/>
           </a:p>
@@ -4435,7 +2562,7 @@
           <a:p>
             <a:fld id="{8771C398-EBCC-4210-8AFD-1D056CED0821}" type="datetimeFigureOut">
               <a:rPr lang="ko-KR" altLang="en-US" smtClean="0"/>
-              <a:t>2017-11-16</a:t>
+              <a:t>2023-10-03</a:t>
             </a:fld>
             <a:endParaRPr lang="ko-KR" altLang="en-US"/>
           </a:p>
@@ -4651,7 +2778,7 @@
           <a:p>
             <a:fld id="{8771C398-EBCC-4210-8AFD-1D056CED0821}" type="datetimeFigureOut">
               <a:rPr lang="ko-KR" altLang="en-US" smtClean="0"/>
-              <a:t>2017-11-16</a:t>
+              <a:t>2023-10-03</a:t>
             </a:fld>
             <a:endParaRPr lang="ko-KR" altLang="en-US"/>
           </a:p>
@@ -5064,7 +3191,7 @@
         </p:nvSpPr>
         <p:spPr>
           <a:xfrm>
-            <a:off x="-1" y="0"/>
+            <a:off x="0" y="0"/>
             <a:ext cx="4581525" cy="6858000"/>
           </a:xfrm>
           <a:prstGeom prst="rect">
@@ -5095,7 +3222,10 @@
           <a:lstStyle/>
           <a:p>
             <a:pPr algn="ctr"/>
-            <a:endParaRPr lang="ko-KR" altLang="en-US"/>
+            <a:endParaRPr lang="ko-KR" altLang="en-US">
+              <a:latin typeface="맑은 고딕" panose="020B0503020000020004" pitchFamily="50" charset="-127"/>
+              <a:ea typeface="맑은 고딕" panose="020B0503020000020004" pitchFamily="50" charset="-127"/>
+            </a:endParaRPr>
           </a:p>
         </p:txBody>
       </p:sp>
@@ -5107,8 +3237,8 @@
         </p:nvSpPr>
         <p:spPr>
           <a:xfrm>
-            <a:off x="1215049" y="2875002"/>
-            <a:ext cx="2151423" cy="1107996"/>
+            <a:off x="0" y="1503401"/>
+            <a:ext cx="4470992" cy="1107996"/>
           </a:xfrm>
           <a:prstGeom prst="rect">
             <a:avLst/>
@@ -5116,24 +3246,44 @@
           <a:noFill/>
         </p:spPr>
         <p:txBody>
-          <a:bodyPr wrap="none" rtlCol="0">
+          <a:bodyPr wrap="square" rtlCol="0">
             <a:spAutoFit/>
           </a:bodyPr>
           <a:lstStyle/>
           <a:p>
             <a:r>
-              <a:rPr lang="en-US" altLang="ko-KR" sz="6600" b="1" dirty="0">
+              <a:rPr lang="en-US" altLang="ko-KR" sz="4800" b="1" dirty="0" err="1">
                 <a:solidFill>
                   <a:srgbClr val="F8F8F6"/>
                 </a:solidFill>
+                <a:latin typeface="맑은 고딕" panose="020B0503020000020004" pitchFamily="50" charset="-127"/>
+                <a:ea typeface="맑은 고딕" panose="020B0503020000020004" pitchFamily="50" charset="-127"/>
               </a:rPr>
-              <a:t>NAVY</a:t>
-            </a:r>
-            <a:endParaRPr lang="ko-KR" altLang="en-US" sz="6600" b="1" dirty="0">
-              <a:solidFill>
-                <a:srgbClr val="F8F8F6"/>
-              </a:solidFill>
-            </a:endParaRPr>
+              <a:t>Github</a:t>
+            </a:r>
+            <a:r>
+              <a:rPr lang="en-US" altLang="ko-KR" sz="4800" b="1" dirty="0">
+                <a:solidFill>
+                  <a:srgbClr val="F8F8F6"/>
+                </a:solidFill>
+                <a:latin typeface="맑은 고딕" panose="020B0503020000020004" pitchFamily="50" charset="-127"/>
+                <a:ea typeface="맑은 고딕" panose="020B0503020000020004" pitchFamily="50" charset="-127"/>
+              </a:rPr>
+              <a:t> Action</a:t>
+            </a:r>
+          </a:p>
+          <a:p>
+            <a:pPr algn="r"/>
+            <a:r>
+              <a:rPr lang="ko-KR" altLang="en-US" sz="1600" b="1" dirty="0">
+                <a:solidFill>
+                  <a:srgbClr val="F8F8F6"/>
+                </a:solidFill>
+                <a:latin typeface="맑은 고딕" panose="020B0503020000020004" pitchFamily="50" charset="-127"/>
+                <a:ea typeface="맑은 고딕" panose="020B0503020000020004" pitchFamily="50" charset="-127"/>
+              </a:rPr>
+              <a:t>을 이용한</a:t>
+            </a:r>
           </a:p>
         </p:txBody>
       </p:sp>
@@ -5145,8 +3295,8 @@
         </p:nvSpPr>
         <p:spPr>
           <a:xfrm>
-            <a:off x="5729899" y="2875002"/>
-            <a:ext cx="2082558" cy="1107996"/>
+            <a:off x="4788917" y="2716619"/>
+            <a:ext cx="2531462" cy="1107996"/>
           </a:xfrm>
           <a:prstGeom prst="rect">
             <a:avLst/>
@@ -5164,14 +3314,86 @@
                 <a:solidFill>
                   <a:schemeClr val="tx2"/>
                 </a:solidFill>
+                <a:latin typeface="맑은 고딕" panose="020B0503020000020004" pitchFamily="50" charset="-127"/>
+                <a:ea typeface="맑은 고딕" panose="020B0503020000020004" pitchFamily="50" charset="-127"/>
               </a:rPr>
-              <a:t>GRAY</a:t>
+              <a:t>CI/CD</a:t>
             </a:r>
             <a:endParaRPr lang="ko-KR" altLang="en-US" sz="6600" b="1" dirty="0">
               <a:solidFill>
                 <a:schemeClr val="tx2"/>
               </a:solidFill>
+              <a:latin typeface="맑은 고딕" panose="020B0503020000020004" pitchFamily="50" charset="-127"/>
+              <a:ea typeface="맑은 고딕" panose="020B0503020000020004" pitchFamily="50" charset="-127"/>
             </a:endParaRPr>
+          </a:p>
+        </p:txBody>
+      </p:sp>
+      <p:sp>
+        <p:nvSpPr>
+          <p:cNvPr id="3" name="TextBox 2">
+            <a:extLst>
+              <a:ext uri="{FF2B5EF4-FFF2-40B4-BE49-F238E27FC236}">
+                <a16:creationId xmlns:a16="http://schemas.microsoft.com/office/drawing/2014/main" id="{F2D9FA8B-7EB1-5341-9666-818DA85ACD79}"/>
+              </a:ext>
+            </a:extLst>
+          </p:cNvPr>
+          <p:cNvSpPr txBox="1"/>
+          <p:nvPr/>
+        </p:nvSpPr>
+        <p:spPr>
+          <a:xfrm>
+            <a:off x="6384851" y="5156791"/>
+            <a:ext cx="2493335" cy="646331"/>
+          </a:xfrm>
+          <a:prstGeom prst="rect">
+            <a:avLst/>
+          </a:prstGeom>
+          <a:noFill/>
+        </p:spPr>
+        <p:txBody>
+          <a:bodyPr wrap="square" rtlCol="0">
+            <a:spAutoFit/>
+          </a:bodyPr>
+          <a:lstStyle/>
+          <a:p>
+            <a:r>
+              <a:rPr lang="ko-KR" altLang="en-US" dirty="0">
+                <a:latin typeface="맑은 고딕" panose="020B0503020000020004" pitchFamily="50" charset="-127"/>
+                <a:ea typeface="맑은 고딕" panose="020B0503020000020004" pitchFamily="50" charset="-127"/>
+              </a:rPr>
+              <a:t>발표일자 </a:t>
+            </a:r>
+            <a:r>
+              <a:rPr lang="en-US" altLang="ko-KR" dirty="0">
+                <a:latin typeface="맑은 고딕" panose="020B0503020000020004" pitchFamily="50" charset="-127"/>
+                <a:ea typeface="맑은 고딕" panose="020B0503020000020004" pitchFamily="50" charset="-127"/>
+              </a:rPr>
+              <a:t>: 2023.10.03</a:t>
+            </a:r>
+          </a:p>
+          <a:p>
+            <a:r>
+              <a:rPr lang="ko-KR" altLang="en-US" dirty="0">
+                <a:latin typeface="맑은 고딕" panose="020B0503020000020004" pitchFamily="50" charset="-127"/>
+                <a:ea typeface="맑은 고딕" panose="020B0503020000020004" pitchFamily="50" charset="-127"/>
+              </a:rPr>
+              <a:t>   발표자 </a:t>
+            </a:r>
+            <a:r>
+              <a:rPr lang="en-US" altLang="ko-KR" dirty="0">
+                <a:latin typeface="맑은 고딕" panose="020B0503020000020004" pitchFamily="50" charset="-127"/>
+                <a:ea typeface="맑은 고딕" panose="020B0503020000020004" pitchFamily="50" charset="-127"/>
+              </a:rPr>
+              <a:t>: </a:t>
+            </a:r>
+            <a:r>
+              <a:rPr lang="ko-KR" altLang="en-US" dirty="0">
+                <a:latin typeface="맑은 고딕" panose="020B0503020000020004" pitchFamily="50" charset="-127"/>
+                <a:ea typeface="맑은 고딕" panose="020B0503020000020004" pitchFamily="50" charset="-127"/>
+              </a:rPr>
+              <a:t>박태영</a:t>
+            </a:r>
           </a:p>
         </p:txBody>
       </p:sp>
@@ -5244,7 +3466,10 @@
           <a:lstStyle/>
           <a:p>
             <a:pPr algn="ctr"/>
-            <a:endParaRPr lang="ko-KR" altLang="en-US"/>
+            <a:endParaRPr lang="ko-KR" altLang="en-US">
+              <a:latin typeface="맑은 고딕" panose="020B0503020000020004" pitchFamily="50" charset="-127"/>
+              <a:ea typeface="맑은 고딕" panose="020B0503020000020004" pitchFamily="50" charset="-127"/>
+            </a:endParaRPr>
           </a:p>
         </p:txBody>
       </p:sp>
@@ -5287,7 +3512,7 @@
         <p:spPr>
           <a:xfrm>
             <a:off x="523875" y="248692"/>
-            <a:ext cx="4339650" cy="769441"/>
+            <a:ext cx="1313180" cy="769441"/>
           </a:xfrm>
           <a:prstGeom prst="rect">
             <a:avLst/>
@@ -5305,26 +3530,35 @@
                 <a:solidFill>
                   <a:schemeClr val="accent1"/>
                 </a:solidFill>
+                <a:latin typeface="맑은 고딕" panose="020B0503020000020004" pitchFamily="50" charset="-127"/>
+                <a:ea typeface="맑은 고딕" panose="020B0503020000020004" pitchFamily="50" charset="-127"/>
               </a:rPr>
-              <a:t>제목을 입력하세요</a:t>
-            </a:r>
-          </a:p>
-        </p:txBody>
-      </p:sp>
-      <p:sp>
-        <p:nvSpPr>
-          <p:cNvPr id="8" name="타원 7"/>
+              <a:t>목차</a:t>
+            </a:r>
+          </a:p>
+        </p:txBody>
+      </p:sp>
+      <p:sp>
+        <p:nvSpPr>
+          <p:cNvPr id="3" name="직사각형 2">
+            <a:extLst>
+              <a:ext uri="{FF2B5EF4-FFF2-40B4-BE49-F238E27FC236}">
+                <a16:creationId xmlns:a16="http://schemas.microsoft.com/office/drawing/2014/main" id="{F092AE45-5A3D-E1CD-6855-13E5309050FD}"/>
+              </a:ext>
+            </a:extLst>
+          </p:cNvPr>
           <p:cNvSpPr/>
           <p:nvPr/>
         </p:nvSpPr>
         <p:spPr>
           <a:xfrm>
-            <a:off x="748725" y="3067050"/>
-            <a:ext cx="1714500" cy="1781175"/>
+            <a:off x="727460" y="1860698"/>
+            <a:ext cx="553763" cy="536940"/>
           </a:xfrm>
-          <a:prstGeom prst="ellipse">
+          <a:prstGeom prst="rect">
             <a:avLst/>
           </a:prstGeom>
+          <a:noFill/>
           <a:ln>
             <a:noFill/>
           </a:ln>
@@ -5350,27 +3584,51 @@
           <a:lstStyle/>
           <a:p>
             <a:pPr algn="ctr"/>
-            <a:endParaRPr lang="ko-KR" altLang="en-US"/>
-          </a:p>
-        </p:txBody>
-      </p:sp>
-      <p:sp>
-        <p:nvSpPr>
-          <p:cNvPr id="9" name="타원 8"/>
+            <a:r>
+              <a:rPr lang="en-US" altLang="ko-KR" sz="3200" b="1" dirty="0">
+                <a:solidFill>
+                  <a:schemeClr val="tx1">
+                    <a:lumMod val="50000"/>
+                  </a:schemeClr>
+                </a:solidFill>
+                <a:latin typeface="맑은 고딕" panose="020B0503020000020004" pitchFamily="50" charset="-127"/>
+                <a:ea typeface="맑은 고딕" panose="020B0503020000020004" pitchFamily="50" charset="-127"/>
+              </a:rPr>
+              <a:t>1</a:t>
+            </a:r>
+            <a:endParaRPr lang="ko-KR" altLang="en-US" sz="3200" b="1" dirty="0">
+              <a:solidFill>
+                <a:schemeClr val="tx1">
+                  <a:lumMod val="50000"/>
+                </a:schemeClr>
+              </a:solidFill>
+              <a:latin typeface="맑은 고딕" panose="020B0503020000020004" pitchFamily="50" charset="-127"/>
+              <a:ea typeface="맑은 고딕" panose="020B0503020000020004" pitchFamily="50" charset="-127"/>
+            </a:endParaRPr>
+          </a:p>
+        </p:txBody>
+      </p:sp>
+      <p:sp>
+        <p:nvSpPr>
+          <p:cNvPr id="6" name="직사각형 5">
+            <a:extLst>
+              <a:ext uri="{FF2B5EF4-FFF2-40B4-BE49-F238E27FC236}">
+                <a16:creationId xmlns:a16="http://schemas.microsoft.com/office/drawing/2014/main" id="{D63F0507-1DE5-6A75-BE37-0A2135B603EC}"/>
+              </a:ext>
+            </a:extLst>
+          </p:cNvPr>
           <p:cNvSpPr/>
           <p:nvPr/>
         </p:nvSpPr>
         <p:spPr>
           <a:xfrm>
-            <a:off x="2806125" y="3067050"/>
-            <a:ext cx="1714500" cy="1781175"/>
+            <a:off x="1444255" y="1860698"/>
+            <a:ext cx="5376531" cy="536940"/>
           </a:xfrm>
-          <a:prstGeom prst="ellipse">
+          <a:prstGeom prst="rect">
             <a:avLst/>
           </a:prstGeom>
-          <a:solidFill>
-            <a:schemeClr val="accent3"/>
-          </a:solidFill>
+          <a:noFill/>
           <a:ln>
             <a:noFill/>
           </a:ln>
@@ -5395,28 +3653,57 @@
           <a:bodyPr rtlCol="0" anchor="ctr"/>
           <a:lstStyle/>
           <a:p>
-            <a:pPr algn="ctr"/>
-            <a:endParaRPr lang="ko-KR" altLang="en-US"/>
-          </a:p>
-        </p:txBody>
-      </p:sp>
-      <p:sp>
-        <p:nvSpPr>
-          <p:cNvPr id="10" name="타원 9"/>
+            <a:r>
+              <a:rPr lang="en-US" altLang="ko-KR" sz="4000" dirty="0">
+                <a:solidFill>
+                  <a:srgbClr val="434B56"/>
+                </a:solidFill>
+                <a:latin typeface="맑은 고딕" panose="020B0503020000020004" pitchFamily="50" charset="-127"/>
+                <a:ea typeface="맑은 고딕" panose="020B0503020000020004" pitchFamily="50" charset="-127"/>
+              </a:rPr>
+              <a:t>What is CI</a:t>
+            </a:r>
+            <a:r>
+              <a:rPr lang="en-US" altLang="ko-KR" sz="4000" dirty="0">
+                <a:solidFill>
+                  <a:schemeClr val="accent1"/>
+                </a:solidFill>
+                <a:latin typeface="맑은 고딕" panose="020B0503020000020004" pitchFamily="50" charset="-127"/>
+                <a:ea typeface="맑은 고딕" panose="020B0503020000020004" pitchFamily="50" charset="-127"/>
+              </a:rPr>
+              <a:t>/CD</a:t>
+            </a:r>
+            <a:endParaRPr lang="ko-KR" altLang="en-US" sz="4000" dirty="0">
+              <a:solidFill>
+                <a:schemeClr val="accent1"/>
+              </a:solidFill>
+              <a:latin typeface="맑은 고딕" panose="020B0503020000020004" pitchFamily="50" charset="-127"/>
+              <a:ea typeface="맑은 고딕" panose="020B0503020000020004" pitchFamily="50" charset="-127"/>
+            </a:endParaRPr>
+          </a:p>
+        </p:txBody>
+      </p:sp>
+      <p:sp>
+        <p:nvSpPr>
+          <p:cNvPr id="13" name="직사각형 12">
+            <a:extLst>
+              <a:ext uri="{FF2B5EF4-FFF2-40B4-BE49-F238E27FC236}">
+                <a16:creationId xmlns:a16="http://schemas.microsoft.com/office/drawing/2014/main" id="{6BF85998-6C50-6D2A-25F8-CEF0F70CCD11}"/>
+              </a:ext>
+            </a:extLst>
+          </p:cNvPr>
           <p:cNvSpPr/>
           <p:nvPr/>
         </p:nvSpPr>
         <p:spPr>
           <a:xfrm>
-            <a:off x="4863525" y="3067050"/>
-            <a:ext cx="1714500" cy="1781175"/>
+            <a:off x="727460" y="2991510"/>
+            <a:ext cx="553763" cy="536940"/>
           </a:xfrm>
-          <a:prstGeom prst="ellipse">
+          <a:prstGeom prst="rect">
             <a:avLst/>
           </a:prstGeom>
-          <a:solidFill>
-            <a:schemeClr val="accent5"/>
-          </a:solidFill>
+          <a:noFill/>
           <a:ln>
             <a:noFill/>
           </a:ln>
@@ -5442,27 +3729,51 @@
           <a:lstStyle/>
           <a:p>
             <a:pPr algn="ctr"/>
-            <a:endParaRPr lang="ko-KR" altLang="en-US"/>
-          </a:p>
-        </p:txBody>
-      </p:sp>
-      <p:sp>
-        <p:nvSpPr>
-          <p:cNvPr id="11" name="타원 10"/>
+            <a:r>
+              <a:rPr lang="en-US" altLang="ko-KR" sz="3200" b="1" dirty="0">
+                <a:solidFill>
+                  <a:schemeClr val="tx1">
+                    <a:lumMod val="50000"/>
+                  </a:schemeClr>
+                </a:solidFill>
+                <a:latin typeface="맑은 고딕" panose="020B0503020000020004" pitchFamily="50" charset="-127"/>
+                <a:ea typeface="맑은 고딕" panose="020B0503020000020004" pitchFamily="50" charset="-127"/>
+              </a:rPr>
+              <a:t>2</a:t>
+            </a:r>
+            <a:endParaRPr lang="ko-KR" altLang="en-US" sz="3200" b="1" dirty="0">
+              <a:solidFill>
+                <a:schemeClr val="tx1">
+                  <a:lumMod val="50000"/>
+                </a:schemeClr>
+              </a:solidFill>
+              <a:latin typeface="맑은 고딕" panose="020B0503020000020004" pitchFamily="50" charset="-127"/>
+              <a:ea typeface="맑은 고딕" panose="020B0503020000020004" pitchFamily="50" charset="-127"/>
+            </a:endParaRPr>
+          </a:p>
+        </p:txBody>
+      </p:sp>
+      <p:sp>
+        <p:nvSpPr>
+          <p:cNvPr id="14" name="직사각형 13">
+            <a:extLst>
+              <a:ext uri="{FF2B5EF4-FFF2-40B4-BE49-F238E27FC236}">
+                <a16:creationId xmlns:a16="http://schemas.microsoft.com/office/drawing/2014/main" id="{86885F9C-9BD3-4F01-CBDD-0BEF6160D88A}"/>
+              </a:ext>
+            </a:extLst>
+          </p:cNvPr>
           <p:cNvSpPr/>
           <p:nvPr/>
         </p:nvSpPr>
         <p:spPr>
           <a:xfrm>
-            <a:off x="6920925" y="3067050"/>
-            <a:ext cx="1714500" cy="1781175"/>
+            <a:off x="1444255" y="2991510"/>
+            <a:ext cx="5376531" cy="536940"/>
           </a:xfrm>
-          <a:prstGeom prst="ellipse">
+          <a:prstGeom prst="rect">
             <a:avLst/>
           </a:prstGeom>
-          <a:solidFill>
-            <a:schemeClr val="accent6"/>
-          </a:solidFill>
+          <a:noFill/>
           <a:ln>
             <a:noFill/>
           </a:ln>
@@ -5487,8 +3798,151 @@
           <a:bodyPr rtlCol="0" anchor="ctr"/>
           <a:lstStyle/>
           <a:p>
+            <a:r>
+              <a:rPr lang="en-US" altLang="ko-KR" sz="4000" dirty="0">
+                <a:solidFill>
+                  <a:srgbClr val="817669"/>
+                </a:solidFill>
+                <a:latin typeface="맑은 고딕" panose="020B0503020000020004" pitchFamily="50" charset="-127"/>
+                <a:ea typeface="맑은 고딕" panose="020B0503020000020004" pitchFamily="50" charset="-127"/>
+              </a:rPr>
+              <a:t>CI/CD Tool</a:t>
+            </a:r>
+            <a:endParaRPr lang="ko-KR" altLang="en-US" sz="4000" dirty="0">
+              <a:solidFill>
+                <a:srgbClr val="817669"/>
+              </a:solidFill>
+              <a:latin typeface="맑은 고딕" panose="020B0503020000020004" pitchFamily="50" charset="-127"/>
+              <a:ea typeface="맑은 고딕" panose="020B0503020000020004" pitchFamily="50" charset="-127"/>
+            </a:endParaRPr>
+          </a:p>
+        </p:txBody>
+      </p:sp>
+      <p:sp>
+        <p:nvSpPr>
+          <p:cNvPr id="15" name="직사각형 14">
+            <a:extLst>
+              <a:ext uri="{FF2B5EF4-FFF2-40B4-BE49-F238E27FC236}">
+                <a16:creationId xmlns:a16="http://schemas.microsoft.com/office/drawing/2014/main" id="{0986E7E4-F3F9-A679-128E-5BDC205754F5}"/>
+              </a:ext>
+            </a:extLst>
+          </p:cNvPr>
+          <p:cNvSpPr/>
+          <p:nvPr/>
+        </p:nvSpPr>
+        <p:spPr>
+          <a:xfrm>
+            <a:off x="727460" y="4049078"/>
+            <a:ext cx="553763" cy="536940"/>
+          </a:xfrm>
+          <a:prstGeom prst="rect">
+            <a:avLst/>
+          </a:prstGeom>
+          <a:noFill/>
+          <a:ln>
+            <a:noFill/>
+          </a:ln>
+        </p:spPr>
+        <p:style>
+          <a:lnRef idx="2">
+            <a:schemeClr val="accent1">
+              <a:shade val="50000"/>
+            </a:schemeClr>
+          </a:lnRef>
+          <a:fillRef idx="1">
+            <a:schemeClr val="accent1"/>
+          </a:fillRef>
+          <a:effectRef idx="0">
+            <a:schemeClr val="accent1"/>
+          </a:effectRef>
+          <a:fontRef idx="minor">
+            <a:schemeClr val="lt1"/>
+          </a:fontRef>
+        </p:style>
+        <p:txBody>
+          <a:bodyPr rtlCol="0" anchor="ctr"/>
+          <a:lstStyle/>
+          <a:p>
             <a:pPr algn="ctr"/>
-            <a:endParaRPr lang="ko-KR" altLang="en-US"/>
+            <a:r>
+              <a:rPr lang="en-US" altLang="ko-KR" sz="3200" b="1" dirty="0">
+                <a:solidFill>
+                  <a:schemeClr val="tx1">
+                    <a:lumMod val="50000"/>
+                  </a:schemeClr>
+                </a:solidFill>
+                <a:latin typeface="맑은 고딕" panose="020B0503020000020004" pitchFamily="50" charset="-127"/>
+                <a:ea typeface="맑은 고딕" panose="020B0503020000020004" pitchFamily="50" charset="-127"/>
+              </a:rPr>
+              <a:t>3</a:t>
+            </a:r>
+            <a:endParaRPr lang="ko-KR" altLang="en-US" sz="3200" b="1" dirty="0">
+              <a:solidFill>
+                <a:schemeClr val="tx1">
+                  <a:lumMod val="50000"/>
+                </a:schemeClr>
+              </a:solidFill>
+              <a:latin typeface="맑은 고딕" panose="020B0503020000020004" pitchFamily="50" charset="-127"/>
+              <a:ea typeface="맑은 고딕" panose="020B0503020000020004" pitchFamily="50" charset="-127"/>
+            </a:endParaRPr>
+          </a:p>
+        </p:txBody>
+      </p:sp>
+      <p:sp>
+        <p:nvSpPr>
+          <p:cNvPr id="16" name="직사각형 15">
+            <a:extLst>
+              <a:ext uri="{FF2B5EF4-FFF2-40B4-BE49-F238E27FC236}">
+                <a16:creationId xmlns:a16="http://schemas.microsoft.com/office/drawing/2014/main" id="{7A05F91B-4C36-40E2-6F7F-5055D280EB71}"/>
+              </a:ext>
+            </a:extLst>
+          </p:cNvPr>
+          <p:cNvSpPr/>
+          <p:nvPr/>
+        </p:nvSpPr>
+        <p:spPr>
+          <a:xfrm>
+            <a:off x="1444255" y="4049078"/>
+            <a:ext cx="5376531" cy="536940"/>
+          </a:xfrm>
+          <a:prstGeom prst="rect">
+            <a:avLst/>
+          </a:prstGeom>
+          <a:noFill/>
+          <a:ln>
+            <a:noFill/>
+          </a:ln>
+        </p:spPr>
+        <p:style>
+          <a:lnRef idx="2">
+            <a:schemeClr val="accent1">
+              <a:shade val="50000"/>
+            </a:schemeClr>
+          </a:lnRef>
+          <a:fillRef idx="1">
+            <a:schemeClr val="accent1"/>
+          </a:fillRef>
+          <a:effectRef idx="0">
+            <a:schemeClr val="accent1"/>
+          </a:effectRef>
+          <a:fontRef idx="minor">
+            <a:schemeClr val="lt1"/>
+          </a:fontRef>
+        </p:style>
+        <p:txBody>
+          <a:bodyPr rtlCol="0" anchor="ctr"/>
+          <a:lstStyle/>
+          <a:p>
+            <a:r>
+              <a:rPr lang="ko-KR" altLang="en-US" sz="4000" dirty="0">
+                <a:solidFill>
+                  <a:srgbClr val="95A2B1"/>
+                </a:solidFill>
+                <a:latin typeface="맑은 고딕" panose="020B0503020000020004" pitchFamily="50" charset="-127"/>
+                <a:ea typeface="맑은 고딕" panose="020B0503020000020004" pitchFamily="50" charset="-127"/>
+              </a:rPr>
+              <a:t>결과</a:t>
+            </a:r>
           </a:p>
         </p:txBody>
       </p:sp>
@@ -5522,28 +3976,165 @@
           <a:chExt cx="0" cy="0"/>
         </a:xfrm>
       </p:grpSpPr>
-      <p:graphicFrame>
-        <p:nvGraphicFramePr>
-          <p:cNvPr id="4" name="차트 3"/>
-          <p:cNvGraphicFramePr/>
-          <p:nvPr>
-            <p:extLst>
-              <p:ext uri="{D42A27DB-BD31-4B8C-83A1-F6EECF244321}">
-                <p14:modId xmlns:p14="http://schemas.microsoft.com/office/powerpoint/2010/main" val="3744183360"/>
-              </p:ext>
-            </p:extLst>
-          </p:nvPr>
-        </p:nvGraphicFramePr>
-        <p:xfrm>
-          <a:off x="1524000" y="2073275"/>
-          <a:ext cx="6096000" cy="4064000"/>
-        </p:xfrm>
-        <a:graphic>
-          <a:graphicData uri="http://schemas.openxmlformats.org/drawingml/2006/chart">
-            <c:chart xmlns:c="http://schemas.openxmlformats.org/drawingml/2006/chart" xmlns:r="http://schemas.openxmlformats.org/officeDocument/2006/relationships" r:id="rId2"/>
-          </a:graphicData>
-        </a:graphic>
-      </p:graphicFrame>
+      <p:sp>
+        <p:nvSpPr>
+          <p:cNvPr id="7" name="직사각형 6"/>
+          <p:cNvSpPr/>
+          <p:nvPr/>
+        </p:nvSpPr>
+        <p:spPr>
+          <a:xfrm>
+            <a:off x="0" y="0"/>
+            <a:ext cx="9144000" cy="6858000"/>
+          </a:xfrm>
+          <a:prstGeom prst="rect">
+            <a:avLst/>
+          </a:prstGeom>
+          <a:ln>
+            <a:noFill/>
+          </a:ln>
+        </p:spPr>
+        <p:style>
+          <a:lnRef idx="2">
+            <a:schemeClr val="accent1">
+              <a:shade val="50000"/>
+            </a:schemeClr>
+          </a:lnRef>
+          <a:fillRef idx="1">
+            <a:schemeClr val="accent1"/>
+          </a:fillRef>
+          <a:effectRef idx="0">
+            <a:schemeClr val="accent1"/>
+          </a:effectRef>
+          <a:fontRef idx="minor">
+            <a:schemeClr val="lt1"/>
+          </a:fontRef>
+        </p:style>
+        <p:txBody>
+          <a:bodyPr rtlCol="0" anchor="ctr"/>
+          <a:lstStyle/>
+          <a:p>
+            <a:pPr algn="ctr"/>
+            <a:endParaRPr lang="ko-KR" altLang="en-US">
+              <a:latin typeface="맑은 고딕" panose="020B0503020000020004" pitchFamily="50" charset="-127"/>
+              <a:ea typeface="맑은 고딕" panose="020B0503020000020004" pitchFamily="50" charset="-127"/>
+            </a:endParaRPr>
+          </a:p>
+        </p:txBody>
+      </p:sp>
+      <p:sp>
+        <p:nvSpPr>
+          <p:cNvPr id="2" name="TextBox 1"/>
+          <p:cNvSpPr txBox="1"/>
+          <p:nvPr/>
+        </p:nvSpPr>
+        <p:spPr>
+          <a:xfrm>
+            <a:off x="4011407" y="3637345"/>
+            <a:ext cx="5132593" cy="1015663"/>
+          </a:xfrm>
+          <a:prstGeom prst="rect">
+            <a:avLst/>
+          </a:prstGeom>
+          <a:noFill/>
+        </p:spPr>
+        <p:txBody>
+          <a:bodyPr wrap="square" rtlCol="0">
+            <a:spAutoFit/>
+          </a:bodyPr>
+          <a:lstStyle/>
+          <a:p>
+            <a:r>
+              <a:rPr lang="en-US" altLang="ko-KR" sz="6000" dirty="0">
+                <a:solidFill>
+                  <a:schemeClr val="bg1"/>
+                </a:solidFill>
+                <a:latin typeface="맑은 고딕" panose="020B0503020000020004" pitchFamily="50" charset="-127"/>
+                <a:ea typeface="맑은 고딕" panose="020B0503020000020004" pitchFamily="50" charset="-127"/>
+              </a:rPr>
+              <a:t>What is CI/CD</a:t>
+            </a:r>
+            <a:endParaRPr lang="ko-KR" altLang="en-US" sz="6000" dirty="0">
+              <a:solidFill>
+                <a:schemeClr val="bg1"/>
+              </a:solidFill>
+              <a:latin typeface="맑은 고딕" panose="020B0503020000020004" pitchFamily="50" charset="-127"/>
+              <a:ea typeface="맑은 고딕" panose="020B0503020000020004" pitchFamily="50" charset="-127"/>
+            </a:endParaRPr>
+          </a:p>
+        </p:txBody>
+      </p:sp>
+      <p:sp>
+        <p:nvSpPr>
+          <p:cNvPr id="4" name="TextBox 3">
+            <a:extLst>
+              <a:ext uri="{FF2B5EF4-FFF2-40B4-BE49-F238E27FC236}">
+                <a16:creationId xmlns:a16="http://schemas.microsoft.com/office/drawing/2014/main" id="{EF7FB1F9-1623-C6CD-50EB-D783B17CEA42}"/>
+              </a:ext>
+            </a:extLst>
+          </p:cNvPr>
+          <p:cNvSpPr txBox="1"/>
+          <p:nvPr/>
+        </p:nvSpPr>
+        <p:spPr>
+          <a:xfrm>
+            <a:off x="914400" y="2448017"/>
+            <a:ext cx="3742660" cy="1015663"/>
+          </a:xfrm>
+          <a:prstGeom prst="rect">
+            <a:avLst/>
+          </a:prstGeom>
+          <a:noFill/>
+        </p:spPr>
+        <p:txBody>
+          <a:bodyPr wrap="square" rtlCol="0">
+            <a:spAutoFit/>
+          </a:bodyPr>
+          <a:lstStyle/>
+          <a:p>
+            <a:r>
+              <a:rPr lang="en-US" altLang="ko-KR" sz="6000" b="1" dirty="0">
+                <a:solidFill>
+                  <a:srgbClr val="F8F8F6"/>
+                </a:solidFill>
+                <a:latin typeface="맑은 고딕" panose="020B0503020000020004" pitchFamily="50" charset="-127"/>
+                <a:ea typeface="맑은 고딕" panose="020B0503020000020004" pitchFamily="50" charset="-127"/>
+              </a:rPr>
+              <a:t>Chapter 1 </a:t>
+            </a:r>
+          </a:p>
+        </p:txBody>
+      </p:sp>
+    </p:spTree>
+    <p:extLst>
+      <p:ext uri="{BB962C8B-B14F-4D97-AF65-F5344CB8AC3E}">
+        <p14:creationId xmlns:p14="http://schemas.microsoft.com/office/powerpoint/2010/main" val="3459443451"/>
+      </p:ext>
+    </p:extLst>
+  </p:cSld>
+  <p:clrMapOvr>
+    <a:masterClrMapping/>
+  </p:clrMapOvr>
+</p:sld>
+</file>
+
+<file path=ppt/slides/slide4.xml><?xml version="1.0" encoding="utf-8"?>
+<p:sld xmlns:a="http://schemas.openxmlformats.org/drawingml/2006/main" xmlns:r="http://schemas.openxmlformats.org/officeDocument/2006/relationships" xmlns:p="http://schemas.openxmlformats.org/presentationml/2006/main">
+  <p:cSld>
+    <p:spTree>
+      <p:nvGrpSpPr>
+        <p:cNvPr id="1" name=""/>
+        <p:cNvGrpSpPr/>
+        <p:nvPr/>
+      </p:nvGrpSpPr>
+      <p:grpSpPr>
+        <a:xfrm>
+          <a:off x="0" y="0"/>
+          <a:ext cx="0" cy="0"/>
+          <a:chOff x="0" y="0"/>
+          <a:chExt cx="0" cy="0"/>
+        </a:xfrm>
+      </p:grpSpPr>
       <p:sp>
         <p:nvSpPr>
           <p:cNvPr id="3" name="직사각형 2"/>
@@ -5583,7 +4174,10 @@
           <a:lstStyle/>
           <a:p>
             <a:pPr algn="ctr"/>
-            <a:endParaRPr lang="ko-KR" altLang="en-US"/>
+            <a:endParaRPr lang="ko-KR" altLang="en-US">
+              <a:latin typeface="맑은 고딕" panose="020B0503020000020004" pitchFamily="50" charset="-127"/>
+              <a:ea typeface="맑은 고딕" panose="020B0503020000020004" pitchFamily="50" charset="-127"/>
+            </a:endParaRPr>
           </a:p>
         </p:txBody>
       </p:sp>
@@ -5625,8 +4219,8 @@
         </p:nvSpPr>
         <p:spPr>
           <a:xfrm>
-            <a:off x="523875" y="248692"/>
-            <a:ext cx="4339650" cy="769441"/>
+            <a:off x="454765" y="347543"/>
+            <a:ext cx="7757252" cy="646331"/>
           </a:xfrm>
           <a:prstGeom prst="rect">
             <a:avLst/>
@@ -5640,12 +4234,404 @@
           <a:lstStyle/>
           <a:p>
             <a:r>
-              <a:rPr lang="ko-KR" altLang="en-US" sz="4400" dirty="0">
+              <a:rPr lang="ko-KR" altLang="en-US" sz="3600" dirty="0">
                 <a:solidFill>
                   <a:schemeClr val="accent1"/>
                 </a:solidFill>
+                <a:latin typeface="맑은 고딕" panose="020B0503020000020004" pitchFamily="50" charset="-127"/>
+                <a:ea typeface="맑은 고딕" panose="020B0503020000020004" pitchFamily="50" charset="-127"/>
               </a:rPr>
-              <a:t>제목을 입력하세요</a:t>
+              <a:t>일반적인 웹 어플리케이션 개발 절차</a:t>
+            </a:r>
+          </a:p>
+        </p:txBody>
+      </p:sp>
+      <p:pic>
+        <p:nvPicPr>
+          <p:cNvPr id="9" name="그림 8" descr="텍스트, 로고, 폰트, 그래픽이(가) 표시된 사진&#10;&#10;자동 생성된 설명">
+            <a:extLst>
+              <a:ext uri="{FF2B5EF4-FFF2-40B4-BE49-F238E27FC236}">
+                <a16:creationId xmlns:a16="http://schemas.microsoft.com/office/drawing/2014/main" id="{B0D33C91-176C-2724-A8A9-0BFD4194621A}"/>
+              </a:ext>
+            </a:extLst>
+          </p:cNvPr>
+          <p:cNvPicPr>
+            <a:picLocks noChangeAspect="1"/>
+          </p:cNvPicPr>
+          <p:nvPr/>
+        </p:nvPicPr>
+        <p:blipFill rotWithShape="1">
+          <a:blip r:embed="rId2">
+            <a:extLst>
+              <a:ext uri="{BEBA8EAE-BF5A-486C-A8C5-ECC9F3942E4B}">
+                <a14:imgProps xmlns:a14="http://schemas.microsoft.com/office/drawing/2010/main">
+                  <a14:imgLayer r:embed="rId3">
+                    <a14:imgEffect>
+                      <a14:colorTemperature colorTemp="7200"/>
+                    </a14:imgEffect>
+                  </a14:imgLayer>
+                </a14:imgProps>
+              </a:ext>
+              <a:ext uri="{28A0092B-C50C-407E-A947-70E740481C1C}">
+                <a14:useLocalDpi xmlns:a14="http://schemas.microsoft.com/office/drawing/2010/main" val="0"/>
+              </a:ext>
+            </a:extLst>
+          </a:blip>
+          <a:srcRect l="15581" t="16227" r="14127" b="16005"/>
+          <a:stretch/>
+        </p:blipFill>
+        <p:spPr>
+          <a:xfrm>
+            <a:off x="2275000" y="1895698"/>
+            <a:ext cx="4593999" cy="2317898"/>
+          </a:xfrm>
+          <a:prstGeom prst="rect">
+            <a:avLst/>
+          </a:prstGeom>
+        </p:spPr>
+      </p:pic>
+      <p:sp>
+        <p:nvSpPr>
+          <p:cNvPr id="11" name="TextBox 10">
+            <a:extLst>
+              <a:ext uri="{FF2B5EF4-FFF2-40B4-BE49-F238E27FC236}">
+                <a16:creationId xmlns:a16="http://schemas.microsoft.com/office/drawing/2014/main" id="{F0BDA95C-D92A-C5C9-A627-EF0C01FA9A38}"/>
+              </a:ext>
+            </a:extLst>
+          </p:cNvPr>
+          <p:cNvSpPr txBox="1"/>
+          <p:nvPr/>
+        </p:nvSpPr>
+        <p:spPr>
+          <a:xfrm>
+            <a:off x="385208" y="4556051"/>
+            <a:ext cx="8636517" cy="369332"/>
+          </a:xfrm>
+          <a:prstGeom prst="rect">
+            <a:avLst/>
+          </a:prstGeom>
+          <a:noFill/>
+        </p:spPr>
+        <p:txBody>
+          <a:bodyPr wrap="square" rtlCol="0">
+            <a:spAutoFit/>
+          </a:bodyPr>
+          <a:lstStyle/>
+          <a:p>
+            <a:r>
+              <a:rPr lang="ko-KR" altLang="en-US" b="1" dirty="0">
+                <a:latin typeface="맑은 고딕" panose="020B0503020000020004" pitchFamily="50" charset="-127"/>
+                <a:ea typeface="맑은 고딕" panose="020B0503020000020004" pitchFamily="50" charset="-127"/>
+              </a:rPr>
+              <a:t>기획 </a:t>
+            </a:r>
+            <a:r>
+              <a:rPr lang="en-US" altLang="ko-KR" b="1" dirty="0">
+                <a:latin typeface="맑은 고딕" panose="020B0503020000020004" pitchFamily="50" charset="-127"/>
+                <a:ea typeface="맑은 고딕" panose="020B0503020000020004" pitchFamily="50" charset="-127"/>
+              </a:rPr>
+              <a:t>-&gt; </a:t>
+            </a:r>
+            <a:r>
+              <a:rPr lang="ko-KR" altLang="en-US" b="1" dirty="0">
+                <a:latin typeface="맑은 고딕" panose="020B0503020000020004" pitchFamily="50" charset="-127"/>
+                <a:ea typeface="맑은 고딕" panose="020B0503020000020004" pitchFamily="50" charset="-127"/>
+              </a:rPr>
+              <a:t>코드 작성 </a:t>
+            </a:r>
+            <a:r>
+              <a:rPr lang="en-US" altLang="ko-KR" b="1" dirty="0">
+                <a:latin typeface="맑은 고딕" panose="020B0503020000020004" pitchFamily="50" charset="-127"/>
+                <a:ea typeface="맑은 고딕" panose="020B0503020000020004" pitchFamily="50" charset="-127"/>
+              </a:rPr>
+              <a:t>-&gt; </a:t>
+            </a:r>
+            <a:r>
+              <a:rPr lang="ko-KR" altLang="en-US" b="1" dirty="0">
+                <a:latin typeface="맑은 고딕" panose="020B0503020000020004" pitchFamily="50" charset="-127"/>
+                <a:ea typeface="맑은 고딕" panose="020B0503020000020004" pitchFamily="50" charset="-127"/>
+              </a:rPr>
+              <a:t>병합 </a:t>
+            </a:r>
+            <a:r>
+              <a:rPr lang="en-US" altLang="ko-KR" b="1" dirty="0">
+                <a:latin typeface="맑은 고딕" panose="020B0503020000020004" pitchFamily="50" charset="-127"/>
+                <a:ea typeface="맑은 고딕" panose="020B0503020000020004" pitchFamily="50" charset="-127"/>
+              </a:rPr>
+              <a:t>-&gt; </a:t>
+            </a:r>
+            <a:r>
+              <a:rPr lang="ko-KR" altLang="en-US" b="1" dirty="0">
+                <a:latin typeface="맑은 고딕" panose="020B0503020000020004" pitchFamily="50" charset="-127"/>
+                <a:ea typeface="맑은 고딕" panose="020B0503020000020004" pitchFamily="50" charset="-127"/>
+              </a:rPr>
+              <a:t>테스트 </a:t>
+            </a:r>
+            <a:r>
+              <a:rPr lang="en-US" altLang="ko-KR" b="1" dirty="0">
+                <a:latin typeface="맑은 고딕" panose="020B0503020000020004" pitchFamily="50" charset="-127"/>
+                <a:ea typeface="맑은 고딕" panose="020B0503020000020004" pitchFamily="50" charset="-127"/>
+              </a:rPr>
+              <a:t>-&gt; </a:t>
+            </a:r>
+            <a:r>
+              <a:rPr lang="ko-KR" altLang="en-US" b="1" dirty="0">
+                <a:latin typeface="맑은 고딕" panose="020B0503020000020004" pitchFamily="50" charset="-127"/>
+                <a:ea typeface="맑은 고딕" panose="020B0503020000020004" pitchFamily="50" charset="-127"/>
+              </a:rPr>
+              <a:t>버전 출시 </a:t>
+            </a:r>
+            <a:r>
+              <a:rPr lang="en-US" altLang="ko-KR" b="1" dirty="0">
+                <a:latin typeface="맑은 고딕" panose="020B0503020000020004" pitchFamily="50" charset="-127"/>
+                <a:ea typeface="맑은 고딕" panose="020B0503020000020004" pitchFamily="50" charset="-127"/>
+              </a:rPr>
+              <a:t>-&gt; </a:t>
+            </a:r>
+            <a:r>
+              <a:rPr lang="ko-KR" altLang="en-US" b="1" dirty="0">
+                <a:latin typeface="맑은 고딕" panose="020B0503020000020004" pitchFamily="50" charset="-127"/>
+                <a:ea typeface="맑은 고딕" panose="020B0503020000020004" pitchFamily="50" charset="-127"/>
+              </a:rPr>
+              <a:t>배포 </a:t>
+            </a:r>
+            <a:r>
+              <a:rPr lang="en-US" altLang="ko-KR" b="1" dirty="0">
+                <a:latin typeface="맑은 고딕" panose="020B0503020000020004" pitchFamily="50" charset="-127"/>
+                <a:ea typeface="맑은 고딕" panose="020B0503020000020004" pitchFamily="50" charset="-127"/>
+              </a:rPr>
+              <a:t>-&gt; </a:t>
+            </a:r>
+            <a:r>
+              <a:rPr lang="ko-KR" altLang="en-US" b="1" dirty="0">
+                <a:latin typeface="맑은 고딕" panose="020B0503020000020004" pitchFamily="50" charset="-127"/>
+                <a:ea typeface="맑은 고딕" panose="020B0503020000020004" pitchFamily="50" charset="-127"/>
+              </a:rPr>
+              <a:t>작동 </a:t>
+            </a:r>
+            <a:r>
+              <a:rPr lang="en-US" altLang="ko-KR" b="1" dirty="0">
+                <a:latin typeface="맑은 고딕" panose="020B0503020000020004" pitchFamily="50" charset="-127"/>
+                <a:ea typeface="맑은 고딕" panose="020B0503020000020004" pitchFamily="50" charset="-127"/>
+              </a:rPr>
+              <a:t>-&gt; </a:t>
+            </a:r>
+            <a:r>
+              <a:rPr lang="ko-KR" altLang="en-US" b="1" dirty="0">
+                <a:latin typeface="맑은 고딕" panose="020B0503020000020004" pitchFamily="50" charset="-127"/>
+                <a:ea typeface="맑은 고딕" panose="020B0503020000020004" pitchFamily="50" charset="-127"/>
+              </a:rPr>
+              <a:t>모니터링 </a:t>
+            </a:r>
+          </a:p>
+        </p:txBody>
+      </p:sp>
+      <p:sp>
+        <p:nvSpPr>
+          <p:cNvPr id="27" name="화살표: 위로 구부러짐 26">
+            <a:extLst>
+              <a:ext uri="{FF2B5EF4-FFF2-40B4-BE49-F238E27FC236}">
+                <a16:creationId xmlns:a16="http://schemas.microsoft.com/office/drawing/2014/main" id="{4C663755-D9DE-8E51-E6F4-426DEE363AE2}"/>
+              </a:ext>
+            </a:extLst>
+          </p:cNvPr>
+          <p:cNvSpPr/>
+          <p:nvPr/>
+        </p:nvSpPr>
+        <p:spPr>
+          <a:xfrm flipH="1">
+            <a:off x="611372" y="4925383"/>
+            <a:ext cx="7798980" cy="665792"/>
+          </a:xfrm>
+          <a:prstGeom prst="curvedUpArrow">
+            <a:avLst>
+              <a:gd name="adj1" fmla="val 17125"/>
+              <a:gd name="adj2" fmla="val 56439"/>
+              <a:gd name="adj3" fmla="val 23403"/>
+            </a:avLst>
+          </a:prstGeom>
+          <a:ln>
+            <a:noFill/>
+          </a:ln>
+        </p:spPr>
+        <p:style>
+          <a:lnRef idx="2">
+            <a:schemeClr val="accent1">
+              <a:shade val="50000"/>
+            </a:schemeClr>
+          </a:lnRef>
+          <a:fillRef idx="1">
+            <a:schemeClr val="accent1"/>
+          </a:fillRef>
+          <a:effectRef idx="0">
+            <a:schemeClr val="accent1"/>
+          </a:effectRef>
+          <a:fontRef idx="minor">
+            <a:schemeClr val="lt1"/>
+          </a:fontRef>
+        </p:style>
+        <p:txBody>
+          <a:bodyPr rtlCol="0" anchor="ctr"/>
+          <a:lstStyle/>
+          <a:p>
+            <a:pPr algn="ctr"/>
+            <a:endParaRPr lang="ko-KR" altLang="en-US">
+              <a:solidFill>
+                <a:schemeClr val="tx1"/>
+              </a:solidFill>
+              <a:latin typeface="맑은 고딕" panose="020B0503020000020004" pitchFamily="50" charset="-127"/>
+              <a:ea typeface="맑은 고딕" panose="020B0503020000020004" pitchFamily="50" charset="-127"/>
+            </a:endParaRPr>
+          </a:p>
+        </p:txBody>
+      </p:sp>
+      <p:sp>
+        <p:nvSpPr>
+          <p:cNvPr id="2" name="직사각형 1">
+            <a:extLst>
+              <a:ext uri="{FF2B5EF4-FFF2-40B4-BE49-F238E27FC236}">
+                <a16:creationId xmlns:a16="http://schemas.microsoft.com/office/drawing/2014/main" id="{E665F37B-734E-D594-8F06-60E627B19393}"/>
+              </a:ext>
+            </a:extLst>
+          </p:cNvPr>
+          <p:cNvSpPr/>
+          <p:nvPr/>
+        </p:nvSpPr>
+        <p:spPr>
+          <a:xfrm>
+            <a:off x="2982433" y="2695353"/>
+            <a:ext cx="781493" cy="733647"/>
+          </a:xfrm>
+          <a:prstGeom prst="rect">
+            <a:avLst/>
+          </a:prstGeom>
+          <a:solidFill>
+            <a:srgbClr val="F8F8F6"/>
+          </a:solidFill>
+          <a:ln>
+            <a:noFill/>
+          </a:ln>
+        </p:spPr>
+        <p:style>
+          <a:lnRef idx="2">
+            <a:schemeClr val="accent1">
+              <a:shade val="50000"/>
+            </a:schemeClr>
+          </a:lnRef>
+          <a:fillRef idx="1">
+            <a:schemeClr val="accent1"/>
+          </a:fillRef>
+          <a:effectRef idx="0">
+            <a:schemeClr val="accent1"/>
+          </a:effectRef>
+          <a:fontRef idx="minor">
+            <a:schemeClr val="lt1"/>
+          </a:fontRef>
+        </p:style>
+        <p:txBody>
+          <a:bodyPr rtlCol="0" anchor="ctr"/>
+          <a:lstStyle/>
+          <a:p>
+            <a:pPr algn="ctr"/>
+            <a:endParaRPr lang="ko-KR" altLang="en-US">
+              <a:latin typeface="맑은 고딕" panose="020B0503020000020004" pitchFamily="50" charset="-127"/>
+              <a:ea typeface="맑은 고딕" panose="020B0503020000020004" pitchFamily="50" charset="-127"/>
+            </a:endParaRPr>
+          </a:p>
+        </p:txBody>
+      </p:sp>
+      <p:sp>
+        <p:nvSpPr>
+          <p:cNvPr id="7" name="직사각형 6">
+            <a:extLst>
+              <a:ext uri="{FF2B5EF4-FFF2-40B4-BE49-F238E27FC236}">
+                <a16:creationId xmlns:a16="http://schemas.microsoft.com/office/drawing/2014/main" id="{29A660A6-CB90-1351-3B47-FD306665CBDD}"/>
+              </a:ext>
+            </a:extLst>
+          </p:cNvPr>
+          <p:cNvSpPr/>
+          <p:nvPr/>
+        </p:nvSpPr>
+        <p:spPr>
+          <a:xfrm>
+            <a:off x="5305279" y="2687823"/>
+            <a:ext cx="856288" cy="733647"/>
+          </a:xfrm>
+          <a:prstGeom prst="rect">
+            <a:avLst/>
+          </a:prstGeom>
+          <a:solidFill>
+            <a:srgbClr val="F8F8F6"/>
+          </a:solidFill>
+          <a:ln>
+            <a:noFill/>
+          </a:ln>
+        </p:spPr>
+        <p:style>
+          <a:lnRef idx="2">
+            <a:schemeClr val="accent1">
+              <a:shade val="50000"/>
+            </a:schemeClr>
+          </a:lnRef>
+          <a:fillRef idx="1">
+            <a:schemeClr val="accent1"/>
+          </a:fillRef>
+          <a:effectRef idx="0">
+            <a:schemeClr val="accent1"/>
+          </a:effectRef>
+          <a:fontRef idx="minor">
+            <a:schemeClr val="lt1"/>
+          </a:fontRef>
+        </p:style>
+        <p:txBody>
+          <a:bodyPr rtlCol="0" anchor="ctr"/>
+          <a:lstStyle/>
+          <a:p>
+            <a:pPr algn="ctr"/>
+            <a:endParaRPr lang="ko-KR" altLang="en-US">
+              <a:latin typeface="맑은 고딕" panose="020B0503020000020004" pitchFamily="50" charset="-127"/>
+              <a:ea typeface="맑은 고딕" panose="020B0503020000020004" pitchFamily="50" charset="-127"/>
+            </a:endParaRPr>
+          </a:p>
+        </p:txBody>
+      </p:sp>
+      <p:sp>
+        <p:nvSpPr>
+          <p:cNvPr id="8" name="TextBox 7">
+            <a:extLst>
+              <a:ext uri="{FF2B5EF4-FFF2-40B4-BE49-F238E27FC236}">
+                <a16:creationId xmlns:a16="http://schemas.microsoft.com/office/drawing/2014/main" id="{81FD84C4-4A7B-F79C-3689-D5648FA531F0}"/>
+              </a:ext>
+            </a:extLst>
+          </p:cNvPr>
+          <p:cNvSpPr txBox="1"/>
+          <p:nvPr/>
+        </p:nvSpPr>
+        <p:spPr>
+          <a:xfrm>
+            <a:off x="3660145" y="5591175"/>
+            <a:ext cx="2108018" cy="369332"/>
+          </a:xfrm>
+          <a:prstGeom prst="rect">
+            <a:avLst/>
+          </a:prstGeom>
+          <a:noFill/>
+        </p:spPr>
+        <p:txBody>
+          <a:bodyPr wrap="square" rtlCol="0">
+            <a:spAutoFit/>
+          </a:bodyPr>
+          <a:lstStyle/>
+          <a:p>
+            <a:r>
+              <a:rPr lang="ko-KR" altLang="en-US" b="1" dirty="0">
+                <a:solidFill>
+                  <a:srgbClr val="FF0000"/>
+                </a:solidFill>
+                <a:latin typeface="맑은 고딕" panose="020B0503020000020004" pitchFamily="50" charset="-127"/>
+                <a:ea typeface="맑은 고딕" panose="020B0503020000020004" pitchFamily="50" charset="-127"/>
+              </a:rPr>
+              <a:t>지속적인 반복작업</a:t>
             </a:r>
           </a:p>
         </p:txBody>
@@ -5653,7 +4639,7 @@
     </p:spTree>
     <p:extLst>
       <p:ext uri="{BB962C8B-B14F-4D97-AF65-F5344CB8AC3E}">
-        <p14:creationId xmlns:p14="http://schemas.microsoft.com/office/powerpoint/2010/main" val="3851144391"/>
+        <p14:creationId xmlns:p14="http://schemas.microsoft.com/office/powerpoint/2010/main" val="2248948366"/>
       </p:ext>
     </p:extLst>
   </p:cSld>
@@ -5663,7 +4649,7 @@
 </p:sld>
 </file>
 
-<file path=ppt/slides/slide4.xml><?xml version="1.0" encoding="utf-8"?>
+<file path=ppt/slides/slide5.xml><?xml version="1.0" encoding="utf-8"?>
 <p:sld xmlns:a="http://schemas.openxmlformats.org/drawingml/2006/main" xmlns:r="http://schemas.openxmlformats.org/officeDocument/2006/relationships" xmlns:p="http://schemas.openxmlformats.org/presentationml/2006/main">
   <p:cSld>
     <p:spTree>
@@ -5680,28 +4666,6 @@
           <a:chExt cx="0" cy="0"/>
         </a:xfrm>
       </p:grpSpPr>
-      <p:graphicFrame>
-        <p:nvGraphicFramePr>
-          <p:cNvPr id="11" name="차트 10"/>
-          <p:cNvGraphicFramePr/>
-          <p:nvPr>
-            <p:extLst>
-              <p:ext uri="{D42A27DB-BD31-4B8C-83A1-F6EECF244321}">
-                <p14:modId xmlns:p14="http://schemas.microsoft.com/office/powerpoint/2010/main" val="2157860712"/>
-              </p:ext>
-            </p:extLst>
-          </p:nvPr>
-        </p:nvGraphicFramePr>
-        <p:xfrm>
-          <a:off x="1514475" y="2130425"/>
-          <a:ext cx="6096000" cy="4064000"/>
-        </p:xfrm>
-        <a:graphic>
-          <a:graphicData uri="http://schemas.openxmlformats.org/drawingml/2006/chart">
-            <c:chart xmlns:c="http://schemas.openxmlformats.org/drawingml/2006/chart" xmlns:r="http://schemas.openxmlformats.org/officeDocument/2006/relationships" r:id="rId2"/>
-          </a:graphicData>
-        </a:graphic>
-      </p:graphicFrame>
       <p:sp>
         <p:nvSpPr>
           <p:cNvPr id="3" name="직사각형 2"/>
@@ -5741,7 +4705,604 @@
           <a:lstStyle/>
           <a:p>
             <a:pPr algn="ctr"/>
-            <a:endParaRPr lang="ko-KR" altLang="en-US"/>
+            <a:endParaRPr lang="ko-KR" altLang="en-US">
+              <a:latin typeface="맑은 고딕" panose="020B0503020000020004" pitchFamily="50" charset="-127"/>
+              <a:ea typeface="맑은 고딕" panose="020B0503020000020004" pitchFamily="50" charset="-127"/>
+            </a:endParaRPr>
+          </a:p>
+        </p:txBody>
+      </p:sp>
+      <p:cxnSp>
+        <p:nvCxnSpPr>
+          <p:cNvPr id="5" name="직선 연결선 4"/>
+          <p:cNvCxnSpPr/>
+          <p:nvPr/>
+        </p:nvCxnSpPr>
+        <p:spPr>
+          <a:xfrm>
+            <a:off x="342900" y="1266825"/>
+            <a:ext cx="7839075" cy="0"/>
+          </a:xfrm>
+          <a:prstGeom prst="line">
+            <a:avLst/>
+          </a:prstGeom>
+        </p:spPr>
+        <p:style>
+          <a:lnRef idx="1">
+            <a:schemeClr val="accent1"/>
+          </a:lnRef>
+          <a:fillRef idx="0">
+            <a:schemeClr val="accent1"/>
+          </a:fillRef>
+          <a:effectRef idx="0">
+            <a:schemeClr val="accent1"/>
+          </a:effectRef>
+          <a:fontRef idx="minor">
+            <a:schemeClr val="tx1"/>
+          </a:fontRef>
+        </p:style>
+      </p:cxnSp>
+      <p:sp>
+        <p:nvSpPr>
+          <p:cNvPr id="6" name="TextBox 5"/>
+          <p:cNvSpPr txBox="1"/>
+          <p:nvPr/>
+        </p:nvSpPr>
+        <p:spPr>
+          <a:xfrm>
+            <a:off x="523875" y="248692"/>
+            <a:ext cx="2351926" cy="769441"/>
+          </a:xfrm>
+          <a:prstGeom prst="rect">
+            <a:avLst/>
+          </a:prstGeom>
+          <a:noFill/>
+        </p:spPr>
+        <p:txBody>
+          <a:bodyPr wrap="none" rtlCol="0">
+            <a:spAutoFit/>
+          </a:bodyPr>
+          <a:lstStyle/>
+          <a:p>
+            <a:r>
+              <a:rPr lang="en-US" altLang="ko-KR" sz="4400" dirty="0">
+                <a:solidFill>
+                  <a:schemeClr val="accent1"/>
+                </a:solidFill>
+                <a:latin typeface="맑은 고딕" panose="020B0503020000020004" pitchFamily="50" charset="-127"/>
+                <a:ea typeface="맑은 고딕" panose="020B0503020000020004" pitchFamily="50" charset="-127"/>
+              </a:rPr>
+              <a:t>CI/CD</a:t>
+            </a:r>
+            <a:r>
+              <a:rPr lang="ko-KR" altLang="en-US" sz="3600" dirty="0">
+                <a:solidFill>
+                  <a:schemeClr val="accent1"/>
+                </a:solidFill>
+                <a:latin typeface="맑은 고딕" panose="020B0503020000020004" pitchFamily="50" charset="-127"/>
+                <a:ea typeface="맑은 고딕" panose="020B0503020000020004" pitchFamily="50" charset="-127"/>
+              </a:rPr>
+              <a:t>란</a:t>
+            </a:r>
+            <a:r>
+              <a:rPr lang="en-US" altLang="ko-KR" sz="3600" dirty="0">
+                <a:solidFill>
+                  <a:schemeClr val="accent1"/>
+                </a:solidFill>
+                <a:latin typeface="맑은 고딕" panose="020B0503020000020004" pitchFamily="50" charset="-127"/>
+                <a:ea typeface="맑은 고딕" panose="020B0503020000020004" pitchFamily="50" charset="-127"/>
+              </a:rPr>
+              <a:t>?</a:t>
+            </a:r>
+            <a:endParaRPr lang="ko-KR" altLang="en-US" sz="3600" dirty="0">
+              <a:solidFill>
+                <a:schemeClr val="accent1"/>
+              </a:solidFill>
+              <a:latin typeface="맑은 고딕" panose="020B0503020000020004" pitchFamily="50" charset="-127"/>
+              <a:ea typeface="맑은 고딕" panose="020B0503020000020004" pitchFamily="50" charset="-127"/>
+            </a:endParaRPr>
+          </a:p>
+        </p:txBody>
+      </p:sp>
+      <p:pic>
+        <p:nvPicPr>
+          <p:cNvPr id="29" name="그림 28" descr="텍스트, 스크린샷, 폰트, 직사각형이(가) 표시된 사진&#10;&#10;자동 생성된 설명">
+            <a:extLst>
+              <a:ext uri="{FF2B5EF4-FFF2-40B4-BE49-F238E27FC236}">
+                <a16:creationId xmlns:a16="http://schemas.microsoft.com/office/drawing/2014/main" id="{9D12F349-3E40-B060-089E-47365073D1D3}"/>
+              </a:ext>
+            </a:extLst>
+          </p:cNvPr>
+          <p:cNvPicPr>
+            <a:picLocks noChangeAspect="1"/>
+          </p:cNvPicPr>
+          <p:nvPr/>
+        </p:nvPicPr>
+        <p:blipFill rotWithShape="1">
+          <a:blip r:embed="rId2">
+            <a:clrChange>
+              <a:clrFrom>
+                <a:srgbClr val="FFFFFF"/>
+              </a:clrFrom>
+              <a:clrTo>
+                <a:srgbClr val="FFFFFF">
+                  <a:alpha val="0"/>
+                </a:srgbClr>
+              </a:clrTo>
+            </a:clrChange>
+            <a:extLst>
+              <a:ext uri="{28A0092B-C50C-407E-A947-70E740481C1C}">
+                <a14:useLocalDpi xmlns:a14="http://schemas.microsoft.com/office/drawing/2010/main" val="0"/>
+              </a:ext>
+            </a:extLst>
+          </a:blip>
+          <a:srcRect b="18508"/>
+          <a:stretch/>
+        </p:blipFill>
+        <p:spPr>
+          <a:xfrm>
+            <a:off x="800100" y="1492039"/>
+            <a:ext cx="7543800" cy="1622475"/>
+          </a:xfrm>
+          <a:prstGeom prst="rect">
+            <a:avLst/>
+          </a:prstGeom>
+        </p:spPr>
+      </p:pic>
+      <p:sp>
+        <p:nvSpPr>
+          <p:cNvPr id="30" name="TextBox 29">
+            <a:extLst>
+              <a:ext uri="{FF2B5EF4-FFF2-40B4-BE49-F238E27FC236}">
+                <a16:creationId xmlns:a16="http://schemas.microsoft.com/office/drawing/2014/main" id="{531FF8A1-2763-7C42-D4BC-06134468ED18}"/>
+              </a:ext>
+            </a:extLst>
+          </p:cNvPr>
+          <p:cNvSpPr txBox="1"/>
+          <p:nvPr/>
+        </p:nvSpPr>
+        <p:spPr>
+          <a:xfrm>
+            <a:off x="800100" y="3556591"/>
+            <a:ext cx="6344979" cy="369332"/>
+          </a:xfrm>
+          <a:prstGeom prst="rect">
+            <a:avLst/>
+          </a:prstGeom>
+          <a:noFill/>
+        </p:spPr>
+        <p:txBody>
+          <a:bodyPr wrap="square" rtlCol="0">
+            <a:spAutoFit/>
+          </a:bodyPr>
+          <a:lstStyle/>
+          <a:p>
+            <a:pPr marL="285750" indent="-285750">
+              <a:buFont typeface="Arial" panose="020B0604020202020204" pitchFamily="34" charset="0"/>
+              <a:buChar char="•"/>
+            </a:pPr>
+            <a:r>
+              <a:rPr lang="en-US" altLang="ko-KR" b="1" dirty="0">
+                <a:latin typeface="맑은 고딕" panose="020B0503020000020004" pitchFamily="50" charset="-127"/>
+                <a:ea typeface="맑은 고딕" panose="020B0503020000020004" pitchFamily="50" charset="-127"/>
+              </a:rPr>
+              <a:t>CI : </a:t>
+            </a:r>
+            <a:r>
+              <a:rPr lang="ko-KR" altLang="en-US" b="1" dirty="0">
+                <a:latin typeface="맑은 고딕" panose="020B0503020000020004" pitchFamily="50" charset="-127"/>
+                <a:ea typeface="맑은 고딕" panose="020B0503020000020004" pitchFamily="50" charset="-127"/>
+              </a:rPr>
+              <a:t>지속적인 통합 </a:t>
+            </a:r>
+            <a:r>
+              <a:rPr lang="en-US" altLang="ko-KR" b="1" dirty="0">
+                <a:latin typeface="맑은 고딕" panose="020B0503020000020004" pitchFamily="50" charset="-127"/>
+                <a:ea typeface="맑은 고딕" panose="020B0503020000020004" pitchFamily="50" charset="-127"/>
+              </a:rPr>
+              <a:t>(Continuous Integration)</a:t>
+            </a:r>
+            <a:endParaRPr lang="ko-KR" altLang="en-US" b="1" dirty="0">
+              <a:latin typeface="맑은 고딕" panose="020B0503020000020004" pitchFamily="50" charset="-127"/>
+              <a:ea typeface="맑은 고딕" panose="020B0503020000020004" pitchFamily="50" charset="-127"/>
+            </a:endParaRPr>
+          </a:p>
+        </p:txBody>
+      </p:sp>
+      <p:sp>
+        <p:nvSpPr>
+          <p:cNvPr id="31" name="TextBox 30">
+            <a:extLst>
+              <a:ext uri="{FF2B5EF4-FFF2-40B4-BE49-F238E27FC236}">
+                <a16:creationId xmlns:a16="http://schemas.microsoft.com/office/drawing/2014/main" id="{A5E7C0DF-F5E8-9998-EE27-149C5FAF9909}"/>
+              </a:ext>
+            </a:extLst>
+          </p:cNvPr>
+          <p:cNvSpPr txBox="1"/>
+          <p:nvPr/>
+        </p:nvSpPr>
+        <p:spPr>
+          <a:xfrm>
+            <a:off x="800098" y="4634024"/>
+            <a:ext cx="6344979" cy="369332"/>
+          </a:xfrm>
+          <a:prstGeom prst="rect">
+            <a:avLst/>
+          </a:prstGeom>
+          <a:noFill/>
+        </p:spPr>
+        <p:txBody>
+          <a:bodyPr wrap="square" rtlCol="0">
+            <a:spAutoFit/>
+          </a:bodyPr>
+          <a:lstStyle/>
+          <a:p>
+            <a:pPr marL="285750" indent="-285750">
+              <a:buFont typeface="Arial" panose="020B0604020202020204" pitchFamily="34" charset="0"/>
+              <a:buChar char="•"/>
+            </a:pPr>
+            <a:r>
+              <a:rPr lang="en-US" altLang="ko-KR" b="1" dirty="0">
+                <a:latin typeface="맑은 고딕" panose="020B0503020000020004" pitchFamily="50" charset="-127"/>
+                <a:ea typeface="맑은 고딕" panose="020B0503020000020004" pitchFamily="50" charset="-127"/>
+              </a:rPr>
+              <a:t>CD : </a:t>
+            </a:r>
+            <a:r>
+              <a:rPr lang="ko-KR" altLang="en-US" b="1" dirty="0">
+                <a:latin typeface="맑은 고딕" panose="020B0503020000020004" pitchFamily="50" charset="-127"/>
+                <a:ea typeface="맑은 고딕" panose="020B0503020000020004" pitchFamily="50" charset="-127"/>
+              </a:rPr>
+              <a:t>지속적인 제공 </a:t>
+            </a:r>
+            <a:r>
+              <a:rPr lang="en-US" altLang="ko-KR" b="1" dirty="0">
+                <a:latin typeface="맑은 고딕" panose="020B0503020000020004" pitchFamily="50" charset="-127"/>
+                <a:ea typeface="맑은 고딕" panose="020B0503020000020004" pitchFamily="50" charset="-127"/>
+              </a:rPr>
+              <a:t>(Continuous Delivery)</a:t>
+            </a:r>
+            <a:endParaRPr lang="ko-KR" altLang="en-US" b="1" dirty="0">
+              <a:latin typeface="맑은 고딕" panose="020B0503020000020004" pitchFamily="50" charset="-127"/>
+              <a:ea typeface="맑은 고딕" panose="020B0503020000020004" pitchFamily="50" charset="-127"/>
+            </a:endParaRPr>
+          </a:p>
+        </p:txBody>
+      </p:sp>
+      <p:sp>
+        <p:nvSpPr>
+          <p:cNvPr id="32" name="TextBox 31">
+            <a:extLst>
+              <a:ext uri="{FF2B5EF4-FFF2-40B4-BE49-F238E27FC236}">
+                <a16:creationId xmlns:a16="http://schemas.microsoft.com/office/drawing/2014/main" id="{29C30B7D-3DDB-9EDF-582B-77178290C938}"/>
+              </a:ext>
+            </a:extLst>
+          </p:cNvPr>
+          <p:cNvSpPr txBox="1"/>
+          <p:nvPr/>
+        </p:nvSpPr>
+        <p:spPr>
+          <a:xfrm>
+            <a:off x="800098" y="5711457"/>
+            <a:ext cx="6344979" cy="369332"/>
+          </a:xfrm>
+          <a:prstGeom prst="rect">
+            <a:avLst/>
+          </a:prstGeom>
+          <a:noFill/>
+        </p:spPr>
+        <p:txBody>
+          <a:bodyPr wrap="square" rtlCol="0">
+            <a:spAutoFit/>
+          </a:bodyPr>
+          <a:lstStyle/>
+          <a:p>
+            <a:pPr marL="285750" indent="-285750">
+              <a:buFont typeface="Arial" panose="020B0604020202020204" pitchFamily="34" charset="0"/>
+              <a:buChar char="•"/>
+            </a:pPr>
+            <a:r>
+              <a:rPr lang="en-US" altLang="ko-KR" b="1" dirty="0">
+                <a:latin typeface="맑은 고딕" panose="020B0503020000020004" pitchFamily="50" charset="-127"/>
+                <a:ea typeface="맑은 고딕" panose="020B0503020000020004" pitchFamily="50" charset="-127"/>
+              </a:rPr>
+              <a:t>CD : </a:t>
+            </a:r>
+            <a:r>
+              <a:rPr lang="ko-KR" altLang="en-US" b="1" dirty="0">
+                <a:latin typeface="맑은 고딕" panose="020B0503020000020004" pitchFamily="50" charset="-127"/>
+                <a:ea typeface="맑은 고딕" panose="020B0503020000020004" pitchFamily="50" charset="-127"/>
+              </a:rPr>
+              <a:t>지속적인 배포 </a:t>
+            </a:r>
+            <a:r>
+              <a:rPr lang="en-US" altLang="ko-KR" b="1" dirty="0">
+                <a:latin typeface="맑은 고딕" panose="020B0503020000020004" pitchFamily="50" charset="-127"/>
+                <a:ea typeface="맑은 고딕" panose="020B0503020000020004" pitchFamily="50" charset="-127"/>
+              </a:rPr>
+              <a:t>(Continuous Deployment)</a:t>
+            </a:r>
+            <a:endParaRPr lang="ko-KR" altLang="en-US" b="1" dirty="0">
+              <a:latin typeface="맑은 고딕" panose="020B0503020000020004" pitchFamily="50" charset="-127"/>
+              <a:ea typeface="맑은 고딕" panose="020B0503020000020004" pitchFamily="50" charset="-127"/>
+            </a:endParaRPr>
+          </a:p>
+        </p:txBody>
+      </p:sp>
+      <p:sp>
+        <p:nvSpPr>
+          <p:cNvPr id="33" name="TextBox 32">
+            <a:extLst>
+              <a:ext uri="{FF2B5EF4-FFF2-40B4-BE49-F238E27FC236}">
+                <a16:creationId xmlns:a16="http://schemas.microsoft.com/office/drawing/2014/main" id="{CB7E683D-0199-90D3-D6E6-6D3A3D933F0C}"/>
+              </a:ext>
+            </a:extLst>
+          </p:cNvPr>
+          <p:cNvSpPr txBox="1"/>
+          <p:nvPr/>
+        </p:nvSpPr>
+        <p:spPr>
+          <a:xfrm>
+            <a:off x="800098" y="3941527"/>
+            <a:ext cx="7727214" cy="584775"/>
+          </a:xfrm>
+          <a:prstGeom prst="rect">
+            <a:avLst/>
+          </a:prstGeom>
+          <a:noFill/>
+        </p:spPr>
+        <p:txBody>
+          <a:bodyPr wrap="square" rtlCol="0">
+            <a:spAutoFit/>
+          </a:bodyPr>
+          <a:lstStyle/>
+          <a:p>
+            <a:r>
+              <a:rPr lang="ko-KR" altLang="en-US" sz="1600" dirty="0">
+                <a:latin typeface="맑은 고딕" panose="020B0503020000020004" pitchFamily="50" charset="-127"/>
+                <a:ea typeface="맑은 고딕" panose="020B0503020000020004" pitchFamily="50" charset="-127"/>
+              </a:rPr>
+              <a:t>애플리케이션을 빌드</a:t>
+            </a:r>
+            <a:r>
+              <a:rPr lang="en-US" altLang="ko-KR" sz="1600" dirty="0">
+                <a:latin typeface="맑은 고딕" panose="020B0503020000020004" pitchFamily="50" charset="-127"/>
+                <a:ea typeface="맑은 고딕" panose="020B0503020000020004" pitchFamily="50" charset="-127"/>
+              </a:rPr>
+              <a:t>, </a:t>
+            </a:r>
+            <a:r>
+              <a:rPr lang="ko-KR" altLang="en-US" sz="1600" dirty="0">
+                <a:latin typeface="맑은 고딕" panose="020B0503020000020004" pitchFamily="50" charset="-127"/>
+                <a:ea typeface="맑은 고딕" panose="020B0503020000020004" pitchFamily="50" charset="-127"/>
+              </a:rPr>
+              <a:t>테스트하여 이상이 없는 경우 소스코드를 공유 </a:t>
+            </a:r>
+            <a:r>
+              <a:rPr lang="ko-KR" altLang="en-US" sz="1600" dirty="0" err="1">
+                <a:latin typeface="맑은 고딕" panose="020B0503020000020004" pitchFamily="50" charset="-127"/>
+                <a:ea typeface="맑은 고딕" panose="020B0503020000020004" pitchFamily="50" charset="-127"/>
+              </a:rPr>
+              <a:t>레파지토리에</a:t>
+            </a:r>
+            <a:r>
+              <a:rPr lang="ko-KR" altLang="en-US" sz="1600" dirty="0">
+                <a:latin typeface="맑은 고딕" panose="020B0503020000020004" pitchFamily="50" charset="-127"/>
+                <a:ea typeface="맑은 고딕" panose="020B0503020000020004" pitchFamily="50" charset="-127"/>
+              </a:rPr>
+              <a:t> 병합하는 과정을 자동화</a:t>
+            </a:r>
+          </a:p>
+        </p:txBody>
+      </p:sp>
+      <p:sp>
+        <p:nvSpPr>
+          <p:cNvPr id="34" name="TextBox 33">
+            <a:extLst>
+              <a:ext uri="{FF2B5EF4-FFF2-40B4-BE49-F238E27FC236}">
+                <a16:creationId xmlns:a16="http://schemas.microsoft.com/office/drawing/2014/main" id="{35D4A958-9D46-706E-F67E-9D54A9D43924}"/>
+              </a:ext>
+            </a:extLst>
+          </p:cNvPr>
+          <p:cNvSpPr txBox="1"/>
+          <p:nvPr/>
+        </p:nvSpPr>
+        <p:spPr>
+          <a:xfrm>
+            <a:off x="800098" y="5006400"/>
+            <a:ext cx="7727214" cy="584775"/>
+          </a:xfrm>
+          <a:prstGeom prst="rect">
+            <a:avLst/>
+          </a:prstGeom>
+          <a:noFill/>
+        </p:spPr>
+        <p:txBody>
+          <a:bodyPr wrap="square" rtlCol="0">
+            <a:spAutoFit/>
+          </a:bodyPr>
+          <a:lstStyle/>
+          <a:p>
+            <a:r>
+              <a:rPr lang="ko-KR" altLang="en-US" sz="1600" dirty="0">
+                <a:latin typeface="맑은 고딕" panose="020B0503020000020004" pitchFamily="50" charset="-127"/>
+                <a:ea typeface="맑은 고딕" panose="020B0503020000020004" pitchFamily="50" charset="-127"/>
+              </a:rPr>
+              <a:t>유효한 코드를 운영서버에 </a:t>
+            </a:r>
+            <a:r>
+              <a:rPr lang="ko-KR" altLang="en-US" sz="1600" dirty="0" err="1">
+                <a:latin typeface="맑은 고딕" panose="020B0503020000020004" pitchFamily="50" charset="-127"/>
+                <a:ea typeface="맑은 고딕" panose="020B0503020000020004" pitchFamily="50" charset="-127"/>
+              </a:rPr>
+              <a:t>릴리즈하는</a:t>
+            </a:r>
+            <a:r>
+              <a:rPr lang="ko-KR" altLang="en-US" sz="1600" dirty="0">
+                <a:latin typeface="맑은 고딕" panose="020B0503020000020004" pitchFamily="50" charset="-127"/>
+                <a:ea typeface="맑은 고딕" panose="020B0503020000020004" pitchFamily="50" charset="-127"/>
+              </a:rPr>
+              <a:t> 과정을 자동화</a:t>
+            </a:r>
+            <a:endParaRPr lang="en-US" altLang="ko-KR" sz="1600" dirty="0">
+              <a:latin typeface="맑은 고딕" panose="020B0503020000020004" pitchFamily="50" charset="-127"/>
+              <a:ea typeface="맑은 고딕" panose="020B0503020000020004" pitchFamily="50" charset="-127"/>
+            </a:endParaRPr>
+          </a:p>
+          <a:p>
+            <a:r>
+              <a:rPr lang="en-US" altLang="ko-KR" sz="1600" dirty="0">
+                <a:latin typeface="맑은 고딕" panose="020B0503020000020004" pitchFamily="50" charset="-127"/>
+                <a:ea typeface="맑은 고딕" panose="020B0503020000020004" pitchFamily="50" charset="-127"/>
+              </a:rPr>
+              <a:t>(</a:t>
+            </a:r>
+            <a:r>
+              <a:rPr lang="ko-KR" altLang="en-US" sz="1600" dirty="0">
+                <a:latin typeface="맑은 고딕" panose="020B0503020000020004" pitchFamily="50" charset="-127"/>
+                <a:ea typeface="맑은 고딕" panose="020B0503020000020004" pitchFamily="50" charset="-127"/>
+              </a:rPr>
+              <a:t>배포할 준비가 되어있는 코드베이스 확보</a:t>
+            </a:r>
+            <a:r>
+              <a:rPr lang="en-US" altLang="ko-KR" sz="1600" dirty="0">
+                <a:latin typeface="맑은 고딕" panose="020B0503020000020004" pitchFamily="50" charset="-127"/>
+                <a:ea typeface="맑은 고딕" panose="020B0503020000020004" pitchFamily="50" charset="-127"/>
+              </a:rPr>
+              <a:t>)</a:t>
+            </a:r>
+            <a:endParaRPr lang="ko-KR" altLang="en-US" sz="1600" dirty="0">
+              <a:latin typeface="맑은 고딕" panose="020B0503020000020004" pitchFamily="50" charset="-127"/>
+              <a:ea typeface="맑은 고딕" panose="020B0503020000020004" pitchFamily="50" charset="-127"/>
+            </a:endParaRPr>
+          </a:p>
+        </p:txBody>
+      </p:sp>
+      <p:sp>
+        <p:nvSpPr>
+          <p:cNvPr id="35" name="TextBox 34">
+            <a:extLst>
+              <a:ext uri="{FF2B5EF4-FFF2-40B4-BE49-F238E27FC236}">
+                <a16:creationId xmlns:a16="http://schemas.microsoft.com/office/drawing/2014/main" id="{A6AFD7D3-EFBD-D813-836F-89F8AF0055B5}"/>
+              </a:ext>
+            </a:extLst>
+          </p:cNvPr>
+          <p:cNvSpPr txBox="1"/>
+          <p:nvPr/>
+        </p:nvSpPr>
+        <p:spPr>
+          <a:xfrm>
+            <a:off x="800098" y="6071273"/>
+            <a:ext cx="7727214" cy="338554"/>
+          </a:xfrm>
+          <a:prstGeom prst="rect">
+            <a:avLst/>
+          </a:prstGeom>
+          <a:noFill/>
+        </p:spPr>
+        <p:txBody>
+          <a:bodyPr wrap="square" rtlCol="0">
+            <a:spAutoFit/>
+          </a:bodyPr>
+          <a:lstStyle/>
+          <a:p>
+            <a:r>
+              <a:rPr lang="ko-KR" altLang="en-US" sz="1600" dirty="0">
+                <a:latin typeface="맑은 고딕" panose="020B0503020000020004" pitchFamily="50" charset="-127"/>
+                <a:ea typeface="맑은 고딕" panose="020B0503020000020004" pitchFamily="50" charset="-127"/>
+              </a:rPr>
+              <a:t>지속적인 제공을 확장한 형태로 </a:t>
+            </a:r>
+            <a:r>
+              <a:rPr lang="ko-KR" altLang="en-US" sz="1600" dirty="0" err="1">
+                <a:latin typeface="맑은 고딕" panose="020B0503020000020004" pitchFamily="50" charset="-127"/>
+                <a:ea typeface="맑은 고딕" panose="020B0503020000020004" pitchFamily="50" charset="-127"/>
+              </a:rPr>
+              <a:t>릴리즈된</a:t>
+            </a:r>
+            <a:r>
+              <a:rPr lang="ko-KR" altLang="en-US" sz="1600" dirty="0">
+                <a:latin typeface="맑은 고딕" panose="020B0503020000020004" pitchFamily="50" charset="-127"/>
+                <a:ea typeface="맑은 고딕" panose="020B0503020000020004" pitchFamily="50" charset="-127"/>
+              </a:rPr>
+              <a:t> 애플리케이션을 실행하는 과정을 자동화</a:t>
+            </a:r>
+          </a:p>
+        </p:txBody>
+      </p:sp>
+    </p:spTree>
+    <p:extLst>
+      <p:ext uri="{BB962C8B-B14F-4D97-AF65-F5344CB8AC3E}">
+        <p14:creationId xmlns:p14="http://schemas.microsoft.com/office/powerpoint/2010/main" val="3851144391"/>
+      </p:ext>
+    </p:extLst>
+  </p:cSld>
+  <p:clrMapOvr>
+    <a:masterClrMapping/>
+  </p:clrMapOvr>
+</p:sld>
+</file>
+
+<file path=ppt/slides/slide6.xml><?xml version="1.0" encoding="utf-8"?>
+<p:sld xmlns:a="http://schemas.openxmlformats.org/drawingml/2006/main" xmlns:r="http://schemas.openxmlformats.org/officeDocument/2006/relationships" xmlns:p="http://schemas.openxmlformats.org/presentationml/2006/main">
+  <p:cSld>
+    <p:spTree>
+      <p:nvGrpSpPr>
+        <p:cNvPr id="1" name=""/>
+        <p:cNvGrpSpPr/>
+        <p:nvPr/>
+      </p:nvGrpSpPr>
+      <p:grpSpPr>
+        <a:xfrm>
+          <a:off x="0" y="0"/>
+          <a:ext cx="0" cy="0"/>
+          <a:chOff x="0" y="0"/>
+          <a:chExt cx="0" cy="0"/>
+        </a:xfrm>
+      </p:grpSpPr>
+      <p:sp>
+        <p:nvSpPr>
+          <p:cNvPr id="3" name="직사각형 2"/>
+          <p:cNvSpPr/>
+          <p:nvPr/>
+        </p:nvSpPr>
+        <p:spPr>
+          <a:xfrm>
+            <a:off x="0" y="0"/>
+            <a:ext cx="342900" cy="6858000"/>
+          </a:xfrm>
+          <a:prstGeom prst="rect">
+            <a:avLst/>
+          </a:prstGeom>
+          <a:ln>
+            <a:noFill/>
+          </a:ln>
+        </p:spPr>
+        <p:style>
+          <a:lnRef idx="2">
+            <a:schemeClr val="accent1">
+              <a:shade val="50000"/>
+            </a:schemeClr>
+          </a:lnRef>
+          <a:fillRef idx="1">
+            <a:schemeClr val="accent1"/>
+          </a:fillRef>
+          <a:effectRef idx="0">
+            <a:schemeClr val="accent1"/>
+          </a:effectRef>
+          <a:fontRef idx="minor">
+            <a:schemeClr val="lt1"/>
+          </a:fontRef>
+        </p:style>
+        <p:txBody>
+          <a:bodyPr rtlCol="0" anchor="ctr"/>
+          <a:lstStyle/>
+          <a:p>
+            <a:pPr algn="ctr"/>
+            <a:endParaRPr lang="ko-KR" altLang="en-US">
+              <a:latin typeface="맑은 고딕" panose="020B0503020000020004" pitchFamily="50" charset="-127"/>
+              <a:ea typeface="맑은 고딕" panose="020B0503020000020004" pitchFamily="50" charset="-127"/>
+            </a:endParaRPr>
           </a:p>
         </p:txBody>
       </p:sp>
@@ -5784,7 +5345,7 @@
         <p:spPr>
           <a:xfrm>
             <a:off x="523875" y="248692"/>
-            <a:ext cx="4339650" cy="769441"/>
+            <a:ext cx="2800767" cy="769441"/>
           </a:xfrm>
           <a:prstGeom prst="rect">
             <a:avLst/>
@@ -5798,13 +5359,272 @@
           <a:lstStyle/>
           <a:p>
             <a:r>
-              <a:rPr lang="ko-KR" altLang="en-US" sz="4400" dirty="0">
+              <a:rPr lang="en-US" altLang="ko-KR" sz="4400" dirty="0">
                 <a:solidFill>
                   <a:schemeClr val="accent1"/>
                 </a:solidFill>
+                <a:latin typeface="맑은 고딕" panose="020B0503020000020004" pitchFamily="50" charset="-127"/>
+                <a:ea typeface="맑은 고딕" panose="020B0503020000020004" pitchFamily="50" charset="-127"/>
               </a:rPr>
-              <a:t>제목을 입력하세요</a:t>
-            </a:r>
+              <a:t>CI/CD </a:t>
+            </a:r>
+            <a:r>
+              <a:rPr lang="ko-KR" altLang="en-US" sz="3600" dirty="0">
+                <a:solidFill>
+                  <a:schemeClr val="accent1"/>
+                </a:solidFill>
+                <a:latin typeface="맑은 고딕" panose="020B0503020000020004" pitchFamily="50" charset="-127"/>
+                <a:ea typeface="맑은 고딕" panose="020B0503020000020004" pitchFamily="50" charset="-127"/>
+              </a:rPr>
+              <a:t>장점</a:t>
+            </a:r>
+            <a:endParaRPr lang="ko-KR" altLang="en-US" sz="4400" dirty="0">
+              <a:solidFill>
+                <a:schemeClr val="accent1"/>
+              </a:solidFill>
+              <a:latin typeface="맑은 고딕" panose="020B0503020000020004" pitchFamily="50" charset="-127"/>
+              <a:ea typeface="맑은 고딕" panose="020B0503020000020004" pitchFamily="50" charset="-127"/>
+            </a:endParaRPr>
+          </a:p>
+        </p:txBody>
+      </p:sp>
+      <p:sp>
+        <p:nvSpPr>
+          <p:cNvPr id="2" name="TextBox 1">
+            <a:extLst>
+              <a:ext uri="{FF2B5EF4-FFF2-40B4-BE49-F238E27FC236}">
+                <a16:creationId xmlns:a16="http://schemas.microsoft.com/office/drawing/2014/main" id="{A0AADCFF-6174-A256-06E2-2D73C98E21D9}"/>
+              </a:ext>
+            </a:extLst>
+          </p:cNvPr>
+          <p:cNvSpPr txBox="1"/>
+          <p:nvPr/>
+        </p:nvSpPr>
+        <p:spPr>
+          <a:xfrm>
+            <a:off x="757570" y="2164319"/>
+            <a:ext cx="6344979" cy="369332"/>
+          </a:xfrm>
+          <a:prstGeom prst="rect">
+            <a:avLst/>
+          </a:prstGeom>
+          <a:noFill/>
+        </p:spPr>
+        <p:txBody>
+          <a:bodyPr wrap="square" rtlCol="0">
+            <a:spAutoFit/>
+          </a:bodyPr>
+          <a:lstStyle/>
+          <a:p>
+            <a:pPr marL="285750" indent="-285750">
+              <a:buFont typeface="Arial" panose="020B0604020202020204" pitchFamily="34" charset="0"/>
+              <a:buChar char="•"/>
+            </a:pPr>
+            <a:r>
+              <a:rPr lang="ko-KR" altLang="en-US" b="1" dirty="0">
+                <a:latin typeface="맑은 고딕" panose="020B0503020000020004" pitchFamily="50" charset="-127"/>
+                <a:ea typeface="맑은 고딕" panose="020B0503020000020004" pitchFamily="50" charset="-127"/>
+              </a:rPr>
+              <a:t>수행할 업무에 집중할 수 있다</a:t>
+            </a:r>
+            <a:r>
+              <a:rPr lang="en-US" altLang="ko-KR" b="1" dirty="0">
+                <a:latin typeface="맑은 고딕" panose="020B0503020000020004" pitchFamily="50" charset="-127"/>
+                <a:ea typeface="맑은 고딕" panose="020B0503020000020004" pitchFamily="50" charset="-127"/>
+              </a:rPr>
+              <a:t>.</a:t>
+            </a:r>
+            <a:endParaRPr lang="ko-KR" altLang="en-US" b="1" dirty="0">
+              <a:latin typeface="맑은 고딕" panose="020B0503020000020004" pitchFamily="50" charset="-127"/>
+              <a:ea typeface="맑은 고딕" panose="020B0503020000020004" pitchFamily="50" charset="-127"/>
+            </a:endParaRPr>
+          </a:p>
+        </p:txBody>
+      </p:sp>
+      <p:sp>
+        <p:nvSpPr>
+          <p:cNvPr id="6" name="TextBox 5">
+            <a:extLst>
+              <a:ext uri="{FF2B5EF4-FFF2-40B4-BE49-F238E27FC236}">
+                <a16:creationId xmlns:a16="http://schemas.microsoft.com/office/drawing/2014/main" id="{906F31A4-CC6D-1908-EA54-A6DC86D01FAD}"/>
+              </a:ext>
+            </a:extLst>
+          </p:cNvPr>
+          <p:cNvSpPr txBox="1"/>
+          <p:nvPr/>
+        </p:nvSpPr>
+        <p:spPr>
+          <a:xfrm>
+            <a:off x="757569" y="2837715"/>
+            <a:ext cx="6988250" cy="369332"/>
+          </a:xfrm>
+          <a:prstGeom prst="rect">
+            <a:avLst/>
+          </a:prstGeom>
+          <a:noFill/>
+        </p:spPr>
+        <p:txBody>
+          <a:bodyPr wrap="square" rtlCol="0">
+            <a:spAutoFit/>
+          </a:bodyPr>
+          <a:lstStyle/>
+          <a:p>
+            <a:pPr marL="285750" indent="-285750">
+              <a:buFont typeface="Arial" panose="020B0604020202020204" pitchFamily="34" charset="0"/>
+              <a:buChar char="•"/>
+            </a:pPr>
+            <a:r>
+              <a:rPr lang="ko-KR" altLang="en-US" b="1" dirty="0">
+                <a:latin typeface="맑은 고딕" panose="020B0503020000020004" pitchFamily="50" charset="-127"/>
+                <a:ea typeface="맑은 고딕" panose="020B0503020000020004" pitchFamily="50" charset="-127"/>
+              </a:rPr>
+              <a:t>실수로 누락되는 것을 방지하고</a:t>
+            </a:r>
+            <a:r>
+              <a:rPr lang="en-US" altLang="ko-KR" b="1" dirty="0">
+                <a:latin typeface="맑은 고딕" panose="020B0503020000020004" pitchFamily="50" charset="-127"/>
+                <a:ea typeface="맑은 고딕" panose="020B0503020000020004" pitchFamily="50" charset="-127"/>
+              </a:rPr>
+              <a:t>, </a:t>
+            </a:r>
+            <a:r>
+              <a:rPr lang="ko-KR" altLang="en-US" b="1" dirty="0">
+                <a:latin typeface="맑은 고딕" panose="020B0503020000020004" pitchFamily="50" charset="-127"/>
+                <a:ea typeface="맑은 고딕" panose="020B0503020000020004" pitchFamily="50" charset="-127"/>
+              </a:rPr>
+              <a:t>단순 작업에서 벗어날 수 있다</a:t>
+            </a:r>
+            <a:r>
+              <a:rPr lang="en-US" altLang="ko-KR" b="1" dirty="0">
+                <a:latin typeface="맑은 고딕" panose="020B0503020000020004" pitchFamily="50" charset="-127"/>
+                <a:ea typeface="맑은 고딕" panose="020B0503020000020004" pitchFamily="50" charset="-127"/>
+              </a:rPr>
+              <a:t>.</a:t>
+            </a:r>
+            <a:endParaRPr lang="ko-KR" altLang="en-US" b="1" dirty="0">
+              <a:latin typeface="맑은 고딕" panose="020B0503020000020004" pitchFamily="50" charset="-127"/>
+              <a:ea typeface="맑은 고딕" panose="020B0503020000020004" pitchFamily="50" charset="-127"/>
+            </a:endParaRPr>
+          </a:p>
+        </p:txBody>
+      </p:sp>
+      <p:sp>
+        <p:nvSpPr>
+          <p:cNvPr id="7" name="TextBox 6">
+            <a:extLst>
+              <a:ext uri="{FF2B5EF4-FFF2-40B4-BE49-F238E27FC236}">
+                <a16:creationId xmlns:a16="http://schemas.microsoft.com/office/drawing/2014/main" id="{3C165601-B521-EB10-D59C-0AA8AB6D3C41}"/>
+              </a:ext>
+            </a:extLst>
+          </p:cNvPr>
+          <p:cNvSpPr txBox="1"/>
+          <p:nvPr/>
+        </p:nvSpPr>
+        <p:spPr>
+          <a:xfrm>
+            <a:off x="757569" y="3508415"/>
+            <a:ext cx="7626203" cy="646331"/>
+          </a:xfrm>
+          <a:prstGeom prst="rect">
+            <a:avLst/>
+          </a:prstGeom>
+          <a:noFill/>
+        </p:spPr>
+        <p:txBody>
+          <a:bodyPr wrap="square" rtlCol="0">
+            <a:spAutoFit/>
+          </a:bodyPr>
+          <a:lstStyle/>
+          <a:p>
+            <a:pPr marL="285750" indent="-285750">
+              <a:buFont typeface="Arial" panose="020B0604020202020204" pitchFamily="34" charset="0"/>
+              <a:buChar char="•"/>
+            </a:pPr>
+            <a:r>
+              <a:rPr lang="ko-KR" altLang="en-US" b="1" dirty="0">
+                <a:latin typeface="맑은 고딕" panose="020B0503020000020004" pitchFamily="50" charset="-127"/>
+                <a:ea typeface="맑은 고딕" panose="020B0503020000020004" pitchFamily="50" charset="-127"/>
+              </a:rPr>
+              <a:t>짧은 배포주기로 시장 출시 기간 단축</a:t>
+            </a:r>
+            <a:r>
+              <a:rPr lang="en-US" altLang="ko-KR" b="1" dirty="0">
+                <a:latin typeface="맑은 고딕" panose="020B0503020000020004" pitchFamily="50" charset="-127"/>
+                <a:ea typeface="맑은 고딕" panose="020B0503020000020004" pitchFamily="50" charset="-127"/>
+              </a:rPr>
+              <a:t>, </a:t>
+            </a:r>
+            <a:r>
+              <a:rPr lang="ko-KR" altLang="en-US" b="1" dirty="0">
+                <a:latin typeface="맑은 고딕" panose="020B0503020000020004" pitchFamily="50" charset="-127"/>
+                <a:ea typeface="맑은 고딕" panose="020B0503020000020004" pitchFamily="50" charset="-127"/>
+              </a:rPr>
+              <a:t>애플리케이션에 빠른 피드백이 가능하다</a:t>
+            </a:r>
+            <a:r>
+              <a:rPr lang="en-US" altLang="ko-KR" b="1" dirty="0">
+                <a:latin typeface="맑은 고딕" panose="020B0503020000020004" pitchFamily="50" charset="-127"/>
+                <a:ea typeface="맑은 고딕" panose="020B0503020000020004" pitchFamily="50" charset="-127"/>
+              </a:rPr>
+              <a:t>.</a:t>
+            </a:r>
+            <a:endParaRPr lang="ko-KR" altLang="en-US" b="1" dirty="0">
+              <a:latin typeface="맑은 고딕" panose="020B0503020000020004" pitchFamily="50" charset="-127"/>
+              <a:ea typeface="맑은 고딕" panose="020B0503020000020004" pitchFamily="50" charset="-127"/>
+            </a:endParaRPr>
+          </a:p>
+        </p:txBody>
+      </p:sp>
+      <p:sp>
+        <p:nvSpPr>
+          <p:cNvPr id="8" name="TextBox 7">
+            <a:extLst>
+              <a:ext uri="{FF2B5EF4-FFF2-40B4-BE49-F238E27FC236}">
+                <a16:creationId xmlns:a16="http://schemas.microsoft.com/office/drawing/2014/main" id="{9B232350-5068-853C-A39B-7AA780FA38C6}"/>
+              </a:ext>
+            </a:extLst>
+          </p:cNvPr>
+          <p:cNvSpPr txBox="1"/>
+          <p:nvPr/>
+        </p:nvSpPr>
+        <p:spPr>
+          <a:xfrm>
+            <a:off x="757570" y="4456114"/>
+            <a:ext cx="6344979" cy="369332"/>
+          </a:xfrm>
+          <a:prstGeom prst="rect">
+            <a:avLst/>
+          </a:prstGeom>
+          <a:noFill/>
+        </p:spPr>
+        <p:txBody>
+          <a:bodyPr wrap="square" rtlCol="0">
+            <a:spAutoFit/>
+          </a:bodyPr>
+          <a:lstStyle/>
+          <a:p>
+            <a:pPr marL="285750" indent="-285750">
+              <a:buFont typeface="Arial" panose="020B0604020202020204" pitchFamily="34" charset="0"/>
+              <a:buChar char="•"/>
+            </a:pPr>
+            <a:r>
+              <a:rPr lang="ko-KR" altLang="en-US" b="1" dirty="0">
+                <a:latin typeface="맑은 고딕" panose="020B0503020000020004" pitchFamily="50" charset="-127"/>
+                <a:ea typeface="맑은 고딕" panose="020B0503020000020004" pitchFamily="50" charset="-127"/>
+              </a:rPr>
+              <a:t>업무의 신뢰를 높여준다</a:t>
+            </a:r>
+            <a:r>
+              <a:rPr lang="en-US" altLang="ko-KR" b="1" dirty="0">
+                <a:latin typeface="맑은 고딕" panose="020B0503020000020004" pitchFamily="50" charset="-127"/>
+                <a:ea typeface="맑은 고딕" panose="020B0503020000020004" pitchFamily="50" charset="-127"/>
+              </a:rPr>
+              <a:t>.</a:t>
+            </a:r>
+            <a:endParaRPr lang="ko-KR" altLang="en-US" b="1" dirty="0">
+              <a:latin typeface="맑은 고딕" panose="020B0503020000020004" pitchFamily="50" charset="-127"/>
+              <a:ea typeface="맑은 고딕" panose="020B0503020000020004" pitchFamily="50" charset="-127"/>
+            </a:endParaRPr>
           </a:p>
         </p:txBody>
       </p:sp>
@@ -5812,6 +5632,2178 @@
     <p:extLst>
       <p:ext uri="{BB962C8B-B14F-4D97-AF65-F5344CB8AC3E}">
         <p14:creationId xmlns:p14="http://schemas.microsoft.com/office/powerpoint/2010/main" val="1036659021"/>
+      </p:ext>
+    </p:extLst>
+  </p:cSld>
+  <p:clrMapOvr>
+    <a:masterClrMapping/>
+  </p:clrMapOvr>
+</p:sld>
+</file>
+
+<file path=ppt/slides/slide7.xml><?xml version="1.0" encoding="utf-8"?>
+<p:sld xmlns:a="http://schemas.openxmlformats.org/drawingml/2006/main" xmlns:r="http://schemas.openxmlformats.org/officeDocument/2006/relationships" xmlns:p="http://schemas.openxmlformats.org/presentationml/2006/main">
+  <p:cSld>
+    <p:spTree>
+      <p:nvGrpSpPr>
+        <p:cNvPr id="1" name=""/>
+        <p:cNvGrpSpPr/>
+        <p:nvPr/>
+      </p:nvGrpSpPr>
+      <p:grpSpPr>
+        <a:xfrm>
+          <a:off x="0" y="0"/>
+          <a:ext cx="0" cy="0"/>
+          <a:chOff x="0" y="0"/>
+          <a:chExt cx="0" cy="0"/>
+        </a:xfrm>
+      </p:grpSpPr>
+      <p:sp>
+        <p:nvSpPr>
+          <p:cNvPr id="7" name="직사각형 6"/>
+          <p:cNvSpPr/>
+          <p:nvPr/>
+        </p:nvSpPr>
+        <p:spPr>
+          <a:xfrm>
+            <a:off x="0" y="0"/>
+            <a:ext cx="9144000" cy="6858000"/>
+          </a:xfrm>
+          <a:prstGeom prst="rect">
+            <a:avLst/>
+          </a:prstGeom>
+          <a:ln>
+            <a:noFill/>
+          </a:ln>
+        </p:spPr>
+        <p:style>
+          <a:lnRef idx="2">
+            <a:schemeClr val="accent1">
+              <a:shade val="50000"/>
+            </a:schemeClr>
+          </a:lnRef>
+          <a:fillRef idx="1">
+            <a:schemeClr val="accent1"/>
+          </a:fillRef>
+          <a:effectRef idx="0">
+            <a:schemeClr val="accent1"/>
+          </a:effectRef>
+          <a:fontRef idx="minor">
+            <a:schemeClr val="lt1"/>
+          </a:fontRef>
+        </p:style>
+        <p:txBody>
+          <a:bodyPr rtlCol="0" anchor="ctr"/>
+          <a:lstStyle/>
+          <a:p>
+            <a:pPr algn="ctr"/>
+            <a:endParaRPr lang="ko-KR" altLang="en-US">
+              <a:latin typeface="맑은 고딕" panose="020B0503020000020004" pitchFamily="50" charset="-127"/>
+              <a:ea typeface="맑은 고딕" panose="020B0503020000020004" pitchFamily="50" charset="-127"/>
+            </a:endParaRPr>
+          </a:p>
+        </p:txBody>
+      </p:sp>
+      <p:sp>
+        <p:nvSpPr>
+          <p:cNvPr id="2" name="TextBox 1"/>
+          <p:cNvSpPr txBox="1"/>
+          <p:nvPr/>
+        </p:nvSpPr>
+        <p:spPr>
+          <a:xfrm>
+            <a:off x="4011407" y="3637345"/>
+            <a:ext cx="5132593" cy="1015663"/>
+          </a:xfrm>
+          <a:prstGeom prst="rect">
+            <a:avLst/>
+          </a:prstGeom>
+          <a:noFill/>
+        </p:spPr>
+        <p:txBody>
+          <a:bodyPr wrap="square" rtlCol="0">
+            <a:spAutoFit/>
+          </a:bodyPr>
+          <a:lstStyle/>
+          <a:p>
+            <a:r>
+              <a:rPr lang="en-US" altLang="ko-KR" sz="6000" dirty="0">
+                <a:solidFill>
+                  <a:schemeClr val="bg1"/>
+                </a:solidFill>
+                <a:latin typeface="맑은 고딕" panose="020B0503020000020004" pitchFamily="50" charset="-127"/>
+                <a:ea typeface="맑은 고딕" panose="020B0503020000020004" pitchFamily="50" charset="-127"/>
+              </a:rPr>
+              <a:t>CI/CD Tool</a:t>
+            </a:r>
+            <a:endParaRPr lang="ko-KR" altLang="en-US" sz="6000" dirty="0">
+              <a:solidFill>
+                <a:schemeClr val="bg1"/>
+              </a:solidFill>
+              <a:latin typeface="맑은 고딕" panose="020B0503020000020004" pitchFamily="50" charset="-127"/>
+              <a:ea typeface="맑은 고딕" panose="020B0503020000020004" pitchFamily="50" charset="-127"/>
+            </a:endParaRPr>
+          </a:p>
+        </p:txBody>
+      </p:sp>
+      <p:sp>
+        <p:nvSpPr>
+          <p:cNvPr id="4" name="TextBox 3">
+            <a:extLst>
+              <a:ext uri="{FF2B5EF4-FFF2-40B4-BE49-F238E27FC236}">
+                <a16:creationId xmlns:a16="http://schemas.microsoft.com/office/drawing/2014/main" id="{EF7FB1F9-1623-C6CD-50EB-D783B17CEA42}"/>
+              </a:ext>
+            </a:extLst>
+          </p:cNvPr>
+          <p:cNvSpPr txBox="1"/>
+          <p:nvPr/>
+        </p:nvSpPr>
+        <p:spPr>
+          <a:xfrm>
+            <a:off x="914399" y="2448017"/>
+            <a:ext cx="3912781" cy="1015663"/>
+          </a:xfrm>
+          <a:prstGeom prst="rect">
+            <a:avLst/>
+          </a:prstGeom>
+          <a:noFill/>
+        </p:spPr>
+        <p:txBody>
+          <a:bodyPr wrap="square" rtlCol="0">
+            <a:spAutoFit/>
+          </a:bodyPr>
+          <a:lstStyle/>
+          <a:p>
+            <a:r>
+              <a:rPr lang="en-US" altLang="ko-KR" sz="6000" b="1" dirty="0">
+                <a:solidFill>
+                  <a:srgbClr val="F8F8F6"/>
+                </a:solidFill>
+                <a:latin typeface="맑은 고딕" panose="020B0503020000020004" pitchFamily="50" charset="-127"/>
+                <a:ea typeface="맑은 고딕" panose="020B0503020000020004" pitchFamily="50" charset="-127"/>
+              </a:rPr>
+              <a:t>Chapter 2 </a:t>
+            </a:r>
+          </a:p>
+        </p:txBody>
+      </p:sp>
+    </p:spTree>
+    <p:extLst>
+      <p:ext uri="{BB962C8B-B14F-4D97-AF65-F5344CB8AC3E}">
+        <p14:creationId xmlns:p14="http://schemas.microsoft.com/office/powerpoint/2010/main" val="3146314259"/>
+      </p:ext>
+    </p:extLst>
+  </p:cSld>
+  <p:clrMapOvr>
+    <a:masterClrMapping/>
+  </p:clrMapOvr>
+</p:sld>
+</file>
+
+<file path=ppt/slides/slide8.xml><?xml version="1.0" encoding="utf-8"?>
+<p:sld xmlns:a="http://schemas.openxmlformats.org/drawingml/2006/main" xmlns:r="http://schemas.openxmlformats.org/officeDocument/2006/relationships" xmlns:p="http://schemas.openxmlformats.org/presentationml/2006/main">
+  <p:cSld>
+    <p:spTree>
+      <p:nvGrpSpPr>
+        <p:cNvPr id="1" name=""/>
+        <p:cNvGrpSpPr/>
+        <p:nvPr/>
+      </p:nvGrpSpPr>
+      <p:grpSpPr>
+        <a:xfrm>
+          <a:off x="0" y="0"/>
+          <a:ext cx="0" cy="0"/>
+          <a:chOff x="0" y="0"/>
+          <a:chExt cx="0" cy="0"/>
+        </a:xfrm>
+      </p:grpSpPr>
+      <p:sp>
+        <p:nvSpPr>
+          <p:cNvPr id="3" name="직사각형 2"/>
+          <p:cNvSpPr/>
+          <p:nvPr/>
+        </p:nvSpPr>
+        <p:spPr>
+          <a:xfrm>
+            <a:off x="0" y="0"/>
+            <a:ext cx="342900" cy="6858000"/>
+          </a:xfrm>
+          <a:prstGeom prst="rect">
+            <a:avLst/>
+          </a:prstGeom>
+          <a:ln>
+            <a:noFill/>
+          </a:ln>
+        </p:spPr>
+        <p:style>
+          <a:lnRef idx="2">
+            <a:schemeClr val="accent1">
+              <a:shade val="50000"/>
+            </a:schemeClr>
+          </a:lnRef>
+          <a:fillRef idx="1">
+            <a:schemeClr val="accent1"/>
+          </a:fillRef>
+          <a:effectRef idx="0">
+            <a:schemeClr val="accent1"/>
+          </a:effectRef>
+          <a:fontRef idx="minor">
+            <a:schemeClr val="lt1"/>
+          </a:fontRef>
+        </p:style>
+        <p:txBody>
+          <a:bodyPr rtlCol="0" anchor="ctr"/>
+          <a:lstStyle/>
+          <a:p>
+            <a:pPr algn="ctr"/>
+            <a:endParaRPr lang="ko-KR" altLang="en-US">
+              <a:latin typeface="맑은 고딕" panose="020B0503020000020004" pitchFamily="50" charset="-127"/>
+              <a:ea typeface="맑은 고딕" panose="020B0503020000020004" pitchFamily="50" charset="-127"/>
+            </a:endParaRPr>
+          </a:p>
+        </p:txBody>
+      </p:sp>
+      <p:cxnSp>
+        <p:nvCxnSpPr>
+          <p:cNvPr id="5" name="직선 연결선 4"/>
+          <p:cNvCxnSpPr/>
+          <p:nvPr/>
+        </p:nvCxnSpPr>
+        <p:spPr>
+          <a:xfrm>
+            <a:off x="342900" y="1266825"/>
+            <a:ext cx="7839075" cy="0"/>
+          </a:xfrm>
+          <a:prstGeom prst="line">
+            <a:avLst/>
+          </a:prstGeom>
+        </p:spPr>
+        <p:style>
+          <a:lnRef idx="1">
+            <a:schemeClr val="accent1"/>
+          </a:lnRef>
+          <a:fillRef idx="0">
+            <a:schemeClr val="accent1"/>
+          </a:fillRef>
+          <a:effectRef idx="0">
+            <a:schemeClr val="accent1"/>
+          </a:effectRef>
+          <a:fontRef idx="minor">
+            <a:schemeClr val="tx1"/>
+          </a:fontRef>
+        </p:style>
+      </p:cxnSp>
+      <p:sp>
+        <p:nvSpPr>
+          <p:cNvPr id="6" name="TextBox 5"/>
+          <p:cNvSpPr txBox="1"/>
+          <p:nvPr/>
+        </p:nvSpPr>
+        <p:spPr>
+          <a:xfrm>
+            <a:off x="454765" y="347543"/>
+            <a:ext cx="5128327" cy="646331"/>
+          </a:xfrm>
+          <a:prstGeom prst="rect">
+            <a:avLst/>
+          </a:prstGeom>
+          <a:noFill/>
+        </p:spPr>
+        <p:txBody>
+          <a:bodyPr wrap="none" rtlCol="0">
+            <a:spAutoFit/>
+          </a:bodyPr>
+          <a:lstStyle/>
+          <a:p>
+            <a:r>
+              <a:rPr lang="ko-KR" altLang="en-US" sz="3600" dirty="0">
+                <a:solidFill>
+                  <a:schemeClr val="accent1"/>
+                </a:solidFill>
+                <a:latin typeface="맑은 고딕" panose="020B0503020000020004" pitchFamily="50" charset="-127"/>
+                <a:ea typeface="맑은 고딕" panose="020B0503020000020004" pitchFamily="50" charset="-127"/>
+              </a:rPr>
+              <a:t>유형별로 나눈 </a:t>
+            </a:r>
+            <a:r>
+              <a:rPr lang="en-US" altLang="ko-KR" sz="3600" dirty="0">
+                <a:solidFill>
+                  <a:schemeClr val="accent1"/>
+                </a:solidFill>
+                <a:latin typeface="맑은 고딕" panose="020B0503020000020004" pitchFamily="50" charset="-127"/>
+                <a:ea typeface="맑은 고딕" panose="020B0503020000020004" pitchFamily="50" charset="-127"/>
+              </a:rPr>
+              <a:t>CI/CD </a:t>
+            </a:r>
+            <a:r>
+              <a:rPr lang="ko-KR" altLang="en-US" sz="3600" dirty="0">
+                <a:solidFill>
+                  <a:schemeClr val="accent1"/>
+                </a:solidFill>
+                <a:latin typeface="맑은 고딕" panose="020B0503020000020004" pitchFamily="50" charset="-127"/>
+                <a:ea typeface="맑은 고딕" panose="020B0503020000020004" pitchFamily="50" charset="-127"/>
+              </a:rPr>
+              <a:t>툴</a:t>
+            </a:r>
+          </a:p>
+        </p:txBody>
+      </p:sp>
+      <p:graphicFrame>
+        <p:nvGraphicFramePr>
+          <p:cNvPr id="21" name="표 20">
+            <a:extLst>
+              <a:ext uri="{FF2B5EF4-FFF2-40B4-BE49-F238E27FC236}">
+                <a16:creationId xmlns:a16="http://schemas.microsoft.com/office/drawing/2014/main" id="{7685EA58-D976-E5EA-1824-395A8DE1E1DA}"/>
+              </a:ext>
+            </a:extLst>
+          </p:cNvPr>
+          <p:cNvGraphicFramePr>
+            <a:graphicFrameLocks noGrp="1"/>
+          </p:cNvGraphicFramePr>
+          <p:nvPr>
+            <p:extLst>
+              <p:ext uri="{D42A27DB-BD31-4B8C-83A1-F6EECF244321}">
+                <p14:modId xmlns:p14="http://schemas.microsoft.com/office/powerpoint/2010/main" val="1661575742"/>
+              </p:ext>
+            </p:extLst>
+          </p:nvPr>
+        </p:nvGraphicFramePr>
+        <p:xfrm>
+          <a:off x="385653" y="1686810"/>
+          <a:ext cx="8630757" cy="4379060"/>
+        </p:xfrm>
+        <a:graphic>
+          <a:graphicData uri="http://schemas.openxmlformats.org/drawingml/2006/table">
+            <a:tbl>
+              <a:tblPr/>
+              <a:tblGrid>
+                <a:gridCol w="938100">
+                  <a:extLst>
+                    <a:ext uri="{9D8B030D-6E8A-4147-A177-3AD203B41FA5}">
+                      <a16:colId xmlns:a16="http://schemas.microsoft.com/office/drawing/2014/main" val="1679242786"/>
+                    </a:ext>
+                  </a:extLst>
+                </a:gridCol>
+                <a:gridCol w="2564219">
+                  <a:extLst>
+                    <a:ext uri="{9D8B030D-6E8A-4147-A177-3AD203B41FA5}">
+                      <a16:colId xmlns:a16="http://schemas.microsoft.com/office/drawing/2014/main" val="368300014"/>
+                    </a:ext>
+                  </a:extLst>
+                </a:gridCol>
+                <a:gridCol w="2564219">
+                  <a:extLst>
+                    <a:ext uri="{9D8B030D-6E8A-4147-A177-3AD203B41FA5}">
+                      <a16:colId xmlns:a16="http://schemas.microsoft.com/office/drawing/2014/main" val="1883875058"/>
+                    </a:ext>
+                  </a:extLst>
+                </a:gridCol>
+                <a:gridCol w="2564219">
+                  <a:extLst>
+                    <a:ext uri="{9D8B030D-6E8A-4147-A177-3AD203B41FA5}">
+                      <a16:colId xmlns:a16="http://schemas.microsoft.com/office/drawing/2014/main" val="51039891"/>
+                    </a:ext>
+                  </a:extLst>
+                </a:gridCol>
+              </a:tblGrid>
+              <a:tr h="635763">
+                <a:tc>
+                  <a:txBody>
+                    <a:bodyPr/>
+                    <a:lstStyle/>
+                    <a:p>
+                      <a:pPr algn="ctr"/>
+                      <a:br>
+                        <a:rPr lang="en-US" sz="2000" dirty="0">
+                          <a:solidFill>
+                            <a:srgbClr val="000000"/>
+                          </a:solidFill>
+                          <a:effectLst/>
+                          <a:latin typeface="맑은 고딕" panose="020B0503020000020004" pitchFamily="50" charset="-127"/>
+                          <a:ea typeface="맑은 고딕" panose="020B0503020000020004" pitchFamily="50" charset="-127"/>
+                        </a:rPr>
+                      </a:br>
+                      <a:endParaRPr lang="en-US" sz="2000" dirty="0">
+                        <a:effectLst/>
+                        <a:latin typeface="맑은 고딕" panose="020B0503020000020004" pitchFamily="50" charset="-127"/>
+                        <a:ea typeface="맑은 고딕" panose="020B0503020000020004" pitchFamily="50" charset="-127"/>
+                      </a:endParaRPr>
+                    </a:p>
+                  </a:txBody>
+                  <a:tcPr marL="1956" marR="1956" marT="1956" marB="1956" anchor="ctr">
+                    <a:lnL w="12700" cap="flat" cmpd="sng" algn="ctr">
+                      <a:solidFill>
+                        <a:schemeClr val="tx1"/>
+                      </a:solidFill>
+                      <a:prstDash val="solid"/>
+                      <a:round/>
+                      <a:headEnd type="none" w="med" len="med"/>
+                      <a:tailEnd type="none" w="med" len="med"/>
+                    </a:lnL>
+                    <a:lnR w="12700" cap="flat" cmpd="sng" algn="ctr">
+                      <a:solidFill>
+                        <a:schemeClr val="tx1"/>
+                      </a:solidFill>
+                      <a:prstDash val="solid"/>
+                      <a:round/>
+                      <a:headEnd type="none" w="med" len="med"/>
+                      <a:tailEnd type="none" w="med" len="med"/>
+                    </a:lnR>
+                    <a:lnT w="12700" cap="flat" cmpd="sng" algn="ctr">
+                      <a:solidFill>
+                        <a:schemeClr val="tx1"/>
+                      </a:solidFill>
+                      <a:prstDash val="solid"/>
+                      <a:round/>
+                      <a:headEnd type="none" w="med" len="med"/>
+                      <a:tailEnd type="none" w="med" len="med"/>
+                    </a:lnT>
+                    <a:lnB w="12700" cap="flat" cmpd="sng" algn="ctr">
+                      <a:solidFill>
+                        <a:schemeClr val="tx1"/>
+                      </a:solidFill>
+                      <a:prstDash val="solid"/>
+                      <a:round/>
+                      <a:headEnd type="none" w="med" len="med"/>
+                      <a:tailEnd type="none" w="med" len="med"/>
+                    </a:lnB>
+                  </a:tcPr>
+                </a:tc>
+                <a:tc>
+                  <a:txBody>
+                    <a:bodyPr/>
+                    <a:lstStyle/>
+                    <a:p>
+                      <a:endParaRPr lang="en-US" sz="2000" dirty="0">
+                        <a:effectLst/>
+                        <a:latin typeface="맑은 고딕" panose="020B0503020000020004" pitchFamily="50" charset="-127"/>
+                        <a:ea typeface="맑은 고딕" panose="020B0503020000020004" pitchFamily="50" charset="-127"/>
+                      </a:endParaRPr>
+                    </a:p>
+                  </a:txBody>
+                  <a:tcPr marL="1956" marR="1956" marT="1956" marB="1956" anchor="ctr">
+                    <a:lnL w="12700" cap="flat" cmpd="sng" algn="ctr">
+                      <a:solidFill>
+                        <a:schemeClr val="tx1"/>
+                      </a:solidFill>
+                      <a:prstDash val="solid"/>
+                      <a:round/>
+                      <a:headEnd type="none" w="med" len="med"/>
+                      <a:tailEnd type="none" w="med" len="med"/>
+                    </a:lnL>
+                    <a:lnR w="12700" cap="flat" cmpd="sng" algn="ctr">
+                      <a:solidFill>
+                        <a:schemeClr val="tx1"/>
+                      </a:solidFill>
+                      <a:prstDash val="solid"/>
+                      <a:round/>
+                      <a:headEnd type="none" w="med" len="med"/>
+                      <a:tailEnd type="none" w="med" len="med"/>
+                    </a:lnR>
+                    <a:lnT w="12700" cap="flat" cmpd="sng" algn="ctr">
+                      <a:solidFill>
+                        <a:schemeClr val="tx1"/>
+                      </a:solidFill>
+                      <a:prstDash val="solid"/>
+                      <a:round/>
+                      <a:headEnd type="none" w="med" len="med"/>
+                      <a:tailEnd type="none" w="med" len="med"/>
+                    </a:lnT>
+                    <a:lnB w="12700" cap="flat" cmpd="sng" algn="ctr">
+                      <a:solidFill>
+                        <a:schemeClr val="tx1"/>
+                      </a:solidFill>
+                      <a:prstDash val="solid"/>
+                      <a:round/>
+                      <a:headEnd type="none" w="med" len="med"/>
+                      <a:tailEnd type="none" w="med" len="med"/>
+                    </a:lnB>
+                    <a:blipFill>
+                      <a:blip r:embed="rId2"/>
+                      <a:stretch>
+                        <a:fillRect/>
+                      </a:stretch>
+                    </a:blipFill>
+                  </a:tcPr>
+                </a:tc>
+                <a:tc>
+                  <a:txBody>
+                    <a:bodyPr/>
+                    <a:lstStyle/>
+                    <a:p>
+                      <a:endParaRPr lang="en-US" sz="2000" dirty="0">
+                        <a:effectLst/>
+                        <a:latin typeface="맑은 고딕" panose="020B0503020000020004" pitchFamily="50" charset="-127"/>
+                        <a:ea typeface="맑은 고딕" panose="020B0503020000020004" pitchFamily="50" charset="-127"/>
+                      </a:endParaRPr>
+                    </a:p>
+                  </a:txBody>
+                  <a:tcPr marL="1956" marR="1956" marT="1956" marB="1956" anchor="ctr">
+                    <a:lnL w="12700" cap="flat" cmpd="sng" algn="ctr">
+                      <a:solidFill>
+                        <a:schemeClr val="tx1"/>
+                      </a:solidFill>
+                      <a:prstDash val="solid"/>
+                      <a:round/>
+                      <a:headEnd type="none" w="med" len="med"/>
+                      <a:tailEnd type="none" w="med" len="med"/>
+                    </a:lnL>
+                    <a:lnR w="12700" cap="flat" cmpd="sng" algn="ctr">
+                      <a:solidFill>
+                        <a:schemeClr val="tx1"/>
+                      </a:solidFill>
+                      <a:prstDash val="solid"/>
+                      <a:round/>
+                      <a:headEnd type="none" w="med" len="med"/>
+                      <a:tailEnd type="none" w="med" len="med"/>
+                    </a:lnR>
+                    <a:lnT w="12700" cap="flat" cmpd="sng" algn="ctr">
+                      <a:solidFill>
+                        <a:schemeClr val="tx1"/>
+                      </a:solidFill>
+                      <a:prstDash val="solid"/>
+                      <a:round/>
+                      <a:headEnd type="none" w="med" len="med"/>
+                      <a:tailEnd type="none" w="med" len="med"/>
+                    </a:lnT>
+                    <a:lnB w="12700" cap="flat" cmpd="sng" algn="ctr">
+                      <a:solidFill>
+                        <a:schemeClr val="tx1"/>
+                      </a:solidFill>
+                      <a:prstDash val="solid"/>
+                      <a:round/>
+                      <a:headEnd type="none" w="med" len="med"/>
+                      <a:tailEnd type="none" w="med" len="med"/>
+                    </a:lnB>
+                    <a:blipFill>
+                      <a:blip r:embed="rId3"/>
+                      <a:stretch>
+                        <a:fillRect/>
+                      </a:stretch>
+                    </a:blipFill>
+                  </a:tcPr>
+                </a:tc>
+                <a:tc>
+                  <a:txBody>
+                    <a:bodyPr/>
+                    <a:lstStyle/>
+                    <a:p>
+                      <a:pPr latinLnBrk="1"/>
+                      <a:endParaRPr lang="ko-KR" altLang="en-US" sz="2000" dirty="0">
+                        <a:latin typeface="맑은 고딕" panose="020B0503020000020004" pitchFamily="50" charset="-127"/>
+                        <a:ea typeface="맑은 고딕" panose="020B0503020000020004" pitchFamily="50" charset="-127"/>
+                      </a:endParaRPr>
+                    </a:p>
+                  </a:txBody>
+                  <a:tcPr marL="5364" marR="5364" marT="2682" marB="2682">
+                    <a:lnL w="12700" cap="flat" cmpd="sng" algn="ctr">
+                      <a:solidFill>
+                        <a:schemeClr val="tx1"/>
+                      </a:solidFill>
+                      <a:prstDash val="solid"/>
+                      <a:round/>
+                      <a:headEnd type="none" w="med" len="med"/>
+                      <a:tailEnd type="none" w="med" len="med"/>
+                    </a:lnL>
+                    <a:lnR w="12700" cap="flat" cmpd="sng" algn="ctr">
+                      <a:solidFill>
+                        <a:schemeClr val="tx1"/>
+                      </a:solidFill>
+                      <a:prstDash val="solid"/>
+                      <a:round/>
+                      <a:headEnd type="none" w="med" len="med"/>
+                      <a:tailEnd type="none" w="med" len="med"/>
+                    </a:lnR>
+                    <a:lnT w="12700" cap="flat" cmpd="sng" algn="ctr">
+                      <a:solidFill>
+                        <a:schemeClr val="tx1"/>
+                      </a:solidFill>
+                      <a:prstDash val="solid"/>
+                      <a:round/>
+                      <a:headEnd type="none" w="med" len="med"/>
+                      <a:tailEnd type="none" w="med" len="med"/>
+                    </a:lnT>
+                    <a:lnB w="12700" cap="flat" cmpd="sng" algn="ctr">
+                      <a:solidFill>
+                        <a:schemeClr val="tx1"/>
+                      </a:solidFill>
+                      <a:prstDash val="solid"/>
+                      <a:round/>
+                      <a:headEnd type="none" w="med" len="med"/>
+                      <a:tailEnd type="none" w="med" len="med"/>
+                    </a:lnB>
+                    <a:blipFill>
+                      <a:blip r:embed="rId4"/>
+                      <a:stretch>
+                        <a:fillRect/>
+                      </a:stretch>
+                    </a:blipFill>
+                  </a:tcPr>
+                </a:tc>
+                <a:extLst>
+                  <a:ext uri="{0D108BD9-81ED-4DB2-BD59-A6C34878D82A}">
+                    <a16:rowId xmlns:a16="http://schemas.microsoft.com/office/drawing/2014/main" val="656897048"/>
+                  </a:ext>
+                </a:extLst>
+              </a:tr>
+              <a:tr h="572592">
+                <a:tc>
+                  <a:txBody>
+                    <a:bodyPr/>
+                    <a:lstStyle/>
+                    <a:p>
+                      <a:pPr algn="ctr"/>
+                      <a:r>
+                        <a:rPr lang="ko-KR" altLang="en-US" sz="2000" dirty="0">
+                          <a:solidFill>
+                            <a:srgbClr val="000000"/>
+                          </a:solidFill>
+                          <a:effectLst/>
+                          <a:latin typeface="맑은 고딕" panose="020B0503020000020004" pitchFamily="50" charset="-127"/>
+                          <a:ea typeface="맑은 고딕" panose="020B0503020000020004" pitchFamily="50" charset="-127"/>
+                        </a:rPr>
+                        <a:t>서버</a:t>
+                      </a:r>
+                      <a:endParaRPr lang="ko-KR" altLang="en-US" sz="2000" dirty="0">
+                        <a:effectLst/>
+                        <a:latin typeface="맑은 고딕" panose="020B0503020000020004" pitchFamily="50" charset="-127"/>
+                        <a:ea typeface="맑은 고딕" panose="020B0503020000020004" pitchFamily="50" charset="-127"/>
+                      </a:endParaRPr>
+                    </a:p>
+                  </a:txBody>
+                  <a:tcPr marL="1956" marR="1956" marT="1956" marB="1956" anchor="ctr">
+                    <a:lnL w="12700" cap="flat" cmpd="sng" algn="ctr">
+                      <a:solidFill>
+                        <a:schemeClr val="tx1"/>
+                      </a:solidFill>
+                      <a:prstDash val="solid"/>
+                      <a:round/>
+                      <a:headEnd type="none" w="med" len="med"/>
+                      <a:tailEnd type="none" w="med" len="med"/>
+                    </a:lnL>
+                    <a:lnR w="12700" cap="flat" cmpd="sng" algn="ctr">
+                      <a:solidFill>
+                        <a:schemeClr val="tx1"/>
+                      </a:solidFill>
+                      <a:prstDash val="solid"/>
+                      <a:round/>
+                      <a:headEnd type="none" w="med" len="med"/>
+                      <a:tailEnd type="none" w="med" len="med"/>
+                    </a:lnR>
+                    <a:lnT w="12700" cap="flat" cmpd="sng" algn="ctr">
+                      <a:solidFill>
+                        <a:schemeClr val="tx1"/>
+                      </a:solidFill>
+                      <a:prstDash val="solid"/>
+                      <a:round/>
+                      <a:headEnd type="none" w="med" len="med"/>
+                      <a:tailEnd type="none" w="med" len="med"/>
+                    </a:lnT>
+                    <a:lnB w="12700" cap="flat" cmpd="sng" algn="ctr">
+                      <a:solidFill>
+                        <a:schemeClr val="tx1"/>
+                      </a:solidFill>
+                      <a:prstDash val="solid"/>
+                      <a:round/>
+                      <a:headEnd type="none" w="med" len="med"/>
+                      <a:tailEnd type="none" w="med" len="med"/>
+                    </a:lnB>
+                  </a:tcPr>
+                </a:tc>
+                <a:tc>
+                  <a:txBody>
+                    <a:bodyPr/>
+                    <a:lstStyle/>
+                    <a:p>
+                      <a:r>
+                        <a:rPr lang="ko-KR" altLang="en-US" sz="1600" dirty="0">
+                          <a:effectLst/>
+                          <a:latin typeface="맑은 고딕" panose="020B0503020000020004" pitchFamily="50" charset="-127"/>
+                          <a:ea typeface="맑은 고딕" panose="020B0503020000020004" pitchFamily="50" charset="-127"/>
+                        </a:rPr>
+                        <a:t>오픈소스로 설치필요</a:t>
+                      </a:r>
+                    </a:p>
+                  </a:txBody>
+                  <a:tcPr marL="1956" marR="1956" marT="1956" marB="1956" anchor="ctr">
+                    <a:lnL w="12700" cap="flat" cmpd="sng" algn="ctr">
+                      <a:solidFill>
+                        <a:schemeClr val="tx1"/>
+                      </a:solidFill>
+                      <a:prstDash val="solid"/>
+                      <a:round/>
+                      <a:headEnd type="none" w="med" len="med"/>
+                      <a:tailEnd type="none" w="med" len="med"/>
+                    </a:lnL>
+                    <a:lnR w="12700" cap="flat" cmpd="sng" algn="ctr">
+                      <a:solidFill>
+                        <a:schemeClr val="tx1"/>
+                      </a:solidFill>
+                      <a:prstDash val="solid"/>
+                      <a:round/>
+                      <a:headEnd type="none" w="med" len="med"/>
+                      <a:tailEnd type="none" w="med" len="med"/>
+                    </a:lnR>
+                    <a:lnT w="12700" cap="flat" cmpd="sng" algn="ctr">
+                      <a:solidFill>
+                        <a:schemeClr val="tx1"/>
+                      </a:solidFill>
+                      <a:prstDash val="solid"/>
+                      <a:round/>
+                      <a:headEnd type="none" w="med" len="med"/>
+                      <a:tailEnd type="none" w="med" len="med"/>
+                    </a:lnT>
+                    <a:lnB w="12700" cap="flat" cmpd="sng" algn="ctr">
+                      <a:solidFill>
+                        <a:schemeClr val="tx1"/>
+                      </a:solidFill>
+                      <a:prstDash val="solid"/>
+                      <a:round/>
+                      <a:headEnd type="none" w="med" len="med"/>
+                      <a:tailEnd type="none" w="med" len="med"/>
+                    </a:lnB>
+                  </a:tcPr>
+                </a:tc>
+                <a:tc>
+                  <a:txBody>
+                    <a:bodyPr/>
+                    <a:lstStyle/>
+                    <a:p>
+                      <a:r>
+                        <a:rPr lang="ko-KR" altLang="en-US" sz="1600" dirty="0">
+                          <a:solidFill>
+                            <a:srgbClr val="000000"/>
+                          </a:solidFill>
+                          <a:effectLst/>
+                          <a:latin typeface="맑은 고딕" panose="020B0503020000020004" pitchFamily="50" charset="-127"/>
+                          <a:ea typeface="맑은 고딕" panose="020B0503020000020004" pitchFamily="50" charset="-127"/>
+                        </a:rPr>
+                        <a:t>클라우드로 동작</a:t>
+                      </a:r>
+                      <a:endParaRPr lang="ko-KR" altLang="en-US" sz="1600" dirty="0">
+                        <a:effectLst/>
+                        <a:latin typeface="맑은 고딕" panose="020B0503020000020004" pitchFamily="50" charset="-127"/>
+                        <a:ea typeface="맑은 고딕" panose="020B0503020000020004" pitchFamily="50" charset="-127"/>
+                      </a:endParaRPr>
+                    </a:p>
+                  </a:txBody>
+                  <a:tcPr marL="1956" marR="1956" marT="1956" marB="1956" anchor="ctr">
+                    <a:lnL w="12700" cap="flat" cmpd="sng" algn="ctr">
+                      <a:solidFill>
+                        <a:schemeClr val="tx1"/>
+                      </a:solidFill>
+                      <a:prstDash val="solid"/>
+                      <a:round/>
+                      <a:headEnd type="none" w="med" len="med"/>
+                      <a:tailEnd type="none" w="med" len="med"/>
+                    </a:lnL>
+                    <a:lnR w="12700" cap="flat" cmpd="sng" algn="ctr">
+                      <a:solidFill>
+                        <a:schemeClr val="tx1"/>
+                      </a:solidFill>
+                      <a:prstDash val="solid"/>
+                      <a:round/>
+                      <a:headEnd type="none" w="med" len="med"/>
+                      <a:tailEnd type="none" w="med" len="med"/>
+                    </a:lnR>
+                    <a:lnT w="12700" cap="flat" cmpd="sng" algn="ctr">
+                      <a:solidFill>
+                        <a:schemeClr val="tx1"/>
+                      </a:solidFill>
+                      <a:prstDash val="solid"/>
+                      <a:round/>
+                      <a:headEnd type="none" w="med" len="med"/>
+                      <a:tailEnd type="none" w="med" len="med"/>
+                    </a:lnT>
+                    <a:lnB w="12700" cap="flat" cmpd="sng" algn="ctr">
+                      <a:solidFill>
+                        <a:schemeClr val="tx1"/>
+                      </a:solidFill>
+                      <a:prstDash val="solid"/>
+                      <a:round/>
+                      <a:headEnd type="none" w="med" len="med"/>
+                      <a:tailEnd type="none" w="med" len="med"/>
+                    </a:lnB>
+                  </a:tcPr>
+                </a:tc>
+                <a:tc>
+                  <a:txBody>
+                    <a:bodyPr/>
+                    <a:lstStyle/>
+                    <a:p>
+                      <a:r>
+                        <a:rPr lang="ko-KR" altLang="en-US" sz="1600" dirty="0">
+                          <a:solidFill>
+                            <a:srgbClr val="000000"/>
+                          </a:solidFill>
+                          <a:effectLst/>
+                          <a:latin typeface="맑은 고딕" panose="020B0503020000020004" pitchFamily="50" charset="-127"/>
+                          <a:ea typeface="맑은 고딕" panose="020B0503020000020004" pitchFamily="50" charset="-127"/>
+                        </a:rPr>
+                        <a:t>클라우드 </a:t>
+                      </a:r>
+                      <a:r>
+                        <a:rPr lang="en-US" altLang="ko-KR" sz="1600" dirty="0">
+                          <a:solidFill>
+                            <a:srgbClr val="000000"/>
+                          </a:solidFill>
+                          <a:effectLst/>
+                          <a:latin typeface="맑은 고딕" panose="020B0503020000020004" pitchFamily="50" charset="-127"/>
+                          <a:ea typeface="맑은 고딕" panose="020B0503020000020004" pitchFamily="50" charset="-127"/>
+                        </a:rPr>
+                        <a:t>or </a:t>
+                      </a:r>
+                      <a:r>
+                        <a:rPr lang="ko-KR" altLang="en-US" sz="1600" dirty="0">
+                          <a:solidFill>
+                            <a:srgbClr val="000000"/>
+                          </a:solidFill>
+                          <a:effectLst/>
+                          <a:latin typeface="맑은 고딕" panose="020B0503020000020004" pitchFamily="50" charset="-127"/>
+                          <a:ea typeface="맑은 고딕" panose="020B0503020000020004" pitchFamily="50" charset="-127"/>
+                        </a:rPr>
+                        <a:t>설치형</a:t>
+                      </a:r>
+                      <a:endParaRPr lang="ko-KR" altLang="en-US" sz="1600" dirty="0">
+                        <a:effectLst/>
+                        <a:latin typeface="맑은 고딕" panose="020B0503020000020004" pitchFamily="50" charset="-127"/>
+                        <a:ea typeface="맑은 고딕" panose="020B0503020000020004" pitchFamily="50" charset="-127"/>
+                      </a:endParaRPr>
+                    </a:p>
+                  </a:txBody>
+                  <a:tcPr marL="1956" marR="1956" marT="1956" marB="1956" anchor="ctr">
+                    <a:lnL w="12700" cap="flat" cmpd="sng" algn="ctr">
+                      <a:solidFill>
+                        <a:schemeClr val="tx1"/>
+                      </a:solidFill>
+                      <a:prstDash val="solid"/>
+                      <a:round/>
+                      <a:headEnd type="none" w="med" len="med"/>
+                      <a:tailEnd type="none" w="med" len="med"/>
+                    </a:lnL>
+                    <a:lnR w="12700" cap="flat" cmpd="sng" algn="ctr">
+                      <a:solidFill>
+                        <a:schemeClr val="tx1"/>
+                      </a:solidFill>
+                      <a:prstDash val="solid"/>
+                      <a:round/>
+                      <a:headEnd type="none" w="med" len="med"/>
+                      <a:tailEnd type="none" w="med" len="med"/>
+                    </a:lnR>
+                    <a:lnT w="12700" cap="flat" cmpd="sng" algn="ctr">
+                      <a:solidFill>
+                        <a:schemeClr val="tx1"/>
+                      </a:solidFill>
+                      <a:prstDash val="solid"/>
+                      <a:round/>
+                      <a:headEnd type="none" w="med" len="med"/>
+                      <a:tailEnd type="none" w="med" len="med"/>
+                    </a:lnT>
+                    <a:lnB w="12700" cap="flat" cmpd="sng" algn="ctr">
+                      <a:solidFill>
+                        <a:schemeClr val="tx1"/>
+                      </a:solidFill>
+                      <a:prstDash val="solid"/>
+                      <a:round/>
+                      <a:headEnd type="none" w="med" len="med"/>
+                      <a:tailEnd type="none" w="med" len="med"/>
+                    </a:lnB>
+                  </a:tcPr>
+                </a:tc>
+                <a:extLst>
+                  <a:ext uri="{0D108BD9-81ED-4DB2-BD59-A6C34878D82A}">
+                    <a16:rowId xmlns:a16="http://schemas.microsoft.com/office/drawing/2014/main" val="4262790035"/>
+                  </a:ext>
+                </a:extLst>
+              </a:tr>
+              <a:tr h="1899180">
+                <a:tc>
+                  <a:txBody>
+                    <a:bodyPr/>
+                    <a:lstStyle/>
+                    <a:p>
+                      <a:pPr algn="ctr"/>
+                      <a:r>
+                        <a:rPr lang="ko-KR" altLang="en-US" sz="2000" dirty="0">
+                          <a:solidFill>
+                            <a:srgbClr val="000000"/>
+                          </a:solidFill>
+                          <a:effectLst/>
+                          <a:latin typeface="맑은 고딕" panose="020B0503020000020004" pitchFamily="50" charset="-127"/>
+                          <a:ea typeface="맑은 고딕" panose="020B0503020000020004" pitchFamily="50" charset="-127"/>
+                        </a:rPr>
+                        <a:t>비용</a:t>
+                      </a:r>
+                      <a:endParaRPr lang="ko-KR" altLang="en-US" sz="2000" dirty="0">
+                        <a:effectLst/>
+                        <a:latin typeface="맑은 고딕" panose="020B0503020000020004" pitchFamily="50" charset="-127"/>
+                        <a:ea typeface="맑은 고딕" panose="020B0503020000020004" pitchFamily="50" charset="-127"/>
+                      </a:endParaRPr>
+                    </a:p>
+                  </a:txBody>
+                  <a:tcPr marL="1956" marR="1956" marT="1956" marB="1956" anchor="ctr">
+                    <a:lnL w="12700" cap="flat" cmpd="sng" algn="ctr">
+                      <a:solidFill>
+                        <a:schemeClr val="tx1"/>
+                      </a:solidFill>
+                      <a:prstDash val="solid"/>
+                      <a:round/>
+                      <a:headEnd type="none" w="med" len="med"/>
+                      <a:tailEnd type="none" w="med" len="med"/>
+                    </a:lnL>
+                    <a:lnR w="12700" cap="flat" cmpd="sng" algn="ctr">
+                      <a:solidFill>
+                        <a:schemeClr val="tx1"/>
+                      </a:solidFill>
+                      <a:prstDash val="solid"/>
+                      <a:round/>
+                      <a:headEnd type="none" w="med" len="med"/>
+                      <a:tailEnd type="none" w="med" len="med"/>
+                    </a:lnR>
+                    <a:lnT w="12700" cap="flat" cmpd="sng" algn="ctr">
+                      <a:solidFill>
+                        <a:schemeClr val="tx1"/>
+                      </a:solidFill>
+                      <a:prstDash val="solid"/>
+                      <a:round/>
+                      <a:headEnd type="none" w="med" len="med"/>
+                      <a:tailEnd type="none" w="med" len="med"/>
+                    </a:lnT>
+                    <a:lnB w="12700" cap="flat" cmpd="sng" algn="ctr">
+                      <a:solidFill>
+                        <a:schemeClr val="tx1"/>
+                      </a:solidFill>
+                      <a:prstDash val="solid"/>
+                      <a:round/>
+                      <a:headEnd type="none" w="med" len="med"/>
+                      <a:tailEnd type="none" w="med" len="med"/>
+                    </a:lnB>
+                  </a:tcPr>
+                </a:tc>
+                <a:tc>
+                  <a:txBody>
+                    <a:bodyPr/>
+                    <a:lstStyle/>
+                    <a:p>
+                      <a:r>
+                        <a:rPr lang="ko-KR" altLang="en-US" sz="1800" dirty="0">
+                          <a:solidFill>
+                            <a:srgbClr val="000000"/>
+                          </a:solidFill>
+                          <a:effectLst/>
+                          <a:latin typeface="맑은 고딕" panose="020B0503020000020004" pitchFamily="50" charset="-127"/>
+                          <a:ea typeface="맑은 고딕" panose="020B0503020000020004" pitchFamily="50" charset="-127"/>
+                        </a:rPr>
+                        <a:t>툴 자체 라이선스는 무료</a:t>
+                      </a:r>
+                      <a:r>
+                        <a:rPr lang="en-US" altLang="ko-KR" sz="1800" dirty="0">
+                          <a:solidFill>
+                            <a:srgbClr val="000000"/>
+                          </a:solidFill>
+                          <a:effectLst/>
+                          <a:latin typeface="맑은 고딕" panose="020B0503020000020004" pitchFamily="50" charset="-127"/>
+                          <a:ea typeface="맑은 고딕" panose="020B0503020000020004" pitchFamily="50" charset="-127"/>
+                        </a:rPr>
+                        <a:t>.</a:t>
+                      </a:r>
+                      <a:br>
+                        <a:rPr lang="ko-KR" altLang="en-US" sz="1800" dirty="0">
+                          <a:effectLst/>
+                          <a:latin typeface="맑은 고딕" panose="020B0503020000020004" pitchFamily="50" charset="-127"/>
+                          <a:ea typeface="맑은 고딕" panose="020B0503020000020004" pitchFamily="50" charset="-127"/>
+                        </a:rPr>
+                      </a:br>
+                      <a:r>
+                        <a:rPr lang="ko-KR" altLang="en-US" sz="1800" dirty="0">
+                          <a:solidFill>
+                            <a:srgbClr val="000000"/>
+                          </a:solidFill>
+                          <a:effectLst/>
+                          <a:latin typeface="맑은 고딕" panose="020B0503020000020004" pitchFamily="50" charset="-127"/>
+                          <a:ea typeface="맑은 고딕" panose="020B0503020000020004" pitchFamily="50" charset="-127"/>
+                        </a:rPr>
+                        <a:t>하지만 </a:t>
+                      </a:r>
+                      <a:r>
+                        <a:rPr lang="ko-KR" altLang="en-US" sz="1800" dirty="0" err="1">
+                          <a:solidFill>
+                            <a:srgbClr val="000000"/>
+                          </a:solidFill>
+                          <a:effectLst/>
+                          <a:latin typeface="맑은 고딕" panose="020B0503020000020004" pitchFamily="50" charset="-127"/>
+                          <a:ea typeface="맑은 고딕" panose="020B0503020000020004" pitchFamily="50" charset="-127"/>
+                        </a:rPr>
+                        <a:t>젠킨스</a:t>
+                      </a:r>
+                      <a:r>
+                        <a:rPr lang="ko-KR" altLang="en-US" sz="1800" dirty="0">
+                          <a:solidFill>
+                            <a:srgbClr val="000000"/>
+                          </a:solidFill>
+                          <a:effectLst/>
+                          <a:latin typeface="맑은 고딕" panose="020B0503020000020004" pitchFamily="50" charset="-127"/>
+                          <a:ea typeface="맑은 고딕" panose="020B0503020000020004" pitchFamily="50" charset="-127"/>
+                        </a:rPr>
+                        <a:t> 서버를 유지하는 비용 소모</a:t>
+                      </a:r>
+                      <a:r>
+                        <a:rPr lang="en-US" altLang="ko-KR" sz="1800" dirty="0">
+                          <a:solidFill>
+                            <a:srgbClr val="000000"/>
+                          </a:solidFill>
+                          <a:effectLst/>
+                          <a:latin typeface="맑은 고딕" panose="020B0503020000020004" pitchFamily="50" charset="-127"/>
+                          <a:ea typeface="맑은 고딕" panose="020B0503020000020004" pitchFamily="50" charset="-127"/>
+                        </a:rPr>
+                        <a:t>.</a:t>
+                      </a:r>
+                      <a:endParaRPr lang="ko-KR" altLang="en-US" sz="1800" dirty="0">
+                        <a:effectLst/>
+                        <a:latin typeface="맑은 고딕" panose="020B0503020000020004" pitchFamily="50" charset="-127"/>
+                        <a:ea typeface="맑은 고딕" panose="020B0503020000020004" pitchFamily="50" charset="-127"/>
+                      </a:endParaRPr>
+                    </a:p>
+                  </a:txBody>
+                  <a:tcPr marL="1956" marR="1956" marT="1956" marB="1956" anchor="ctr">
+                    <a:lnL w="12700" cap="flat" cmpd="sng" algn="ctr">
+                      <a:solidFill>
+                        <a:schemeClr val="tx1"/>
+                      </a:solidFill>
+                      <a:prstDash val="solid"/>
+                      <a:round/>
+                      <a:headEnd type="none" w="med" len="med"/>
+                      <a:tailEnd type="none" w="med" len="med"/>
+                    </a:lnL>
+                    <a:lnR w="12700" cap="flat" cmpd="sng" algn="ctr">
+                      <a:solidFill>
+                        <a:schemeClr val="tx1"/>
+                      </a:solidFill>
+                      <a:prstDash val="solid"/>
+                      <a:round/>
+                      <a:headEnd type="none" w="med" len="med"/>
+                      <a:tailEnd type="none" w="med" len="med"/>
+                    </a:lnR>
+                    <a:lnT w="12700" cap="flat" cmpd="sng" algn="ctr">
+                      <a:solidFill>
+                        <a:schemeClr val="tx1"/>
+                      </a:solidFill>
+                      <a:prstDash val="solid"/>
+                      <a:round/>
+                      <a:headEnd type="none" w="med" len="med"/>
+                      <a:tailEnd type="none" w="med" len="med"/>
+                    </a:lnT>
+                    <a:lnB w="12700" cap="flat" cmpd="sng" algn="ctr">
+                      <a:solidFill>
+                        <a:schemeClr val="tx1"/>
+                      </a:solidFill>
+                      <a:prstDash val="solid"/>
+                      <a:round/>
+                      <a:headEnd type="none" w="med" len="med"/>
+                      <a:tailEnd type="none" w="med" len="med"/>
+                    </a:lnB>
+                  </a:tcPr>
+                </a:tc>
+                <a:tc>
+                  <a:txBody>
+                    <a:bodyPr/>
+                    <a:lstStyle/>
+                    <a:p>
+                      <a:r>
+                        <a:rPr lang="en-US" altLang="ko-KR" sz="1800" dirty="0">
+                          <a:solidFill>
+                            <a:srgbClr val="000000"/>
+                          </a:solidFill>
+                          <a:effectLst/>
+                          <a:latin typeface="맑은 고딕" panose="020B0503020000020004" pitchFamily="50" charset="-127"/>
+                          <a:ea typeface="맑은 고딕" panose="020B0503020000020004" pitchFamily="50" charset="-127"/>
+                        </a:rPr>
+                        <a:t>Private Repository</a:t>
+                      </a:r>
+                      <a:r>
+                        <a:rPr lang="ko-KR" altLang="en-US" sz="1800" dirty="0">
+                          <a:solidFill>
+                            <a:srgbClr val="000000"/>
+                          </a:solidFill>
+                          <a:effectLst/>
+                          <a:latin typeface="맑은 고딕" panose="020B0503020000020004" pitchFamily="50" charset="-127"/>
+                          <a:ea typeface="맑은 고딕" panose="020B0503020000020004" pitchFamily="50" charset="-127"/>
+                        </a:rPr>
+                        <a:t>는 한달에 </a:t>
+                      </a:r>
+                      <a:r>
+                        <a:rPr lang="en-US" altLang="ko-KR" sz="1800" dirty="0">
+                          <a:solidFill>
+                            <a:srgbClr val="000000"/>
+                          </a:solidFill>
+                          <a:effectLst/>
+                          <a:latin typeface="맑은 고딕" panose="020B0503020000020004" pitchFamily="50" charset="-127"/>
+                          <a:ea typeface="맑은 고딕" panose="020B0503020000020004" pitchFamily="50" charset="-127"/>
+                        </a:rPr>
+                        <a:t>500MB,</a:t>
+                      </a:r>
+                      <a:br>
+                        <a:rPr lang="ko-KR" altLang="en-US" sz="1800" dirty="0">
+                          <a:effectLst/>
+                          <a:latin typeface="맑은 고딕" panose="020B0503020000020004" pitchFamily="50" charset="-127"/>
+                          <a:ea typeface="맑은 고딕" panose="020B0503020000020004" pitchFamily="50" charset="-127"/>
+                        </a:rPr>
+                      </a:br>
+                      <a:r>
+                        <a:rPr lang="en-US" altLang="ko-KR" sz="1800" dirty="0">
+                          <a:solidFill>
+                            <a:srgbClr val="000000"/>
+                          </a:solidFill>
+                          <a:effectLst/>
+                          <a:latin typeface="맑은 고딕" panose="020B0503020000020004" pitchFamily="50" charset="-127"/>
+                          <a:ea typeface="맑은 고딕" panose="020B0503020000020004" pitchFamily="50" charset="-127"/>
+                        </a:rPr>
+                        <a:t>2,000</a:t>
+                      </a:r>
+                      <a:r>
+                        <a:rPr lang="ko-KR" altLang="en-US" sz="1800" dirty="0">
+                          <a:solidFill>
+                            <a:srgbClr val="000000"/>
+                          </a:solidFill>
+                          <a:effectLst/>
+                          <a:latin typeface="맑은 고딕" panose="020B0503020000020004" pitchFamily="50" charset="-127"/>
+                          <a:ea typeface="맑은 고딕" panose="020B0503020000020004" pitchFamily="50" charset="-127"/>
+                        </a:rPr>
+                        <a:t>분 까지 무료로 사용</a:t>
+                      </a:r>
+                      <a:r>
+                        <a:rPr lang="en-US" altLang="ko-KR" sz="1800" dirty="0">
+                          <a:solidFill>
+                            <a:srgbClr val="000000"/>
+                          </a:solidFill>
+                          <a:effectLst/>
+                          <a:latin typeface="맑은 고딕" panose="020B0503020000020004" pitchFamily="50" charset="-127"/>
+                          <a:ea typeface="맑은 고딕" panose="020B0503020000020004" pitchFamily="50" charset="-127"/>
+                        </a:rPr>
+                        <a:t>.</a:t>
+                      </a:r>
+                      <a:br>
+                        <a:rPr lang="ko-KR" altLang="en-US" sz="1800" dirty="0">
+                          <a:effectLst/>
+                          <a:latin typeface="맑은 고딕" panose="020B0503020000020004" pitchFamily="50" charset="-127"/>
+                          <a:ea typeface="맑은 고딕" panose="020B0503020000020004" pitchFamily="50" charset="-127"/>
+                        </a:rPr>
+                      </a:br>
+                      <a:r>
+                        <a:rPr lang="ko-KR" altLang="en-US" sz="1800" dirty="0">
+                          <a:solidFill>
+                            <a:srgbClr val="000000"/>
+                          </a:solidFill>
+                          <a:effectLst/>
+                          <a:latin typeface="맑은 고딕" panose="020B0503020000020004" pitchFamily="50" charset="-127"/>
+                          <a:ea typeface="맑은 고딕" panose="020B0503020000020004" pitchFamily="50" charset="-127"/>
+                        </a:rPr>
+                        <a:t>초과되는 </a:t>
+                      </a:r>
+                      <a:r>
+                        <a:rPr lang="en-US" altLang="ko-KR" sz="1800" dirty="0">
+                          <a:solidFill>
+                            <a:srgbClr val="000000"/>
+                          </a:solidFill>
+                          <a:effectLst/>
+                          <a:latin typeface="맑은 고딕" panose="020B0503020000020004" pitchFamily="50" charset="-127"/>
+                          <a:ea typeface="맑은 고딕" panose="020B0503020000020004" pitchFamily="50" charset="-127"/>
+                        </a:rPr>
+                        <a:t>Minutes </a:t>
+                      </a:r>
+                      <a:r>
+                        <a:rPr lang="ko-KR" altLang="en-US" sz="1800" dirty="0">
+                          <a:solidFill>
+                            <a:srgbClr val="000000"/>
+                          </a:solidFill>
+                          <a:effectLst/>
+                          <a:latin typeface="맑은 고딕" panose="020B0503020000020004" pitchFamily="50" charset="-127"/>
+                          <a:ea typeface="맑은 고딕" panose="020B0503020000020004" pitchFamily="50" charset="-127"/>
+                        </a:rPr>
+                        <a:t>마다 추가 비용 지불</a:t>
+                      </a:r>
+                      <a:r>
+                        <a:rPr lang="en-US" altLang="ko-KR" sz="1800" dirty="0">
+                          <a:solidFill>
+                            <a:srgbClr val="000000"/>
+                          </a:solidFill>
+                          <a:effectLst/>
+                          <a:latin typeface="맑은 고딕" panose="020B0503020000020004" pitchFamily="50" charset="-127"/>
+                          <a:ea typeface="맑은 고딕" panose="020B0503020000020004" pitchFamily="50" charset="-127"/>
+                        </a:rPr>
+                        <a:t>.</a:t>
+                      </a:r>
+                      <a:endParaRPr lang="ko-KR" altLang="en-US" sz="1800" dirty="0">
+                        <a:effectLst/>
+                        <a:latin typeface="맑은 고딕" panose="020B0503020000020004" pitchFamily="50" charset="-127"/>
+                        <a:ea typeface="맑은 고딕" panose="020B0503020000020004" pitchFamily="50" charset="-127"/>
+                      </a:endParaRPr>
+                    </a:p>
+                  </a:txBody>
+                  <a:tcPr marL="1956" marR="1956" marT="1956" marB="1956" anchor="ctr">
+                    <a:lnL w="12700" cap="flat" cmpd="sng" algn="ctr">
+                      <a:solidFill>
+                        <a:schemeClr val="tx1"/>
+                      </a:solidFill>
+                      <a:prstDash val="solid"/>
+                      <a:round/>
+                      <a:headEnd type="none" w="med" len="med"/>
+                      <a:tailEnd type="none" w="med" len="med"/>
+                    </a:lnL>
+                    <a:lnR w="12700" cap="flat" cmpd="sng" algn="ctr">
+                      <a:solidFill>
+                        <a:schemeClr val="tx1"/>
+                      </a:solidFill>
+                      <a:prstDash val="solid"/>
+                      <a:round/>
+                      <a:headEnd type="none" w="med" len="med"/>
+                      <a:tailEnd type="none" w="med" len="med"/>
+                    </a:lnR>
+                    <a:lnT w="12700" cap="flat" cmpd="sng" algn="ctr">
+                      <a:solidFill>
+                        <a:schemeClr val="tx1"/>
+                      </a:solidFill>
+                      <a:prstDash val="solid"/>
+                      <a:round/>
+                      <a:headEnd type="none" w="med" len="med"/>
+                      <a:tailEnd type="none" w="med" len="med"/>
+                    </a:lnT>
+                    <a:lnB w="12700" cap="flat" cmpd="sng" algn="ctr">
+                      <a:solidFill>
+                        <a:schemeClr val="tx1"/>
+                      </a:solidFill>
+                      <a:prstDash val="solid"/>
+                      <a:round/>
+                      <a:headEnd type="none" w="med" len="med"/>
+                      <a:tailEnd type="none" w="med" len="med"/>
+                    </a:lnB>
+                  </a:tcPr>
+                </a:tc>
+                <a:tc>
+                  <a:txBody>
+                    <a:bodyPr/>
+                    <a:lstStyle/>
+                    <a:p>
+                      <a:r>
+                        <a:rPr lang="ko-KR" altLang="en-US" sz="1800" dirty="0">
+                          <a:solidFill>
+                            <a:srgbClr val="000000"/>
+                          </a:solidFill>
+                          <a:effectLst/>
+                          <a:latin typeface="맑은 고딕" panose="020B0503020000020004" pitchFamily="50" charset="-127"/>
+                          <a:ea typeface="맑은 고딕" panose="020B0503020000020004" pitchFamily="50" charset="-127"/>
+                        </a:rPr>
+                        <a:t>무료로 </a:t>
+                      </a:r>
+                      <a:r>
+                        <a:rPr lang="en-US" altLang="ko-KR" sz="1800" dirty="0">
+                          <a:solidFill>
+                            <a:srgbClr val="000000"/>
+                          </a:solidFill>
+                          <a:effectLst/>
+                          <a:latin typeface="맑은 고딕" panose="020B0503020000020004" pitchFamily="50" charset="-127"/>
+                          <a:ea typeface="맑은 고딕" panose="020B0503020000020004" pitchFamily="50" charset="-127"/>
+                        </a:rPr>
+                        <a:t>400</a:t>
+                      </a:r>
+                      <a:r>
+                        <a:rPr lang="ko-KR" altLang="en-US" sz="1800" dirty="0">
+                          <a:solidFill>
+                            <a:srgbClr val="000000"/>
+                          </a:solidFill>
+                          <a:effectLst/>
+                          <a:latin typeface="맑은 고딕" panose="020B0503020000020004" pitchFamily="50" charset="-127"/>
+                          <a:ea typeface="맑은 고딕" panose="020B0503020000020004" pitchFamily="50" charset="-127"/>
+                        </a:rPr>
+                        <a:t>분의 </a:t>
+                      </a:r>
+                      <a:r>
+                        <a:rPr lang="en-US" altLang="ko-KR" sz="1800" dirty="0">
+                          <a:solidFill>
+                            <a:srgbClr val="000000"/>
+                          </a:solidFill>
+                          <a:effectLst/>
+                          <a:latin typeface="맑은 고딕" panose="020B0503020000020004" pitchFamily="50" charset="-127"/>
+                          <a:ea typeface="맑은 고딕" panose="020B0503020000020004" pitchFamily="50" charset="-127"/>
+                        </a:rPr>
+                        <a:t>CI/CD </a:t>
+                      </a:r>
+                      <a:r>
+                        <a:rPr lang="ko-KR" altLang="en-US" sz="1800" dirty="0">
+                          <a:solidFill>
+                            <a:srgbClr val="000000"/>
+                          </a:solidFill>
+                          <a:effectLst/>
+                          <a:latin typeface="맑은 고딕" panose="020B0503020000020004" pitchFamily="50" charset="-127"/>
+                          <a:ea typeface="맑은 고딕" panose="020B0503020000020004" pitchFamily="50" charset="-127"/>
+                        </a:rPr>
+                        <a:t>사용 지원</a:t>
+                      </a:r>
+                      <a:r>
+                        <a:rPr lang="en-US" altLang="ko-KR" sz="1800" dirty="0">
+                          <a:solidFill>
+                            <a:srgbClr val="000000"/>
+                          </a:solidFill>
+                          <a:effectLst/>
+                          <a:latin typeface="맑은 고딕" panose="020B0503020000020004" pitchFamily="50" charset="-127"/>
+                          <a:ea typeface="맑은 고딕" panose="020B0503020000020004" pitchFamily="50" charset="-127"/>
+                        </a:rPr>
+                        <a:t>. </a:t>
+                      </a:r>
+                      <a:r>
+                        <a:rPr lang="ko-KR" altLang="en-US" sz="1800" dirty="0">
+                          <a:solidFill>
+                            <a:srgbClr val="000000"/>
+                          </a:solidFill>
+                          <a:effectLst/>
+                          <a:latin typeface="맑은 고딕" panose="020B0503020000020004" pitchFamily="50" charset="-127"/>
+                          <a:ea typeface="맑은 고딕" panose="020B0503020000020004" pitchFamily="50" charset="-127"/>
+                        </a:rPr>
+                        <a:t>추가 이용하기 위해선 유료 라이선스 결제</a:t>
+                      </a:r>
+                      <a:r>
+                        <a:rPr lang="en-US" altLang="ko-KR" sz="1800" dirty="0">
+                          <a:solidFill>
+                            <a:srgbClr val="000000"/>
+                          </a:solidFill>
+                          <a:effectLst/>
+                          <a:latin typeface="맑은 고딕" panose="020B0503020000020004" pitchFamily="50" charset="-127"/>
+                          <a:ea typeface="맑은 고딕" panose="020B0503020000020004" pitchFamily="50" charset="-127"/>
+                        </a:rPr>
+                        <a:t>. </a:t>
+                      </a:r>
+                      <a:endParaRPr lang="ko-KR" altLang="en-US" sz="1800" dirty="0">
+                        <a:effectLst/>
+                        <a:latin typeface="맑은 고딕" panose="020B0503020000020004" pitchFamily="50" charset="-127"/>
+                        <a:ea typeface="맑은 고딕" panose="020B0503020000020004" pitchFamily="50" charset="-127"/>
+                      </a:endParaRPr>
+                    </a:p>
+                  </a:txBody>
+                  <a:tcPr marL="1956" marR="1956" marT="1956" marB="1956" anchor="ctr">
+                    <a:lnL w="12700" cap="flat" cmpd="sng" algn="ctr">
+                      <a:solidFill>
+                        <a:schemeClr val="tx1"/>
+                      </a:solidFill>
+                      <a:prstDash val="solid"/>
+                      <a:round/>
+                      <a:headEnd type="none" w="med" len="med"/>
+                      <a:tailEnd type="none" w="med" len="med"/>
+                    </a:lnL>
+                    <a:lnR w="12700" cap="flat" cmpd="sng" algn="ctr">
+                      <a:solidFill>
+                        <a:schemeClr val="tx1"/>
+                      </a:solidFill>
+                      <a:prstDash val="solid"/>
+                      <a:round/>
+                      <a:headEnd type="none" w="med" len="med"/>
+                      <a:tailEnd type="none" w="med" len="med"/>
+                    </a:lnR>
+                    <a:lnT w="12700" cap="flat" cmpd="sng" algn="ctr">
+                      <a:solidFill>
+                        <a:schemeClr val="tx1"/>
+                      </a:solidFill>
+                      <a:prstDash val="solid"/>
+                      <a:round/>
+                      <a:headEnd type="none" w="med" len="med"/>
+                      <a:tailEnd type="none" w="med" len="med"/>
+                    </a:lnT>
+                    <a:lnB w="12700" cap="flat" cmpd="sng" algn="ctr">
+                      <a:solidFill>
+                        <a:schemeClr val="tx1"/>
+                      </a:solidFill>
+                      <a:prstDash val="solid"/>
+                      <a:round/>
+                      <a:headEnd type="none" w="med" len="med"/>
+                      <a:tailEnd type="none" w="med" len="med"/>
+                    </a:lnB>
+                  </a:tcPr>
+                </a:tc>
+                <a:extLst>
+                  <a:ext uri="{0D108BD9-81ED-4DB2-BD59-A6C34878D82A}">
+                    <a16:rowId xmlns:a16="http://schemas.microsoft.com/office/drawing/2014/main" val="2916946463"/>
+                  </a:ext>
+                </a:extLst>
+              </a:tr>
+              <a:tr h="319908">
+                <a:tc>
+                  <a:txBody>
+                    <a:bodyPr/>
+                    <a:lstStyle/>
+                    <a:p>
+                      <a:pPr algn="ctr"/>
+                      <a:r>
+                        <a:rPr lang="en-US" sz="2000">
+                          <a:solidFill>
+                            <a:srgbClr val="000000"/>
+                          </a:solidFill>
+                          <a:effectLst/>
+                          <a:latin typeface="맑은 고딕" panose="020B0503020000020004" pitchFamily="50" charset="-127"/>
+                          <a:ea typeface="맑은 고딕" panose="020B0503020000020004" pitchFamily="50" charset="-127"/>
+                        </a:rPr>
+                        <a:t>OS</a:t>
+                      </a:r>
+                      <a:endParaRPr lang="en-US" sz="2000">
+                        <a:effectLst/>
+                        <a:latin typeface="맑은 고딕" panose="020B0503020000020004" pitchFamily="50" charset="-127"/>
+                        <a:ea typeface="맑은 고딕" panose="020B0503020000020004" pitchFamily="50" charset="-127"/>
+                      </a:endParaRPr>
+                    </a:p>
+                  </a:txBody>
+                  <a:tcPr marL="1956" marR="1956" marT="1956" marB="1956" anchor="ctr">
+                    <a:lnL w="12700" cap="flat" cmpd="sng" algn="ctr">
+                      <a:solidFill>
+                        <a:schemeClr val="tx1"/>
+                      </a:solidFill>
+                      <a:prstDash val="solid"/>
+                      <a:round/>
+                      <a:headEnd type="none" w="med" len="med"/>
+                      <a:tailEnd type="none" w="med" len="med"/>
+                    </a:lnL>
+                    <a:lnR w="12700" cap="flat" cmpd="sng" algn="ctr">
+                      <a:solidFill>
+                        <a:schemeClr val="tx1"/>
+                      </a:solidFill>
+                      <a:prstDash val="solid"/>
+                      <a:round/>
+                      <a:headEnd type="none" w="med" len="med"/>
+                      <a:tailEnd type="none" w="med" len="med"/>
+                    </a:lnR>
+                    <a:lnT w="12700" cap="flat" cmpd="sng" algn="ctr">
+                      <a:solidFill>
+                        <a:schemeClr val="tx1"/>
+                      </a:solidFill>
+                      <a:prstDash val="solid"/>
+                      <a:round/>
+                      <a:headEnd type="none" w="med" len="med"/>
+                      <a:tailEnd type="none" w="med" len="med"/>
+                    </a:lnT>
+                    <a:lnB w="12700" cap="flat" cmpd="sng" algn="ctr">
+                      <a:solidFill>
+                        <a:schemeClr val="tx1"/>
+                      </a:solidFill>
+                      <a:prstDash val="solid"/>
+                      <a:round/>
+                      <a:headEnd type="none" w="med" len="med"/>
+                      <a:tailEnd type="none" w="med" len="med"/>
+                    </a:lnB>
+                  </a:tcPr>
+                </a:tc>
+                <a:tc gridSpan="3">
+                  <a:txBody>
+                    <a:bodyPr/>
+                    <a:lstStyle/>
+                    <a:p>
+                      <a:pPr algn="ctr"/>
+                      <a:r>
+                        <a:rPr lang="ko-KR" altLang="en-US" sz="1800" dirty="0">
+                          <a:solidFill>
+                            <a:srgbClr val="000000"/>
+                          </a:solidFill>
+                          <a:effectLst/>
+                          <a:latin typeface="맑은 고딕" panose="020B0503020000020004" pitchFamily="50" charset="-127"/>
+                          <a:ea typeface="맑은 고딕" panose="020B0503020000020004" pitchFamily="50" charset="-127"/>
+                        </a:rPr>
+                        <a:t>모든 </a:t>
+                      </a:r>
+                      <a:r>
+                        <a:rPr lang="en-US" altLang="ko-KR" sz="1800" dirty="0">
+                          <a:solidFill>
+                            <a:srgbClr val="000000"/>
+                          </a:solidFill>
+                          <a:effectLst/>
+                          <a:latin typeface="맑은 고딕" panose="020B0503020000020004" pitchFamily="50" charset="-127"/>
+                          <a:ea typeface="맑은 고딕" panose="020B0503020000020004" pitchFamily="50" charset="-127"/>
+                        </a:rPr>
+                        <a:t>OS </a:t>
+                      </a:r>
+                      <a:r>
+                        <a:rPr lang="ko-KR" altLang="en-US" sz="1800" dirty="0">
+                          <a:solidFill>
+                            <a:srgbClr val="000000"/>
+                          </a:solidFill>
+                          <a:effectLst/>
+                          <a:latin typeface="맑은 고딕" panose="020B0503020000020004" pitchFamily="50" charset="-127"/>
+                          <a:ea typeface="맑은 고딕" panose="020B0503020000020004" pitchFamily="50" charset="-127"/>
+                        </a:rPr>
+                        <a:t>호환 가능</a:t>
+                      </a:r>
+                      <a:r>
+                        <a:rPr lang="en-US" altLang="ko-KR" sz="1800" dirty="0">
+                          <a:solidFill>
+                            <a:srgbClr val="000000"/>
+                          </a:solidFill>
+                          <a:effectLst/>
+                          <a:latin typeface="맑은 고딕" panose="020B0503020000020004" pitchFamily="50" charset="-127"/>
+                          <a:ea typeface="맑은 고딕" panose="020B0503020000020004" pitchFamily="50" charset="-127"/>
+                        </a:rPr>
+                        <a:t>.</a:t>
+                      </a:r>
+                      <a:endParaRPr lang="ko-KR" altLang="en-US" sz="1800" dirty="0">
+                        <a:effectLst/>
+                        <a:latin typeface="맑은 고딕" panose="020B0503020000020004" pitchFamily="50" charset="-127"/>
+                        <a:ea typeface="맑은 고딕" panose="020B0503020000020004" pitchFamily="50" charset="-127"/>
+                      </a:endParaRPr>
+                    </a:p>
+                  </a:txBody>
+                  <a:tcPr marL="1956" marR="1956" marT="1956" marB="1956" anchor="ctr">
+                    <a:lnL w="12700" cap="flat" cmpd="sng" algn="ctr">
+                      <a:solidFill>
+                        <a:schemeClr val="tx1"/>
+                      </a:solidFill>
+                      <a:prstDash val="solid"/>
+                      <a:round/>
+                      <a:headEnd type="none" w="med" len="med"/>
+                      <a:tailEnd type="none" w="med" len="med"/>
+                    </a:lnL>
+                    <a:lnR w="12700" cap="flat" cmpd="sng" algn="ctr">
+                      <a:solidFill>
+                        <a:schemeClr val="tx1"/>
+                      </a:solidFill>
+                      <a:prstDash val="solid"/>
+                      <a:round/>
+                      <a:headEnd type="none" w="med" len="med"/>
+                      <a:tailEnd type="none" w="med" len="med"/>
+                    </a:lnR>
+                    <a:lnT w="12700" cap="flat" cmpd="sng" algn="ctr">
+                      <a:solidFill>
+                        <a:schemeClr val="tx1"/>
+                      </a:solidFill>
+                      <a:prstDash val="solid"/>
+                      <a:round/>
+                      <a:headEnd type="none" w="med" len="med"/>
+                      <a:tailEnd type="none" w="med" len="med"/>
+                    </a:lnT>
+                    <a:lnB w="12700" cap="flat" cmpd="sng" algn="ctr">
+                      <a:solidFill>
+                        <a:schemeClr val="tx1"/>
+                      </a:solidFill>
+                      <a:prstDash val="solid"/>
+                      <a:round/>
+                      <a:headEnd type="none" w="med" len="med"/>
+                      <a:tailEnd type="none" w="med" len="med"/>
+                    </a:lnB>
+                  </a:tcPr>
+                </a:tc>
+                <a:tc hMerge="1">
+                  <a:txBody>
+                    <a:bodyPr/>
+                    <a:lstStyle/>
+                    <a:p>
+                      <a:endParaRPr lang="ko-KR" altLang="en-US" sz="2000" dirty="0">
+                        <a:effectLst/>
+                      </a:endParaRPr>
+                    </a:p>
+                  </a:txBody>
+                  <a:tcPr marL="1956" marR="1956" marT="1956" marB="1956" anchor="ctr">
+                    <a:lnL w="4763" cap="flat" cmpd="sng" algn="ctr">
+                      <a:solidFill>
+                        <a:srgbClr val="DADCE0"/>
+                      </a:solidFill>
+                      <a:prstDash val="solid"/>
+                      <a:round/>
+                      <a:headEnd type="none" w="med" len="med"/>
+                      <a:tailEnd type="none" w="med" len="med"/>
+                    </a:lnL>
+                    <a:lnR w="4763" cap="flat" cmpd="sng" algn="ctr">
+                      <a:solidFill>
+                        <a:srgbClr val="DADCE0"/>
+                      </a:solidFill>
+                      <a:prstDash val="solid"/>
+                      <a:round/>
+                      <a:headEnd type="none" w="med" len="med"/>
+                      <a:tailEnd type="none" w="med" len="med"/>
+                    </a:lnR>
+                    <a:lnT w="4763" cap="flat" cmpd="sng" algn="ctr">
+                      <a:solidFill>
+                        <a:srgbClr val="DADCE0"/>
+                      </a:solidFill>
+                      <a:prstDash val="solid"/>
+                      <a:round/>
+                      <a:headEnd type="none" w="med" len="med"/>
+                      <a:tailEnd type="none" w="med" len="med"/>
+                    </a:lnT>
+                    <a:lnB w="4763" cap="flat" cmpd="sng" algn="ctr">
+                      <a:solidFill>
+                        <a:srgbClr val="DADCE0"/>
+                      </a:solidFill>
+                      <a:prstDash val="solid"/>
+                      <a:round/>
+                      <a:headEnd type="none" w="med" len="med"/>
+                      <a:tailEnd type="none" w="med" len="med"/>
+                    </a:lnB>
+                  </a:tcPr>
+                </a:tc>
+                <a:tc hMerge="1">
+                  <a:txBody>
+                    <a:bodyPr/>
+                    <a:lstStyle/>
+                    <a:p>
+                      <a:endParaRPr lang="ko-KR" altLang="en-US" sz="2000" dirty="0">
+                        <a:effectLst/>
+                      </a:endParaRPr>
+                    </a:p>
+                  </a:txBody>
+                  <a:tcPr marL="1956" marR="1956" marT="1956" marB="1956" anchor="ctr">
+                    <a:lnL w="4763" cap="flat" cmpd="sng" algn="ctr">
+                      <a:solidFill>
+                        <a:srgbClr val="DADCE0"/>
+                      </a:solidFill>
+                      <a:prstDash val="solid"/>
+                      <a:round/>
+                      <a:headEnd type="none" w="med" len="med"/>
+                      <a:tailEnd type="none" w="med" len="med"/>
+                    </a:lnL>
+                    <a:lnR w="4763" cap="flat" cmpd="sng" algn="ctr">
+                      <a:solidFill>
+                        <a:srgbClr val="DADCE0"/>
+                      </a:solidFill>
+                      <a:prstDash val="solid"/>
+                      <a:round/>
+                      <a:headEnd type="none" w="med" len="med"/>
+                      <a:tailEnd type="none" w="med" len="med"/>
+                    </a:lnR>
+                    <a:lnT w="4763" cap="flat" cmpd="sng" algn="ctr">
+                      <a:solidFill>
+                        <a:srgbClr val="DADCE0"/>
+                      </a:solidFill>
+                      <a:prstDash val="solid"/>
+                      <a:round/>
+                      <a:headEnd type="none" w="med" len="med"/>
+                      <a:tailEnd type="none" w="med" len="med"/>
+                    </a:lnT>
+                    <a:lnB w="4763" cap="flat" cmpd="sng" algn="ctr">
+                      <a:solidFill>
+                        <a:srgbClr val="DADCE0"/>
+                      </a:solidFill>
+                      <a:prstDash val="solid"/>
+                      <a:round/>
+                      <a:headEnd type="none" w="med" len="med"/>
+                      <a:tailEnd type="none" w="med" len="med"/>
+                    </a:lnB>
+                  </a:tcPr>
+                </a:tc>
+                <a:extLst>
+                  <a:ext uri="{0D108BD9-81ED-4DB2-BD59-A6C34878D82A}">
+                    <a16:rowId xmlns:a16="http://schemas.microsoft.com/office/drawing/2014/main" val="897859026"/>
+                  </a:ext>
+                </a:extLst>
+              </a:tr>
+              <a:tr h="951617">
+                <a:tc>
+                  <a:txBody>
+                    <a:bodyPr/>
+                    <a:lstStyle/>
+                    <a:p>
+                      <a:pPr algn="ctr"/>
+                      <a:r>
+                        <a:rPr lang="ko-KR" altLang="en-US" sz="2000" dirty="0">
+                          <a:solidFill>
+                            <a:srgbClr val="000000"/>
+                          </a:solidFill>
+                          <a:effectLst/>
+                          <a:latin typeface="맑은 고딕" panose="020B0503020000020004" pitchFamily="50" charset="-127"/>
+                          <a:ea typeface="맑은 고딕" panose="020B0503020000020004" pitchFamily="50" charset="-127"/>
+                        </a:rPr>
+                        <a:t>문서화</a:t>
+                      </a:r>
+                      <a:endParaRPr lang="ko-KR" altLang="en-US" sz="2000" dirty="0">
+                        <a:effectLst/>
+                        <a:latin typeface="맑은 고딕" panose="020B0503020000020004" pitchFamily="50" charset="-127"/>
+                        <a:ea typeface="맑은 고딕" panose="020B0503020000020004" pitchFamily="50" charset="-127"/>
+                      </a:endParaRPr>
+                    </a:p>
+                  </a:txBody>
+                  <a:tcPr marL="1956" marR="1956" marT="1956" marB="1956" anchor="ctr">
+                    <a:lnL w="12700" cap="flat" cmpd="sng" algn="ctr">
+                      <a:solidFill>
+                        <a:schemeClr val="tx1"/>
+                      </a:solidFill>
+                      <a:prstDash val="solid"/>
+                      <a:round/>
+                      <a:headEnd type="none" w="med" len="med"/>
+                      <a:tailEnd type="none" w="med" len="med"/>
+                    </a:lnL>
+                    <a:lnR w="12700" cap="flat" cmpd="sng" algn="ctr">
+                      <a:solidFill>
+                        <a:schemeClr val="tx1"/>
+                      </a:solidFill>
+                      <a:prstDash val="solid"/>
+                      <a:round/>
+                      <a:headEnd type="none" w="med" len="med"/>
+                      <a:tailEnd type="none" w="med" len="med"/>
+                    </a:lnR>
+                    <a:lnT w="12700" cap="flat" cmpd="sng" algn="ctr">
+                      <a:solidFill>
+                        <a:schemeClr val="tx1"/>
+                      </a:solidFill>
+                      <a:prstDash val="solid"/>
+                      <a:round/>
+                      <a:headEnd type="none" w="med" len="med"/>
+                      <a:tailEnd type="none" w="med" len="med"/>
+                    </a:lnT>
+                    <a:lnB w="12700" cap="flat" cmpd="sng" algn="ctr">
+                      <a:solidFill>
+                        <a:schemeClr val="tx1"/>
+                      </a:solidFill>
+                      <a:prstDash val="solid"/>
+                      <a:round/>
+                      <a:headEnd type="none" w="med" len="med"/>
+                      <a:tailEnd type="none" w="med" len="med"/>
+                    </a:lnB>
+                  </a:tcPr>
+                </a:tc>
+                <a:tc>
+                  <a:txBody>
+                    <a:bodyPr/>
+                    <a:lstStyle/>
+                    <a:p>
+                      <a:r>
+                        <a:rPr lang="ko-KR" altLang="en-US" sz="1800" dirty="0">
+                          <a:solidFill>
+                            <a:srgbClr val="000000"/>
+                          </a:solidFill>
+                          <a:effectLst/>
+                          <a:latin typeface="맑은 고딕" panose="020B0503020000020004" pitchFamily="50" charset="-127"/>
+                          <a:ea typeface="맑은 고딕" panose="020B0503020000020004" pitchFamily="50" charset="-127"/>
+                        </a:rPr>
+                        <a:t>전 세계 많은 사람들이 이용하기 때문에 문서가 다양</a:t>
+                      </a:r>
+                      <a:r>
+                        <a:rPr lang="en-US" altLang="ko-KR" sz="1800" dirty="0">
+                          <a:solidFill>
+                            <a:srgbClr val="000000"/>
+                          </a:solidFill>
+                          <a:effectLst/>
+                          <a:latin typeface="맑은 고딕" panose="020B0503020000020004" pitchFamily="50" charset="-127"/>
+                          <a:ea typeface="맑은 고딕" panose="020B0503020000020004" pitchFamily="50" charset="-127"/>
+                        </a:rPr>
+                        <a:t>.</a:t>
+                      </a:r>
+                      <a:endParaRPr lang="ko-KR" altLang="en-US" sz="1800" dirty="0">
+                        <a:effectLst/>
+                        <a:latin typeface="맑은 고딕" panose="020B0503020000020004" pitchFamily="50" charset="-127"/>
+                        <a:ea typeface="맑은 고딕" panose="020B0503020000020004" pitchFamily="50" charset="-127"/>
+                      </a:endParaRPr>
+                    </a:p>
+                  </a:txBody>
+                  <a:tcPr marL="1956" marR="1956" marT="1956" marB="1956" anchor="ctr">
+                    <a:lnL w="12700" cap="flat" cmpd="sng" algn="ctr">
+                      <a:solidFill>
+                        <a:schemeClr val="tx1"/>
+                      </a:solidFill>
+                      <a:prstDash val="solid"/>
+                      <a:round/>
+                      <a:headEnd type="none" w="med" len="med"/>
+                      <a:tailEnd type="none" w="med" len="med"/>
+                    </a:lnL>
+                    <a:lnR w="12700" cap="flat" cmpd="sng" algn="ctr">
+                      <a:solidFill>
+                        <a:schemeClr val="tx1"/>
+                      </a:solidFill>
+                      <a:prstDash val="solid"/>
+                      <a:round/>
+                      <a:headEnd type="none" w="med" len="med"/>
+                      <a:tailEnd type="none" w="med" len="med"/>
+                    </a:lnR>
+                    <a:lnT w="12700" cap="flat" cmpd="sng" algn="ctr">
+                      <a:solidFill>
+                        <a:schemeClr val="tx1"/>
+                      </a:solidFill>
+                      <a:prstDash val="solid"/>
+                      <a:round/>
+                      <a:headEnd type="none" w="med" len="med"/>
+                      <a:tailEnd type="none" w="med" len="med"/>
+                    </a:lnT>
+                    <a:lnB w="12700" cap="flat" cmpd="sng" algn="ctr">
+                      <a:solidFill>
+                        <a:schemeClr val="tx1"/>
+                      </a:solidFill>
+                      <a:prstDash val="solid"/>
+                      <a:round/>
+                      <a:headEnd type="none" w="med" len="med"/>
+                      <a:tailEnd type="none" w="med" len="med"/>
+                    </a:lnB>
+                  </a:tcPr>
+                </a:tc>
+                <a:tc>
+                  <a:txBody>
+                    <a:bodyPr/>
+                    <a:lstStyle/>
+                    <a:p>
+                      <a:r>
+                        <a:rPr lang="en-US" altLang="ko-KR" sz="1800" dirty="0">
+                          <a:solidFill>
+                            <a:srgbClr val="000000"/>
+                          </a:solidFill>
+                          <a:effectLst/>
+                          <a:latin typeface="맑은 고딕" panose="020B0503020000020004" pitchFamily="50" charset="-127"/>
+                          <a:ea typeface="맑은 고딕" panose="020B0503020000020004" pitchFamily="50" charset="-127"/>
+                        </a:rPr>
+                        <a:t>Jenkins</a:t>
+                      </a:r>
+                      <a:r>
+                        <a:rPr lang="ko-KR" altLang="en-US" sz="1800" dirty="0">
+                          <a:solidFill>
+                            <a:srgbClr val="000000"/>
+                          </a:solidFill>
+                          <a:effectLst/>
+                          <a:latin typeface="맑은 고딕" panose="020B0503020000020004" pitchFamily="50" charset="-127"/>
+                          <a:ea typeface="맑은 고딕" panose="020B0503020000020004" pitchFamily="50" charset="-127"/>
+                        </a:rPr>
+                        <a:t>에 비해 문서가 적음</a:t>
+                      </a:r>
+                      <a:r>
+                        <a:rPr lang="en-US" altLang="ko-KR" sz="1800" dirty="0">
+                          <a:solidFill>
+                            <a:srgbClr val="000000"/>
+                          </a:solidFill>
+                          <a:effectLst/>
+                          <a:latin typeface="맑은 고딕" panose="020B0503020000020004" pitchFamily="50" charset="-127"/>
+                          <a:ea typeface="맑은 고딕" panose="020B0503020000020004" pitchFamily="50" charset="-127"/>
+                        </a:rPr>
+                        <a:t>.</a:t>
+                      </a:r>
+                      <a:endParaRPr lang="ko-KR" altLang="en-US" sz="1800" dirty="0">
+                        <a:effectLst/>
+                        <a:latin typeface="맑은 고딕" panose="020B0503020000020004" pitchFamily="50" charset="-127"/>
+                        <a:ea typeface="맑은 고딕" panose="020B0503020000020004" pitchFamily="50" charset="-127"/>
+                      </a:endParaRPr>
+                    </a:p>
+                  </a:txBody>
+                  <a:tcPr marL="1956" marR="1956" marT="1956" marB="1956" anchor="ctr">
+                    <a:lnL w="12700" cap="flat" cmpd="sng" algn="ctr">
+                      <a:solidFill>
+                        <a:schemeClr val="tx1"/>
+                      </a:solidFill>
+                      <a:prstDash val="solid"/>
+                      <a:round/>
+                      <a:headEnd type="none" w="med" len="med"/>
+                      <a:tailEnd type="none" w="med" len="med"/>
+                    </a:lnL>
+                    <a:lnR w="12700" cap="flat" cmpd="sng" algn="ctr">
+                      <a:solidFill>
+                        <a:schemeClr val="tx1"/>
+                      </a:solidFill>
+                      <a:prstDash val="solid"/>
+                      <a:round/>
+                      <a:headEnd type="none" w="med" len="med"/>
+                      <a:tailEnd type="none" w="med" len="med"/>
+                    </a:lnR>
+                    <a:lnT w="12700" cap="flat" cmpd="sng" algn="ctr">
+                      <a:solidFill>
+                        <a:schemeClr val="tx1"/>
+                      </a:solidFill>
+                      <a:prstDash val="solid"/>
+                      <a:round/>
+                      <a:headEnd type="none" w="med" len="med"/>
+                      <a:tailEnd type="none" w="med" len="med"/>
+                    </a:lnT>
+                    <a:lnB w="12700" cap="flat" cmpd="sng" algn="ctr">
+                      <a:solidFill>
+                        <a:schemeClr val="tx1"/>
+                      </a:solidFill>
+                      <a:prstDash val="solid"/>
+                      <a:round/>
+                      <a:headEnd type="none" w="med" len="med"/>
+                      <a:tailEnd type="none" w="med" len="med"/>
+                    </a:lnB>
+                  </a:tcPr>
+                </a:tc>
+                <a:tc>
+                  <a:txBody>
+                    <a:bodyPr/>
+                    <a:lstStyle/>
+                    <a:p>
+                      <a:r>
+                        <a:rPr lang="en-US" altLang="ko-KR" sz="1800" dirty="0">
+                          <a:solidFill>
+                            <a:srgbClr val="000000"/>
+                          </a:solidFill>
+                          <a:effectLst/>
+                          <a:latin typeface="맑은 고딕" panose="020B0503020000020004" pitchFamily="50" charset="-127"/>
+                          <a:ea typeface="맑은 고딕" panose="020B0503020000020004" pitchFamily="50" charset="-127"/>
+                        </a:rPr>
+                        <a:t>Jenkins</a:t>
+                      </a:r>
+                      <a:r>
+                        <a:rPr lang="ko-KR" altLang="en-US" sz="1800" dirty="0">
+                          <a:solidFill>
+                            <a:srgbClr val="000000"/>
+                          </a:solidFill>
+                          <a:effectLst/>
+                          <a:latin typeface="맑은 고딕" panose="020B0503020000020004" pitchFamily="50" charset="-127"/>
+                          <a:ea typeface="맑은 고딕" panose="020B0503020000020004" pitchFamily="50" charset="-127"/>
+                        </a:rPr>
+                        <a:t>에 비해 문서가 적음</a:t>
+                      </a:r>
+                      <a:r>
+                        <a:rPr lang="en-US" altLang="ko-KR" sz="1800" dirty="0">
+                          <a:solidFill>
+                            <a:srgbClr val="000000"/>
+                          </a:solidFill>
+                          <a:effectLst/>
+                          <a:latin typeface="맑은 고딕" panose="020B0503020000020004" pitchFamily="50" charset="-127"/>
+                          <a:ea typeface="맑은 고딕" panose="020B0503020000020004" pitchFamily="50" charset="-127"/>
+                        </a:rPr>
+                        <a:t>.</a:t>
+                      </a:r>
+                      <a:endParaRPr lang="ko-KR" altLang="en-US" sz="1800" dirty="0">
+                        <a:effectLst/>
+                        <a:latin typeface="맑은 고딕" panose="020B0503020000020004" pitchFamily="50" charset="-127"/>
+                        <a:ea typeface="맑은 고딕" panose="020B0503020000020004" pitchFamily="50" charset="-127"/>
+                      </a:endParaRPr>
+                    </a:p>
+                  </a:txBody>
+                  <a:tcPr marL="1956" marR="1956" marT="1956" marB="1956" anchor="ctr">
+                    <a:lnL w="12700" cap="flat" cmpd="sng" algn="ctr">
+                      <a:solidFill>
+                        <a:schemeClr val="tx1"/>
+                      </a:solidFill>
+                      <a:prstDash val="solid"/>
+                      <a:round/>
+                      <a:headEnd type="none" w="med" len="med"/>
+                      <a:tailEnd type="none" w="med" len="med"/>
+                    </a:lnL>
+                    <a:lnR w="12700" cap="flat" cmpd="sng" algn="ctr">
+                      <a:solidFill>
+                        <a:schemeClr val="tx1"/>
+                      </a:solidFill>
+                      <a:prstDash val="solid"/>
+                      <a:round/>
+                      <a:headEnd type="none" w="med" len="med"/>
+                      <a:tailEnd type="none" w="med" len="med"/>
+                    </a:lnR>
+                    <a:lnT w="12700" cap="flat" cmpd="sng" algn="ctr">
+                      <a:solidFill>
+                        <a:schemeClr val="tx1"/>
+                      </a:solidFill>
+                      <a:prstDash val="solid"/>
+                      <a:round/>
+                      <a:headEnd type="none" w="med" len="med"/>
+                      <a:tailEnd type="none" w="med" len="med"/>
+                    </a:lnT>
+                    <a:lnB w="12700" cap="flat" cmpd="sng" algn="ctr">
+                      <a:solidFill>
+                        <a:schemeClr val="tx1"/>
+                      </a:solidFill>
+                      <a:prstDash val="solid"/>
+                      <a:round/>
+                      <a:headEnd type="none" w="med" len="med"/>
+                      <a:tailEnd type="none" w="med" len="med"/>
+                    </a:lnB>
+                  </a:tcPr>
+                </a:tc>
+                <a:extLst>
+                  <a:ext uri="{0D108BD9-81ED-4DB2-BD59-A6C34878D82A}">
+                    <a16:rowId xmlns:a16="http://schemas.microsoft.com/office/drawing/2014/main" val="1531995220"/>
+                  </a:ext>
+                </a:extLst>
+              </a:tr>
+            </a:tbl>
+          </a:graphicData>
+        </a:graphic>
+      </p:graphicFrame>
+    </p:spTree>
+    <p:extLst>
+      <p:ext uri="{BB962C8B-B14F-4D97-AF65-F5344CB8AC3E}">
+        <p14:creationId xmlns:p14="http://schemas.microsoft.com/office/powerpoint/2010/main" val="2882193997"/>
+      </p:ext>
+    </p:extLst>
+  </p:cSld>
+  <p:clrMapOvr>
+    <a:masterClrMapping/>
+  </p:clrMapOvr>
+</p:sld>
+</file>
+
+<file path=ppt/slides/slide9.xml><?xml version="1.0" encoding="utf-8"?>
+<p:sld xmlns:a="http://schemas.openxmlformats.org/drawingml/2006/main" xmlns:r="http://schemas.openxmlformats.org/officeDocument/2006/relationships" xmlns:p="http://schemas.openxmlformats.org/presentationml/2006/main">
+  <p:cSld>
+    <p:spTree>
+      <p:nvGrpSpPr>
+        <p:cNvPr id="1" name=""/>
+        <p:cNvGrpSpPr/>
+        <p:nvPr/>
+      </p:nvGrpSpPr>
+      <p:grpSpPr>
+        <a:xfrm>
+          <a:off x="0" y="0"/>
+          <a:ext cx="0" cy="0"/>
+          <a:chOff x="0" y="0"/>
+          <a:chExt cx="0" cy="0"/>
+        </a:xfrm>
+      </p:grpSpPr>
+      <p:sp>
+        <p:nvSpPr>
+          <p:cNvPr id="3" name="직사각형 2"/>
+          <p:cNvSpPr/>
+          <p:nvPr/>
+        </p:nvSpPr>
+        <p:spPr>
+          <a:xfrm>
+            <a:off x="0" y="0"/>
+            <a:ext cx="342900" cy="6858000"/>
+          </a:xfrm>
+          <a:prstGeom prst="rect">
+            <a:avLst/>
+          </a:prstGeom>
+          <a:ln>
+            <a:noFill/>
+          </a:ln>
+        </p:spPr>
+        <p:style>
+          <a:lnRef idx="2">
+            <a:schemeClr val="accent1">
+              <a:shade val="50000"/>
+            </a:schemeClr>
+          </a:lnRef>
+          <a:fillRef idx="1">
+            <a:schemeClr val="accent1"/>
+          </a:fillRef>
+          <a:effectRef idx="0">
+            <a:schemeClr val="accent1"/>
+          </a:effectRef>
+          <a:fontRef idx="minor">
+            <a:schemeClr val="lt1"/>
+          </a:fontRef>
+        </p:style>
+        <p:txBody>
+          <a:bodyPr rtlCol="0" anchor="ctr"/>
+          <a:lstStyle/>
+          <a:p>
+            <a:pPr algn="ctr"/>
+            <a:endParaRPr lang="ko-KR" altLang="en-US">
+              <a:latin typeface="맑은 고딕" panose="020B0503020000020004" pitchFamily="50" charset="-127"/>
+              <a:ea typeface="맑은 고딕" panose="020B0503020000020004" pitchFamily="50" charset="-127"/>
+            </a:endParaRPr>
+          </a:p>
+        </p:txBody>
+      </p:sp>
+      <p:cxnSp>
+        <p:nvCxnSpPr>
+          <p:cNvPr id="5" name="직선 연결선 4"/>
+          <p:cNvCxnSpPr/>
+          <p:nvPr/>
+        </p:nvCxnSpPr>
+        <p:spPr>
+          <a:xfrm>
+            <a:off x="342900" y="1266825"/>
+            <a:ext cx="7839075" cy="0"/>
+          </a:xfrm>
+          <a:prstGeom prst="line">
+            <a:avLst/>
+          </a:prstGeom>
+        </p:spPr>
+        <p:style>
+          <a:lnRef idx="1">
+            <a:schemeClr val="accent1"/>
+          </a:lnRef>
+          <a:fillRef idx="0">
+            <a:schemeClr val="accent1"/>
+          </a:fillRef>
+          <a:effectRef idx="0">
+            <a:schemeClr val="accent1"/>
+          </a:effectRef>
+          <a:fontRef idx="minor">
+            <a:schemeClr val="tx1"/>
+          </a:fontRef>
+        </p:style>
+      </p:cxnSp>
+      <p:sp>
+        <p:nvSpPr>
+          <p:cNvPr id="6" name="TextBox 5"/>
+          <p:cNvSpPr txBox="1"/>
+          <p:nvPr/>
+        </p:nvSpPr>
+        <p:spPr>
+          <a:xfrm>
+            <a:off x="454765" y="347543"/>
+            <a:ext cx="5589992" cy="646331"/>
+          </a:xfrm>
+          <a:prstGeom prst="rect">
+            <a:avLst/>
+          </a:prstGeom>
+          <a:noFill/>
+        </p:spPr>
+        <p:txBody>
+          <a:bodyPr wrap="none" rtlCol="0">
+            <a:spAutoFit/>
+          </a:bodyPr>
+          <a:lstStyle/>
+          <a:p>
+            <a:r>
+              <a:rPr lang="ko-KR" altLang="en-US" sz="3600" dirty="0">
+                <a:solidFill>
+                  <a:schemeClr val="accent1"/>
+                </a:solidFill>
+                <a:latin typeface="맑은 고딕" panose="020B0503020000020004" pitchFamily="50" charset="-127"/>
+                <a:ea typeface="맑은 고딕" panose="020B0503020000020004" pitchFamily="50" charset="-127"/>
+              </a:rPr>
+              <a:t>테스트에 사용한 </a:t>
+            </a:r>
+            <a:r>
+              <a:rPr lang="en-US" altLang="ko-KR" sz="3600" dirty="0">
+                <a:solidFill>
+                  <a:schemeClr val="accent1"/>
+                </a:solidFill>
+                <a:latin typeface="맑은 고딕" panose="020B0503020000020004" pitchFamily="50" charset="-127"/>
+                <a:ea typeface="맑은 고딕" panose="020B0503020000020004" pitchFamily="50" charset="-127"/>
+              </a:rPr>
+              <a:t>CI/CD </a:t>
+            </a:r>
+            <a:r>
+              <a:rPr lang="ko-KR" altLang="en-US" sz="3600" dirty="0">
+                <a:solidFill>
+                  <a:schemeClr val="accent1"/>
+                </a:solidFill>
+                <a:latin typeface="맑은 고딕" panose="020B0503020000020004" pitchFamily="50" charset="-127"/>
+                <a:ea typeface="맑은 고딕" panose="020B0503020000020004" pitchFamily="50" charset="-127"/>
+              </a:rPr>
+              <a:t>툴</a:t>
+            </a:r>
+          </a:p>
+        </p:txBody>
+      </p:sp>
+      <p:pic>
+        <p:nvPicPr>
+          <p:cNvPr id="4" name="그림 3" descr="폰트, 그래픽, 로고, 텍스트이(가) 표시된 사진&#10;&#10;자동 생성된 설명">
+            <a:extLst>
+              <a:ext uri="{FF2B5EF4-FFF2-40B4-BE49-F238E27FC236}">
+                <a16:creationId xmlns:a16="http://schemas.microsoft.com/office/drawing/2014/main" id="{3F1F2700-1991-8121-34DB-8406F4395CC3}"/>
+              </a:ext>
+            </a:extLst>
+          </p:cNvPr>
+          <p:cNvPicPr>
+            <a:picLocks noChangeAspect="1"/>
+          </p:cNvPicPr>
+          <p:nvPr/>
+        </p:nvPicPr>
+        <p:blipFill>
+          <a:blip r:embed="rId2">
+            <a:extLst>
+              <a:ext uri="{28A0092B-C50C-407E-A947-70E740481C1C}">
+                <a14:useLocalDpi xmlns:a14="http://schemas.microsoft.com/office/drawing/2010/main" val="0"/>
+              </a:ext>
+            </a:extLst>
+          </a:blip>
+          <a:stretch>
+            <a:fillRect/>
+          </a:stretch>
+        </p:blipFill>
+        <p:spPr>
+          <a:xfrm>
+            <a:off x="380224" y="1304926"/>
+            <a:ext cx="3705225" cy="1228725"/>
+          </a:xfrm>
+          <a:prstGeom prst="rect">
+            <a:avLst/>
+          </a:prstGeom>
+        </p:spPr>
+      </p:pic>
+    </p:spTree>
+    <p:extLst>
+      <p:ext uri="{BB962C8B-B14F-4D97-AF65-F5344CB8AC3E}">
+        <p14:creationId xmlns:p14="http://schemas.microsoft.com/office/powerpoint/2010/main" val="2636857562"/>
       </p:ext>
     </p:extLst>
   </p:cSld>

--- a/Github Actions.pptx
+++ b/Github Actions.pptx
@@ -5,7 +5,7 @@
     <p:sldMasterId id="2147483696" r:id="rId1"/>
   </p:sldMasterIdLst>
   <p:handoutMasterIdLst>
-    <p:handoutMasterId r:id="rId11"/>
+    <p:handoutMasterId r:id="rId16"/>
   </p:handoutMasterIdLst>
   <p:sldIdLst>
     <p:sldId id="261" r:id="rId2"/>
@@ -17,26 +17,31 @@
     <p:sldId id="265" r:id="rId8"/>
     <p:sldId id="266" r:id="rId9"/>
     <p:sldId id="267" r:id="rId10"/>
+    <p:sldId id="272" r:id="rId11"/>
+    <p:sldId id="271" r:id="rId12"/>
+    <p:sldId id="268" r:id="rId13"/>
+    <p:sldId id="269" r:id="rId14"/>
+    <p:sldId id="270" r:id="rId15"/>
   </p:sldIdLst>
   <p:sldSz cx="9144000" cy="6858000" type="screen4x3"/>
   <p:notesSz cx="6858000" cy="9144000"/>
   <p:embeddedFontLst>
     <p:embeddedFont>
       <p:font typeface="Calibri" panose="020F0502020204030204" pitchFamily="34" charset="0"/>
-      <p:regular r:id="rId12"/>
-      <p:bold r:id="rId13"/>
-      <p:italic r:id="rId14"/>
-      <p:boldItalic r:id="rId15"/>
+      <p:regular r:id="rId17"/>
+      <p:bold r:id="rId18"/>
+      <p:italic r:id="rId19"/>
+      <p:boldItalic r:id="rId20"/>
     </p:embeddedFont>
     <p:embeddedFont>
       <p:font typeface="Calibri Light" panose="020F0302020204030204" pitchFamily="34" charset="0"/>
-      <p:regular r:id="rId16"/>
-      <p:italic r:id="rId17"/>
+      <p:regular r:id="rId21"/>
+      <p:italic r:id="rId22"/>
     </p:embeddedFont>
     <p:embeddedFont>
       <p:font typeface="맑은 고딕" panose="020B0503020000020004" pitchFamily="50" charset="-127"/>
-      <p:regular r:id="rId18"/>
-      <p:bold r:id="rId19"/>
+      <p:regular r:id="rId23"/>
+      <p:bold r:id="rId24"/>
     </p:embeddedFont>
   </p:embeddedFontLst>
   <p:defaultTextStyle>
@@ -154,6 +159,477 @@
     </p:ext>
   </p:extLst>
 </p:presentation>
+</file>
+
+<file path=ppt/revisionInfo.xml><?xml version="1.0" encoding="utf-8"?>
+<p1510:revInfo xmlns:a="http://schemas.openxmlformats.org/drawingml/2006/main" xmlns:r="http://schemas.openxmlformats.org/officeDocument/2006/relationships" xmlns:p1510="http://schemas.microsoft.com/office/powerpoint/2015/10/main">
+  <p1510:revLst>
+    <p1510:client id="{C2BBBA8B-5CA5-4BA0-9F53-57592505F585}" v="41" dt="2023-10-04T04:50:33.924"/>
+  </p1510:revLst>
+</p1510:revInfo>
+</file>
+
+<file path=ppt/changesInfos/changesInfo1.xml><?xml version="1.0" encoding="utf-8"?>
+<pc:chgInfo xmlns:a="http://schemas.openxmlformats.org/drawingml/2006/main" xmlns:r="http://schemas.openxmlformats.org/officeDocument/2006/relationships" xmlns:ac="http://schemas.microsoft.com/office/drawing/2013/main/command" xmlns:pc="http://schemas.microsoft.com/office/powerpoint/2013/main/command">
+  <pc:docChgLst>
+    <pc:chgData name="taeyoung park" userId="676690fc0741a85e" providerId="LiveId" clId="{C2BBBA8B-5CA5-4BA0-9F53-57592505F585}"/>
+    <pc:docChg chg="undo redo custSel addSld delSld modSld sldOrd">
+      <pc:chgData name="taeyoung park" userId="676690fc0741a85e" providerId="LiveId" clId="{C2BBBA8B-5CA5-4BA0-9F53-57592505F585}" dt="2023-10-04T04:51:13.682" v="737" actId="1076"/>
+      <pc:docMkLst>
+        <pc:docMk/>
+      </pc:docMkLst>
+      <pc:sldChg chg="addSp delSp modSp mod modAnim">
+        <pc:chgData name="taeyoung park" userId="676690fc0741a85e" providerId="LiveId" clId="{C2BBBA8B-5CA5-4BA0-9F53-57592505F585}" dt="2023-10-03T15:47:30.943" v="468" actId="1076"/>
+        <pc:sldMkLst>
+          <pc:docMk/>
+          <pc:sldMk cId="2636857562" sldId="267"/>
+        </pc:sldMkLst>
+        <pc:spChg chg="mod">
+          <ac:chgData name="taeyoung park" userId="676690fc0741a85e" providerId="LiveId" clId="{C2BBBA8B-5CA5-4BA0-9F53-57592505F585}" dt="2023-10-03T14:53:48.486" v="45" actId="2711"/>
+          <ac:spMkLst>
+            <pc:docMk/>
+            <pc:sldMk cId="2636857562" sldId="267"/>
+            <ac:spMk id="3" creationId="{00000000-0000-0000-0000-000000000000}"/>
+          </ac:spMkLst>
+        </pc:spChg>
+        <pc:spChg chg="mod">
+          <ac:chgData name="taeyoung park" userId="676690fc0741a85e" providerId="LiveId" clId="{C2BBBA8B-5CA5-4BA0-9F53-57592505F585}" dt="2023-10-03T14:53:48.486" v="45" actId="2711"/>
+          <ac:spMkLst>
+            <pc:docMk/>
+            <pc:sldMk cId="2636857562" sldId="267"/>
+            <ac:spMk id="6" creationId="{00000000-0000-0000-0000-000000000000}"/>
+          </ac:spMkLst>
+        </pc:spChg>
+        <pc:spChg chg="add mod">
+          <ac:chgData name="taeyoung park" userId="676690fc0741a85e" providerId="LiveId" clId="{C2BBBA8B-5CA5-4BA0-9F53-57592505F585}" dt="2023-10-03T14:54:03.249" v="46" actId="12"/>
+          <ac:spMkLst>
+            <pc:docMk/>
+            <pc:sldMk cId="2636857562" sldId="267"/>
+            <ac:spMk id="7" creationId="{C0A50661-10DC-42DA-1180-94A4F3E9EC45}"/>
+          </ac:spMkLst>
+        </pc:spChg>
+        <pc:spChg chg="add mod">
+          <ac:chgData name="taeyoung park" userId="676690fc0741a85e" providerId="LiveId" clId="{C2BBBA8B-5CA5-4BA0-9F53-57592505F585}" dt="2023-10-03T15:47:20.658" v="465" actId="1076"/>
+          <ac:spMkLst>
+            <pc:docMk/>
+            <pc:sldMk cId="2636857562" sldId="267"/>
+            <ac:spMk id="11" creationId="{58997CB2-DDCD-6BC9-ABF2-C2D8697BE798}"/>
+          </ac:spMkLst>
+        </pc:spChg>
+        <pc:grpChg chg="add mod">
+          <ac:chgData name="taeyoung park" userId="676690fc0741a85e" providerId="LiveId" clId="{C2BBBA8B-5CA5-4BA0-9F53-57592505F585}" dt="2023-10-03T15:45:58.403" v="463" actId="164"/>
+          <ac:grpSpMkLst>
+            <pc:docMk/>
+            <pc:sldMk cId="2636857562" sldId="267"/>
+            <ac:grpSpMk id="12" creationId="{22AEA05F-97F2-15CE-444C-624FE6238A7F}"/>
+          </ac:grpSpMkLst>
+        </pc:grpChg>
+        <pc:picChg chg="del">
+          <ac:chgData name="taeyoung park" userId="676690fc0741a85e" providerId="LiveId" clId="{C2BBBA8B-5CA5-4BA0-9F53-57592505F585}" dt="2023-10-03T14:51:39.507" v="17" actId="478"/>
+          <ac:picMkLst>
+            <pc:docMk/>
+            <pc:sldMk cId="2636857562" sldId="267"/>
+            <ac:picMk id="4" creationId="{3F1F2700-1991-8121-34DB-8406F4395CC3}"/>
+          </ac:picMkLst>
+        </pc:picChg>
+        <pc:picChg chg="add mod">
+          <ac:chgData name="taeyoung park" userId="676690fc0741a85e" providerId="LiveId" clId="{C2BBBA8B-5CA5-4BA0-9F53-57592505F585}" dt="2023-10-03T15:47:20.658" v="465" actId="1076"/>
+          <ac:picMkLst>
+            <pc:docMk/>
+            <pc:sldMk cId="2636857562" sldId="267"/>
+            <ac:picMk id="8" creationId="{4C976964-62C9-4DD4-E0BB-F04346712D6A}"/>
+          </ac:picMkLst>
+        </pc:picChg>
+        <pc:picChg chg="add mod">
+          <ac:chgData name="taeyoung park" userId="676690fc0741a85e" providerId="LiveId" clId="{C2BBBA8B-5CA5-4BA0-9F53-57592505F585}" dt="2023-10-03T15:47:30.943" v="468" actId="1076"/>
+          <ac:picMkLst>
+            <pc:docMk/>
+            <pc:sldMk cId="2636857562" sldId="267"/>
+            <ac:picMk id="10" creationId="{6624E1D7-1253-127A-45CA-3CCE26BA4E99}"/>
+          </ac:picMkLst>
+        </pc:picChg>
+      </pc:sldChg>
+      <pc:sldChg chg="addSp delSp modSp add mod">
+        <pc:chgData name="taeyoung park" userId="676690fc0741a85e" providerId="LiveId" clId="{C2BBBA8B-5CA5-4BA0-9F53-57592505F585}" dt="2023-10-03T15:25:31.729" v="202" actId="1076"/>
+        <pc:sldMkLst>
+          <pc:docMk/>
+          <pc:sldMk cId="1773063938" sldId="268"/>
+        </pc:sldMkLst>
+        <pc:spChg chg="mod">
+          <ac:chgData name="taeyoung park" userId="676690fc0741a85e" providerId="LiveId" clId="{C2BBBA8B-5CA5-4BA0-9F53-57592505F585}" dt="2023-10-03T15:21:07.686" v="116" actId="2711"/>
+          <ac:spMkLst>
+            <pc:docMk/>
+            <pc:sldMk cId="1773063938" sldId="268"/>
+            <ac:spMk id="3" creationId="{00000000-0000-0000-0000-000000000000}"/>
+          </ac:spMkLst>
+        </pc:spChg>
+        <pc:spChg chg="mod">
+          <ac:chgData name="taeyoung park" userId="676690fc0741a85e" providerId="LiveId" clId="{C2BBBA8B-5CA5-4BA0-9F53-57592505F585}" dt="2023-10-03T15:21:07.686" v="116" actId="2711"/>
+          <ac:spMkLst>
+            <pc:docMk/>
+            <pc:sldMk cId="1773063938" sldId="268"/>
+            <ac:spMk id="6" creationId="{00000000-0000-0000-0000-000000000000}"/>
+          </ac:spMkLst>
+        </pc:spChg>
+        <pc:spChg chg="del">
+          <ac:chgData name="taeyoung park" userId="676690fc0741a85e" providerId="LiveId" clId="{C2BBBA8B-5CA5-4BA0-9F53-57592505F585}" dt="2023-10-03T14:54:11.508" v="48" actId="478"/>
+          <ac:spMkLst>
+            <pc:docMk/>
+            <pc:sldMk cId="1773063938" sldId="268"/>
+            <ac:spMk id="7" creationId="{C0A50661-10DC-42DA-1180-94A4F3E9EC45}"/>
+          </ac:spMkLst>
+        </pc:spChg>
+        <pc:spChg chg="add mod">
+          <ac:chgData name="taeyoung park" userId="676690fc0741a85e" providerId="LiveId" clId="{C2BBBA8B-5CA5-4BA0-9F53-57592505F585}" dt="2023-10-03T15:25:31.729" v="202" actId="1076"/>
+          <ac:spMkLst>
+            <pc:docMk/>
+            <pc:sldMk cId="1773063938" sldId="268"/>
+            <ac:spMk id="8" creationId="{AE33CB1D-901A-9243-7364-0A65AAF690CA}"/>
+          </ac:spMkLst>
+        </pc:spChg>
+        <pc:spChg chg="add mod">
+          <ac:chgData name="taeyoung park" userId="676690fc0741a85e" providerId="LiveId" clId="{C2BBBA8B-5CA5-4BA0-9F53-57592505F585}" dt="2023-10-03T15:25:31.729" v="202" actId="1076"/>
+          <ac:spMkLst>
+            <pc:docMk/>
+            <pc:sldMk cId="1773063938" sldId="268"/>
+            <ac:spMk id="9" creationId="{4479CE6C-60CE-72E1-BA55-5F4A2BA84FC7}"/>
+          </ac:spMkLst>
+        </pc:spChg>
+        <pc:spChg chg="add mod">
+          <ac:chgData name="taeyoung park" userId="676690fc0741a85e" providerId="LiveId" clId="{C2BBBA8B-5CA5-4BA0-9F53-57592505F585}" dt="2023-10-03T15:25:31.729" v="202" actId="1076"/>
+          <ac:spMkLst>
+            <pc:docMk/>
+            <pc:sldMk cId="1773063938" sldId="268"/>
+            <ac:spMk id="10" creationId="{9652F979-AC35-205C-1B26-4D2E3D12F2B8}"/>
+          </ac:spMkLst>
+        </pc:spChg>
+        <pc:spChg chg="add mod">
+          <ac:chgData name="taeyoung park" userId="676690fc0741a85e" providerId="LiveId" clId="{C2BBBA8B-5CA5-4BA0-9F53-57592505F585}" dt="2023-10-03T15:25:31.729" v="202" actId="1076"/>
+          <ac:spMkLst>
+            <pc:docMk/>
+            <pc:sldMk cId="1773063938" sldId="268"/>
+            <ac:spMk id="11" creationId="{71C50317-BF2F-1D61-40EB-7F830D518554}"/>
+          </ac:spMkLst>
+        </pc:spChg>
+        <pc:picChg chg="add del mod">
+          <ac:chgData name="taeyoung park" userId="676690fc0741a85e" providerId="LiveId" clId="{C2BBBA8B-5CA5-4BA0-9F53-57592505F585}" dt="2023-10-03T14:55:22.430" v="52" actId="478"/>
+          <ac:picMkLst>
+            <pc:docMk/>
+            <pc:sldMk cId="1773063938" sldId="268"/>
+            <ac:picMk id="4" creationId="{205180A4-C4F5-B4AE-CB8C-B79FCBE96E65}"/>
+          </ac:picMkLst>
+        </pc:picChg>
+      </pc:sldChg>
+      <pc:sldChg chg="addSp delSp modSp add mod">
+        <pc:chgData name="taeyoung park" userId="676690fc0741a85e" providerId="LiveId" clId="{C2BBBA8B-5CA5-4BA0-9F53-57592505F585}" dt="2023-10-03T15:25:50.948" v="205" actId="1076"/>
+        <pc:sldMkLst>
+          <pc:docMk/>
+          <pc:sldMk cId="33694739" sldId="269"/>
+        </pc:sldMkLst>
+        <pc:spChg chg="add del mod">
+          <ac:chgData name="taeyoung park" userId="676690fc0741a85e" providerId="LiveId" clId="{C2BBBA8B-5CA5-4BA0-9F53-57592505F585}" dt="2023-10-03T15:25:43.419" v="203" actId="478"/>
+          <ac:spMkLst>
+            <pc:docMk/>
+            <pc:sldMk cId="33694739" sldId="269"/>
+            <ac:spMk id="2" creationId="{0F239850-170C-D2AD-8D55-056D20E35BBB}"/>
+          </ac:spMkLst>
+        </pc:spChg>
+        <pc:spChg chg="mod">
+          <ac:chgData name="taeyoung park" userId="676690fc0741a85e" providerId="LiveId" clId="{C2BBBA8B-5CA5-4BA0-9F53-57592505F585}" dt="2023-10-03T15:25:50.948" v="205" actId="1076"/>
+          <ac:spMkLst>
+            <pc:docMk/>
+            <pc:sldMk cId="33694739" sldId="269"/>
+            <ac:spMk id="8" creationId="{AE33CB1D-901A-9243-7364-0A65AAF690CA}"/>
+          </ac:spMkLst>
+        </pc:spChg>
+        <pc:spChg chg="mod">
+          <ac:chgData name="taeyoung park" userId="676690fc0741a85e" providerId="LiveId" clId="{C2BBBA8B-5CA5-4BA0-9F53-57592505F585}" dt="2023-10-03T15:25:50.948" v="205" actId="1076"/>
+          <ac:spMkLst>
+            <pc:docMk/>
+            <pc:sldMk cId="33694739" sldId="269"/>
+            <ac:spMk id="9" creationId="{4479CE6C-60CE-72E1-BA55-5F4A2BA84FC7}"/>
+          </ac:spMkLst>
+        </pc:spChg>
+        <pc:spChg chg="del">
+          <ac:chgData name="taeyoung park" userId="676690fc0741a85e" providerId="LiveId" clId="{C2BBBA8B-5CA5-4BA0-9F53-57592505F585}" dt="2023-10-03T15:21:53.220" v="143" actId="478"/>
+          <ac:spMkLst>
+            <pc:docMk/>
+            <pc:sldMk cId="33694739" sldId="269"/>
+            <ac:spMk id="10" creationId="{9652F979-AC35-205C-1B26-4D2E3D12F2B8}"/>
+          </ac:spMkLst>
+        </pc:spChg>
+        <pc:spChg chg="del">
+          <ac:chgData name="taeyoung park" userId="676690fc0741a85e" providerId="LiveId" clId="{C2BBBA8B-5CA5-4BA0-9F53-57592505F585}" dt="2023-10-03T15:21:53.220" v="143" actId="478"/>
+          <ac:spMkLst>
+            <pc:docMk/>
+            <pc:sldMk cId="33694739" sldId="269"/>
+            <ac:spMk id="11" creationId="{71C50317-BF2F-1D61-40EB-7F830D518554}"/>
+          </ac:spMkLst>
+        </pc:spChg>
+        <pc:graphicFrameChg chg="add mod modGraphic">
+          <ac:chgData name="taeyoung park" userId="676690fc0741a85e" providerId="LiveId" clId="{C2BBBA8B-5CA5-4BA0-9F53-57592505F585}" dt="2023-10-03T15:25:47.699" v="204" actId="1076"/>
+          <ac:graphicFrameMkLst>
+            <pc:docMk/>
+            <pc:sldMk cId="33694739" sldId="269"/>
+            <ac:graphicFrameMk id="4" creationId="{1028DDB3-5C31-415A-4721-36E52BC0FEDB}"/>
+          </ac:graphicFrameMkLst>
+        </pc:graphicFrameChg>
+      </pc:sldChg>
+      <pc:sldChg chg="modSp add mod">
+        <pc:chgData name="taeyoung park" userId="676690fc0741a85e" providerId="LiveId" clId="{C2BBBA8B-5CA5-4BA0-9F53-57592505F585}" dt="2023-10-03T15:26:47.725" v="215" actId="20577"/>
+        <pc:sldMkLst>
+          <pc:docMk/>
+          <pc:sldMk cId="1932199923" sldId="270"/>
+        </pc:sldMkLst>
+        <pc:spChg chg="mod">
+          <ac:chgData name="taeyoung park" userId="676690fc0741a85e" providerId="LiveId" clId="{C2BBBA8B-5CA5-4BA0-9F53-57592505F585}" dt="2023-10-03T15:26:47.725" v="215" actId="20577"/>
+          <ac:spMkLst>
+            <pc:docMk/>
+            <pc:sldMk cId="1932199923" sldId="270"/>
+            <ac:spMk id="2" creationId="{00000000-0000-0000-0000-000000000000}"/>
+          </ac:spMkLst>
+        </pc:spChg>
+        <pc:spChg chg="mod">
+          <ac:chgData name="taeyoung park" userId="676690fc0741a85e" providerId="LiveId" clId="{C2BBBA8B-5CA5-4BA0-9F53-57592505F585}" dt="2023-10-03T15:26:44.449" v="207" actId="20577"/>
+          <ac:spMkLst>
+            <pc:docMk/>
+            <pc:sldMk cId="1932199923" sldId="270"/>
+            <ac:spMk id="4" creationId="{EF7FB1F9-1623-C6CD-50EB-D783B17CEA42}"/>
+          </ac:spMkLst>
+        </pc:spChg>
+      </pc:sldChg>
+      <pc:sldChg chg="addSp delSp modSp add mod modAnim">
+        <pc:chgData name="taeyoung park" userId="676690fc0741a85e" providerId="LiveId" clId="{C2BBBA8B-5CA5-4BA0-9F53-57592505F585}" dt="2023-10-04T04:51:08.045" v="736" actId="1076"/>
+        <pc:sldMkLst>
+          <pc:docMk/>
+          <pc:sldMk cId="3463922009" sldId="271"/>
+        </pc:sldMkLst>
+        <pc:spChg chg="del">
+          <ac:chgData name="taeyoung park" userId="676690fc0741a85e" providerId="LiveId" clId="{C2BBBA8B-5CA5-4BA0-9F53-57592505F585}" dt="2023-10-03T15:27:18.925" v="217" actId="478"/>
+          <ac:spMkLst>
+            <pc:docMk/>
+            <pc:sldMk cId="3463922009" sldId="271"/>
+            <ac:spMk id="8" creationId="{AE33CB1D-901A-9243-7364-0A65AAF690CA}"/>
+          </ac:spMkLst>
+        </pc:spChg>
+        <pc:spChg chg="del">
+          <ac:chgData name="taeyoung park" userId="676690fc0741a85e" providerId="LiveId" clId="{C2BBBA8B-5CA5-4BA0-9F53-57592505F585}" dt="2023-10-03T15:27:18.925" v="217" actId="478"/>
+          <ac:spMkLst>
+            <pc:docMk/>
+            <pc:sldMk cId="3463922009" sldId="271"/>
+            <ac:spMk id="9" creationId="{4479CE6C-60CE-72E1-BA55-5F4A2BA84FC7}"/>
+          </ac:spMkLst>
+        </pc:spChg>
+        <pc:spChg chg="del">
+          <ac:chgData name="taeyoung park" userId="676690fc0741a85e" providerId="LiveId" clId="{C2BBBA8B-5CA5-4BA0-9F53-57592505F585}" dt="2023-10-03T15:27:18.925" v="217" actId="478"/>
+          <ac:spMkLst>
+            <pc:docMk/>
+            <pc:sldMk cId="3463922009" sldId="271"/>
+            <ac:spMk id="10" creationId="{9652F979-AC35-205C-1B26-4D2E3D12F2B8}"/>
+          </ac:spMkLst>
+        </pc:spChg>
+        <pc:spChg chg="del">
+          <ac:chgData name="taeyoung park" userId="676690fc0741a85e" providerId="LiveId" clId="{C2BBBA8B-5CA5-4BA0-9F53-57592505F585}" dt="2023-10-03T15:27:18.925" v="217" actId="478"/>
+          <ac:spMkLst>
+            <pc:docMk/>
+            <pc:sldMk cId="3463922009" sldId="271"/>
+            <ac:spMk id="11" creationId="{71C50317-BF2F-1D61-40EB-7F830D518554}"/>
+          </ac:spMkLst>
+        </pc:spChg>
+        <pc:spChg chg="add del mod">
+          <ac:chgData name="taeyoung park" userId="676690fc0741a85e" providerId="LiveId" clId="{C2BBBA8B-5CA5-4BA0-9F53-57592505F585}" dt="2023-10-03T15:30:28.755" v="233" actId="22"/>
+          <ac:spMkLst>
+            <pc:docMk/>
+            <pc:sldMk cId="3463922009" sldId="271"/>
+            <ac:spMk id="12" creationId="{869286A4-00AC-C9CB-AFD1-BB824E3E76BC}"/>
+          </ac:spMkLst>
+        </pc:spChg>
+        <pc:spChg chg="add del">
+          <ac:chgData name="taeyoung park" userId="676690fc0741a85e" providerId="LiveId" clId="{C2BBBA8B-5CA5-4BA0-9F53-57592505F585}" dt="2023-10-03T15:30:29.860" v="235" actId="22"/>
+          <ac:spMkLst>
+            <pc:docMk/>
+            <pc:sldMk cId="3463922009" sldId="271"/>
+            <ac:spMk id="14" creationId="{120EA550-E3C4-417A-1C5A-22765E75B97E}"/>
+          </ac:spMkLst>
+        </pc:spChg>
+        <pc:spChg chg="add mod">
+          <ac:chgData name="taeyoung park" userId="676690fc0741a85e" providerId="LiveId" clId="{C2BBBA8B-5CA5-4BA0-9F53-57592505F585}" dt="2023-10-03T15:40:12.606" v="305" actId="14100"/>
+          <ac:spMkLst>
+            <pc:docMk/>
+            <pc:sldMk cId="3463922009" sldId="271"/>
+            <ac:spMk id="15" creationId="{6DF10B85-9DBB-C356-0F25-05B12F8A8C95}"/>
+          </ac:spMkLst>
+        </pc:spChg>
+        <pc:spChg chg="add mod">
+          <ac:chgData name="taeyoung park" userId="676690fc0741a85e" providerId="LiveId" clId="{C2BBBA8B-5CA5-4BA0-9F53-57592505F585}" dt="2023-10-04T04:51:05.030" v="735" actId="1076"/>
+          <ac:spMkLst>
+            <pc:docMk/>
+            <pc:sldMk cId="3463922009" sldId="271"/>
+            <ac:spMk id="17" creationId="{5917A27D-41B8-D6AA-853F-7166B9EAFF1F}"/>
+          </ac:spMkLst>
+        </pc:spChg>
+        <pc:spChg chg="add mod">
+          <ac:chgData name="taeyoung park" userId="676690fc0741a85e" providerId="LiveId" clId="{C2BBBA8B-5CA5-4BA0-9F53-57592505F585}" dt="2023-10-04T04:51:05.030" v="735" actId="1076"/>
+          <ac:spMkLst>
+            <pc:docMk/>
+            <pc:sldMk cId="3463922009" sldId="271"/>
+            <ac:spMk id="20" creationId="{45FACA9F-1037-12EE-BD8D-3C7F707E846F}"/>
+          </ac:spMkLst>
+        </pc:spChg>
+        <pc:spChg chg="add mod">
+          <ac:chgData name="taeyoung park" userId="676690fc0741a85e" providerId="LiveId" clId="{C2BBBA8B-5CA5-4BA0-9F53-57592505F585}" dt="2023-10-04T04:51:05.030" v="735" actId="1076"/>
+          <ac:spMkLst>
+            <pc:docMk/>
+            <pc:sldMk cId="3463922009" sldId="271"/>
+            <ac:spMk id="21" creationId="{201A0FBB-D016-9BC4-A108-989C26A6ADD3}"/>
+          </ac:spMkLst>
+        </pc:spChg>
+        <pc:spChg chg="add mod">
+          <ac:chgData name="taeyoung park" userId="676690fc0741a85e" providerId="LiveId" clId="{C2BBBA8B-5CA5-4BA0-9F53-57592505F585}" dt="2023-10-04T04:51:05.030" v="735" actId="1076"/>
+          <ac:spMkLst>
+            <pc:docMk/>
+            <pc:sldMk cId="3463922009" sldId="271"/>
+            <ac:spMk id="22" creationId="{C5F905D7-2AAF-10B4-EC72-7A7A18809E71}"/>
+          </ac:spMkLst>
+        </pc:spChg>
+        <pc:spChg chg="add mod">
+          <ac:chgData name="taeyoung park" userId="676690fc0741a85e" providerId="LiveId" clId="{C2BBBA8B-5CA5-4BA0-9F53-57592505F585}" dt="2023-10-04T04:51:05.030" v="735" actId="1076"/>
+          <ac:spMkLst>
+            <pc:docMk/>
+            <pc:sldMk cId="3463922009" sldId="271"/>
+            <ac:spMk id="23" creationId="{6DB53673-4310-C6A8-8D57-890B8F45AF8C}"/>
+          </ac:spMkLst>
+        </pc:spChg>
+        <pc:grpChg chg="add mod">
+          <ac:chgData name="taeyoung park" userId="676690fc0741a85e" providerId="LiveId" clId="{C2BBBA8B-5CA5-4BA0-9F53-57592505F585}" dt="2023-10-04T04:51:08.045" v="736" actId="1076"/>
+          <ac:grpSpMkLst>
+            <pc:docMk/>
+            <pc:sldMk cId="3463922009" sldId="271"/>
+            <ac:grpSpMk id="27" creationId="{DDB84C0B-D60D-822B-3792-0CF2DE7489E8}"/>
+          </ac:grpSpMkLst>
+        </pc:grpChg>
+        <pc:picChg chg="add mod modCrop">
+          <ac:chgData name="taeyoung park" userId="676690fc0741a85e" providerId="LiveId" clId="{C2BBBA8B-5CA5-4BA0-9F53-57592505F585}" dt="2023-10-04T04:51:05.030" v="735" actId="1076"/>
+          <ac:picMkLst>
+            <pc:docMk/>
+            <pc:sldMk cId="3463922009" sldId="271"/>
+            <ac:picMk id="4" creationId="{761289F7-9F53-BB63-B6F0-71D9F97BA6E1}"/>
+          </ac:picMkLst>
+        </pc:picChg>
+        <pc:picChg chg="add del mod">
+          <ac:chgData name="taeyoung park" userId="676690fc0741a85e" providerId="LiveId" clId="{C2BBBA8B-5CA5-4BA0-9F53-57592505F585}" dt="2023-10-03T15:40:38.671" v="311"/>
+          <ac:picMkLst>
+            <pc:docMk/>
+            <pc:sldMk cId="3463922009" sldId="271"/>
+            <ac:picMk id="18" creationId="{78BF8D8E-02E5-3FC9-13E4-CCC513F339C7}"/>
+          </ac:picMkLst>
+        </pc:picChg>
+        <pc:picChg chg="add mod">
+          <ac:chgData name="taeyoung park" userId="676690fc0741a85e" providerId="LiveId" clId="{C2BBBA8B-5CA5-4BA0-9F53-57592505F585}" dt="2023-10-04T04:51:05.030" v="735" actId="1076"/>
+          <ac:picMkLst>
+            <pc:docMk/>
+            <pc:sldMk cId="3463922009" sldId="271"/>
+            <ac:picMk id="19" creationId="{84B50E49-0069-35E4-DA46-58132D103DDD}"/>
+          </ac:picMkLst>
+        </pc:picChg>
+        <pc:picChg chg="add mod modCrop">
+          <ac:chgData name="taeyoung park" userId="676690fc0741a85e" providerId="LiveId" clId="{C2BBBA8B-5CA5-4BA0-9F53-57592505F585}" dt="2023-10-03T15:58:42.652" v="485" actId="164"/>
+          <ac:picMkLst>
+            <pc:docMk/>
+            <pc:sldMk cId="3463922009" sldId="271"/>
+            <ac:picMk id="25" creationId="{E82C1174-88EE-0F6A-91FA-6DE7E20ACB68}"/>
+          </ac:picMkLst>
+        </pc:picChg>
+        <pc:picChg chg="add mod modCrop">
+          <ac:chgData name="taeyoung park" userId="676690fc0741a85e" providerId="LiveId" clId="{C2BBBA8B-5CA5-4BA0-9F53-57592505F585}" dt="2023-10-03T15:58:42.652" v="485" actId="164"/>
+          <ac:picMkLst>
+            <pc:docMk/>
+            <pc:sldMk cId="3463922009" sldId="271"/>
+            <ac:picMk id="26" creationId="{19A00995-BF63-FBA7-9415-645C0DD32AF1}"/>
+          </ac:picMkLst>
+        </pc:picChg>
+      </pc:sldChg>
+      <pc:sldChg chg="addSp delSp modSp add mod ord">
+        <pc:chgData name="taeyoung park" userId="676690fc0741a85e" providerId="LiveId" clId="{C2BBBA8B-5CA5-4BA0-9F53-57592505F585}" dt="2023-10-04T04:51:13.682" v="737" actId="1076"/>
+        <pc:sldMkLst>
+          <pc:docMk/>
+          <pc:sldMk cId="1224261958" sldId="272"/>
+        </pc:sldMkLst>
+        <pc:spChg chg="mod">
+          <ac:chgData name="taeyoung park" userId="676690fc0741a85e" providerId="LiveId" clId="{C2BBBA8B-5CA5-4BA0-9F53-57592505F585}" dt="2023-10-03T16:11:54.705" v="647" actId="20577"/>
+          <ac:spMkLst>
+            <pc:docMk/>
+            <pc:sldMk cId="1224261958" sldId="272"/>
+            <ac:spMk id="6" creationId="{00000000-0000-0000-0000-000000000000}"/>
+          </ac:spMkLst>
+        </pc:spChg>
+        <pc:spChg chg="mod">
+          <ac:chgData name="taeyoung park" userId="676690fc0741a85e" providerId="LiveId" clId="{C2BBBA8B-5CA5-4BA0-9F53-57592505F585}" dt="2023-10-03T16:10:48.415" v="620" actId="404"/>
+          <ac:spMkLst>
+            <pc:docMk/>
+            <pc:sldMk cId="1224261958" sldId="272"/>
+            <ac:spMk id="8" creationId="{AE33CB1D-901A-9243-7364-0A65AAF690CA}"/>
+          </ac:spMkLst>
+        </pc:spChg>
+        <pc:spChg chg="del">
+          <ac:chgData name="taeyoung park" userId="676690fc0741a85e" providerId="LiveId" clId="{C2BBBA8B-5CA5-4BA0-9F53-57592505F585}" dt="2023-10-03T16:09:13.065" v="520" actId="478"/>
+          <ac:spMkLst>
+            <pc:docMk/>
+            <pc:sldMk cId="1224261958" sldId="272"/>
+            <ac:spMk id="9" creationId="{4479CE6C-60CE-72E1-BA55-5F4A2BA84FC7}"/>
+          </ac:spMkLst>
+        </pc:spChg>
+        <pc:spChg chg="del">
+          <ac:chgData name="taeyoung park" userId="676690fc0741a85e" providerId="LiveId" clId="{C2BBBA8B-5CA5-4BA0-9F53-57592505F585}" dt="2023-10-03T16:09:13.065" v="520" actId="478"/>
+          <ac:spMkLst>
+            <pc:docMk/>
+            <pc:sldMk cId="1224261958" sldId="272"/>
+            <ac:spMk id="10" creationId="{9652F979-AC35-205C-1B26-4D2E3D12F2B8}"/>
+          </ac:spMkLst>
+        </pc:spChg>
+        <pc:spChg chg="del">
+          <ac:chgData name="taeyoung park" userId="676690fc0741a85e" providerId="LiveId" clId="{C2BBBA8B-5CA5-4BA0-9F53-57592505F585}" dt="2023-10-03T16:09:13.065" v="520" actId="478"/>
+          <ac:spMkLst>
+            <pc:docMk/>
+            <pc:sldMk cId="1224261958" sldId="272"/>
+            <ac:spMk id="11" creationId="{71C50317-BF2F-1D61-40EB-7F830D518554}"/>
+          </ac:spMkLst>
+        </pc:spChg>
+        <pc:spChg chg="add mod">
+          <ac:chgData name="taeyoung park" userId="676690fc0741a85e" providerId="LiveId" clId="{C2BBBA8B-5CA5-4BA0-9F53-57592505F585}" dt="2023-10-04T04:51:13.682" v="737" actId="1076"/>
+          <ac:spMkLst>
+            <pc:docMk/>
+            <pc:sldMk cId="1224261958" sldId="272"/>
+            <ac:spMk id="12" creationId="{C3FCB054-AC41-D092-6CD3-163098B251A1}"/>
+          </ac:spMkLst>
+        </pc:spChg>
+        <pc:spChg chg="add mod">
+          <ac:chgData name="taeyoung park" userId="676690fc0741a85e" providerId="LiveId" clId="{C2BBBA8B-5CA5-4BA0-9F53-57592505F585}" dt="2023-10-04T04:51:13.682" v="737" actId="1076"/>
+          <ac:spMkLst>
+            <pc:docMk/>
+            <pc:sldMk cId="1224261958" sldId="272"/>
+            <ac:spMk id="13" creationId="{5DEDB540-8609-E21F-231E-7FA1265BC571}"/>
+          </ac:spMkLst>
+        </pc:spChg>
+        <pc:picChg chg="add mod">
+          <ac:chgData name="taeyoung park" userId="676690fc0741a85e" providerId="LiveId" clId="{C2BBBA8B-5CA5-4BA0-9F53-57592505F585}" dt="2023-10-03T16:10:15.106" v="583" actId="1076"/>
+          <ac:picMkLst>
+            <pc:docMk/>
+            <pc:sldMk cId="1224261958" sldId="272"/>
+            <ac:picMk id="4" creationId="{4D99D729-BBCF-641F-7E90-57698467B769}"/>
+          </ac:picMkLst>
+        </pc:picChg>
+      </pc:sldChg>
+      <pc:sldChg chg="add del">
+        <pc:chgData name="taeyoung park" userId="676690fc0741a85e" providerId="LiveId" clId="{C2BBBA8B-5CA5-4BA0-9F53-57592505F585}" dt="2023-10-03T16:09:58.096" v="580"/>
+        <pc:sldMkLst>
+          <pc:docMk/>
+          <pc:sldMk cId="289067914" sldId="273"/>
+        </pc:sldMkLst>
+      </pc:sldChg>
+    </pc:docChg>
+  </pc:docChgLst>
+</pc:chgInfo>
 </file>
 
 <file path=ppt/handoutMasters/handoutMaster1.xml><?xml version="1.0" encoding="utf-8"?>
@@ -3410,6 +3886,3062 @@
 </p:sld>
 </file>
 
+<file path=ppt/slides/slide10.xml><?xml version="1.0" encoding="utf-8"?>
+<p:sld xmlns:a="http://schemas.openxmlformats.org/drawingml/2006/main" xmlns:r="http://schemas.openxmlformats.org/officeDocument/2006/relationships" xmlns:p="http://schemas.openxmlformats.org/presentationml/2006/main">
+  <p:cSld>
+    <p:spTree>
+      <p:nvGrpSpPr>
+        <p:cNvPr id="1" name=""/>
+        <p:cNvGrpSpPr/>
+        <p:nvPr/>
+      </p:nvGrpSpPr>
+      <p:grpSpPr>
+        <a:xfrm>
+          <a:off x="0" y="0"/>
+          <a:ext cx="0" cy="0"/>
+          <a:chOff x="0" y="0"/>
+          <a:chExt cx="0" cy="0"/>
+        </a:xfrm>
+      </p:grpSpPr>
+      <p:sp>
+        <p:nvSpPr>
+          <p:cNvPr id="3" name="직사각형 2"/>
+          <p:cNvSpPr/>
+          <p:nvPr/>
+        </p:nvSpPr>
+        <p:spPr>
+          <a:xfrm>
+            <a:off x="0" y="0"/>
+            <a:ext cx="342900" cy="6858000"/>
+          </a:xfrm>
+          <a:prstGeom prst="rect">
+            <a:avLst/>
+          </a:prstGeom>
+          <a:ln>
+            <a:noFill/>
+          </a:ln>
+        </p:spPr>
+        <p:style>
+          <a:lnRef idx="2">
+            <a:schemeClr val="accent1">
+              <a:shade val="50000"/>
+            </a:schemeClr>
+          </a:lnRef>
+          <a:fillRef idx="1">
+            <a:schemeClr val="accent1"/>
+          </a:fillRef>
+          <a:effectRef idx="0">
+            <a:schemeClr val="accent1"/>
+          </a:effectRef>
+          <a:fontRef idx="minor">
+            <a:schemeClr val="lt1"/>
+          </a:fontRef>
+        </p:style>
+        <p:txBody>
+          <a:bodyPr rtlCol="0" anchor="ctr"/>
+          <a:lstStyle/>
+          <a:p>
+            <a:pPr algn="ctr"/>
+            <a:endParaRPr lang="ko-KR" altLang="en-US">
+              <a:latin typeface="맑은 고딕" panose="020B0503020000020004" pitchFamily="50" charset="-127"/>
+              <a:ea typeface="맑은 고딕" panose="020B0503020000020004" pitchFamily="50" charset="-127"/>
+            </a:endParaRPr>
+          </a:p>
+        </p:txBody>
+      </p:sp>
+      <p:cxnSp>
+        <p:nvCxnSpPr>
+          <p:cNvPr id="5" name="직선 연결선 4"/>
+          <p:cNvCxnSpPr/>
+          <p:nvPr/>
+        </p:nvCxnSpPr>
+        <p:spPr>
+          <a:xfrm>
+            <a:off x="342900" y="1266825"/>
+            <a:ext cx="7839075" cy="0"/>
+          </a:xfrm>
+          <a:prstGeom prst="line">
+            <a:avLst/>
+          </a:prstGeom>
+        </p:spPr>
+        <p:style>
+          <a:lnRef idx="1">
+            <a:schemeClr val="accent1"/>
+          </a:lnRef>
+          <a:fillRef idx="0">
+            <a:schemeClr val="accent1"/>
+          </a:fillRef>
+          <a:effectRef idx="0">
+            <a:schemeClr val="accent1"/>
+          </a:effectRef>
+          <a:fontRef idx="minor">
+            <a:schemeClr val="tx1"/>
+          </a:fontRef>
+        </p:style>
+      </p:cxnSp>
+      <p:sp>
+        <p:nvSpPr>
+          <p:cNvPr id="6" name="TextBox 5"/>
+          <p:cNvSpPr txBox="1"/>
+          <p:nvPr/>
+        </p:nvSpPr>
+        <p:spPr>
+          <a:xfrm>
+            <a:off x="454765" y="347543"/>
+            <a:ext cx="3728200" cy="646331"/>
+          </a:xfrm>
+          <a:prstGeom prst="rect">
+            <a:avLst/>
+          </a:prstGeom>
+          <a:noFill/>
+        </p:spPr>
+        <p:txBody>
+          <a:bodyPr wrap="none" rtlCol="0">
+            <a:spAutoFit/>
+          </a:bodyPr>
+          <a:lstStyle/>
+          <a:p>
+            <a:r>
+              <a:rPr lang="en-US" altLang="ko-KR" sz="3600" dirty="0">
+                <a:solidFill>
+                  <a:schemeClr val="accent1"/>
+                </a:solidFill>
+                <a:latin typeface="맑은 고딕" panose="020B0503020000020004" pitchFamily="50" charset="-127"/>
+                <a:ea typeface="맑은 고딕" panose="020B0503020000020004" pitchFamily="50" charset="-127"/>
+              </a:rPr>
+              <a:t>Workflow trigger</a:t>
+            </a:r>
+            <a:endParaRPr lang="ko-KR" altLang="en-US" sz="3600" dirty="0">
+              <a:solidFill>
+                <a:schemeClr val="accent1"/>
+              </a:solidFill>
+              <a:latin typeface="맑은 고딕" panose="020B0503020000020004" pitchFamily="50" charset="-127"/>
+              <a:ea typeface="맑은 고딕" panose="020B0503020000020004" pitchFamily="50" charset="-127"/>
+            </a:endParaRPr>
+          </a:p>
+        </p:txBody>
+      </p:sp>
+      <p:sp>
+        <p:nvSpPr>
+          <p:cNvPr id="8" name="TextBox 7">
+            <a:extLst>
+              <a:ext uri="{FF2B5EF4-FFF2-40B4-BE49-F238E27FC236}">
+                <a16:creationId xmlns:a16="http://schemas.microsoft.com/office/drawing/2014/main" id="{AE33CB1D-901A-9243-7364-0A65AAF690CA}"/>
+              </a:ext>
+            </a:extLst>
+          </p:cNvPr>
+          <p:cNvSpPr txBox="1"/>
+          <p:nvPr/>
+        </p:nvSpPr>
+        <p:spPr>
+          <a:xfrm>
+            <a:off x="781049" y="1539777"/>
+            <a:ext cx="7839075" cy="400110"/>
+          </a:xfrm>
+          <a:prstGeom prst="rect">
+            <a:avLst/>
+          </a:prstGeom>
+          <a:noFill/>
+        </p:spPr>
+        <p:txBody>
+          <a:bodyPr wrap="square" rtlCol="0">
+            <a:spAutoFit/>
+          </a:bodyPr>
+          <a:lstStyle/>
+          <a:p>
+            <a:r>
+              <a:rPr lang="en-US" altLang="ko-KR" sz="2000" dirty="0">
+                <a:latin typeface="맑은 고딕" panose="020B0503020000020004" pitchFamily="50" charset="-127"/>
+                <a:ea typeface="맑은 고딕" panose="020B0503020000020004" pitchFamily="50" charset="-127"/>
+              </a:rPr>
+              <a:t>on Event</a:t>
+            </a:r>
+            <a:r>
+              <a:rPr lang="ko-KR" altLang="en-US" sz="2000" dirty="0">
+                <a:latin typeface="맑은 고딕" panose="020B0503020000020004" pitchFamily="50" charset="-127"/>
+                <a:ea typeface="맑은 고딕" panose="020B0503020000020004" pitchFamily="50" charset="-127"/>
+              </a:rPr>
+              <a:t>의 종류는 </a:t>
+            </a:r>
+            <a:r>
+              <a:rPr lang="en-US" altLang="ko-KR" sz="2000" dirty="0">
+                <a:latin typeface="맑은 고딕" panose="020B0503020000020004" pitchFamily="50" charset="-127"/>
+                <a:ea typeface="맑은 고딕" panose="020B0503020000020004" pitchFamily="50" charset="-127"/>
+              </a:rPr>
+              <a:t>push,</a:t>
+            </a:r>
+            <a:r>
+              <a:rPr lang="ko-KR" altLang="en-US" sz="2000" dirty="0">
+                <a:latin typeface="맑은 고딕" panose="020B0503020000020004" pitchFamily="50" charset="-127"/>
+                <a:ea typeface="맑은 고딕" panose="020B0503020000020004" pitchFamily="50" charset="-127"/>
+              </a:rPr>
+              <a:t> </a:t>
+            </a:r>
+            <a:r>
+              <a:rPr lang="en-US" altLang="ko-KR" sz="2000" dirty="0" err="1">
+                <a:latin typeface="맑은 고딕" panose="020B0503020000020004" pitchFamily="50" charset="-127"/>
+                <a:ea typeface="맑은 고딕" panose="020B0503020000020004" pitchFamily="50" charset="-127"/>
+              </a:rPr>
+              <a:t>pull_request</a:t>
+            </a:r>
+            <a:r>
+              <a:rPr lang="ko-KR" altLang="en-US" sz="2000" dirty="0">
+                <a:latin typeface="맑은 고딕" panose="020B0503020000020004" pitchFamily="50" charset="-127"/>
+                <a:ea typeface="맑은 고딕" panose="020B0503020000020004" pitchFamily="50" charset="-127"/>
+              </a:rPr>
+              <a:t> 말고도 매우 많음</a:t>
+            </a:r>
+          </a:p>
+        </p:txBody>
+      </p:sp>
+      <p:pic>
+        <p:nvPicPr>
+          <p:cNvPr id="4" name="그림 3">
+            <a:extLst>
+              <a:ext uri="{FF2B5EF4-FFF2-40B4-BE49-F238E27FC236}">
+                <a16:creationId xmlns:a16="http://schemas.microsoft.com/office/drawing/2014/main" id="{4D99D729-BBCF-641F-7E90-57698467B769}"/>
+              </a:ext>
+            </a:extLst>
+          </p:cNvPr>
+          <p:cNvPicPr>
+            <a:picLocks noChangeAspect="1"/>
+          </p:cNvPicPr>
+          <p:nvPr/>
+        </p:nvPicPr>
+        <p:blipFill>
+          <a:blip r:embed="rId2"/>
+          <a:stretch>
+            <a:fillRect/>
+          </a:stretch>
+        </p:blipFill>
+        <p:spPr>
+          <a:xfrm>
+            <a:off x="871513" y="2279155"/>
+            <a:ext cx="6905675" cy="1914539"/>
+          </a:xfrm>
+          <a:prstGeom prst="rect">
+            <a:avLst/>
+          </a:prstGeom>
+        </p:spPr>
+      </p:pic>
+      <p:sp>
+        <p:nvSpPr>
+          <p:cNvPr id="12" name="TextBox 11">
+            <a:extLst>
+              <a:ext uri="{FF2B5EF4-FFF2-40B4-BE49-F238E27FC236}">
+                <a16:creationId xmlns:a16="http://schemas.microsoft.com/office/drawing/2014/main" id="{C3FCB054-AC41-D092-6CD3-163098B251A1}"/>
+              </a:ext>
+            </a:extLst>
+          </p:cNvPr>
+          <p:cNvSpPr txBox="1"/>
+          <p:nvPr/>
+        </p:nvSpPr>
+        <p:spPr>
+          <a:xfrm>
+            <a:off x="3971926" y="6055975"/>
+            <a:ext cx="4952999" cy="261610"/>
+          </a:xfrm>
+          <a:prstGeom prst="rect">
+            <a:avLst/>
+          </a:prstGeom>
+          <a:noFill/>
+        </p:spPr>
+        <p:txBody>
+          <a:bodyPr wrap="square">
+            <a:spAutoFit/>
+          </a:bodyPr>
+          <a:lstStyle/>
+          <a:p>
+            <a:r>
+              <a:rPr lang="ko-KR" altLang="en-US" sz="1100" dirty="0"/>
+              <a:t>https://docs.github.com/en/actions/using-workflows/events-that-trigger-workflows</a:t>
+            </a:r>
+          </a:p>
+        </p:txBody>
+      </p:sp>
+      <p:sp>
+        <p:nvSpPr>
+          <p:cNvPr id="13" name="TextBox 12">
+            <a:extLst>
+              <a:ext uri="{FF2B5EF4-FFF2-40B4-BE49-F238E27FC236}">
+                <a16:creationId xmlns:a16="http://schemas.microsoft.com/office/drawing/2014/main" id="{5DEDB540-8609-E21F-231E-7FA1265BC571}"/>
+              </a:ext>
+            </a:extLst>
+          </p:cNvPr>
+          <p:cNvSpPr txBox="1"/>
+          <p:nvPr/>
+        </p:nvSpPr>
+        <p:spPr>
+          <a:xfrm>
+            <a:off x="2782790" y="6002114"/>
+            <a:ext cx="1189136" cy="369332"/>
+          </a:xfrm>
+          <a:prstGeom prst="rect">
+            <a:avLst/>
+          </a:prstGeom>
+          <a:noFill/>
+        </p:spPr>
+        <p:txBody>
+          <a:bodyPr wrap="square" rtlCol="0">
+            <a:spAutoFit/>
+          </a:bodyPr>
+          <a:lstStyle/>
+          <a:p>
+            <a:r>
+              <a:rPr lang="ko-KR" altLang="en-US" dirty="0">
+                <a:latin typeface="맑은 고딕" panose="020B0503020000020004" pitchFamily="50" charset="-127"/>
+                <a:ea typeface="맑은 고딕" panose="020B0503020000020004" pitchFamily="50" charset="-127"/>
+              </a:rPr>
+              <a:t>더 </a:t>
+            </a:r>
+            <a:r>
+              <a:rPr lang="ko-KR" altLang="en-US" dirty="0" err="1">
+                <a:latin typeface="맑은 고딕" panose="020B0503020000020004" pitchFamily="50" charset="-127"/>
+                <a:ea typeface="맑은 고딕" panose="020B0503020000020004" pitchFamily="50" charset="-127"/>
+              </a:rPr>
+              <a:t>많은건</a:t>
+            </a:r>
+            <a:endParaRPr lang="ko-KR" altLang="en-US" dirty="0">
+              <a:latin typeface="맑은 고딕" panose="020B0503020000020004" pitchFamily="50" charset="-127"/>
+              <a:ea typeface="맑은 고딕" panose="020B0503020000020004" pitchFamily="50" charset="-127"/>
+            </a:endParaRPr>
+          </a:p>
+        </p:txBody>
+      </p:sp>
+    </p:spTree>
+    <p:extLst>
+      <p:ext uri="{BB962C8B-B14F-4D97-AF65-F5344CB8AC3E}">
+        <p14:creationId xmlns:p14="http://schemas.microsoft.com/office/powerpoint/2010/main" val="1224261958"/>
+      </p:ext>
+    </p:extLst>
+  </p:cSld>
+  <p:clrMapOvr>
+    <a:masterClrMapping/>
+  </p:clrMapOvr>
+</p:sld>
+</file>
+
+<file path=ppt/slides/slide11.xml><?xml version="1.0" encoding="utf-8"?>
+<p:sld xmlns:a="http://schemas.openxmlformats.org/drawingml/2006/main" xmlns:r="http://schemas.openxmlformats.org/officeDocument/2006/relationships" xmlns:p="http://schemas.openxmlformats.org/presentationml/2006/main">
+  <p:cSld>
+    <p:spTree>
+      <p:nvGrpSpPr>
+        <p:cNvPr id="1" name=""/>
+        <p:cNvGrpSpPr/>
+        <p:nvPr/>
+      </p:nvGrpSpPr>
+      <p:grpSpPr>
+        <a:xfrm>
+          <a:off x="0" y="0"/>
+          <a:ext cx="0" cy="0"/>
+          <a:chOff x="0" y="0"/>
+          <a:chExt cx="0" cy="0"/>
+        </a:xfrm>
+      </p:grpSpPr>
+      <p:sp>
+        <p:nvSpPr>
+          <p:cNvPr id="3" name="직사각형 2"/>
+          <p:cNvSpPr/>
+          <p:nvPr/>
+        </p:nvSpPr>
+        <p:spPr>
+          <a:xfrm>
+            <a:off x="0" y="0"/>
+            <a:ext cx="342900" cy="6858000"/>
+          </a:xfrm>
+          <a:prstGeom prst="rect">
+            <a:avLst/>
+          </a:prstGeom>
+          <a:ln>
+            <a:noFill/>
+          </a:ln>
+        </p:spPr>
+        <p:style>
+          <a:lnRef idx="2">
+            <a:schemeClr val="accent1">
+              <a:shade val="50000"/>
+            </a:schemeClr>
+          </a:lnRef>
+          <a:fillRef idx="1">
+            <a:schemeClr val="accent1"/>
+          </a:fillRef>
+          <a:effectRef idx="0">
+            <a:schemeClr val="accent1"/>
+          </a:effectRef>
+          <a:fontRef idx="minor">
+            <a:schemeClr val="lt1"/>
+          </a:fontRef>
+        </p:style>
+        <p:txBody>
+          <a:bodyPr rtlCol="0" anchor="ctr"/>
+          <a:lstStyle/>
+          <a:p>
+            <a:pPr algn="ctr"/>
+            <a:endParaRPr lang="ko-KR" altLang="en-US">
+              <a:latin typeface="맑은 고딕" panose="020B0503020000020004" pitchFamily="50" charset="-127"/>
+              <a:ea typeface="맑은 고딕" panose="020B0503020000020004" pitchFamily="50" charset="-127"/>
+            </a:endParaRPr>
+          </a:p>
+        </p:txBody>
+      </p:sp>
+      <p:cxnSp>
+        <p:nvCxnSpPr>
+          <p:cNvPr id="5" name="직선 연결선 4"/>
+          <p:cNvCxnSpPr/>
+          <p:nvPr/>
+        </p:nvCxnSpPr>
+        <p:spPr>
+          <a:xfrm>
+            <a:off x="342900" y="1266825"/>
+            <a:ext cx="7839075" cy="0"/>
+          </a:xfrm>
+          <a:prstGeom prst="line">
+            <a:avLst/>
+          </a:prstGeom>
+        </p:spPr>
+        <p:style>
+          <a:lnRef idx="1">
+            <a:schemeClr val="accent1"/>
+          </a:lnRef>
+          <a:fillRef idx="0">
+            <a:schemeClr val="accent1"/>
+          </a:fillRef>
+          <a:effectRef idx="0">
+            <a:schemeClr val="accent1"/>
+          </a:effectRef>
+          <a:fontRef idx="minor">
+            <a:schemeClr val="tx1"/>
+          </a:fontRef>
+        </p:style>
+      </p:cxnSp>
+      <p:sp>
+        <p:nvSpPr>
+          <p:cNvPr id="6" name="TextBox 5"/>
+          <p:cNvSpPr txBox="1"/>
+          <p:nvPr/>
+        </p:nvSpPr>
+        <p:spPr>
+          <a:xfrm>
+            <a:off x="454765" y="347543"/>
+            <a:ext cx="4036682" cy="646331"/>
+          </a:xfrm>
+          <a:prstGeom prst="rect">
+            <a:avLst/>
+          </a:prstGeom>
+          <a:noFill/>
+        </p:spPr>
+        <p:txBody>
+          <a:bodyPr wrap="none" rtlCol="0">
+            <a:spAutoFit/>
+          </a:bodyPr>
+          <a:lstStyle/>
+          <a:p>
+            <a:r>
+              <a:rPr lang="en-US" altLang="ko-KR" sz="3600" dirty="0">
+                <a:solidFill>
+                  <a:schemeClr val="accent1"/>
+                </a:solidFill>
+                <a:latin typeface="맑은 고딕" panose="020B0503020000020004" pitchFamily="50" charset="-127"/>
+                <a:ea typeface="맑은 고딕" panose="020B0503020000020004" pitchFamily="50" charset="-127"/>
+              </a:rPr>
+              <a:t>GitHub Actions</a:t>
+            </a:r>
+            <a:r>
+              <a:rPr lang="ko-KR" altLang="en-US" sz="3600" dirty="0">
+                <a:solidFill>
+                  <a:schemeClr val="accent1"/>
+                </a:solidFill>
+                <a:latin typeface="맑은 고딕" panose="020B0503020000020004" pitchFamily="50" charset="-127"/>
+                <a:ea typeface="맑은 고딕" panose="020B0503020000020004" pitchFamily="50" charset="-127"/>
+              </a:rPr>
+              <a:t>란</a:t>
+            </a:r>
+            <a:r>
+              <a:rPr lang="en-US" altLang="ko-KR" sz="3600" dirty="0">
+                <a:solidFill>
+                  <a:schemeClr val="accent1"/>
+                </a:solidFill>
+                <a:latin typeface="맑은 고딕" panose="020B0503020000020004" pitchFamily="50" charset="-127"/>
+                <a:ea typeface="맑은 고딕" panose="020B0503020000020004" pitchFamily="50" charset="-127"/>
+              </a:rPr>
+              <a:t>?</a:t>
+            </a:r>
+            <a:endParaRPr lang="ko-KR" altLang="en-US" sz="3600" dirty="0">
+              <a:solidFill>
+                <a:schemeClr val="accent1"/>
+              </a:solidFill>
+              <a:latin typeface="맑은 고딕" panose="020B0503020000020004" pitchFamily="50" charset="-127"/>
+              <a:ea typeface="맑은 고딕" panose="020B0503020000020004" pitchFamily="50" charset="-127"/>
+            </a:endParaRPr>
+          </a:p>
+        </p:txBody>
+      </p:sp>
+      <p:pic>
+        <p:nvPicPr>
+          <p:cNvPr id="4" name="그림 3" descr="일렉트릭 블루, 코발트 블루, 블루이(가) 표시된 사진&#10;&#10;자동 생성된 설명">
+            <a:extLst>
+              <a:ext uri="{FF2B5EF4-FFF2-40B4-BE49-F238E27FC236}">
+                <a16:creationId xmlns:a16="http://schemas.microsoft.com/office/drawing/2014/main" id="{761289F7-9F53-BB63-B6F0-71D9F97BA6E1}"/>
+              </a:ext>
+            </a:extLst>
+          </p:cNvPr>
+          <p:cNvPicPr>
+            <a:picLocks noChangeAspect="1"/>
+          </p:cNvPicPr>
+          <p:nvPr/>
+        </p:nvPicPr>
+        <p:blipFill rotWithShape="1">
+          <a:blip r:embed="rId2">
+            <a:clrChange>
+              <a:clrFrom>
+                <a:srgbClr val="F2F2F2"/>
+              </a:clrFrom>
+              <a:clrTo>
+                <a:srgbClr val="F2F2F2">
+                  <a:alpha val="0"/>
+                </a:srgbClr>
+              </a:clrTo>
+            </a:clrChange>
+            <a:extLst>
+              <a:ext uri="{BEBA8EAE-BF5A-486C-A8C5-ECC9F3942E4B}">
+                <a14:imgProps xmlns:a14="http://schemas.microsoft.com/office/drawing/2010/main">
+                  <a14:imgLayer r:embed="rId3">
+                    <a14:imgEffect>
+                      <a14:artisticCutout/>
+                    </a14:imgEffect>
+                  </a14:imgLayer>
+                </a14:imgProps>
+              </a:ext>
+              <a:ext uri="{28A0092B-C50C-407E-A947-70E740481C1C}">
+                <a14:useLocalDpi xmlns:a14="http://schemas.microsoft.com/office/drawing/2010/main" val="0"/>
+              </a:ext>
+            </a:extLst>
+          </a:blip>
+          <a:srcRect l="19187" r="19187"/>
+          <a:stretch/>
+        </p:blipFill>
+        <p:spPr>
+          <a:xfrm>
+            <a:off x="2539427" y="3886668"/>
+            <a:ext cx="887279" cy="1439764"/>
+          </a:xfrm>
+          <a:prstGeom prst="rect">
+            <a:avLst/>
+          </a:prstGeom>
+        </p:spPr>
+      </p:pic>
+      <p:sp>
+        <p:nvSpPr>
+          <p:cNvPr id="15" name="TextBox 14">
+            <a:extLst>
+              <a:ext uri="{FF2B5EF4-FFF2-40B4-BE49-F238E27FC236}">
+                <a16:creationId xmlns:a16="http://schemas.microsoft.com/office/drawing/2014/main" id="{6DF10B85-9DBB-C356-0F25-05B12F8A8C95}"/>
+              </a:ext>
+            </a:extLst>
+          </p:cNvPr>
+          <p:cNvSpPr txBox="1"/>
+          <p:nvPr/>
+        </p:nvSpPr>
+        <p:spPr>
+          <a:xfrm>
+            <a:off x="969168" y="1839815"/>
+            <a:ext cx="4774407" cy="461665"/>
+          </a:xfrm>
+          <a:prstGeom prst="rect">
+            <a:avLst/>
+          </a:prstGeom>
+          <a:noFill/>
+        </p:spPr>
+        <p:txBody>
+          <a:bodyPr wrap="square" rtlCol="0">
+            <a:spAutoFit/>
+          </a:bodyPr>
+          <a:lstStyle/>
+          <a:p>
+            <a:r>
+              <a:rPr lang="en-US" altLang="ko-KR" sz="2400" dirty="0">
+                <a:latin typeface="맑은 고딕" panose="020B0503020000020004" pitchFamily="50" charset="-127"/>
+                <a:ea typeface="맑은 고딕" panose="020B0503020000020004" pitchFamily="50" charset="-127"/>
+              </a:rPr>
+              <a:t>Runners : Actions</a:t>
+            </a:r>
+            <a:r>
+              <a:rPr lang="ko-KR" altLang="en-US" sz="2400" dirty="0">
+                <a:latin typeface="맑은 고딕" panose="020B0503020000020004" pitchFamily="50" charset="-127"/>
+                <a:ea typeface="맑은 고딕" panose="020B0503020000020004" pitchFamily="50" charset="-127"/>
+              </a:rPr>
+              <a:t>을 수행할 서버</a:t>
+            </a:r>
+          </a:p>
+        </p:txBody>
+      </p:sp>
+      <p:sp>
+        <p:nvSpPr>
+          <p:cNvPr id="17" name="TextBox 16">
+            <a:extLst>
+              <a:ext uri="{FF2B5EF4-FFF2-40B4-BE49-F238E27FC236}">
+                <a16:creationId xmlns:a16="http://schemas.microsoft.com/office/drawing/2014/main" id="{5917A27D-41B8-D6AA-853F-7166B9EAFF1F}"/>
+              </a:ext>
+            </a:extLst>
+          </p:cNvPr>
+          <p:cNvSpPr txBox="1"/>
+          <p:nvPr/>
+        </p:nvSpPr>
+        <p:spPr>
+          <a:xfrm>
+            <a:off x="1849042" y="5288658"/>
+            <a:ext cx="2369345" cy="369332"/>
+          </a:xfrm>
+          <a:prstGeom prst="rect">
+            <a:avLst/>
+          </a:prstGeom>
+          <a:noFill/>
+        </p:spPr>
+        <p:txBody>
+          <a:bodyPr wrap="square">
+            <a:spAutoFit/>
+          </a:bodyPr>
+          <a:lstStyle/>
+          <a:p>
+            <a:r>
+              <a:rPr lang="en-US" altLang="ko-KR" b="1" i="0" dirty="0">
+                <a:solidFill>
+                  <a:schemeClr val="accent1"/>
+                </a:solidFill>
+                <a:effectLst/>
+                <a:latin typeface="-apple-system"/>
+              </a:rPr>
+              <a:t>GitHub-hosted runners</a:t>
+            </a:r>
+            <a:endParaRPr lang="ko-KR" altLang="en-US" dirty="0">
+              <a:solidFill>
+                <a:schemeClr val="accent1"/>
+              </a:solidFill>
+            </a:endParaRPr>
+          </a:p>
+        </p:txBody>
+      </p:sp>
+      <p:pic>
+        <p:nvPicPr>
+          <p:cNvPr id="19" name="그림 18" descr="일렉트릭 블루, 코발트 블루, 블루이(가) 표시된 사진&#10;&#10;자동 생성된 설명">
+            <a:extLst>
+              <a:ext uri="{FF2B5EF4-FFF2-40B4-BE49-F238E27FC236}">
+                <a16:creationId xmlns:a16="http://schemas.microsoft.com/office/drawing/2014/main" id="{84B50E49-0069-35E4-DA46-58132D103DDD}"/>
+              </a:ext>
+            </a:extLst>
+          </p:cNvPr>
+          <p:cNvPicPr>
+            <a:picLocks noChangeAspect="1"/>
+          </p:cNvPicPr>
+          <p:nvPr/>
+        </p:nvPicPr>
+        <p:blipFill rotWithShape="1">
+          <a:blip r:embed="rId2">
+            <a:clrChange>
+              <a:clrFrom>
+                <a:srgbClr val="F2F2F2"/>
+              </a:clrFrom>
+              <a:clrTo>
+                <a:srgbClr val="F2F2F2">
+                  <a:alpha val="0"/>
+                </a:srgbClr>
+              </a:clrTo>
+            </a:clrChange>
+            <a:extLst>
+              <a:ext uri="{BEBA8EAE-BF5A-486C-A8C5-ECC9F3942E4B}">
+                <a14:imgProps xmlns:a14="http://schemas.microsoft.com/office/drawing/2010/main">
+                  <a14:imgLayer r:embed="rId3">
+                    <a14:imgEffect>
+                      <a14:artisticCutout/>
+                    </a14:imgEffect>
+                  </a14:imgLayer>
+                </a14:imgProps>
+              </a:ext>
+              <a:ext uri="{28A0092B-C50C-407E-A947-70E740481C1C}">
+                <a14:useLocalDpi xmlns:a14="http://schemas.microsoft.com/office/drawing/2010/main" val="0"/>
+              </a:ext>
+            </a:extLst>
+          </a:blip>
+          <a:srcRect l="19187" r="19187"/>
+          <a:stretch/>
+        </p:blipFill>
+        <p:spPr>
+          <a:xfrm>
+            <a:off x="6298496" y="3891431"/>
+            <a:ext cx="887279" cy="1439764"/>
+          </a:xfrm>
+          <a:prstGeom prst="rect">
+            <a:avLst/>
+          </a:prstGeom>
+        </p:spPr>
+      </p:pic>
+      <p:sp>
+        <p:nvSpPr>
+          <p:cNvPr id="20" name="TextBox 19">
+            <a:extLst>
+              <a:ext uri="{FF2B5EF4-FFF2-40B4-BE49-F238E27FC236}">
+                <a16:creationId xmlns:a16="http://schemas.microsoft.com/office/drawing/2014/main" id="{45FACA9F-1037-12EE-BD8D-3C7F707E846F}"/>
+              </a:ext>
+            </a:extLst>
+          </p:cNvPr>
+          <p:cNvSpPr txBox="1"/>
+          <p:nvPr/>
+        </p:nvSpPr>
+        <p:spPr>
+          <a:xfrm>
+            <a:off x="5717296" y="5293421"/>
+            <a:ext cx="2095501" cy="369332"/>
+          </a:xfrm>
+          <a:prstGeom prst="rect">
+            <a:avLst/>
+          </a:prstGeom>
+          <a:noFill/>
+        </p:spPr>
+        <p:txBody>
+          <a:bodyPr wrap="square">
+            <a:spAutoFit/>
+          </a:bodyPr>
+          <a:lstStyle/>
+          <a:p>
+            <a:r>
+              <a:rPr lang="en-US" altLang="ko-KR" b="1" i="0" dirty="0">
+                <a:solidFill>
+                  <a:schemeClr val="accent1"/>
+                </a:solidFill>
+                <a:effectLst/>
+                <a:latin typeface="-apple-system"/>
+              </a:rPr>
+              <a:t>self-hosted runners</a:t>
+            </a:r>
+            <a:endParaRPr lang="ko-KR" altLang="en-US" dirty="0">
+              <a:solidFill>
+                <a:schemeClr val="accent1"/>
+              </a:solidFill>
+            </a:endParaRPr>
+          </a:p>
+        </p:txBody>
+      </p:sp>
+      <p:sp>
+        <p:nvSpPr>
+          <p:cNvPr id="21" name="TextBox 20">
+            <a:extLst>
+              <a:ext uri="{FF2B5EF4-FFF2-40B4-BE49-F238E27FC236}">
+                <a16:creationId xmlns:a16="http://schemas.microsoft.com/office/drawing/2014/main" id="{201A0FBB-D016-9BC4-A108-989C26A6ADD3}"/>
+              </a:ext>
+            </a:extLst>
+          </p:cNvPr>
+          <p:cNvSpPr txBox="1"/>
+          <p:nvPr/>
+        </p:nvSpPr>
+        <p:spPr>
+          <a:xfrm>
+            <a:off x="2383078" y="5657990"/>
+            <a:ext cx="1199975" cy="369332"/>
+          </a:xfrm>
+          <a:prstGeom prst="rect">
+            <a:avLst/>
+          </a:prstGeom>
+          <a:noFill/>
+        </p:spPr>
+        <p:txBody>
+          <a:bodyPr wrap="square">
+            <a:spAutoFit/>
+          </a:bodyPr>
+          <a:lstStyle/>
+          <a:p>
+            <a:r>
+              <a:rPr lang="ko-KR" altLang="en-US" b="1" dirty="0">
+                <a:solidFill>
+                  <a:schemeClr val="accent1"/>
+                </a:solidFill>
+                <a:highlight>
+                  <a:srgbClr val="FFFF00"/>
+                </a:highlight>
+                <a:latin typeface="-apple-system"/>
+              </a:rPr>
+              <a:t>기본 제공</a:t>
+            </a:r>
+            <a:endParaRPr lang="ko-KR" altLang="en-US" b="1" dirty="0">
+              <a:solidFill>
+                <a:schemeClr val="accent1"/>
+              </a:solidFill>
+              <a:highlight>
+                <a:srgbClr val="FFFF00"/>
+              </a:highlight>
+            </a:endParaRPr>
+          </a:p>
+        </p:txBody>
+      </p:sp>
+      <p:sp>
+        <p:nvSpPr>
+          <p:cNvPr id="22" name="TextBox 21">
+            <a:extLst>
+              <a:ext uri="{FF2B5EF4-FFF2-40B4-BE49-F238E27FC236}">
+                <a16:creationId xmlns:a16="http://schemas.microsoft.com/office/drawing/2014/main" id="{C5F905D7-2AAF-10B4-EC72-7A7A18809E71}"/>
+              </a:ext>
+            </a:extLst>
+          </p:cNvPr>
+          <p:cNvSpPr txBox="1"/>
+          <p:nvPr/>
+        </p:nvSpPr>
+        <p:spPr>
+          <a:xfrm>
+            <a:off x="6139127" y="5657990"/>
+            <a:ext cx="1199975" cy="369332"/>
+          </a:xfrm>
+          <a:prstGeom prst="rect">
+            <a:avLst/>
+          </a:prstGeom>
+          <a:noFill/>
+        </p:spPr>
+        <p:txBody>
+          <a:bodyPr wrap="square">
+            <a:spAutoFit/>
+          </a:bodyPr>
+          <a:lstStyle/>
+          <a:p>
+            <a:r>
+              <a:rPr lang="ko-KR" altLang="en-US" b="1" dirty="0">
+                <a:solidFill>
+                  <a:schemeClr val="accent1"/>
+                </a:solidFill>
+                <a:highlight>
+                  <a:srgbClr val="FFFF00"/>
+                </a:highlight>
+              </a:rPr>
+              <a:t>직접 등록</a:t>
+            </a:r>
+          </a:p>
+        </p:txBody>
+      </p:sp>
+      <p:sp>
+        <p:nvSpPr>
+          <p:cNvPr id="23" name="TextBox 22">
+            <a:extLst>
+              <a:ext uri="{FF2B5EF4-FFF2-40B4-BE49-F238E27FC236}">
+                <a16:creationId xmlns:a16="http://schemas.microsoft.com/office/drawing/2014/main" id="{6DB53673-4310-C6A8-8D57-890B8F45AF8C}"/>
+              </a:ext>
+            </a:extLst>
+          </p:cNvPr>
+          <p:cNvSpPr txBox="1"/>
+          <p:nvPr/>
+        </p:nvSpPr>
+        <p:spPr>
+          <a:xfrm>
+            <a:off x="1407275" y="6027322"/>
+            <a:ext cx="3252877" cy="369332"/>
+          </a:xfrm>
+          <a:prstGeom prst="rect">
+            <a:avLst/>
+          </a:prstGeom>
+          <a:noFill/>
+        </p:spPr>
+        <p:txBody>
+          <a:bodyPr wrap="square">
+            <a:spAutoFit/>
+          </a:bodyPr>
+          <a:lstStyle/>
+          <a:p>
+            <a:r>
+              <a:rPr lang="en-US" altLang="ko-KR" dirty="0">
+                <a:solidFill>
+                  <a:schemeClr val="accent1"/>
+                </a:solidFill>
+              </a:rPr>
+              <a:t>(Windows,</a:t>
+            </a:r>
+            <a:r>
+              <a:rPr lang="ko-KR" altLang="en-US" dirty="0">
+                <a:solidFill>
+                  <a:schemeClr val="accent1"/>
+                </a:solidFill>
+              </a:rPr>
+              <a:t> </a:t>
+            </a:r>
+            <a:r>
+              <a:rPr lang="en-US" altLang="ko-KR" dirty="0" err="1">
+                <a:solidFill>
+                  <a:schemeClr val="accent1"/>
+                </a:solidFill>
+              </a:rPr>
+              <a:t>linux</a:t>
+            </a:r>
+            <a:r>
+              <a:rPr lang="en-US" altLang="ko-KR" dirty="0">
+                <a:solidFill>
+                  <a:schemeClr val="accent1"/>
+                </a:solidFill>
+              </a:rPr>
+              <a:t>,</a:t>
+            </a:r>
+            <a:r>
+              <a:rPr lang="ko-KR" altLang="en-US" dirty="0">
+                <a:solidFill>
+                  <a:schemeClr val="accent1"/>
+                </a:solidFill>
+              </a:rPr>
+              <a:t> </a:t>
+            </a:r>
+            <a:r>
+              <a:rPr lang="en-US" altLang="ko-KR" dirty="0">
+                <a:solidFill>
+                  <a:schemeClr val="accent1"/>
+                </a:solidFill>
+              </a:rPr>
+              <a:t>mac</a:t>
+            </a:r>
+            <a:r>
+              <a:rPr lang="ko-KR" altLang="en-US" dirty="0">
+                <a:solidFill>
+                  <a:schemeClr val="accent1"/>
+                </a:solidFill>
+              </a:rPr>
+              <a:t> 선택 가능</a:t>
+            </a:r>
+            <a:r>
+              <a:rPr lang="en-US" altLang="ko-KR" dirty="0">
+                <a:solidFill>
+                  <a:schemeClr val="accent1"/>
+                </a:solidFill>
+              </a:rPr>
+              <a:t>)</a:t>
+            </a:r>
+            <a:endParaRPr lang="ko-KR" altLang="en-US" dirty="0">
+              <a:solidFill>
+                <a:schemeClr val="accent1"/>
+              </a:solidFill>
+            </a:endParaRPr>
+          </a:p>
+        </p:txBody>
+      </p:sp>
+      <p:grpSp>
+        <p:nvGrpSpPr>
+          <p:cNvPr id="27" name="그룹 26">
+            <a:extLst>
+              <a:ext uri="{FF2B5EF4-FFF2-40B4-BE49-F238E27FC236}">
+                <a16:creationId xmlns:a16="http://schemas.microsoft.com/office/drawing/2014/main" id="{DDB84C0B-D60D-822B-3792-0CF2DE7489E8}"/>
+              </a:ext>
+            </a:extLst>
+          </p:cNvPr>
+          <p:cNvGrpSpPr/>
+          <p:nvPr/>
+        </p:nvGrpSpPr>
+        <p:grpSpPr>
+          <a:xfrm>
+            <a:off x="1070459" y="2401519"/>
+            <a:ext cx="5359532" cy="1143073"/>
+            <a:chOff x="753688" y="3070135"/>
+            <a:chExt cx="5939036" cy="1266669"/>
+          </a:xfrm>
+        </p:grpSpPr>
+        <p:pic>
+          <p:nvPicPr>
+            <p:cNvPr id="25" name="그림 24">
+              <a:extLst>
+                <a:ext uri="{FF2B5EF4-FFF2-40B4-BE49-F238E27FC236}">
+                  <a16:creationId xmlns:a16="http://schemas.microsoft.com/office/drawing/2014/main" id="{E82C1174-88EE-0F6A-91FA-6DE7E20ACB68}"/>
+                </a:ext>
+              </a:extLst>
+            </p:cNvPr>
+            <p:cNvPicPr>
+              <a:picLocks noChangeAspect="1"/>
+            </p:cNvPicPr>
+            <p:nvPr/>
+          </p:nvPicPr>
+          <p:blipFill rotWithShape="1">
+            <a:blip r:embed="rId4"/>
+            <a:srcRect r="51055"/>
+            <a:stretch/>
+          </p:blipFill>
+          <p:spPr>
+            <a:xfrm>
+              <a:off x="753688" y="3070135"/>
+              <a:ext cx="3737759" cy="1266669"/>
+            </a:xfrm>
+            <a:prstGeom prst="rect">
+              <a:avLst/>
+            </a:prstGeom>
+          </p:spPr>
+        </p:pic>
+        <p:pic>
+          <p:nvPicPr>
+            <p:cNvPr id="26" name="그림 25">
+              <a:extLst>
+                <a:ext uri="{FF2B5EF4-FFF2-40B4-BE49-F238E27FC236}">
+                  <a16:creationId xmlns:a16="http://schemas.microsoft.com/office/drawing/2014/main" id="{19A00995-BF63-FBA7-9415-645C0DD32AF1}"/>
+                </a:ext>
+              </a:extLst>
+            </p:cNvPr>
+            <p:cNvPicPr>
+              <a:picLocks noChangeAspect="1"/>
+            </p:cNvPicPr>
+            <p:nvPr/>
+          </p:nvPicPr>
+          <p:blipFill rotWithShape="1">
+            <a:blip r:embed="rId4"/>
+            <a:srcRect l="71175"/>
+            <a:stretch/>
+          </p:blipFill>
+          <p:spPr>
+            <a:xfrm>
+              <a:off x="4491447" y="3070135"/>
+              <a:ext cx="2201277" cy="1266669"/>
+            </a:xfrm>
+            <a:prstGeom prst="rect">
+              <a:avLst/>
+            </a:prstGeom>
+          </p:spPr>
+        </p:pic>
+      </p:grpSp>
+    </p:spTree>
+    <p:extLst>
+      <p:ext uri="{BB962C8B-B14F-4D97-AF65-F5344CB8AC3E}">
+        <p14:creationId xmlns:p14="http://schemas.microsoft.com/office/powerpoint/2010/main" val="3463922009"/>
+      </p:ext>
+    </p:extLst>
+  </p:cSld>
+  <p:clrMapOvr>
+    <a:masterClrMapping/>
+  </p:clrMapOvr>
+</p:sld>
+</file>
+
+<file path=ppt/slides/slide12.xml><?xml version="1.0" encoding="utf-8"?>
+<p:sld xmlns:a="http://schemas.openxmlformats.org/drawingml/2006/main" xmlns:r="http://schemas.openxmlformats.org/officeDocument/2006/relationships" xmlns:p="http://schemas.openxmlformats.org/presentationml/2006/main">
+  <p:cSld>
+    <p:spTree>
+      <p:nvGrpSpPr>
+        <p:cNvPr id="1" name=""/>
+        <p:cNvGrpSpPr/>
+        <p:nvPr/>
+      </p:nvGrpSpPr>
+      <p:grpSpPr>
+        <a:xfrm>
+          <a:off x="0" y="0"/>
+          <a:ext cx="0" cy="0"/>
+          <a:chOff x="0" y="0"/>
+          <a:chExt cx="0" cy="0"/>
+        </a:xfrm>
+      </p:grpSpPr>
+      <p:sp>
+        <p:nvSpPr>
+          <p:cNvPr id="3" name="직사각형 2"/>
+          <p:cNvSpPr/>
+          <p:nvPr/>
+        </p:nvSpPr>
+        <p:spPr>
+          <a:xfrm>
+            <a:off x="0" y="0"/>
+            <a:ext cx="342900" cy="6858000"/>
+          </a:xfrm>
+          <a:prstGeom prst="rect">
+            <a:avLst/>
+          </a:prstGeom>
+          <a:ln>
+            <a:noFill/>
+          </a:ln>
+        </p:spPr>
+        <p:style>
+          <a:lnRef idx="2">
+            <a:schemeClr val="accent1">
+              <a:shade val="50000"/>
+            </a:schemeClr>
+          </a:lnRef>
+          <a:fillRef idx="1">
+            <a:schemeClr val="accent1"/>
+          </a:fillRef>
+          <a:effectRef idx="0">
+            <a:schemeClr val="accent1"/>
+          </a:effectRef>
+          <a:fontRef idx="minor">
+            <a:schemeClr val="lt1"/>
+          </a:fontRef>
+        </p:style>
+        <p:txBody>
+          <a:bodyPr rtlCol="0" anchor="ctr"/>
+          <a:lstStyle/>
+          <a:p>
+            <a:pPr algn="ctr"/>
+            <a:endParaRPr lang="ko-KR" altLang="en-US">
+              <a:latin typeface="맑은 고딕" panose="020B0503020000020004" pitchFamily="50" charset="-127"/>
+              <a:ea typeface="맑은 고딕" panose="020B0503020000020004" pitchFamily="50" charset="-127"/>
+            </a:endParaRPr>
+          </a:p>
+        </p:txBody>
+      </p:sp>
+      <p:cxnSp>
+        <p:nvCxnSpPr>
+          <p:cNvPr id="5" name="직선 연결선 4"/>
+          <p:cNvCxnSpPr/>
+          <p:nvPr/>
+        </p:nvCxnSpPr>
+        <p:spPr>
+          <a:xfrm>
+            <a:off x="342900" y="1266825"/>
+            <a:ext cx="7839075" cy="0"/>
+          </a:xfrm>
+          <a:prstGeom prst="line">
+            <a:avLst/>
+          </a:prstGeom>
+        </p:spPr>
+        <p:style>
+          <a:lnRef idx="1">
+            <a:schemeClr val="accent1"/>
+          </a:lnRef>
+          <a:fillRef idx="0">
+            <a:schemeClr val="accent1"/>
+          </a:fillRef>
+          <a:effectRef idx="0">
+            <a:schemeClr val="accent1"/>
+          </a:effectRef>
+          <a:fontRef idx="minor">
+            <a:schemeClr val="tx1"/>
+          </a:fontRef>
+        </p:style>
+      </p:cxnSp>
+      <p:sp>
+        <p:nvSpPr>
+          <p:cNvPr id="6" name="TextBox 5"/>
+          <p:cNvSpPr txBox="1"/>
+          <p:nvPr/>
+        </p:nvSpPr>
+        <p:spPr>
+          <a:xfrm>
+            <a:off x="454765" y="347543"/>
+            <a:ext cx="4036682" cy="646331"/>
+          </a:xfrm>
+          <a:prstGeom prst="rect">
+            <a:avLst/>
+          </a:prstGeom>
+          <a:noFill/>
+        </p:spPr>
+        <p:txBody>
+          <a:bodyPr wrap="none" rtlCol="0">
+            <a:spAutoFit/>
+          </a:bodyPr>
+          <a:lstStyle/>
+          <a:p>
+            <a:r>
+              <a:rPr lang="en-US" altLang="ko-KR" sz="3600" dirty="0">
+                <a:solidFill>
+                  <a:schemeClr val="accent1"/>
+                </a:solidFill>
+                <a:latin typeface="맑은 고딕" panose="020B0503020000020004" pitchFamily="50" charset="-127"/>
+                <a:ea typeface="맑은 고딕" panose="020B0503020000020004" pitchFamily="50" charset="-127"/>
+              </a:rPr>
+              <a:t>GitHub Actions</a:t>
+            </a:r>
+            <a:r>
+              <a:rPr lang="ko-KR" altLang="en-US" sz="3600" dirty="0">
+                <a:solidFill>
+                  <a:schemeClr val="accent1"/>
+                </a:solidFill>
+                <a:latin typeface="맑은 고딕" panose="020B0503020000020004" pitchFamily="50" charset="-127"/>
+                <a:ea typeface="맑은 고딕" panose="020B0503020000020004" pitchFamily="50" charset="-127"/>
+              </a:rPr>
+              <a:t>란</a:t>
+            </a:r>
+            <a:r>
+              <a:rPr lang="en-US" altLang="ko-KR" sz="3600" dirty="0">
+                <a:solidFill>
+                  <a:schemeClr val="accent1"/>
+                </a:solidFill>
+                <a:latin typeface="맑은 고딕" panose="020B0503020000020004" pitchFamily="50" charset="-127"/>
+                <a:ea typeface="맑은 고딕" panose="020B0503020000020004" pitchFamily="50" charset="-127"/>
+              </a:rPr>
+              <a:t>?</a:t>
+            </a:r>
+            <a:endParaRPr lang="ko-KR" altLang="en-US" sz="3600" dirty="0">
+              <a:solidFill>
+                <a:schemeClr val="accent1"/>
+              </a:solidFill>
+              <a:latin typeface="맑은 고딕" panose="020B0503020000020004" pitchFamily="50" charset="-127"/>
+              <a:ea typeface="맑은 고딕" panose="020B0503020000020004" pitchFamily="50" charset="-127"/>
+            </a:endParaRPr>
+          </a:p>
+        </p:txBody>
+      </p:sp>
+      <p:sp>
+        <p:nvSpPr>
+          <p:cNvPr id="8" name="TextBox 7">
+            <a:extLst>
+              <a:ext uri="{FF2B5EF4-FFF2-40B4-BE49-F238E27FC236}">
+                <a16:creationId xmlns:a16="http://schemas.microsoft.com/office/drawing/2014/main" id="{AE33CB1D-901A-9243-7364-0A65AAF690CA}"/>
+              </a:ext>
+            </a:extLst>
+          </p:cNvPr>
+          <p:cNvSpPr txBox="1"/>
+          <p:nvPr/>
+        </p:nvSpPr>
+        <p:spPr>
+          <a:xfrm>
+            <a:off x="781050" y="1539777"/>
+            <a:ext cx="2376488" cy="461665"/>
+          </a:xfrm>
+          <a:prstGeom prst="rect">
+            <a:avLst/>
+          </a:prstGeom>
+          <a:noFill/>
+        </p:spPr>
+        <p:txBody>
+          <a:bodyPr wrap="square" rtlCol="0">
+            <a:spAutoFit/>
+          </a:bodyPr>
+          <a:lstStyle/>
+          <a:p>
+            <a:r>
+              <a:rPr lang="ko-KR" altLang="en-US" sz="2400" dirty="0">
+                <a:latin typeface="맑은 고딕" panose="020B0503020000020004" pitchFamily="50" charset="-127"/>
+                <a:ea typeface="맑은 고딕" panose="020B0503020000020004" pitchFamily="50" charset="-127"/>
+              </a:rPr>
+              <a:t>사용한도</a:t>
+            </a:r>
+          </a:p>
+        </p:txBody>
+      </p:sp>
+      <p:sp>
+        <p:nvSpPr>
+          <p:cNvPr id="9" name="TextBox 8">
+            <a:extLst>
+              <a:ext uri="{FF2B5EF4-FFF2-40B4-BE49-F238E27FC236}">
+                <a16:creationId xmlns:a16="http://schemas.microsoft.com/office/drawing/2014/main" id="{4479CE6C-60CE-72E1-BA55-5F4A2BA84FC7}"/>
+              </a:ext>
+            </a:extLst>
+          </p:cNvPr>
+          <p:cNvSpPr txBox="1"/>
+          <p:nvPr/>
+        </p:nvSpPr>
+        <p:spPr>
+          <a:xfrm>
+            <a:off x="1019584" y="2220518"/>
+            <a:ext cx="6981825" cy="369332"/>
+          </a:xfrm>
+          <a:prstGeom prst="rect">
+            <a:avLst/>
+          </a:prstGeom>
+          <a:noFill/>
+        </p:spPr>
+        <p:txBody>
+          <a:bodyPr wrap="square" rtlCol="0">
+            <a:spAutoFit/>
+          </a:bodyPr>
+          <a:lstStyle/>
+          <a:p>
+            <a:pPr marL="285750" indent="-285750">
+              <a:buFont typeface="Arial" panose="020B0604020202020204" pitchFamily="34" charset="0"/>
+              <a:buChar char="•"/>
+            </a:pPr>
+            <a:r>
+              <a:rPr lang="en-US" altLang="ko-KR" b="0" i="0" dirty="0">
+                <a:solidFill>
+                  <a:schemeClr val="accent1"/>
+                </a:solidFill>
+                <a:effectLst/>
+                <a:latin typeface="맑은 고딕" panose="020B0503020000020004" pitchFamily="50" charset="-127"/>
+                <a:ea typeface="맑은 고딕" panose="020B0503020000020004" pitchFamily="50" charset="-127"/>
+              </a:rPr>
+              <a:t>workflow</a:t>
+            </a:r>
+            <a:r>
+              <a:rPr lang="ko-KR" altLang="en-US" b="0" i="0" dirty="0">
+                <a:solidFill>
+                  <a:schemeClr val="accent1"/>
+                </a:solidFill>
+                <a:effectLst/>
+                <a:latin typeface="맑은 고딕" panose="020B0503020000020004" pitchFamily="50" charset="-127"/>
+                <a:ea typeface="맑은 고딕" panose="020B0503020000020004" pitchFamily="50" charset="-127"/>
+              </a:rPr>
+              <a:t>는 저장소마다 최대 </a:t>
+            </a:r>
+            <a:r>
+              <a:rPr lang="en-US" altLang="ko-KR" b="0" i="0" dirty="0">
+                <a:solidFill>
+                  <a:schemeClr val="accent1"/>
+                </a:solidFill>
+                <a:effectLst/>
+                <a:latin typeface="맑은 고딕" panose="020B0503020000020004" pitchFamily="50" charset="-127"/>
+                <a:ea typeface="맑은 고딕" panose="020B0503020000020004" pitchFamily="50" charset="-127"/>
+              </a:rPr>
+              <a:t>20</a:t>
+            </a:r>
+            <a:r>
+              <a:rPr lang="ko-KR" altLang="en-US" b="0" i="0" dirty="0">
+                <a:solidFill>
+                  <a:schemeClr val="accent1"/>
+                </a:solidFill>
+                <a:effectLst/>
+                <a:latin typeface="맑은 고딕" panose="020B0503020000020004" pitchFamily="50" charset="-127"/>
+                <a:ea typeface="맑은 고딕" panose="020B0503020000020004" pitchFamily="50" charset="-127"/>
+              </a:rPr>
+              <a:t>개까지 등록 가능</a:t>
+            </a:r>
+            <a:endParaRPr lang="ko-KR" altLang="en-US" dirty="0">
+              <a:solidFill>
+                <a:schemeClr val="accent1"/>
+              </a:solidFill>
+              <a:latin typeface="맑은 고딕" panose="020B0503020000020004" pitchFamily="50" charset="-127"/>
+              <a:ea typeface="맑은 고딕" panose="020B0503020000020004" pitchFamily="50" charset="-127"/>
+            </a:endParaRPr>
+          </a:p>
+        </p:txBody>
+      </p:sp>
+      <p:sp>
+        <p:nvSpPr>
+          <p:cNvPr id="10" name="TextBox 9">
+            <a:extLst>
+              <a:ext uri="{FF2B5EF4-FFF2-40B4-BE49-F238E27FC236}">
+                <a16:creationId xmlns:a16="http://schemas.microsoft.com/office/drawing/2014/main" id="{9652F979-AC35-205C-1B26-4D2E3D12F2B8}"/>
+              </a:ext>
+            </a:extLst>
+          </p:cNvPr>
+          <p:cNvSpPr txBox="1"/>
+          <p:nvPr/>
+        </p:nvSpPr>
+        <p:spPr>
+          <a:xfrm>
+            <a:off x="1019584" y="2808926"/>
+            <a:ext cx="6981825" cy="646331"/>
+          </a:xfrm>
+          <a:prstGeom prst="rect">
+            <a:avLst/>
+          </a:prstGeom>
+          <a:noFill/>
+        </p:spPr>
+        <p:txBody>
+          <a:bodyPr wrap="square" rtlCol="0">
+            <a:spAutoFit/>
+          </a:bodyPr>
+          <a:lstStyle/>
+          <a:p>
+            <a:pPr marL="285750" indent="-285750">
+              <a:buFont typeface="Arial" panose="020B0604020202020204" pitchFamily="34" charset="0"/>
+              <a:buChar char="•"/>
+            </a:pPr>
+            <a:r>
+              <a:rPr lang="en-US" altLang="ko-KR" b="0" i="0" dirty="0">
+                <a:solidFill>
+                  <a:schemeClr val="accent1"/>
+                </a:solidFill>
+                <a:effectLst/>
+                <a:latin typeface="맑은 고딕" panose="020B0503020000020004" pitchFamily="50" charset="-127"/>
+                <a:ea typeface="맑은 고딕" panose="020B0503020000020004" pitchFamily="50" charset="-127"/>
+              </a:rPr>
+              <a:t>Job</a:t>
+            </a:r>
+            <a:r>
+              <a:rPr lang="ko-KR" altLang="en-US" b="0" i="0" dirty="0">
+                <a:solidFill>
+                  <a:schemeClr val="accent1"/>
+                </a:solidFill>
+                <a:effectLst/>
+                <a:latin typeface="맑은 고딕" panose="020B0503020000020004" pitchFamily="50" charset="-127"/>
+                <a:ea typeface="맑은 고딕" panose="020B0503020000020004" pitchFamily="50" charset="-127"/>
+              </a:rPr>
+              <a:t>은 </a:t>
+            </a:r>
+            <a:r>
+              <a:rPr lang="en-US" altLang="ko-KR" b="0" i="0" dirty="0">
+                <a:solidFill>
+                  <a:schemeClr val="accent1"/>
+                </a:solidFill>
+                <a:effectLst/>
+                <a:latin typeface="맑은 고딕" panose="020B0503020000020004" pitchFamily="50" charset="-127"/>
+                <a:ea typeface="맑은 고딕" panose="020B0503020000020004" pitchFamily="50" charset="-127"/>
+              </a:rPr>
+              <a:t>workflow</a:t>
+            </a:r>
+            <a:r>
+              <a:rPr lang="ko-KR" altLang="en-US" b="0" i="0" dirty="0">
+                <a:solidFill>
+                  <a:schemeClr val="accent1"/>
+                </a:solidFill>
+                <a:effectLst/>
+                <a:latin typeface="맑은 고딕" panose="020B0503020000020004" pitchFamily="50" charset="-127"/>
+                <a:ea typeface="맑은 고딕" panose="020B0503020000020004" pitchFamily="50" charset="-127"/>
+              </a:rPr>
+              <a:t>에서 실행되는 </a:t>
+            </a:r>
+            <a:r>
+              <a:rPr lang="en-US" altLang="ko-KR" b="0" i="0" dirty="0">
+                <a:solidFill>
+                  <a:schemeClr val="accent1"/>
+                </a:solidFill>
+                <a:effectLst/>
+                <a:latin typeface="맑은 고딕" panose="020B0503020000020004" pitchFamily="50" charset="-127"/>
+                <a:ea typeface="맑은 고딕" panose="020B0503020000020004" pitchFamily="50" charset="-127"/>
+              </a:rPr>
+              <a:t>Job</a:t>
+            </a:r>
+            <a:r>
+              <a:rPr lang="ko-KR" altLang="en-US" b="0" i="0" dirty="0">
+                <a:solidFill>
+                  <a:schemeClr val="accent1"/>
+                </a:solidFill>
+                <a:effectLst/>
+                <a:latin typeface="맑은 고딕" panose="020B0503020000020004" pitchFamily="50" charset="-127"/>
+                <a:ea typeface="맑은 고딕" panose="020B0503020000020004" pitchFamily="50" charset="-127"/>
+              </a:rPr>
+              <a:t>에 따라 최대 </a:t>
+            </a:r>
+            <a:r>
+              <a:rPr lang="en-US" altLang="ko-KR" b="0" i="0" dirty="0">
+                <a:solidFill>
+                  <a:schemeClr val="accent1"/>
+                </a:solidFill>
+                <a:effectLst/>
+                <a:latin typeface="맑은 고딕" panose="020B0503020000020004" pitchFamily="50" charset="-127"/>
+                <a:ea typeface="맑은 고딕" panose="020B0503020000020004" pitchFamily="50" charset="-127"/>
+              </a:rPr>
+              <a:t>6</a:t>
+            </a:r>
+            <a:r>
+              <a:rPr lang="ko-KR" altLang="en-US" b="0" i="0" dirty="0">
+                <a:solidFill>
+                  <a:schemeClr val="accent1"/>
+                </a:solidFill>
+                <a:effectLst/>
+                <a:latin typeface="맑은 고딕" panose="020B0503020000020004" pitchFamily="50" charset="-127"/>
+                <a:ea typeface="맑은 고딕" panose="020B0503020000020004" pitchFamily="50" charset="-127"/>
+              </a:rPr>
+              <a:t>시간까지 실행이 될 수 있으며</a:t>
+            </a:r>
+            <a:r>
+              <a:rPr lang="en-US" altLang="ko-KR" b="0" i="0" dirty="0">
+                <a:solidFill>
+                  <a:schemeClr val="accent1"/>
+                </a:solidFill>
+                <a:effectLst/>
+                <a:latin typeface="맑은 고딕" panose="020B0503020000020004" pitchFamily="50" charset="-127"/>
+                <a:ea typeface="맑은 고딕" panose="020B0503020000020004" pitchFamily="50" charset="-127"/>
+              </a:rPr>
+              <a:t>, workflow</a:t>
+            </a:r>
+            <a:r>
+              <a:rPr lang="ko-KR" altLang="en-US" b="0" i="0" dirty="0">
+                <a:solidFill>
+                  <a:schemeClr val="accent1"/>
+                </a:solidFill>
+                <a:effectLst/>
+                <a:latin typeface="맑은 고딕" panose="020B0503020000020004" pitchFamily="50" charset="-127"/>
+                <a:ea typeface="맑은 고딕" panose="020B0503020000020004" pitchFamily="50" charset="-127"/>
+              </a:rPr>
+              <a:t>의 실행 제한은 최대 </a:t>
+            </a:r>
+            <a:r>
+              <a:rPr lang="en-US" altLang="ko-KR" b="0" i="0" dirty="0">
+                <a:solidFill>
+                  <a:schemeClr val="accent1"/>
+                </a:solidFill>
+                <a:effectLst/>
+                <a:latin typeface="맑은 고딕" panose="020B0503020000020004" pitchFamily="50" charset="-127"/>
+                <a:ea typeface="맑은 고딕" panose="020B0503020000020004" pitchFamily="50" charset="-127"/>
+              </a:rPr>
+              <a:t>72</a:t>
+            </a:r>
+            <a:r>
+              <a:rPr lang="ko-KR" altLang="en-US" b="0" i="0" dirty="0">
+                <a:solidFill>
+                  <a:schemeClr val="accent1"/>
+                </a:solidFill>
+                <a:effectLst/>
+                <a:latin typeface="맑은 고딕" panose="020B0503020000020004" pitchFamily="50" charset="-127"/>
+                <a:ea typeface="맑은 고딕" panose="020B0503020000020004" pitchFamily="50" charset="-127"/>
+              </a:rPr>
+              <a:t>시간</a:t>
+            </a:r>
+            <a:endParaRPr lang="ko-KR" altLang="en-US" dirty="0">
+              <a:solidFill>
+                <a:schemeClr val="accent1"/>
+              </a:solidFill>
+              <a:latin typeface="맑은 고딕" panose="020B0503020000020004" pitchFamily="50" charset="-127"/>
+              <a:ea typeface="맑은 고딕" panose="020B0503020000020004" pitchFamily="50" charset="-127"/>
+            </a:endParaRPr>
+          </a:p>
+        </p:txBody>
+      </p:sp>
+      <p:sp>
+        <p:nvSpPr>
+          <p:cNvPr id="11" name="TextBox 10">
+            <a:extLst>
+              <a:ext uri="{FF2B5EF4-FFF2-40B4-BE49-F238E27FC236}">
+                <a16:creationId xmlns:a16="http://schemas.microsoft.com/office/drawing/2014/main" id="{71C50317-BF2F-1D61-40EB-7F830D518554}"/>
+              </a:ext>
+            </a:extLst>
+          </p:cNvPr>
+          <p:cNvSpPr txBox="1"/>
+          <p:nvPr/>
+        </p:nvSpPr>
+        <p:spPr>
+          <a:xfrm>
+            <a:off x="1019584" y="3674333"/>
+            <a:ext cx="6981825" cy="369332"/>
+          </a:xfrm>
+          <a:prstGeom prst="rect">
+            <a:avLst/>
+          </a:prstGeom>
+          <a:noFill/>
+        </p:spPr>
+        <p:txBody>
+          <a:bodyPr wrap="square" rtlCol="0">
+            <a:spAutoFit/>
+          </a:bodyPr>
+          <a:lstStyle/>
+          <a:p>
+            <a:pPr marL="285750" indent="-285750">
+              <a:buFont typeface="Arial" panose="020B0604020202020204" pitchFamily="34" charset="0"/>
+              <a:buChar char="•"/>
+            </a:pPr>
+            <a:r>
+              <a:rPr lang="ko-KR" altLang="en-US" b="0" i="0" dirty="0">
+                <a:solidFill>
+                  <a:schemeClr val="accent1"/>
+                </a:solidFill>
+                <a:effectLst/>
+                <a:latin typeface="맑은 고딕" panose="020B0503020000020004" pitchFamily="50" charset="-127"/>
+                <a:ea typeface="맑은 고딕" panose="020B0503020000020004" pitchFamily="50" charset="-127"/>
+              </a:rPr>
+              <a:t>만약 제한된 시간을 </a:t>
+            </a:r>
+            <a:r>
+              <a:rPr lang="ko-KR" altLang="en-US" b="0" i="0" dirty="0" err="1">
+                <a:solidFill>
+                  <a:schemeClr val="accent1"/>
+                </a:solidFill>
+                <a:effectLst/>
+                <a:latin typeface="맑은 고딕" panose="020B0503020000020004" pitchFamily="50" charset="-127"/>
+                <a:ea typeface="맑은 고딕" panose="020B0503020000020004" pitchFamily="50" charset="-127"/>
+              </a:rPr>
+              <a:t>넘게된다면</a:t>
+            </a:r>
+            <a:r>
+              <a:rPr lang="ko-KR" altLang="en-US" b="0" i="0" dirty="0">
+                <a:solidFill>
+                  <a:schemeClr val="accent1"/>
+                </a:solidFill>
+                <a:effectLst/>
+                <a:latin typeface="맑은 고딕" panose="020B0503020000020004" pitchFamily="50" charset="-127"/>
+                <a:ea typeface="맑은 고딕" panose="020B0503020000020004" pitchFamily="50" charset="-127"/>
+              </a:rPr>
+              <a:t> 작업은 자동으로 종료</a:t>
+            </a:r>
+            <a:endParaRPr lang="ko-KR" altLang="en-US" dirty="0">
+              <a:solidFill>
+                <a:schemeClr val="accent1"/>
+              </a:solidFill>
+              <a:latin typeface="맑은 고딕" panose="020B0503020000020004" pitchFamily="50" charset="-127"/>
+              <a:ea typeface="맑은 고딕" panose="020B0503020000020004" pitchFamily="50" charset="-127"/>
+            </a:endParaRPr>
+          </a:p>
+        </p:txBody>
+      </p:sp>
+    </p:spTree>
+    <p:extLst>
+      <p:ext uri="{BB962C8B-B14F-4D97-AF65-F5344CB8AC3E}">
+        <p14:creationId xmlns:p14="http://schemas.microsoft.com/office/powerpoint/2010/main" val="1773063938"/>
+      </p:ext>
+    </p:extLst>
+  </p:cSld>
+  <p:clrMapOvr>
+    <a:masterClrMapping/>
+  </p:clrMapOvr>
+</p:sld>
+</file>
+
+<file path=ppt/slides/slide13.xml><?xml version="1.0" encoding="utf-8"?>
+<p:sld xmlns:a="http://schemas.openxmlformats.org/drawingml/2006/main" xmlns:r="http://schemas.openxmlformats.org/officeDocument/2006/relationships" xmlns:p="http://schemas.openxmlformats.org/presentationml/2006/main">
+  <p:cSld>
+    <p:spTree>
+      <p:nvGrpSpPr>
+        <p:cNvPr id="1" name=""/>
+        <p:cNvGrpSpPr/>
+        <p:nvPr/>
+      </p:nvGrpSpPr>
+      <p:grpSpPr>
+        <a:xfrm>
+          <a:off x="0" y="0"/>
+          <a:ext cx="0" cy="0"/>
+          <a:chOff x="0" y="0"/>
+          <a:chExt cx="0" cy="0"/>
+        </a:xfrm>
+      </p:grpSpPr>
+      <p:sp>
+        <p:nvSpPr>
+          <p:cNvPr id="3" name="직사각형 2"/>
+          <p:cNvSpPr/>
+          <p:nvPr/>
+        </p:nvSpPr>
+        <p:spPr>
+          <a:xfrm>
+            <a:off x="0" y="0"/>
+            <a:ext cx="342900" cy="6858000"/>
+          </a:xfrm>
+          <a:prstGeom prst="rect">
+            <a:avLst/>
+          </a:prstGeom>
+          <a:ln>
+            <a:noFill/>
+          </a:ln>
+        </p:spPr>
+        <p:style>
+          <a:lnRef idx="2">
+            <a:schemeClr val="accent1">
+              <a:shade val="50000"/>
+            </a:schemeClr>
+          </a:lnRef>
+          <a:fillRef idx="1">
+            <a:schemeClr val="accent1"/>
+          </a:fillRef>
+          <a:effectRef idx="0">
+            <a:schemeClr val="accent1"/>
+          </a:effectRef>
+          <a:fontRef idx="minor">
+            <a:schemeClr val="lt1"/>
+          </a:fontRef>
+        </p:style>
+        <p:txBody>
+          <a:bodyPr rtlCol="0" anchor="ctr"/>
+          <a:lstStyle/>
+          <a:p>
+            <a:pPr algn="ctr"/>
+            <a:endParaRPr lang="ko-KR" altLang="en-US">
+              <a:latin typeface="맑은 고딕" panose="020B0503020000020004" pitchFamily="50" charset="-127"/>
+              <a:ea typeface="맑은 고딕" panose="020B0503020000020004" pitchFamily="50" charset="-127"/>
+            </a:endParaRPr>
+          </a:p>
+        </p:txBody>
+      </p:sp>
+      <p:cxnSp>
+        <p:nvCxnSpPr>
+          <p:cNvPr id="5" name="직선 연결선 4"/>
+          <p:cNvCxnSpPr/>
+          <p:nvPr/>
+        </p:nvCxnSpPr>
+        <p:spPr>
+          <a:xfrm>
+            <a:off x="342900" y="1266825"/>
+            <a:ext cx="7839075" cy="0"/>
+          </a:xfrm>
+          <a:prstGeom prst="line">
+            <a:avLst/>
+          </a:prstGeom>
+        </p:spPr>
+        <p:style>
+          <a:lnRef idx="1">
+            <a:schemeClr val="accent1"/>
+          </a:lnRef>
+          <a:fillRef idx="0">
+            <a:schemeClr val="accent1"/>
+          </a:fillRef>
+          <a:effectRef idx="0">
+            <a:schemeClr val="accent1"/>
+          </a:effectRef>
+          <a:fontRef idx="minor">
+            <a:schemeClr val="tx1"/>
+          </a:fontRef>
+        </p:style>
+      </p:cxnSp>
+      <p:sp>
+        <p:nvSpPr>
+          <p:cNvPr id="6" name="TextBox 5"/>
+          <p:cNvSpPr txBox="1"/>
+          <p:nvPr/>
+        </p:nvSpPr>
+        <p:spPr>
+          <a:xfrm>
+            <a:off x="454765" y="347543"/>
+            <a:ext cx="4036682" cy="646331"/>
+          </a:xfrm>
+          <a:prstGeom prst="rect">
+            <a:avLst/>
+          </a:prstGeom>
+          <a:noFill/>
+        </p:spPr>
+        <p:txBody>
+          <a:bodyPr wrap="none" rtlCol="0">
+            <a:spAutoFit/>
+          </a:bodyPr>
+          <a:lstStyle/>
+          <a:p>
+            <a:r>
+              <a:rPr lang="en-US" altLang="ko-KR" sz="3600" dirty="0">
+                <a:solidFill>
+                  <a:schemeClr val="accent1"/>
+                </a:solidFill>
+                <a:latin typeface="맑은 고딕" panose="020B0503020000020004" pitchFamily="50" charset="-127"/>
+                <a:ea typeface="맑은 고딕" panose="020B0503020000020004" pitchFamily="50" charset="-127"/>
+              </a:rPr>
+              <a:t>GitHub Actions</a:t>
+            </a:r>
+            <a:r>
+              <a:rPr lang="ko-KR" altLang="en-US" sz="3600" dirty="0">
+                <a:solidFill>
+                  <a:schemeClr val="accent1"/>
+                </a:solidFill>
+                <a:latin typeface="맑은 고딕" panose="020B0503020000020004" pitchFamily="50" charset="-127"/>
+                <a:ea typeface="맑은 고딕" panose="020B0503020000020004" pitchFamily="50" charset="-127"/>
+              </a:rPr>
+              <a:t>란</a:t>
+            </a:r>
+            <a:r>
+              <a:rPr lang="en-US" altLang="ko-KR" sz="3600" dirty="0">
+                <a:solidFill>
+                  <a:schemeClr val="accent1"/>
+                </a:solidFill>
+                <a:latin typeface="맑은 고딕" panose="020B0503020000020004" pitchFamily="50" charset="-127"/>
+                <a:ea typeface="맑은 고딕" panose="020B0503020000020004" pitchFamily="50" charset="-127"/>
+              </a:rPr>
+              <a:t>?</a:t>
+            </a:r>
+            <a:endParaRPr lang="ko-KR" altLang="en-US" sz="3600" dirty="0">
+              <a:solidFill>
+                <a:schemeClr val="accent1"/>
+              </a:solidFill>
+              <a:latin typeface="맑은 고딕" panose="020B0503020000020004" pitchFamily="50" charset="-127"/>
+              <a:ea typeface="맑은 고딕" panose="020B0503020000020004" pitchFamily="50" charset="-127"/>
+            </a:endParaRPr>
+          </a:p>
+        </p:txBody>
+      </p:sp>
+      <p:sp>
+        <p:nvSpPr>
+          <p:cNvPr id="8" name="TextBox 7">
+            <a:extLst>
+              <a:ext uri="{FF2B5EF4-FFF2-40B4-BE49-F238E27FC236}">
+                <a16:creationId xmlns:a16="http://schemas.microsoft.com/office/drawing/2014/main" id="{AE33CB1D-901A-9243-7364-0A65AAF690CA}"/>
+              </a:ext>
+            </a:extLst>
+          </p:cNvPr>
+          <p:cNvSpPr txBox="1"/>
+          <p:nvPr/>
+        </p:nvSpPr>
+        <p:spPr>
+          <a:xfrm>
+            <a:off x="762000" y="1722477"/>
+            <a:ext cx="2376488" cy="461665"/>
+          </a:xfrm>
+          <a:prstGeom prst="rect">
+            <a:avLst/>
+          </a:prstGeom>
+          <a:noFill/>
+        </p:spPr>
+        <p:txBody>
+          <a:bodyPr wrap="square" rtlCol="0">
+            <a:spAutoFit/>
+          </a:bodyPr>
+          <a:lstStyle/>
+          <a:p>
+            <a:r>
+              <a:rPr lang="ko-KR" altLang="en-US" sz="2400" dirty="0">
+                <a:latin typeface="맑은 고딕" panose="020B0503020000020004" pitchFamily="50" charset="-127"/>
+                <a:ea typeface="맑은 고딕" panose="020B0503020000020004" pitchFamily="50" charset="-127"/>
+              </a:rPr>
+              <a:t>비용</a:t>
+            </a:r>
+          </a:p>
+        </p:txBody>
+      </p:sp>
+      <p:sp>
+        <p:nvSpPr>
+          <p:cNvPr id="9" name="TextBox 8">
+            <a:extLst>
+              <a:ext uri="{FF2B5EF4-FFF2-40B4-BE49-F238E27FC236}">
+                <a16:creationId xmlns:a16="http://schemas.microsoft.com/office/drawing/2014/main" id="{4479CE6C-60CE-72E1-BA55-5F4A2BA84FC7}"/>
+              </a:ext>
+            </a:extLst>
+          </p:cNvPr>
+          <p:cNvSpPr txBox="1"/>
+          <p:nvPr/>
+        </p:nvSpPr>
+        <p:spPr>
+          <a:xfrm>
+            <a:off x="1000534" y="2403218"/>
+            <a:ext cx="7300503" cy="646331"/>
+          </a:xfrm>
+          <a:prstGeom prst="rect">
+            <a:avLst/>
+          </a:prstGeom>
+          <a:noFill/>
+        </p:spPr>
+        <p:txBody>
+          <a:bodyPr wrap="square" rtlCol="0">
+            <a:spAutoFit/>
+          </a:bodyPr>
+          <a:lstStyle/>
+          <a:p>
+            <a:pPr marL="285750" indent="-285750">
+              <a:buFont typeface="Arial" panose="020B0604020202020204" pitchFamily="34" charset="0"/>
+              <a:buChar char="•"/>
+            </a:pPr>
+            <a:r>
+              <a:rPr lang="en-US" altLang="ko-KR" b="0" i="0" dirty="0">
+                <a:solidFill>
+                  <a:schemeClr val="accent1"/>
+                </a:solidFill>
+                <a:effectLst/>
+                <a:latin typeface="맑은 고딕" panose="020B0503020000020004" pitchFamily="50" charset="-127"/>
+                <a:ea typeface="맑은 고딕" panose="020B0503020000020004" pitchFamily="50" charset="-127"/>
+              </a:rPr>
+              <a:t>public repository</a:t>
+            </a:r>
+            <a:r>
+              <a:rPr lang="ko-KR" altLang="en-US" b="0" i="0" dirty="0">
+                <a:solidFill>
+                  <a:schemeClr val="accent1"/>
+                </a:solidFill>
+                <a:effectLst/>
+                <a:latin typeface="맑은 고딕" panose="020B0503020000020004" pitchFamily="50" charset="-127"/>
+                <a:ea typeface="맑은 고딕" panose="020B0503020000020004" pitchFamily="50" charset="-127"/>
+              </a:rPr>
+              <a:t>는 무료</a:t>
+            </a:r>
+            <a:r>
+              <a:rPr lang="en-US" altLang="ko-KR" b="0" i="0" dirty="0">
+                <a:solidFill>
+                  <a:schemeClr val="accent1"/>
+                </a:solidFill>
+                <a:effectLst/>
+                <a:latin typeface="맑은 고딕" panose="020B0503020000020004" pitchFamily="50" charset="-127"/>
+                <a:ea typeface="맑은 고딕" panose="020B0503020000020004" pitchFamily="50" charset="-127"/>
+              </a:rPr>
+              <a:t>, private repository</a:t>
+            </a:r>
+            <a:r>
+              <a:rPr lang="ko-KR" altLang="en-US" b="0" i="0" dirty="0">
+                <a:solidFill>
+                  <a:schemeClr val="accent1"/>
+                </a:solidFill>
+                <a:effectLst/>
+                <a:latin typeface="맑은 고딕" panose="020B0503020000020004" pitchFamily="50" charset="-127"/>
+                <a:ea typeface="맑은 고딕" panose="020B0503020000020004" pitchFamily="50" charset="-127"/>
+              </a:rPr>
+              <a:t>는 해당 계정에 부여된 무료 사용량 이후에 과금</a:t>
+            </a:r>
+            <a:endParaRPr lang="ko-KR" altLang="en-US" dirty="0">
+              <a:solidFill>
+                <a:schemeClr val="accent1"/>
+              </a:solidFill>
+              <a:latin typeface="맑은 고딕" panose="020B0503020000020004" pitchFamily="50" charset="-127"/>
+              <a:ea typeface="맑은 고딕" panose="020B0503020000020004" pitchFamily="50" charset="-127"/>
+            </a:endParaRPr>
+          </a:p>
+        </p:txBody>
+      </p:sp>
+      <p:graphicFrame>
+        <p:nvGraphicFramePr>
+          <p:cNvPr id="4" name="표 3">
+            <a:extLst>
+              <a:ext uri="{FF2B5EF4-FFF2-40B4-BE49-F238E27FC236}">
+                <a16:creationId xmlns:a16="http://schemas.microsoft.com/office/drawing/2014/main" id="{1028DDB3-5C31-415A-4721-36E52BC0FEDB}"/>
+              </a:ext>
+            </a:extLst>
+          </p:cNvPr>
+          <p:cNvGraphicFramePr>
+            <a:graphicFrameLocks noGrp="1"/>
+          </p:cNvGraphicFramePr>
+          <p:nvPr>
+            <p:extLst>
+              <p:ext uri="{D42A27DB-BD31-4B8C-83A1-F6EECF244321}">
+                <p14:modId xmlns:p14="http://schemas.microsoft.com/office/powerpoint/2010/main" val="91425681"/>
+              </p:ext>
+            </p:extLst>
+          </p:nvPr>
+        </p:nvGraphicFramePr>
+        <p:xfrm>
+          <a:off x="1652587" y="3505201"/>
+          <a:ext cx="5838825" cy="2468880"/>
+        </p:xfrm>
+        <a:graphic>
+          <a:graphicData uri="http://schemas.openxmlformats.org/drawingml/2006/table">
+            <a:tbl>
+              <a:tblPr/>
+              <a:tblGrid>
+                <a:gridCol w="2668352">
+                  <a:extLst>
+                    <a:ext uri="{9D8B030D-6E8A-4147-A177-3AD203B41FA5}">
+                      <a16:colId xmlns:a16="http://schemas.microsoft.com/office/drawing/2014/main" val="1890555904"/>
+                    </a:ext>
+                  </a:extLst>
+                </a:gridCol>
+                <a:gridCol w="970457">
+                  <a:extLst>
+                    <a:ext uri="{9D8B030D-6E8A-4147-A177-3AD203B41FA5}">
+                      <a16:colId xmlns:a16="http://schemas.microsoft.com/office/drawing/2014/main" val="2150245711"/>
+                    </a:ext>
+                  </a:extLst>
+                </a:gridCol>
+                <a:gridCol w="2200016">
+                  <a:extLst>
+                    <a:ext uri="{9D8B030D-6E8A-4147-A177-3AD203B41FA5}">
+                      <a16:colId xmlns:a16="http://schemas.microsoft.com/office/drawing/2014/main" val="2457513724"/>
+                    </a:ext>
+                  </a:extLst>
+                </a:gridCol>
+              </a:tblGrid>
+              <a:tr h="0">
+                <a:tc>
+                  <a:txBody>
+                    <a:bodyPr/>
+                    <a:lstStyle/>
+                    <a:p>
+                      <a:r>
+                        <a:rPr lang="en-US" dirty="0">
+                          <a:effectLst/>
+                        </a:rPr>
+                        <a:t>Product</a:t>
+                      </a:r>
+                    </a:p>
+                  </a:txBody>
+                  <a:tcPr anchor="ctr">
+                    <a:lnL w="12700" cap="flat" cmpd="sng" algn="ctr">
+                      <a:solidFill>
+                        <a:schemeClr val="tx1"/>
+                      </a:solidFill>
+                      <a:prstDash val="solid"/>
+                      <a:round/>
+                      <a:headEnd type="none" w="med" len="med"/>
+                      <a:tailEnd type="none" w="med" len="med"/>
+                    </a:lnL>
+                    <a:lnR w="12700" cap="flat" cmpd="sng" algn="ctr">
+                      <a:solidFill>
+                        <a:schemeClr val="tx1"/>
+                      </a:solidFill>
+                      <a:prstDash val="solid"/>
+                      <a:round/>
+                      <a:headEnd type="none" w="med" len="med"/>
+                      <a:tailEnd type="none" w="med" len="med"/>
+                    </a:lnR>
+                    <a:lnT w="12700" cap="flat" cmpd="sng" algn="ctr">
+                      <a:solidFill>
+                        <a:schemeClr val="tx1"/>
+                      </a:solidFill>
+                      <a:prstDash val="solid"/>
+                      <a:round/>
+                      <a:headEnd type="none" w="med" len="med"/>
+                      <a:tailEnd type="none" w="med" len="med"/>
+                    </a:lnT>
+                    <a:lnB w="12700" cap="flat" cmpd="sng" algn="ctr">
+                      <a:solidFill>
+                        <a:schemeClr val="tx1"/>
+                      </a:solidFill>
+                      <a:prstDash val="solid"/>
+                      <a:round/>
+                      <a:headEnd type="none" w="med" len="med"/>
+                      <a:tailEnd type="none" w="med" len="med"/>
+                    </a:lnB>
+                    <a:noFill/>
+                  </a:tcPr>
+                </a:tc>
+                <a:tc>
+                  <a:txBody>
+                    <a:bodyPr/>
+                    <a:lstStyle/>
+                    <a:p>
+                      <a:r>
+                        <a:rPr lang="en-US" dirty="0">
+                          <a:effectLst/>
+                        </a:rPr>
+                        <a:t>Storage</a:t>
+                      </a:r>
+                    </a:p>
+                  </a:txBody>
+                  <a:tcPr anchor="ctr">
+                    <a:lnL w="12700" cap="flat" cmpd="sng" algn="ctr">
+                      <a:solidFill>
+                        <a:schemeClr val="tx1"/>
+                      </a:solidFill>
+                      <a:prstDash val="solid"/>
+                      <a:round/>
+                      <a:headEnd type="none" w="med" len="med"/>
+                      <a:tailEnd type="none" w="med" len="med"/>
+                    </a:lnL>
+                    <a:lnR w="12700" cap="flat" cmpd="sng" algn="ctr">
+                      <a:solidFill>
+                        <a:schemeClr val="tx1"/>
+                      </a:solidFill>
+                      <a:prstDash val="solid"/>
+                      <a:round/>
+                      <a:headEnd type="none" w="med" len="med"/>
+                      <a:tailEnd type="none" w="med" len="med"/>
+                    </a:lnR>
+                    <a:lnT w="12700" cap="flat" cmpd="sng" algn="ctr">
+                      <a:solidFill>
+                        <a:schemeClr val="tx1"/>
+                      </a:solidFill>
+                      <a:prstDash val="solid"/>
+                      <a:round/>
+                      <a:headEnd type="none" w="med" len="med"/>
+                      <a:tailEnd type="none" w="med" len="med"/>
+                    </a:lnT>
+                    <a:lnB w="12700" cap="flat" cmpd="sng" algn="ctr">
+                      <a:solidFill>
+                        <a:schemeClr val="tx1"/>
+                      </a:solidFill>
+                      <a:prstDash val="solid"/>
+                      <a:round/>
+                      <a:headEnd type="none" w="med" len="med"/>
+                      <a:tailEnd type="none" w="med" len="med"/>
+                    </a:lnB>
+                    <a:noFill/>
+                  </a:tcPr>
+                </a:tc>
+                <a:tc>
+                  <a:txBody>
+                    <a:bodyPr/>
+                    <a:lstStyle/>
+                    <a:p>
+                      <a:r>
+                        <a:rPr lang="en-US" dirty="0">
+                          <a:effectLst/>
+                        </a:rPr>
+                        <a:t>Minutes (per month)</a:t>
+                      </a:r>
+                    </a:p>
+                  </a:txBody>
+                  <a:tcPr anchor="ctr">
+                    <a:lnL w="12700" cap="flat" cmpd="sng" algn="ctr">
+                      <a:solidFill>
+                        <a:schemeClr val="tx1"/>
+                      </a:solidFill>
+                      <a:prstDash val="solid"/>
+                      <a:round/>
+                      <a:headEnd type="none" w="med" len="med"/>
+                      <a:tailEnd type="none" w="med" len="med"/>
+                    </a:lnL>
+                    <a:lnR w="12700" cap="flat" cmpd="sng" algn="ctr">
+                      <a:solidFill>
+                        <a:schemeClr val="tx1"/>
+                      </a:solidFill>
+                      <a:prstDash val="solid"/>
+                      <a:round/>
+                      <a:headEnd type="none" w="med" len="med"/>
+                      <a:tailEnd type="none" w="med" len="med"/>
+                    </a:lnR>
+                    <a:lnT w="12700" cap="flat" cmpd="sng" algn="ctr">
+                      <a:solidFill>
+                        <a:schemeClr val="tx1"/>
+                      </a:solidFill>
+                      <a:prstDash val="solid"/>
+                      <a:round/>
+                      <a:headEnd type="none" w="med" len="med"/>
+                      <a:tailEnd type="none" w="med" len="med"/>
+                    </a:lnT>
+                    <a:lnB w="12700" cap="flat" cmpd="sng" algn="ctr">
+                      <a:solidFill>
+                        <a:schemeClr val="tx1"/>
+                      </a:solidFill>
+                      <a:prstDash val="solid"/>
+                      <a:round/>
+                      <a:headEnd type="none" w="med" len="med"/>
+                      <a:tailEnd type="none" w="med" len="med"/>
+                    </a:lnB>
+                    <a:noFill/>
+                  </a:tcPr>
+                </a:tc>
+                <a:extLst>
+                  <a:ext uri="{0D108BD9-81ED-4DB2-BD59-A6C34878D82A}">
+                    <a16:rowId xmlns:a16="http://schemas.microsoft.com/office/drawing/2014/main" val="2615338086"/>
+                  </a:ext>
+                </a:extLst>
+              </a:tr>
+              <a:tr h="0">
+                <a:tc>
+                  <a:txBody>
+                    <a:bodyPr/>
+                    <a:lstStyle/>
+                    <a:p>
+                      <a:r>
+                        <a:rPr lang="en-US" dirty="0">
+                          <a:effectLst/>
+                        </a:rPr>
+                        <a:t>GitHub Free</a:t>
+                      </a:r>
+                    </a:p>
+                  </a:txBody>
+                  <a:tcPr anchor="ctr">
+                    <a:lnL w="12700" cap="flat" cmpd="sng" algn="ctr">
+                      <a:solidFill>
+                        <a:schemeClr val="tx1"/>
+                      </a:solidFill>
+                      <a:prstDash val="solid"/>
+                      <a:round/>
+                      <a:headEnd type="none" w="med" len="med"/>
+                      <a:tailEnd type="none" w="med" len="med"/>
+                    </a:lnL>
+                    <a:lnR w="12700" cap="flat" cmpd="sng" algn="ctr">
+                      <a:solidFill>
+                        <a:schemeClr val="tx1"/>
+                      </a:solidFill>
+                      <a:prstDash val="solid"/>
+                      <a:round/>
+                      <a:headEnd type="none" w="med" len="med"/>
+                      <a:tailEnd type="none" w="med" len="med"/>
+                    </a:lnR>
+                    <a:lnT w="12700" cap="flat" cmpd="sng" algn="ctr">
+                      <a:solidFill>
+                        <a:schemeClr val="tx1"/>
+                      </a:solidFill>
+                      <a:prstDash val="solid"/>
+                      <a:round/>
+                      <a:headEnd type="none" w="med" len="med"/>
+                      <a:tailEnd type="none" w="med" len="med"/>
+                    </a:lnT>
+                    <a:lnB w="12700" cap="flat" cmpd="sng" algn="ctr">
+                      <a:solidFill>
+                        <a:schemeClr val="tx1"/>
+                      </a:solidFill>
+                      <a:prstDash val="solid"/>
+                      <a:round/>
+                      <a:headEnd type="none" w="med" len="med"/>
+                      <a:tailEnd type="none" w="med" len="med"/>
+                    </a:lnB>
+                    <a:noFill/>
+                  </a:tcPr>
+                </a:tc>
+                <a:tc>
+                  <a:txBody>
+                    <a:bodyPr/>
+                    <a:lstStyle/>
+                    <a:p>
+                      <a:r>
+                        <a:rPr lang="en-US">
+                          <a:effectLst/>
+                        </a:rPr>
+                        <a:t>500 MB</a:t>
+                      </a:r>
+                    </a:p>
+                  </a:txBody>
+                  <a:tcPr anchor="ctr">
+                    <a:lnL w="12700" cap="flat" cmpd="sng" algn="ctr">
+                      <a:solidFill>
+                        <a:schemeClr val="tx1"/>
+                      </a:solidFill>
+                      <a:prstDash val="solid"/>
+                      <a:round/>
+                      <a:headEnd type="none" w="med" len="med"/>
+                      <a:tailEnd type="none" w="med" len="med"/>
+                    </a:lnL>
+                    <a:lnR w="12700" cap="flat" cmpd="sng" algn="ctr">
+                      <a:solidFill>
+                        <a:schemeClr val="tx1"/>
+                      </a:solidFill>
+                      <a:prstDash val="solid"/>
+                      <a:round/>
+                      <a:headEnd type="none" w="med" len="med"/>
+                      <a:tailEnd type="none" w="med" len="med"/>
+                    </a:lnR>
+                    <a:lnT w="12700" cap="flat" cmpd="sng" algn="ctr">
+                      <a:solidFill>
+                        <a:schemeClr val="tx1"/>
+                      </a:solidFill>
+                      <a:prstDash val="solid"/>
+                      <a:round/>
+                      <a:headEnd type="none" w="med" len="med"/>
+                      <a:tailEnd type="none" w="med" len="med"/>
+                    </a:lnT>
+                    <a:lnB w="12700" cap="flat" cmpd="sng" algn="ctr">
+                      <a:solidFill>
+                        <a:schemeClr val="tx1"/>
+                      </a:solidFill>
+                      <a:prstDash val="solid"/>
+                      <a:round/>
+                      <a:headEnd type="none" w="med" len="med"/>
+                      <a:tailEnd type="none" w="med" len="med"/>
+                    </a:lnB>
+                    <a:noFill/>
+                  </a:tcPr>
+                </a:tc>
+                <a:tc>
+                  <a:txBody>
+                    <a:bodyPr/>
+                    <a:lstStyle/>
+                    <a:p>
+                      <a:r>
+                        <a:rPr lang="en-US" altLang="ko-KR" dirty="0">
+                          <a:effectLst/>
+                        </a:rPr>
+                        <a:t>2,000</a:t>
+                      </a:r>
+                    </a:p>
+                  </a:txBody>
+                  <a:tcPr anchor="ctr">
+                    <a:lnL w="12700" cap="flat" cmpd="sng" algn="ctr">
+                      <a:solidFill>
+                        <a:schemeClr val="tx1"/>
+                      </a:solidFill>
+                      <a:prstDash val="solid"/>
+                      <a:round/>
+                      <a:headEnd type="none" w="med" len="med"/>
+                      <a:tailEnd type="none" w="med" len="med"/>
+                    </a:lnL>
+                    <a:lnR w="12700" cap="flat" cmpd="sng" algn="ctr">
+                      <a:solidFill>
+                        <a:schemeClr val="tx1"/>
+                      </a:solidFill>
+                      <a:prstDash val="solid"/>
+                      <a:round/>
+                      <a:headEnd type="none" w="med" len="med"/>
+                      <a:tailEnd type="none" w="med" len="med"/>
+                    </a:lnR>
+                    <a:lnT w="12700" cap="flat" cmpd="sng" algn="ctr">
+                      <a:solidFill>
+                        <a:schemeClr val="tx1"/>
+                      </a:solidFill>
+                      <a:prstDash val="solid"/>
+                      <a:round/>
+                      <a:headEnd type="none" w="med" len="med"/>
+                      <a:tailEnd type="none" w="med" len="med"/>
+                    </a:lnT>
+                    <a:lnB w="12700" cap="flat" cmpd="sng" algn="ctr">
+                      <a:solidFill>
+                        <a:schemeClr val="tx1"/>
+                      </a:solidFill>
+                      <a:prstDash val="solid"/>
+                      <a:round/>
+                      <a:headEnd type="none" w="med" len="med"/>
+                      <a:tailEnd type="none" w="med" len="med"/>
+                    </a:lnB>
+                    <a:noFill/>
+                  </a:tcPr>
+                </a:tc>
+                <a:extLst>
+                  <a:ext uri="{0D108BD9-81ED-4DB2-BD59-A6C34878D82A}">
+                    <a16:rowId xmlns:a16="http://schemas.microsoft.com/office/drawing/2014/main" val="3926953343"/>
+                  </a:ext>
+                </a:extLst>
+              </a:tr>
+              <a:tr h="0">
+                <a:tc>
+                  <a:txBody>
+                    <a:bodyPr/>
+                    <a:lstStyle/>
+                    <a:p>
+                      <a:r>
+                        <a:rPr lang="en-US" dirty="0">
+                          <a:effectLst/>
+                        </a:rPr>
+                        <a:t>GitHub Pro</a:t>
+                      </a:r>
+                    </a:p>
+                  </a:txBody>
+                  <a:tcPr anchor="ctr">
+                    <a:lnL w="12700" cap="flat" cmpd="sng" algn="ctr">
+                      <a:solidFill>
+                        <a:schemeClr val="tx1"/>
+                      </a:solidFill>
+                      <a:prstDash val="solid"/>
+                      <a:round/>
+                      <a:headEnd type="none" w="med" len="med"/>
+                      <a:tailEnd type="none" w="med" len="med"/>
+                    </a:lnL>
+                    <a:lnR w="12700" cap="flat" cmpd="sng" algn="ctr">
+                      <a:solidFill>
+                        <a:schemeClr val="tx1"/>
+                      </a:solidFill>
+                      <a:prstDash val="solid"/>
+                      <a:round/>
+                      <a:headEnd type="none" w="med" len="med"/>
+                      <a:tailEnd type="none" w="med" len="med"/>
+                    </a:lnR>
+                    <a:lnT w="12700" cap="flat" cmpd="sng" algn="ctr">
+                      <a:solidFill>
+                        <a:schemeClr val="tx1"/>
+                      </a:solidFill>
+                      <a:prstDash val="solid"/>
+                      <a:round/>
+                      <a:headEnd type="none" w="med" len="med"/>
+                      <a:tailEnd type="none" w="med" len="med"/>
+                    </a:lnT>
+                    <a:lnB w="12700" cap="flat" cmpd="sng" algn="ctr">
+                      <a:solidFill>
+                        <a:schemeClr val="tx1"/>
+                      </a:solidFill>
+                      <a:prstDash val="solid"/>
+                      <a:round/>
+                      <a:headEnd type="none" w="med" len="med"/>
+                      <a:tailEnd type="none" w="med" len="med"/>
+                    </a:lnB>
+                    <a:noFill/>
+                  </a:tcPr>
+                </a:tc>
+                <a:tc>
+                  <a:txBody>
+                    <a:bodyPr/>
+                    <a:lstStyle/>
+                    <a:p>
+                      <a:r>
+                        <a:rPr lang="en-US" dirty="0">
+                          <a:effectLst/>
+                        </a:rPr>
+                        <a:t>1 GB</a:t>
+                      </a:r>
+                    </a:p>
+                  </a:txBody>
+                  <a:tcPr anchor="ctr">
+                    <a:lnL w="12700" cap="flat" cmpd="sng" algn="ctr">
+                      <a:solidFill>
+                        <a:schemeClr val="tx1"/>
+                      </a:solidFill>
+                      <a:prstDash val="solid"/>
+                      <a:round/>
+                      <a:headEnd type="none" w="med" len="med"/>
+                      <a:tailEnd type="none" w="med" len="med"/>
+                    </a:lnL>
+                    <a:lnR w="12700" cap="flat" cmpd="sng" algn="ctr">
+                      <a:solidFill>
+                        <a:schemeClr val="tx1"/>
+                      </a:solidFill>
+                      <a:prstDash val="solid"/>
+                      <a:round/>
+                      <a:headEnd type="none" w="med" len="med"/>
+                      <a:tailEnd type="none" w="med" len="med"/>
+                    </a:lnR>
+                    <a:lnT w="12700" cap="flat" cmpd="sng" algn="ctr">
+                      <a:solidFill>
+                        <a:schemeClr val="tx1"/>
+                      </a:solidFill>
+                      <a:prstDash val="solid"/>
+                      <a:round/>
+                      <a:headEnd type="none" w="med" len="med"/>
+                      <a:tailEnd type="none" w="med" len="med"/>
+                    </a:lnT>
+                    <a:lnB w="12700" cap="flat" cmpd="sng" algn="ctr">
+                      <a:solidFill>
+                        <a:schemeClr val="tx1"/>
+                      </a:solidFill>
+                      <a:prstDash val="solid"/>
+                      <a:round/>
+                      <a:headEnd type="none" w="med" len="med"/>
+                      <a:tailEnd type="none" w="med" len="med"/>
+                    </a:lnB>
+                    <a:noFill/>
+                  </a:tcPr>
+                </a:tc>
+                <a:tc>
+                  <a:txBody>
+                    <a:bodyPr/>
+                    <a:lstStyle/>
+                    <a:p>
+                      <a:r>
+                        <a:rPr lang="en-US" altLang="ko-KR">
+                          <a:effectLst/>
+                        </a:rPr>
+                        <a:t>3,000</a:t>
+                      </a:r>
+                    </a:p>
+                  </a:txBody>
+                  <a:tcPr anchor="ctr">
+                    <a:lnL w="12700" cap="flat" cmpd="sng" algn="ctr">
+                      <a:solidFill>
+                        <a:schemeClr val="tx1"/>
+                      </a:solidFill>
+                      <a:prstDash val="solid"/>
+                      <a:round/>
+                      <a:headEnd type="none" w="med" len="med"/>
+                      <a:tailEnd type="none" w="med" len="med"/>
+                    </a:lnL>
+                    <a:lnR w="12700" cap="flat" cmpd="sng" algn="ctr">
+                      <a:solidFill>
+                        <a:schemeClr val="tx1"/>
+                      </a:solidFill>
+                      <a:prstDash val="solid"/>
+                      <a:round/>
+                      <a:headEnd type="none" w="med" len="med"/>
+                      <a:tailEnd type="none" w="med" len="med"/>
+                    </a:lnR>
+                    <a:lnT w="12700" cap="flat" cmpd="sng" algn="ctr">
+                      <a:solidFill>
+                        <a:schemeClr val="tx1"/>
+                      </a:solidFill>
+                      <a:prstDash val="solid"/>
+                      <a:round/>
+                      <a:headEnd type="none" w="med" len="med"/>
+                      <a:tailEnd type="none" w="med" len="med"/>
+                    </a:lnT>
+                    <a:lnB w="12700" cap="flat" cmpd="sng" algn="ctr">
+                      <a:solidFill>
+                        <a:schemeClr val="tx1"/>
+                      </a:solidFill>
+                      <a:prstDash val="solid"/>
+                      <a:round/>
+                      <a:headEnd type="none" w="med" len="med"/>
+                      <a:tailEnd type="none" w="med" len="med"/>
+                    </a:lnB>
+                    <a:noFill/>
+                  </a:tcPr>
+                </a:tc>
+                <a:extLst>
+                  <a:ext uri="{0D108BD9-81ED-4DB2-BD59-A6C34878D82A}">
+                    <a16:rowId xmlns:a16="http://schemas.microsoft.com/office/drawing/2014/main" val="2125143613"/>
+                  </a:ext>
+                </a:extLst>
+              </a:tr>
+              <a:tr h="0">
+                <a:tc>
+                  <a:txBody>
+                    <a:bodyPr/>
+                    <a:lstStyle/>
+                    <a:p>
+                      <a:r>
+                        <a:rPr lang="en-US">
+                          <a:effectLst/>
+                        </a:rPr>
+                        <a:t>GitHub Free for organizations</a:t>
+                      </a:r>
+                    </a:p>
+                  </a:txBody>
+                  <a:tcPr anchor="ctr">
+                    <a:lnL w="12700" cap="flat" cmpd="sng" algn="ctr">
+                      <a:solidFill>
+                        <a:schemeClr val="tx1"/>
+                      </a:solidFill>
+                      <a:prstDash val="solid"/>
+                      <a:round/>
+                      <a:headEnd type="none" w="med" len="med"/>
+                      <a:tailEnd type="none" w="med" len="med"/>
+                    </a:lnL>
+                    <a:lnR w="12700" cap="flat" cmpd="sng" algn="ctr">
+                      <a:solidFill>
+                        <a:schemeClr val="tx1"/>
+                      </a:solidFill>
+                      <a:prstDash val="solid"/>
+                      <a:round/>
+                      <a:headEnd type="none" w="med" len="med"/>
+                      <a:tailEnd type="none" w="med" len="med"/>
+                    </a:lnR>
+                    <a:lnT w="12700" cap="flat" cmpd="sng" algn="ctr">
+                      <a:solidFill>
+                        <a:schemeClr val="tx1"/>
+                      </a:solidFill>
+                      <a:prstDash val="solid"/>
+                      <a:round/>
+                      <a:headEnd type="none" w="med" len="med"/>
+                      <a:tailEnd type="none" w="med" len="med"/>
+                    </a:lnT>
+                    <a:lnB w="12700" cap="flat" cmpd="sng" algn="ctr">
+                      <a:solidFill>
+                        <a:schemeClr val="tx1"/>
+                      </a:solidFill>
+                      <a:prstDash val="solid"/>
+                      <a:round/>
+                      <a:headEnd type="none" w="med" len="med"/>
+                      <a:tailEnd type="none" w="med" len="med"/>
+                    </a:lnB>
+                    <a:noFill/>
+                  </a:tcPr>
+                </a:tc>
+                <a:tc>
+                  <a:txBody>
+                    <a:bodyPr/>
+                    <a:lstStyle/>
+                    <a:p>
+                      <a:r>
+                        <a:rPr lang="en-US" dirty="0">
+                          <a:effectLst/>
+                        </a:rPr>
+                        <a:t>500 MB</a:t>
+                      </a:r>
+                    </a:p>
+                  </a:txBody>
+                  <a:tcPr anchor="ctr">
+                    <a:lnL w="12700" cap="flat" cmpd="sng" algn="ctr">
+                      <a:solidFill>
+                        <a:schemeClr val="tx1"/>
+                      </a:solidFill>
+                      <a:prstDash val="solid"/>
+                      <a:round/>
+                      <a:headEnd type="none" w="med" len="med"/>
+                      <a:tailEnd type="none" w="med" len="med"/>
+                    </a:lnL>
+                    <a:lnR w="12700" cap="flat" cmpd="sng" algn="ctr">
+                      <a:solidFill>
+                        <a:schemeClr val="tx1"/>
+                      </a:solidFill>
+                      <a:prstDash val="solid"/>
+                      <a:round/>
+                      <a:headEnd type="none" w="med" len="med"/>
+                      <a:tailEnd type="none" w="med" len="med"/>
+                    </a:lnR>
+                    <a:lnT w="12700" cap="flat" cmpd="sng" algn="ctr">
+                      <a:solidFill>
+                        <a:schemeClr val="tx1"/>
+                      </a:solidFill>
+                      <a:prstDash val="solid"/>
+                      <a:round/>
+                      <a:headEnd type="none" w="med" len="med"/>
+                      <a:tailEnd type="none" w="med" len="med"/>
+                    </a:lnT>
+                    <a:lnB w="12700" cap="flat" cmpd="sng" algn="ctr">
+                      <a:solidFill>
+                        <a:schemeClr val="tx1"/>
+                      </a:solidFill>
+                      <a:prstDash val="solid"/>
+                      <a:round/>
+                      <a:headEnd type="none" w="med" len="med"/>
+                      <a:tailEnd type="none" w="med" len="med"/>
+                    </a:lnB>
+                    <a:noFill/>
+                  </a:tcPr>
+                </a:tc>
+                <a:tc>
+                  <a:txBody>
+                    <a:bodyPr/>
+                    <a:lstStyle/>
+                    <a:p>
+                      <a:r>
+                        <a:rPr lang="en-US" altLang="ko-KR" dirty="0">
+                          <a:effectLst/>
+                        </a:rPr>
+                        <a:t>2,000</a:t>
+                      </a:r>
+                    </a:p>
+                  </a:txBody>
+                  <a:tcPr anchor="ctr">
+                    <a:lnL w="12700" cap="flat" cmpd="sng" algn="ctr">
+                      <a:solidFill>
+                        <a:schemeClr val="tx1"/>
+                      </a:solidFill>
+                      <a:prstDash val="solid"/>
+                      <a:round/>
+                      <a:headEnd type="none" w="med" len="med"/>
+                      <a:tailEnd type="none" w="med" len="med"/>
+                    </a:lnL>
+                    <a:lnR w="12700" cap="flat" cmpd="sng" algn="ctr">
+                      <a:solidFill>
+                        <a:schemeClr val="tx1"/>
+                      </a:solidFill>
+                      <a:prstDash val="solid"/>
+                      <a:round/>
+                      <a:headEnd type="none" w="med" len="med"/>
+                      <a:tailEnd type="none" w="med" len="med"/>
+                    </a:lnR>
+                    <a:lnT w="12700" cap="flat" cmpd="sng" algn="ctr">
+                      <a:solidFill>
+                        <a:schemeClr val="tx1"/>
+                      </a:solidFill>
+                      <a:prstDash val="solid"/>
+                      <a:round/>
+                      <a:headEnd type="none" w="med" len="med"/>
+                      <a:tailEnd type="none" w="med" len="med"/>
+                    </a:lnT>
+                    <a:lnB w="12700" cap="flat" cmpd="sng" algn="ctr">
+                      <a:solidFill>
+                        <a:schemeClr val="tx1"/>
+                      </a:solidFill>
+                      <a:prstDash val="solid"/>
+                      <a:round/>
+                      <a:headEnd type="none" w="med" len="med"/>
+                      <a:tailEnd type="none" w="med" len="med"/>
+                    </a:lnB>
+                    <a:noFill/>
+                  </a:tcPr>
+                </a:tc>
+                <a:extLst>
+                  <a:ext uri="{0D108BD9-81ED-4DB2-BD59-A6C34878D82A}">
+                    <a16:rowId xmlns:a16="http://schemas.microsoft.com/office/drawing/2014/main" val="295492251"/>
+                  </a:ext>
+                </a:extLst>
+              </a:tr>
+              <a:tr h="0">
+                <a:tc>
+                  <a:txBody>
+                    <a:bodyPr/>
+                    <a:lstStyle/>
+                    <a:p>
+                      <a:r>
+                        <a:rPr lang="en-US">
+                          <a:effectLst/>
+                        </a:rPr>
+                        <a:t>GitHub Team</a:t>
+                      </a:r>
+                    </a:p>
+                  </a:txBody>
+                  <a:tcPr anchor="ctr">
+                    <a:lnL w="12700" cap="flat" cmpd="sng" algn="ctr">
+                      <a:solidFill>
+                        <a:schemeClr val="tx1"/>
+                      </a:solidFill>
+                      <a:prstDash val="solid"/>
+                      <a:round/>
+                      <a:headEnd type="none" w="med" len="med"/>
+                      <a:tailEnd type="none" w="med" len="med"/>
+                    </a:lnL>
+                    <a:lnR w="12700" cap="flat" cmpd="sng" algn="ctr">
+                      <a:solidFill>
+                        <a:schemeClr val="tx1"/>
+                      </a:solidFill>
+                      <a:prstDash val="solid"/>
+                      <a:round/>
+                      <a:headEnd type="none" w="med" len="med"/>
+                      <a:tailEnd type="none" w="med" len="med"/>
+                    </a:lnR>
+                    <a:lnT w="12700" cap="flat" cmpd="sng" algn="ctr">
+                      <a:solidFill>
+                        <a:schemeClr val="tx1"/>
+                      </a:solidFill>
+                      <a:prstDash val="solid"/>
+                      <a:round/>
+                      <a:headEnd type="none" w="med" len="med"/>
+                      <a:tailEnd type="none" w="med" len="med"/>
+                    </a:lnT>
+                    <a:lnB w="12700" cap="flat" cmpd="sng" algn="ctr">
+                      <a:solidFill>
+                        <a:schemeClr val="tx1"/>
+                      </a:solidFill>
+                      <a:prstDash val="solid"/>
+                      <a:round/>
+                      <a:headEnd type="none" w="med" len="med"/>
+                      <a:tailEnd type="none" w="med" len="med"/>
+                    </a:lnB>
+                    <a:noFill/>
+                  </a:tcPr>
+                </a:tc>
+                <a:tc>
+                  <a:txBody>
+                    <a:bodyPr/>
+                    <a:lstStyle/>
+                    <a:p>
+                      <a:r>
+                        <a:rPr lang="en-US">
+                          <a:effectLst/>
+                        </a:rPr>
+                        <a:t>2 GB</a:t>
+                      </a:r>
+                    </a:p>
+                  </a:txBody>
+                  <a:tcPr anchor="ctr">
+                    <a:lnL w="12700" cap="flat" cmpd="sng" algn="ctr">
+                      <a:solidFill>
+                        <a:schemeClr val="tx1"/>
+                      </a:solidFill>
+                      <a:prstDash val="solid"/>
+                      <a:round/>
+                      <a:headEnd type="none" w="med" len="med"/>
+                      <a:tailEnd type="none" w="med" len="med"/>
+                    </a:lnL>
+                    <a:lnR w="12700" cap="flat" cmpd="sng" algn="ctr">
+                      <a:solidFill>
+                        <a:schemeClr val="tx1"/>
+                      </a:solidFill>
+                      <a:prstDash val="solid"/>
+                      <a:round/>
+                      <a:headEnd type="none" w="med" len="med"/>
+                      <a:tailEnd type="none" w="med" len="med"/>
+                    </a:lnR>
+                    <a:lnT w="12700" cap="flat" cmpd="sng" algn="ctr">
+                      <a:solidFill>
+                        <a:schemeClr val="tx1"/>
+                      </a:solidFill>
+                      <a:prstDash val="solid"/>
+                      <a:round/>
+                      <a:headEnd type="none" w="med" len="med"/>
+                      <a:tailEnd type="none" w="med" len="med"/>
+                    </a:lnT>
+                    <a:lnB w="12700" cap="flat" cmpd="sng" algn="ctr">
+                      <a:solidFill>
+                        <a:schemeClr val="tx1"/>
+                      </a:solidFill>
+                      <a:prstDash val="solid"/>
+                      <a:round/>
+                      <a:headEnd type="none" w="med" len="med"/>
+                      <a:tailEnd type="none" w="med" len="med"/>
+                    </a:lnB>
+                    <a:noFill/>
+                  </a:tcPr>
+                </a:tc>
+                <a:tc>
+                  <a:txBody>
+                    <a:bodyPr/>
+                    <a:lstStyle/>
+                    <a:p>
+                      <a:r>
+                        <a:rPr lang="en-US" altLang="ko-KR" dirty="0">
+                          <a:effectLst/>
+                        </a:rPr>
+                        <a:t>3,000</a:t>
+                      </a:r>
+                    </a:p>
+                  </a:txBody>
+                  <a:tcPr anchor="ctr">
+                    <a:lnL w="12700" cap="flat" cmpd="sng" algn="ctr">
+                      <a:solidFill>
+                        <a:schemeClr val="tx1"/>
+                      </a:solidFill>
+                      <a:prstDash val="solid"/>
+                      <a:round/>
+                      <a:headEnd type="none" w="med" len="med"/>
+                      <a:tailEnd type="none" w="med" len="med"/>
+                    </a:lnL>
+                    <a:lnR w="12700" cap="flat" cmpd="sng" algn="ctr">
+                      <a:solidFill>
+                        <a:schemeClr val="tx1"/>
+                      </a:solidFill>
+                      <a:prstDash val="solid"/>
+                      <a:round/>
+                      <a:headEnd type="none" w="med" len="med"/>
+                      <a:tailEnd type="none" w="med" len="med"/>
+                    </a:lnR>
+                    <a:lnT w="12700" cap="flat" cmpd="sng" algn="ctr">
+                      <a:solidFill>
+                        <a:schemeClr val="tx1"/>
+                      </a:solidFill>
+                      <a:prstDash val="solid"/>
+                      <a:round/>
+                      <a:headEnd type="none" w="med" len="med"/>
+                      <a:tailEnd type="none" w="med" len="med"/>
+                    </a:lnT>
+                    <a:lnB w="12700" cap="flat" cmpd="sng" algn="ctr">
+                      <a:solidFill>
+                        <a:schemeClr val="tx1"/>
+                      </a:solidFill>
+                      <a:prstDash val="solid"/>
+                      <a:round/>
+                      <a:headEnd type="none" w="med" len="med"/>
+                      <a:tailEnd type="none" w="med" len="med"/>
+                    </a:lnB>
+                    <a:noFill/>
+                  </a:tcPr>
+                </a:tc>
+                <a:extLst>
+                  <a:ext uri="{0D108BD9-81ED-4DB2-BD59-A6C34878D82A}">
+                    <a16:rowId xmlns:a16="http://schemas.microsoft.com/office/drawing/2014/main" val="1141115762"/>
+                  </a:ext>
+                </a:extLst>
+              </a:tr>
+              <a:tr h="0">
+                <a:tc>
+                  <a:txBody>
+                    <a:bodyPr/>
+                    <a:lstStyle/>
+                    <a:p>
+                      <a:r>
+                        <a:rPr lang="en-US" dirty="0">
+                          <a:effectLst/>
+                        </a:rPr>
+                        <a:t>GitHub Enterprise Cloud</a:t>
+                      </a:r>
+                    </a:p>
+                  </a:txBody>
+                  <a:tcPr anchor="ctr">
+                    <a:lnL w="12700" cap="flat" cmpd="sng" algn="ctr">
+                      <a:solidFill>
+                        <a:schemeClr val="tx1"/>
+                      </a:solidFill>
+                      <a:prstDash val="solid"/>
+                      <a:round/>
+                      <a:headEnd type="none" w="med" len="med"/>
+                      <a:tailEnd type="none" w="med" len="med"/>
+                    </a:lnL>
+                    <a:lnR w="12700" cap="flat" cmpd="sng" algn="ctr">
+                      <a:solidFill>
+                        <a:schemeClr val="tx1"/>
+                      </a:solidFill>
+                      <a:prstDash val="solid"/>
+                      <a:round/>
+                      <a:headEnd type="none" w="med" len="med"/>
+                      <a:tailEnd type="none" w="med" len="med"/>
+                    </a:lnR>
+                    <a:lnT w="12700" cap="flat" cmpd="sng" algn="ctr">
+                      <a:solidFill>
+                        <a:schemeClr val="tx1"/>
+                      </a:solidFill>
+                      <a:prstDash val="solid"/>
+                      <a:round/>
+                      <a:headEnd type="none" w="med" len="med"/>
+                      <a:tailEnd type="none" w="med" len="med"/>
+                    </a:lnT>
+                    <a:lnB w="12700" cap="flat" cmpd="sng" algn="ctr">
+                      <a:solidFill>
+                        <a:schemeClr val="tx1"/>
+                      </a:solidFill>
+                      <a:prstDash val="solid"/>
+                      <a:round/>
+                      <a:headEnd type="none" w="med" len="med"/>
+                      <a:tailEnd type="none" w="med" len="med"/>
+                    </a:lnB>
+                    <a:noFill/>
+                  </a:tcPr>
+                </a:tc>
+                <a:tc>
+                  <a:txBody>
+                    <a:bodyPr/>
+                    <a:lstStyle/>
+                    <a:p>
+                      <a:r>
+                        <a:rPr lang="en-US" dirty="0">
+                          <a:effectLst/>
+                        </a:rPr>
+                        <a:t>50 GB</a:t>
+                      </a:r>
+                    </a:p>
+                  </a:txBody>
+                  <a:tcPr anchor="ctr">
+                    <a:lnL w="12700" cap="flat" cmpd="sng" algn="ctr">
+                      <a:solidFill>
+                        <a:schemeClr val="tx1"/>
+                      </a:solidFill>
+                      <a:prstDash val="solid"/>
+                      <a:round/>
+                      <a:headEnd type="none" w="med" len="med"/>
+                      <a:tailEnd type="none" w="med" len="med"/>
+                    </a:lnL>
+                    <a:lnR w="12700" cap="flat" cmpd="sng" algn="ctr">
+                      <a:solidFill>
+                        <a:schemeClr val="tx1"/>
+                      </a:solidFill>
+                      <a:prstDash val="solid"/>
+                      <a:round/>
+                      <a:headEnd type="none" w="med" len="med"/>
+                      <a:tailEnd type="none" w="med" len="med"/>
+                    </a:lnR>
+                    <a:lnT w="12700" cap="flat" cmpd="sng" algn="ctr">
+                      <a:solidFill>
+                        <a:schemeClr val="tx1"/>
+                      </a:solidFill>
+                      <a:prstDash val="solid"/>
+                      <a:round/>
+                      <a:headEnd type="none" w="med" len="med"/>
+                      <a:tailEnd type="none" w="med" len="med"/>
+                    </a:lnT>
+                    <a:lnB w="12700" cap="flat" cmpd="sng" algn="ctr">
+                      <a:solidFill>
+                        <a:schemeClr val="tx1"/>
+                      </a:solidFill>
+                      <a:prstDash val="solid"/>
+                      <a:round/>
+                      <a:headEnd type="none" w="med" len="med"/>
+                      <a:tailEnd type="none" w="med" len="med"/>
+                    </a:lnB>
+                    <a:noFill/>
+                  </a:tcPr>
+                </a:tc>
+                <a:tc>
+                  <a:txBody>
+                    <a:bodyPr/>
+                    <a:lstStyle/>
+                    <a:p>
+                      <a:r>
+                        <a:rPr lang="en-US" altLang="ko-KR" dirty="0">
+                          <a:effectLst/>
+                        </a:rPr>
+                        <a:t>50,000</a:t>
+                      </a:r>
+                    </a:p>
+                  </a:txBody>
+                  <a:tcPr anchor="ctr">
+                    <a:lnL w="12700" cap="flat" cmpd="sng" algn="ctr">
+                      <a:solidFill>
+                        <a:schemeClr val="tx1"/>
+                      </a:solidFill>
+                      <a:prstDash val="solid"/>
+                      <a:round/>
+                      <a:headEnd type="none" w="med" len="med"/>
+                      <a:tailEnd type="none" w="med" len="med"/>
+                    </a:lnL>
+                    <a:lnR w="12700" cap="flat" cmpd="sng" algn="ctr">
+                      <a:solidFill>
+                        <a:schemeClr val="tx1"/>
+                      </a:solidFill>
+                      <a:prstDash val="solid"/>
+                      <a:round/>
+                      <a:headEnd type="none" w="med" len="med"/>
+                      <a:tailEnd type="none" w="med" len="med"/>
+                    </a:lnR>
+                    <a:lnT w="12700" cap="flat" cmpd="sng" algn="ctr">
+                      <a:solidFill>
+                        <a:schemeClr val="tx1"/>
+                      </a:solidFill>
+                      <a:prstDash val="solid"/>
+                      <a:round/>
+                      <a:headEnd type="none" w="med" len="med"/>
+                      <a:tailEnd type="none" w="med" len="med"/>
+                    </a:lnT>
+                    <a:lnB w="12700" cap="flat" cmpd="sng" algn="ctr">
+                      <a:solidFill>
+                        <a:schemeClr val="tx1"/>
+                      </a:solidFill>
+                      <a:prstDash val="solid"/>
+                      <a:round/>
+                      <a:headEnd type="none" w="med" len="med"/>
+                      <a:tailEnd type="none" w="med" len="med"/>
+                    </a:lnB>
+                    <a:noFill/>
+                  </a:tcPr>
+                </a:tc>
+                <a:extLst>
+                  <a:ext uri="{0D108BD9-81ED-4DB2-BD59-A6C34878D82A}">
+                    <a16:rowId xmlns:a16="http://schemas.microsoft.com/office/drawing/2014/main" val="171060521"/>
+                  </a:ext>
+                </a:extLst>
+              </a:tr>
+            </a:tbl>
+          </a:graphicData>
+        </a:graphic>
+      </p:graphicFrame>
+    </p:spTree>
+    <p:extLst>
+      <p:ext uri="{BB962C8B-B14F-4D97-AF65-F5344CB8AC3E}">
+        <p14:creationId xmlns:p14="http://schemas.microsoft.com/office/powerpoint/2010/main" val="33694739"/>
+      </p:ext>
+    </p:extLst>
+  </p:cSld>
+  <p:clrMapOvr>
+    <a:masterClrMapping/>
+  </p:clrMapOvr>
+</p:sld>
+</file>
+
+<file path=ppt/slides/slide14.xml><?xml version="1.0" encoding="utf-8"?>
+<p:sld xmlns:a="http://schemas.openxmlformats.org/drawingml/2006/main" xmlns:r="http://schemas.openxmlformats.org/officeDocument/2006/relationships" xmlns:p="http://schemas.openxmlformats.org/presentationml/2006/main">
+  <p:cSld>
+    <p:spTree>
+      <p:nvGrpSpPr>
+        <p:cNvPr id="1" name=""/>
+        <p:cNvGrpSpPr/>
+        <p:nvPr/>
+      </p:nvGrpSpPr>
+      <p:grpSpPr>
+        <a:xfrm>
+          <a:off x="0" y="0"/>
+          <a:ext cx="0" cy="0"/>
+          <a:chOff x="0" y="0"/>
+          <a:chExt cx="0" cy="0"/>
+        </a:xfrm>
+      </p:grpSpPr>
+      <p:sp>
+        <p:nvSpPr>
+          <p:cNvPr id="7" name="직사각형 6"/>
+          <p:cNvSpPr/>
+          <p:nvPr/>
+        </p:nvSpPr>
+        <p:spPr>
+          <a:xfrm>
+            <a:off x="0" y="0"/>
+            <a:ext cx="9144000" cy="6858000"/>
+          </a:xfrm>
+          <a:prstGeom prst="rect">
+            <a:avLst/>
+          </a:prstGeom>
+          <a:ln>
+            <a:noFill/>
+          </a:ln>
+        </p:spPr>
+        <p:style>
+          <a:lnRef idx="2">
+            <a:schemeClr val="accent1">
+              <a:shade val="50000"/>
+            </a:schemeClr>
+          </a:lnRef>
+          <a:fillRef idx="1">
+            <a:schemeClr val="accent1"/>
+          </a:fillRef>
+          <a:effectRef idx="0">
+            <a:schemeClr val="accent1"/>
+          </a:effectRef>
+          <a:fontRef idx="minor">
+            <a:schemeClr val="lt1"/>
+          </a:fontRef>
+        </p:style>
+        <p:txBody>
+          <a:bodyPr rtlCol="0" anchor="ctr"/>
+          <a:lstStyle/>
+          <a:p>
+            <a:pPr algn="ctr"/>
+            <a:endParaRPr lang="ko-KR" altLang="en-US">
+              <a:latin typeface="맑은 고딕" panose="020B0503020000020004" pitchFamily="50" charset="-127"/>
+              <a:ea typeface="맑은 고딕" panose="020B0503020000020004" pitchFamily="50" charset="-127"/>
+            </a:endParaRPr>
+          </a:p>
+        </p:txBody>
+      </p:sp>
+      <p:sp>
+        <p:nvSpPr>
+          <p:cNvPr id="2" name="TextBox 1"/>
+          <p:cNvSpPr txBox="1"/>
+          <p:nvPr/>
+        </p:nvSpPr>
+        <p:spPr>
+          <a:xfrm>
+            <a:off x="4011407" y="3637345"/>
+            <a:ext cx="5132593" cy="1015663"/>
+          </a:xfrm>
+          <a:prstGeom prst="rect">
+            <a:avLst/>
+          </a:prstGeom>
+          <a:noFill/>
+        </p:spPr>
+        <p:txBody>
+          <a:bodyPr wrap="square" rtlCol="0">
+            <a:spAutoFit/>
+          </a:bodyPr>
+          <a:lstStyle/>
+          <a:p>
+            <a:r>
+              <a:rPr lang="ko-KR" altLang="en-US" sz="6000" dirty="0">
+                <a:solidFill>
+                  <a:schemeClr val="bg1"/>
+                </a:solidFill>
+                <a:latin typeface="맑은 고딕" panose="020B0503020000020004" pitchFamily="50" charset="-127"/>
+                <a:ea typeface="맑은 고딕" panose="020B0503020000020004" pitchFamily="50" charset="-127"/>
+              </a:rPr>
+              <a:t>결과</a:t>
+            </a:r>
+          </a:p>
+        </p:txBody>
+      </p:sp>
+      <p:sp>
+        <p:nvSpPr>
+          <p:cNvPr id="4" name="TextBox 3">
+            <a:extLst>
+              <a:ext uri="{FF2B5EF4-FFF2-40B4-BE49-F238E27FC236}">
+                <a16:creationId xmlns:a16="http://schemas.microsoft.com/office/drawing/2014/main" id="{EF7FB1F9-1623-C6CD-50EB-D783B17CEA42}"/>
+              </a:ext>
+            </a:extLst>
+          </p:cNvPr>
+          <p:cNvSpPr txBox="1"/>
+          <p:nvPr/>
+        </p:nvSpPr>
+        <p:spPr>
+          <a:xfrm>
+            <a:off x="914399" y="2448017"/>
+            <a:ext cx="3912781" cy="1015663"/>
+          </a:xfrm>
+          <a:prstGeom prst="rect">
+            <a:avLst/>
+          </a:prstGeom>
+          <a:noFill/>
+        </p:spPr>
+        <p:txBody>
+          <a:bodyPr wrap="square" rtlCol="0">
+            <a:spAutoFit/>
+          </a:bodyPr>
+          <a:lstStyle/>
+          <a:p>
+            <a:r>
+              <a:rPr lang="en-US" altLang="ko-KR" sz="6000" b="1" dirty="0">
+                <a:solidFill>
+                  <a:srgbClr val="F8F8F6"/>
+                </a:solidFill>
+                <a:latin typeface="맑은 고딕" panose="020B0503020000020004" pitchFamily="50" charset="-127"/>
+                <a:ea typeface="맑은 고딕" panose="020B0503020000020004" pitchFamily="50" charset="-127"/>
+              </a:rPr>
+              <a:t>Chapter 3 </a:t>
+            </a:r>
+          </a:p>
+        </p:txBody>
+      </p:sp>
+    </p:spTree>
+    <p:extLst>
+      <p:ext uri="{BB962C8B-B14F-4D97-AF65-F5344CB8AC3E}">
+        <p14:creationId xmlns:p14="http://schemas.microsoft.com/office/powerpoint/2010/main" val="1932199923"/>
+      </p:ext>
+    </p:extLst>
+  </p:cSld>
+  <p:clrMapOvr>
+    <a:masterClrMapping/>
+  </p:clrMapOvr>
+</p:sld>
+</file>
+
 <file path=ppt/slides/slide2.xml><?xml version="1.0" encoding="utf-8"?>
 <p:sld xmlns:a="http://schemas.openxmlformats.org/drawingml/2006/main" xmlns:r="http://schemas.openxmlformats.org/officeDocument/2006/relationships" xmlns:p="http://schemas.openxmlformats.org/presentationml/2006/main">
   <p:cSld>
@@ -7718,7 +11250,7 @@
         <p:spPr>
           <a:xfrm>
             <a:off x="454765" y="347543"/>
-            <a:ext cx="5589992" cy="646331"/>
+            <a:ext cx="4036682" cy="646331"/>
           </a:xfrm>
           <a:prstGeom prst="rect">
             <a:avLst/>
@@ -7732,6 +11264,16 @@
           <a:lstStyle/>
           <a:p>
             <a:r>
+              <a:rPr lang="en-US" altLang="ko-KR" sz="3600" dirty="0">
+                <a:solidFill>
+                  <a:schemeClr val="accent1"/>
+                </a:solidFill>
+                <a:latin typeface="맑은 고딕" panose="020B0503020000020004" pitchFamily="50" charset="-127"/>
+                <a:ea typeface="맑은 고딕" panose="020B0503020000020004" pitchFamily="50" charset="-127"/>
+              </a:rPr>
+              <a:t>GitHub Actions</a:t>
+            </a:r>
+            <a:r>
               <a:rPr lang="ko-KR" altLang="en-US" sz="3600" dirty="0">
                 <a:solidFill>
                   <a:schemeClr val="accent1"/>
@@ -7739,7 +11281,7 @@
                 <a:latin typeface="맑은 고딕" panose="020B0503020000020004" pitchFamily="50" charset="-127"/>
                 <a:ea typeface="맑은 고딕" panose="020B0503020000020004" pitchFamily="50" charset="-127"/>
               </a:rPr>
-              <a:t>테스트에 사용한 </a:t>
+              <a:t>란</a:t>
             </a:r>
             <a:r>
               <a:rPr lang="en-US" altLang="ko-KR" sz="3600" dirty="0">
@@ -7749,27 +11291,143 @@
                 <a:latin typeface="맑은 고딕" panose="020B0503020000020004" pitchFamily="50" charset="-127"/>
                 <a:ea typeface="맑은 고딕" panose="020B0503020000020004" pitchFamily="50" charset="-127"/>
               </a:rPr>
-              <a:t>CI/CD </a:t>
-            </a:r>
-            <a:r>
-              <a:rPr lang="ko-KR" altLang="en-US" sz="3600" dirty="0">
+              <a:t>?</a:t>
+            </a:r>
+            <a:endParaRPr lang="ko-KR" altLang="en-US" sz="3600" dirty="0">
+              <a:solidFill>
+                <a:schemeClr val="accent1"/>
+              </a:solidFill>
+              <a:latin typeface="맑은 고딕" panose="020B0503020000020004" pitchFamily="50" charset="-127"/>
+              <a:ea typeface="맑은 고딕" panose="020B0503020000020004" pitchFamily="50" charset="-127"/>
+            </a:endParaRPr>
+          </a:p>
+        </p:txBody>
+      </p:sp>
+      <p:sp>
+        <p:nvSpPr>
+          <p:cNvPr id="7" name="TextBox 6">
+            <a:extLst>
+              <a:ext uri="{FF2B5EF4-FFF2-40B4-BE49-F238E27FC236}">
+                <a16:creationId xmlns:a16="http://schemas.microsoft.com/office/drawing/2014/main" id="{C0A50661-10DC-42DA-1180-94A4F3E9EC45}"/>
+              </a:ext>
+            </a:extLst>
+          </p:cNvPr>
+          <p:cNvSpPr txBox="1"/>
+          <p:nvPr/>
+        </p:nvSpPr>
+        <p:spPr>
+          <a:xfrm>
+            <a:off x="636814" y="1912007"/>
+            <a:ext cx="7959499" cy="1569660"/>
+          </a:xfrm>
+          <a:prstGeom prst="rect">
+            <a:avLst/>
+          </a:prstGeom>
+          <a:noFill/>
+        </p:spPr>
+        <p:txBody>
+          <a:bodyPr wrap="square">
+            <a:spAutoFit/>
+          </a:bodyPr>
+          <a:lstStyle/>
+          <a:p>
+            <a:pPr marL="342900" indent="-342900">
+              <a:buFont typeface="Arial" panose="020B0604020202020204" pitchFamily="34" charset="0"/>
+              <a:buChar char="•"/>
+            </a:pPr>
+            <a:r>
+              <a:rPr lang="en-US" altLang="ko-KR" sz="2400" b="0" i="0" dirty="0">
                 <a:solidFill>
                   <a:schemeClr val="accent1"/>
                 </a:solidFill>
-                <a:latin typeface="맑은 고딕" panose="020B0503020000020004" pitchFamily="50" charset="-127"/>
-                <a:ea typeface="맑은 고딕" panose="020B0503020000020004" pitchFamily="50" charset="-127"/>
-              </a:rPr>
-              <a:t>툴</a:t>
-            </a:r>
+                <a:effectLst/>
+                <a:latin typeface="맑은 고딕" panose="020B0503020000020004" pitchFamily="50" charset="-127"/>
+                <a:ea typeface="맑은 고딕" panose="020B0503020000020004" pitchFamily="50" charset="-127"/>
+              </a:rPr>
+              <a:t>GitHub Actions</a:t>
+            </a:r>
+            <a:r>
+              <a:rPr lang="ko-KR" altLang="en-US" sz="2400" b="0" i="0" dirty="0">
+                <a:solidFill>
+                  <a:schemeClr val="accent1"/>
+                </a:solidFill>
+                <a:effectLst/>
+                <a:latin typeface="맑은 고딕" panose="020B0503020000020004" pitchFamily="50" charset="-127"/>
+                <a:ea typeface="맑은 고딕" panose="020B0503020000020004" pitchFamily="50" charset="-127"/>
+              </a:rPr>
+              <a:t>를 사용하면 자동으로 코드 저장소에서 어떤 이벤트</a:t>
+            </a:r>
+            <a:r>
+              <a:rPr lang="en-US" altLang="ko-KR" sz="2400" b="0" i="0" dirty="0">
+                <a:solidFill>
+                  <a:schemeClr val="accent1"/>
+                </a:solidFill>
+                <a:effectLst/>
+                <a:latin typeface="맑은 고딕" panose="020B0503020000020004" pitchFamily="50" charset="-127"/>
+                <a:ea typeface="맑은 고딕" panose="020B0503020000020004" pitchFamily="50" charset="-127"/>
+              </a:rPr>
+              <a:t>(event)</a:t>
+            </a:r>
+            <a:r>
+              <a:rPr lang="ko-KR" altLang="en-US" sz="2400" b="0" i="0" dirty="0">
+                <a:solidFill>
+                  <a:schemeClr val="accent1"/>
+                </a:solidFill>
+                <a:effectLst/>
+                <a:latin typeface="맑은 고딕" panose="020B0503020000020004" pitchFamily="50" charset="-127"/>
+                <a:ea typeface="맑은 고딕" panose="020B0503020000020004" pitchFamily="50" charset="-127"/>
+              </a:rPr>
+              <a:t>가 발생했을 때</a:t>
+            </a:r>
+            <a:r>
+              <a:rPr lang="en-US" altLang="ko-KR" sz="2400" b="0" i="0" dirty="0">
+                <a:solidFill>
+                  <a:schemeClr val="accent1"/>
+                </a:solidFill>
+                <a:effectLst/>
+                <a:latin typeface="맑은 고딕" panose="020B0503020000020004" pitchFamily="50" charset="-127"/>
+                <a:ea typeface="맑은 고딕" panose="020B0503020000020004" pitchFamily="50" charset="-127"/>
+              </a:rPr>
+              <a:t>,</a:t>
+            </a:r>
+            <a:r>
+              <a:rPr lang="ko-KR" altLang="en-US" sz="2400" b="0" i="0" dirty="0">
+                <a:solidFill>
+                  <a:schemeClr val="accent1"/>
+                </a:solidFill>
+                <a:effectLst/>
+                <a:latin typeface="맑은 고딕" panose="020B0503020000020004" pitchFamily="50" charset="-127"/>
+                <a:ea typeface="맑은 고딕" panose="020B0503020000020004" pitchFamily="50" charset="-127"/>
+              </a:rPr>
+              <a:t> 특정 작업이 일어나게 하거나 주기적으로 어떤 작업들을 반복해서 실행시킬 수도 있다</a:t>
+            </a:r>
+            <a:r>
+              <a:rPr lang="en-US" altLang="ko-KR" sz="2400" b="0" i="0" dirty="0">
+                <a:solidFill>
+                  <a:schemeClr val="accent1"/>
+                </a:solidFill>
+                <a:effectLst/>
+                <a:latin typeface="맑은 고딕" panose="020B0503020000020004" pitchFamily="50" charset="-127"/>
+                <a:ea typeface="맑은 고딕" panose="020B0503020000020004" pitchFamily="50" charset="-127"/>
+              </a:rPr>
+              <a:t>.</a:t>
+            </a:r>
+            <a:endParaRPr lang="ko-KR" altLang="en-US" sz="2400" dirty="0">
+              <a:solidFill>
+                <a:schemeClr val="accent1"/>
+              </a:solidFill>
+              <a:latin typeface="맑은 고딕" panose="020B0503020000020004" pitchFamily="50" charset="-127"/>
+              <a:ea typeface="맑은 고딕" panose="020B0503020000020004" pitchFamily="50" charset="-127"/>
+            </a:endParaRPr>
           </a:p>
         </p:txBody>
       </p:sp>
       <p:pic>
         <p:nvPicPr>
-          <p:cNvPr id="4" name="그림 3" descr="폰트, 그래픽, 로고, 텍스트이(가) 표시된 사진&#10;&#10;자동 생성된 설명">
+          <p:cNvPr id="8" name="그림 7">
             <a:extLst>
               <a:ext uri="{FF2B5EF4-FFF2-40B4-BE49-F238E27FC236}">
-                <a16:creationId xmlns:a16="http://schemas.microsoft.com/office/drawing/2014/main" id="{3F1F2700-1991-8121-34DB-8406F4395CC3}"/>
+                <a16:creationId xmlns:a16="http://schemas.microsoft.com/office/drawing/2014/main" id="{4C976964-62C9-4DD4-E0BB-F04346712D6A}"/>
               </a:ext>
             </a:extLst>
           </p:cNvPr>
@@ -7779,27 +11437,103 @@
           <p:nvPr/>
         </p:nvPicPr>
         <p:blipFill>
-          <a:blip r:embed="rId2">
-            <a:extLst>
-              <a:ext uri="{28A0092B-C50C-407E-A947-70E740481C1C}">
-                <a14:useLocalDpi xmlns:a14="http://schemas.microsoft.com/office/drawing/2010/main" val="0"/>
-              </a:ext>
-            </a:extLst>
-          </a:blip>
+          <a:blip r:embed="rId2"/>
           <a:stretch>
             <a:fillRect/>
           </a:stretch>
         </p:blipFill>
         <p:spPr>
           <a:xfrm>
-            <a:off x="380224" y="1304926"/>
-            <a:ext cx="3705225" cy="1228725"/>
+            <a:off x="547687" y="1474273"/>
+            <a:ext cx="7839075" cy="4278828"/>
           </a:xfrm>
           <a:prstGeom prst="rect">
             <a:avLst/>
           </a:prstGeom>
         </p:spPr>
       </p:pic>
+      <p:pic>
+        <p:nvPicPr>
+          <p:cNvPr id="10" name="그림 9">
+            <a:extLst>
+              <a:ext uri="{FF2B5EF4-FFF2-40B4-BE49-F238E27FC236}">
+                <a16:creationId xmlns:a16="http://schemas.microsoft.com/office/drawing/2014/main" id="{6624E1D7-1253-127A-45CA-3CCE26BA4E99}"/>
+              </a:ext>
+            </a:extLst>
+          </p:cNvPr>
+          <p:cNvPicPr>
+            <a:picLocks noChangeAspect="1"/>
+          </p:cNvPicPr>
+          <p:nvPr/>
+        </p:nvPicPr>
+        <p:blipFill>
+          <a:blip r:embed="rId3"/>
+          <a:stretch>
+            <a:fillRect/>
+          </a:stretch>
+        </p:blipFill>
+        <p:spPr>
+          <a:xfrm>
+            <a:off x="547687" y="1474273"/>
+            <a:ext cx="7839075" cy="4262497"/>
+          </a:xfrm>
+          <a:prstGeom prst="rect">
+            <a:avLst/>
+          </a:prstGeom>
+        </p:spPr>
+      </p:pic>
+      <p:sp>
+        <p:nvSpPr>
+          <p:cNvPr id="11" name="직사각형 10">
+            <a:extLst>
+              <a:ext uri="{FF2B5EF4-FFF2-40B4-BE49-F238E27FC236}">
+                <a16:creationId xmlns:a16="http://schemas.microsoft.com/office/drawing/2014/main" id="{58997CB2-DDCD-6BC9-ABF2-C2D8697BE798}"/>
+              </a:ext>
+            </a:extLst>
+          </p:cNvPr>
+          <p:cNvSpPr/>
+          <p:nvPr/>
+        </p:nvSpPr>
+        <p:spPr>
+          <a:xfrm>
+            <a:off x="1223963" y="4276725"/>
+            <a:ext cx="604837" cy="276225"/>
+          </a:xfrm>
+          <a:prstGeom prst="rect">
+            <a:avLst/>
+          </a:prstGeom>
+          <a:noFill/>
+          <a:ln>
+            <a:solidFill>
+              <a:srgbClr val="C00000"/>
+            </a:solidFill>
+          </a:ln>
+        </p:spPr>
+        <p:style>
+          <a:lnRef idx="2">
+            <a:schemeClr val="accent1">
+              <a:shade val="50000"/>
+            </a:schemeClr>
+          </a:lnRef>
+          <a:fillRef idx="1">
+            <a:schemeClr val="accent1"/>
+          </a:fillRef>
+          <a:effectRef idx="0">
+            <a:schemeClr val="accent1"/>
+          </a:effectRef>
+          <a:fontRef idx="minor">
+            <a:schemeClr val="lt1"/>
+          </a:fontRef>
+        </p:style>
+        <p:txBody>
+          <a:bodyPr rtlCol="0" anchor="ctr"/>
+          <a:lstStyle/>
+          <a:p>
+            <a:pPr algn="ctr"/>
+            <a:endParaRPr lang="ko-KR" altLang="en-US"/>
+          </a:p>
+        </p:txBody>
+      </p:sp>
     </p:spTree>
     <p:extLst>
       <p:ext uri="{BB962C8B-B14F-4D97-AF65-F5344CB8AC3E}">
@@ -7810,6 +11544,202 @@
   <p:clrMapOvr>
     <a:masterClrMapping/>
   </p:clrMapOvr>
+  <p:timing>
+    <p:tnLst>
+      <p:par>
+        <p:cTn id="1" dur="indefinite" restart="never" nodeType="tmRoot">
+          <p:childTnLst>
+            <p:seq concurrent="1" nextAc="seek">
+              <p:cTn id="2" dur="indefinite" nodeType="mainSeq">
+                <p:childTnLst>
+                  <p:par>
+                    <p:cTn id="3" fill="hold">
+                      <p:stCondLst>
+                        <p:cond delay="indefinite"/>
+                      </p:stCondLst>
+                      <p:childTnLst>
+                        <p:par>
+                          <p:cTn id="4" fill="hold">
+                            <p:stCondLst>
+                              <p:cond delay="0"/>
+                            </p:stCondLst>
+                            <p:childTnLst>
+                              <p:par>
+                                <p:cTn id="5" presetID="1" presetClass="entr" presetSubtype="0" fill="hold" nodeType="clickEffect">
+                                  <p:stCondLst>
+                                    <p:cond delay="0"/>
+                                  </p:stCondLst>
+                                  <p:childTnLst>
+                                    <p:set>
+                                      <p:cBhvr>
+                                        <p:cTn id="6" dur="1" fill="hold">
+                                          <p:stCondLst>
+                                            <p:cond delay="0"/>
+                                          </p:stCondLst>
+                                        </p:cTn>
+                                        <p:tgtEl>
+                                          <p:spTgt spid="8"/>
+                                        </p:tgtEl>
+                                        <p:attrNameLst>
+                                          <p:attrName>style.visibility</p:attrName>
+                                        </p:attrNameLst>
+                                      </p:cBhvr>
+                                      <p:to>
+                                        <p:strVal val="visible"/>
+                                      </p:to>
+                                    </p:set>
+                                  </p:childTnLst>
+                                </p:cTn>
+                              </p:par>
+                            </p:childTnLst>
+                          </p:cTn>
+                        </p:par>
+                      </p:childTnLst>
+                    </p:cTn>
+                  </p:par>
+                  <p:par>
+                    <p:cTn id="7" fill="hold">
+                      <p:stCondLst>
+                        <p:cond delay="indefinite"/>
+                      </p:stCondLst>
+                      <p:childTnLst>
+                        <p:par>
+                          <p:cTn id="8" fill="hold">
+                            <p:stCondLst>
+                              <p:cond delay="0"/>
+                            </p:stCondLst>
+                            <p:childTnLst>
+                              <p:par>
+                                <p:cTn id="9" presetID="1" presetClass="entr" presetSubtype="0" fill="hold" grpId="0" nodeType="clickEffect">
+                                  <p:stCondLst>
+                                    <p:cond delay="0"/>
+                                  </p:stCondLst>
+                                  <p:childTnLst>
+                                    <p:set>
+                                      <p:cBhvr>
+                                        <p:cTn id="10" dur="1" fill="hold">
+                                          <p:stCondLst>
+                                            <p:cond delay="0"/>
+                                          </p:stCondLst>
+                                        </p:cTn>
+                                        <p:tgtEl>
+                                          <p:spTgt spid="11"/>
+                                        </p:tgtEl>
+                                        <p:attrNameLst>
+                                          <p:attrName>style.visibility</p:attrName>
+                                        </p:attrNameLst>
+                                      </p:cBhvr>
+                                      <p:to>
+                                        <p:strVal val="visible"/>
+                                      </p:to>
+                                    </p:set>
+                                  </p:childTnLst>
+                                </p:cTn>
+                              </p:par>
+                            </p:childTnLst>
+                          </p:cTn>
+                        </p:par>
+                      </p:childTnLst>
+                    </p:cTn>
+                  </p:par>
+                  <p:par>
+                    <p:cTn id="11" fill="hold">
+                      <p:stCondLst>
+                        <p:cond delay="indefinite"/>
+                      </p:stCondLst>
+                      <p:childTnLst>
+                        <p:par>
+                          <p:cTn id="12" fill="hold">
+                            <p:stCondLst>
+                              <p:cond delay="0"/>
+                            </p:stCondLst>
+                            <p:childTnLst>
+                              <p:par>
+                                <p:cTn id="13" presetID="1" presetClass="entr" presetSubtype="0" fill="hold" nodeType="clickEffect">
+                                  <p:stCondLst>
+                                    <p:cond delay="0"/>
+                                  </p:stCondLst>
+                                  <p:childTnLst>
+                                    <p:set>
+                                      <p:cBhvr>
+                                        <p:cTn id="14" dur="1" fill="hold">
+                                          <p:stCondLst>
+                                            <p:cond delay="0"/>
+                                          </p:stCondLst>
+                                        </p:cTn>
+                                        <p:tgtEl>
+                                          <p:spTgt spid="10"/>
+                                        </p:tgtEl>
+                                        <p:attrNameLst>
+                                          <p:attrName>style.visibility</p:attrName>
+                                        </p:attrNameLst>
+                                      </p:cBhvr>
+                                      <p:to>
+                                        <p:strVal val="visible"/>
+                                      </p:to>
+                                    </p:set>
+                                  </p:childTnLst>
+                                </p:cTn>
+                              </p:par>
+                              <p:par>
+                                <p:cTn id="15" presetID="1" presetClass="exit" presetSubtype="0" fill="hold" grpId="1" nodeType="withEffect">
+                                  <p:stCondLst>
+                                    <p:cond delay="0"/>
+                                  </p:stCondLst>
+                                  <p:childTnLst>
+                                    <p:set>
+                                      <p:cBhvr>
+                                        <p:cTn id="16" dur="1" fill="hold">
+                                          <p:stCondLst>
+                                            <p:cond delay="0"/>
+                                          </p:stCondLst>
+                                        </p:cTn>
+                                        <p:tgtEl>
+                                          <p:spTgt spid="11"/>
+                                        </p:tgtEl>
+                                        <p:attrNameLst>
+                                          <p:attrName>style.visibility</p:attrName>
+                                        </p:attrNameLst>
+                                      </p:cBhvr>
+                                      <p:to>
+                                        <p:strVal val="hidden"/>
+                                      </p:to>
+                                    </p:set>
+                                  </p:childTnLst>
+                                </p:cTn>
+                              </p:par>
+                            </p:childTnLst>
+                          </p:cTn>
+                        </p:par>
+                      </p:childTnLst>
+                    </p:cTn>
+                  </p:par>
+                </p:childTnLst>
+              </p:cTn>
+              <p:prevCondLst>
+                <p:cond evt="onPrev" delay="0">
+                  <p:tgtEl>
+                    <p:sldTgt/>
+                  </p:tgtEl>
+                </p:cond>
+              </p:prevCondLst>
+              <p:nextCondLst>
+                <p:cond evt="onNext" delay="0">
+                  <p:tgtEl>
+                    <p:sldTgt/>
+                  </p:tgtEl>
+                </p:cond>
+              </p:nextCondLst>
+            </p:seq>
+          </p:childTnLst>
+        </p:cTn>
+      </p:par>
+    </p:tnLst>
+    <p:bldLst>
+      <p:bldP spid="11" grpId="0" animBg="1"/>
+      <p:bldP spid="11" grpId="1" animBg="1"/>
+    </p:bldLst>
+  </p:timing>
 </p:sld>
 </file>
 

--- a/Github Actions.pptx
+++ b/Github Actions.pptx
@@ -5,7 +5,7 @@
     <p:sldMasterId id="2147483696" r:id="rId1"/>
   </p:sldMasterIdLst>
   <p:handoutMasterIdLst>
-    <p:handoutMasterId r:id="rId16"/>
+    <p:handoutMasterId r:id="rId17"/>
   </p:handoutMasterIdLst>
   <p:sldIdLst>
     <p:sldId id="261" r:id="rId2"/>
@@ -19,29 +19,30 @@
     <p:sldId id="267" r:id="rId10"/>
     <p:sldId id="272" r:id="rId11"/>
     <p:sldId id="271" r:id="rId12"/>
-    <p:sldId id="268" r:id="rId13"/>
-    <p:sldId id="269" r:id="rId14"/>
-    <p:sldId id="270" r:id="rId15"/>
+    <p:sldId id="273" r:id="rId13"/>
+    <p:sldId id="268" r:id="rId14"/>
+    <p:sldId id="269" r:id="rId15"/>
+    <p:sldId id="270" r:id="rId16"/>
   </p:sldIdLst>
   <p:sldSz cx="9144000" cy="6858000" type="screen4x3"/>
   <p:notesSz cx="6858000" cy="9144000"/>
   <p:embeddedFontLst>
     <p:embeddedFont>
       <p:font typeface="Calibri" panose="020F0502020204030204" pitchFamily="34" charset="0"/>
-      <p:regular r:id="rId17"/>
-      <p:bold r:id="rId18"/>
-      <p:italic r:id="rId19"/>
-      <p:boldItalic r:id="rId20"/>
+      <p:regular r:id="rId18"/>
+      <p:bold r:id="rId19"/>
+      <p:italic r:id="rId20"/>
+      <p:boldItalic r:id="rId21"/>
     </p:embeddedFont>
     <p:embeddedFont>
       <p:font typeface="Calibri Light" panose="020F0302020204030204" pitchFamily="34" charset="0"/>
-      <p:regular r:id="rId21"/>
-      <p:italic r:id="rId22"/>
+      <p:regular r:id="rId22"/>
+      <p:italic r:id="rId23"/>
     </p:embeddedFont>
     <p:embeddedFont>
       <p:font typeface="맑은 고딕" panose="020B0503020000020004" pitchFamily="50" charset="-127"/>
-      <p:regular r:id="rId23"/>
-      <p:bold r:id="rId24"/>
+      <p:regular r:id="rId24"/>
+      <p:bold r:id="rId25"/>
     </p:embeddedFont>
   </p:embeddedFontLst>
   <p:defaultTextStyle>
@@ -164,7 +165,7 @@
 <file path=ppt/revisionInfo.xml><?xml version="1.0" encoding="utf-8"?>
 <p1510:revInfo xmlns:a="http://schemas.openxmlformats.org/drawingml/2006/main" xmlns:r="http://schemas.openxmlformats.org/officeDocument/2006/relationships" xmlns:p1510="http://schemas.microsoft.com/office/powerpoint/2015/10/main">
   <p1510:revLst>
-    <p1510:client id="{C2BBBA8B-5CA5-4BA0-9F53-57592505F585}" v="41" dt="2023-10-04T04:50:33.924"/>
+    <p1510:client id="{C2BBBA8B-5CA5-4BA0-9F53-57592505F585}" v="53" dt="2023-10-04T06:19:50.178"/>
   </p1510:revLst>
 </p1510:revInfo>
 </file>
@@ -174,7 +175,7 @@
   <pc:docChgLst>
     <pc:chgData name="taeyoung park" userId="676690fc0741a85e" providerId="LiveId" clId="{C2BBBA8B-5CA5-4BA0-9F53-57592505F585}"/>
     <pc:docChg chg="undo redo custSel addSld delSld modSld sldOrd">
-      <pc:chgData name="taeyoung park" userId="676690fc0741a85e" providerId="LiveId" clId="{C2BBBA8B-5CA5-4BA0-9F53-57592505F585}" dt="2023-10-04T04:51:13.682" v="737" actId="1076"/>
+      <pc:chgData name="taeyoung park" userId="676690fc0741a85e" providerId="LiveId" clId="{C2BBBA8B-5CA5-4BA0-9F53-57592505F585}" dt="2023-10-04T06:20:19.943" v="835" actId="1076"/>
       <pc:docMkLst>
         <pc:docMk/>
       </pc:docMkLst>
@@ -250,7 +251,7 @@
         </pc:picChg>
       </pc:sldChg>
       <pc:sldChg chg="addSp delSp modSp add mod">
-        <pc:chgData name="taeyoung park" userId="676690fc0741a85e" providerId="LiveId" clId="{C2BBBA8B-5CA5-4BA0-9F53-57592505F585}" dt="2023-10-03T15:25:31.729" v="202" actId="1076"/>
+        <pc:chgData name="taeyoung park" userId="676690fc0741a85e" providerId="LiveId" clId="{C2BBBA8B-5CA5-4BA0-9F53-57592505F585}" dt="2023-10-04T06:18:50.585" v="828" actId="20577"/>
         <pc:sldMkLst>
           <pc:docMk/>
           <pc:sldMk cId="1773063938" sldId="268"/>
@@ -304,7 +305,7 @@
           </ac:spMkLst>
         </pc:spChg>
         <pc:spChg chg="add mod">
-          <ac:chgData name="taeyoung park" userId="676690fc0741a85e" providerId="LiveId" clId="{C2BBBA8B-5CA5-4BA0-9F53-57592505F585}" dt="2023-10-03T15:25:31.729" v="202" actId="1076"/>
+          <ac:chgData name="taeyoung park" userId="676690fc0741a85e" providerId="LiveId" clId="{C2BBBA8B-5CA5-4BA0-9F53-57592505F585}" dt="2023-10-04T06:18:50.585" v="828" actId="20577"/>
           <ac:spMkLst>
             <pc:docMk/>
             <pc:sldMk cId="1773063938" sldId="268"/>
@@ -550,7 +551,7 @@
         </pc:picChg>
       </pc:sldChg>
       <pc:sldChg chg="addSp delSp modSp add mod ord">
-        <pc:chgData name="taeyoung park" userId="676690fc0741a85e" providerId="LiveId" clId="{C2BBBA8B-5CA5-4BA0-9F53-57592505F585}" dt="2023-10-04T04:51:13.682" v="737" actId="1076"/>
+        <pc:chgData name="taeyoung park" userId="676690fc0741a85e" providerId="LiveId" clId="{C2BBBA8B-5CA5-4BA0-9F53-57592505F585}" dt="2023-10-04T06:17:49.274" v="827" actId="1036"/>
         <pc:sldMkLst>
           <pc:docMk/>
           <pc:sldMk cId="1224261958" sldId="272"/>
@@ -596,7 +597,7 @@
           </ac:spMkLst>
         </pc:spChg>
         <pc:spChg chg="add mod">
-          <ac:chgData name="taeyoung park" userId="676690fc0741a85e" providerId="LiveId" clId="{C2BBBA8B-5CA5-4BA0-9F53-57592505F585}" dt="2023-10-04T04:51:13.682" v="737" actId="1076"/>
+          <ac:chgData name="taeyoung park" userId="676690fc0741a85e" providerId="LiveId" clId="{C2BBBA8B-5CA5-4BA0-9F53-57592505F585}" dt="2023-10-04T06:17:49.274" v="827" actId="1036"/>
           <ac:spMkLst>
             <pc:docMk/>
             <pc:sldMk cId="1224261958" sldId="272"/>
@@ -604,19 +605,43 @@
           </ac:spMkLst>
         </pc:spChg>
         <pc:spChg chg="add mod">
-          <ac:chgData name="taeyoung park" userId="676690fc0741a85e" providerId="LiveId" clId="{C2BBBA8B-5CA5-4BA0-9F53-57592505F585}" dt="2023-10-04T04:51:13.682" v="737" actId="1076"/>
+          <ac:chgData name="taeyoung park" userId="676690fc0741a85e" providerId="LiveId" clId="{C2BBBA8B-5CA5-4BA0-9F53-57592505F585}" dt="2023-10-04T06:17:49.274" v="827" actId="1036"/>
           <ac:spMkLst>
             <pc:docMk/>
             <pc:sldMk cId="1224261958" sldId="272"/>
             <ac:spMk id="13" creationId="{5DEDB540-8609-E21F-231E-7FA1265BC571}"/>
           </ac:spMkLst>
         </pc:spChg>
-        <pc:picChg chg="add mod">
-          <ac:chgData name="taeyoung park" userId="676690fc0741a85e" providerId="LiveId" clId="{C2BBBA8B-5CA5-4BA0-9F53-57592505F585}" dt="2023-10-03T16:10:15.106" v="583" actId="1076"/>
+        <pc:grpChg chg="add mod">
+          <ac:chgData name="taeyoung park" userId="676690fc0741a85e" providerId="LiveId" clId="{C2BBBA8B-5CA5-4BA0-9F53-57592505F585}" dt="2023-10-04T06:17:34.296" v="806" actId="14100"/>
+          <ac:grpSpMkLst>
+            <pc:docMk/>
+            <pc:sldMk cId="1224261958" sldId="272"/>
+            <ac:grpSpMk id="10" creationId="{BDEC9569-E985-DFB2-A907-1D0B13D7B323}"/>
+          </ac:grpSpMkLst>
+        </pc:grpChg>
+        <pc:picChg chg="add mod modCrop">
+          <ac:chgData name="taeyoung park" userId="676690fc0741a85e" providerId="LiveId" clId="{C2BBBA8B-5CA5-4BA0-9F53-57592505F585}" dt="2023-10-04T06:16:39.565" v="794" actId="732"/>
           <ac:picMkLst>
             <pc:docMk/>
             <pc:sldMk cId="1224261958" sldId="272"/>
             <ac:picMk id="4" creationId="{4D99D729-BBCF-641F-7E90-57698467B769}"/>
+          </ac:picMkLst>
+        </pc:picChg>
+        <pc:picChg chg="add mod modCrop">
+          <ac:chgData name="taeyoung park" userId="676690fc0741a85e" providerId="LiveId" clId="{C2BBBA8B-5CA5-4BA0-9F53-57592505F585}" dt="2023-10-04T06:17:21.881" v="804" actId="164"/>
+          <ac:picMkLst>
+            <pc:docMk/>
+            <pc:sldMk cId="1224261958" sldId="272"/>
+            <ac:picMk id="7" creationId="{2A53CC2F-0D65-2BBA-1BBE-6947440B096B}"/>
+          </ac:picMkLst>
+        </pc:picChg>
+        <pc:picChg chg="add mod modCrop">
+          <ac:chgData name="taeyoung park" userId="676690fc0741a85e" providerId="LiveId" clId="{C2BBBA8B-5CA5-4BA0-9F53-57592505F585}" dt="2023-10-04T06:17:21.881" v="804" actId="164"/>
+          <ac:picMkLst>
+            <pc:docMk/>
+            <pc:sldMk cId="1224261958" sldId="272"/>
+            <ac:picMk id="9" creationId="{4D8A8615-4ED6-1971-BAAE-918D646C5964}"/>
           </ac:picMkLst>
         </pc:picChg>
       </pc:sldChg>
@@ -626,6 +651,109 @@
           <pc:docMk/>
           <pc:sldMk cId="289067914" sldId="273"/>
         </pc:sldMkLst>
+      </pc:sldChg>
+      <pc:sldChg chg="addSp delSp modSp add mod ord modAnim">
+        <pc:chgData name="taeyoung park" userId="676690fc0741a85e" providerId="LiveId" clId="{C2BBBA8B-5CA5-4BA0-9F53-57592505F585}" dt="2023-10-04T06:20:19.943" v="835" actId="1076"/>
+        <pc:sldMkLst>
+          <pc:docMk/>
+          <pc:sldMk cId="992579566" sldId="273"/>
+        </pc:sldMkLst>
+        <pc:spChg chg="mod">
+          <ac:chgData name="taeyoung park" userId="676690fc0741a85e" providerId="LiveId" clId="{C2BBBA8B-5CA5-4BA0-9F53-57592505F585}" dt="2023-10-04T06:06:45.791" v="759" actId="20577"/>
+          <ac:spMkLst>
+            <pc:docMk/>
+            <pc:sldMk cId="992579566" sldId="273"/>
+            <ac:spMk id="8" creationId="{AE33CB1D-901A-9243-7364-0A65AAF690CA}"/>
+          </ac:spMkLst>
+        </pc:spChg>
+        <pc:spChg chg="del">
+          <ac:chgData name="taeyoung park" userId="676690fc0741a85e" providerId="LiveId" clId="{C2BBBA8B-5CA5-4BA0-9F53-57592505F585}" dt="2023-10-04T06:06:47.254" v="760" actId="478"/>
+          <ac:spMkLst>
+            <pc:docMk/>
+            <pc:sldMk cId="992579566" sldId="273"/>
+            <ac:spMk id="9" creationId="{4479CE6C-60CE-72E1-BA55-5F4A2BA84FC7}"/>
+          </ac:spMkLst>
+        </pc:spChg>
+        <pc:spChg chg="add mod">
+          <ac:chgData name="taeyoung park" userId="676690fc0741a85e" providerId="LiveId" clId="{C2BBBA8B-5CA5-4BA0-9F53-57592505F585}" dt="2023-10-04T06:08:55.099" v="776" actId="164"/>
+          <ac:spMkLst>
+            <pc:docMk/>
+            <pc:sldMk cId="992579566" sldId="273"/>
+            <ac:spMk id="10" creationId="{908F4AF0-225B-A031-5EB7-BF24783410A8}"/>
+          </ac:spMkLst>
+        </pc:spChg>
+        <pc:spChg chg="add mod">
+          <ac:chgData name="taeyoung park" userId="676690fc0741a85e" providerId="LiveId" clId="{C2BBBA8B-5CA5-4BA0-9F53-57592505F585}" dt="2023-10-04T06:09:26.073" v="781" actId="164"/>
+          <ac:spMkLst>
+            <pc:docMk/>
+            <pc:sldMk cId="992579566" sldId="273"/>
+            <ac:spMk id="13" creationId="{531ABAEE-1655-BBF9-2E3F-58B21C0EF8E9}"/>
+          </ac:spMkLst>
+        </pc:spChg>
+        <pc:spChg chg="add mod">
+          <ac:chgData name="taeyoung park" userId="676690fc0741a85e" providerId="LiveId" clId="{C2BBBA8B-5CA5-4BA0-9F53-57592505F585}" dt="2023-10-04T06:11:06.125" v="789"/>
+          <ac:spMkLst>
+            <pc:docMk/>
+            <pc:sldMk cId="992579566" sldId="273"/>
+            <ac:spMk id="18" creationId="{F49A7BF4-AEBA-79D2-AA5A-336AC3F4F4CA}"/>
+          </ac:spMkLst>
+        </pc:spChg>
+        <pc:spChg chg="add mod">
+          <ac:chgData name="taeyoung park" userId="676690fc0741a85e" providerId="LiveId" clId="{C2BBBA8B-5CA5-4BA0-9F53-57592505F585}" dt="2023-10-04T06:10:28.838" v="788" actId="1076"/>
+          <ac:spMkLst>
+            <pc:docMk/>
+            <pc:sldMk cId="992579566" sldId="273"/>
+            <ac:spMk id="19" creationId="{B0705F3E-BBD0-5EA1-9EBB-65B436F42648}"/>
+          </ac:spMkLst>
+        </pc:spChg>
+        <pc:grpChg chg="add mod">
+          <ac:chgData name="taeyoung park" userId="676690fc0741a85e" providerId="LiveId" clId="{C2BBBA8B-5CA5-4BA0-9F53-57592505F585}" dt="2023-10-04T06:08:55.099" v="776" actId="164"/>
+          <ac:grpSpMkLst>
+            <pc:docMk/>
+            <pc:sldMk cId="992579566" sldId="273"/>
+            <ac:grpSpMk id="14" creationId="{7973A85A-DEA5-5320-A1A9-A8B78842AA8F}"/>
+          </ac:grpSpMkLst>
+        </pc:grpChg>
+        <pc:grpChg chg="add mod">
+          <ac:chgData name="taeyoung park" userId="676690fc0741a85e" providerId="LiveId" clId="{C2BBBA8B-5CA5-4BA0-9F53-57592505F585}" dt="2023-10-04T06:20:08.519" v="834" actId="1076"/>
+          <ac:grpSpMkLst>
+            <pc:docMk/>
+            <pc:sldMk cId="992579566" sldId="273"/>
+            <ac:grpSpMk id="15" creationId="{6CC52621-CB1E-8F13-63DD-8B3661B9062E}"/>
+          </ac:grpSpMkLst>
+        </pc:grpChg>
+        <pc:graphicFrameChg chg="del">
+          <ac:chgData name="taeyoung park" userId="676690fc0741a85e" providerId="LiveId" clId="{C2BBBA8B-5CA5-4BA0-9F53-57592505F585}" dt="2023-10-04T06:06:50.902" v="761" actId="478"/>
+          <ac:graphicFrameMkLst>
+            <pc:docMk/>
+            <pc:sldMk cId="992579566" sldId="273"/>
+            <ac:graphicFrameMk id="4" creationId="{1028DDB3-5C31-415A-4721-36E52BC0FEDB}"/>
+          </ac:graphicFrameMkLst>
+        </pc:graphicFrameChg>
+        <pc:picChg chg="add mod">
+          <ac:chgData name="taeyoung park" userId="676690fc0741a85e" providerId="LiveId" clId="{C2BBBA8B-5CA5-4BA0-9F53-57592505F585}" dt="2023-10-04T06:08:55.099" v="776" actId="164"/>
+          <ac:picMkLst>
+            <pc:docMk/>
+            <pc:sldMk cId="992579566" sldId="273"/>
+            <ac:picMk id="7" creationId="{D67747F2-2933-E657-4106-7995DDA3BEC2}"/>
+          </ac:picMkLst>
+        </pc:picChg>
+        <pc:picChg chg="add mod">
+          <ac:chgData name="taeyoung park" userId="676690fc0741a85e" providerId="LiveId" clId="{C2BBBA8B-5CA5-4BA0-9F53-57592505F585}" dt="2023-10-04T06:09:26.073" v="781" actId="164"/>
+          <ac:picMkLst>
+            <pc:docMk/>
+            <pc:sldMk cId="992579566" sldId="273"/>
+            <ac:picMk id="12" creationId="{1C01DDDE-DB16-B510-D2B7-3051A5F947B1}"/>
+          </ac:picMkLst>
+        </pc:picChg>
+        <pc:picChg chg="add mod">
+          <ac:chgData name="taeyoung park" userId="676690fc0741a85e" providerId="LiveId" clId="{C2BBBA8B-5CA5-4BA0-9F53-57592505F585}" dt="2023-10-04T06:20:19.943" v="835" actId="1076"/>
+          <ac:picMkLst>
+            <pc:docMk/>
+            <pc:sldMk cId="992579566" sldId="273"/>
+            <ac:picMk id="17" creationId="{818647F9-462F-1CAF-7BC4-917216B9B68A}"/>
+          </ac:picMkLst>
+        </pc:picChg>
       </pc:sldChg>
     </pc:docChg>
   </pc:docChgLst>
@@ -780,7 +908,7 @@
           <a:p>
             <a:fld id="{22DC2647-C259-4EB5-84B8-93A3F8E54DE7}" type="datetimeFigureOut">
               <a:rPr lang="ko-KR" altLang="en-US" smtClean="0"/>
-              <a:t>2023-10-03</a:t>
+              <a:t>2023-10-04</a:t>
             </a:fld>
             <a:endParaRPr lang="ko-KR" altLang="en-US"/>
           </a:p>
@@ -928,7 +1056,7 @@
           <a:p>
             <a:fld id="{8771C398-EBCC-4210-8AFD-1D056CED0821}" type="datetimeFigureOut">
               <a:rPr lang="ko-KR" altLang="en-US" smtClean="0"/>
-              <a:t>2023-10-03</a:t>
+              <a:t>2023-10-04</a:t>
             </a:fld>
             <a:endParaRPr lang="ko-KR" altLang="en-US"/>
           </a:p>
@@ -1098,7 +1226,7 @@
           <a:p>
             <a:fld id="{8771C398-EBCC-4210-8AFD-1D056CED0821}" type="datetimeFigureOut">
               <a:rPr lang="ko-KR" altLang="en-US" smtClean="0"/>
-              <a:t>2023-10-03</a:t>
+              <a:t>2023-10-04</a:t>
             </a:fld>
             <a:endParaRPr lang="ko-KR" altLang="en-US"/>
           </a:p>
@@ -1278,7 +1406,7 @@
           <a:p>
             <a:fld id="{8771C398-EBCC-4210-8AFD-1D056CED0821}" type="datetimeFigureOut">
               <a:rPr lang="ko-KR" altLang="en-US" smtClean="0"/>
-              <a:t>2023-10-03</a:t>
+              <a:t>2023-10-04</a:t>
             </a:fld>
             <a:endParaRPr lang="ko-KR" altLang="en-US"/>
           </a:p>
@@ -1448,7 +1576,7 @@
           <a:p>
             <a:fld id="{8771C398-EBCC-4210-8AFD-1D056CED0821}" type="datetimeFigureOut">
               <a:rPr lang="ko-KR" altLang="en-US" smtClean="0"/>
-              <a:t>2023-10-03</a:t>
+              <a:t>2023-10-04</a:t>
             </a:fld>
             <a:endParaRPr lang="ko-KR" altLang="en-US"/>
           </a:p>
@@ -1692,7 +1820,7 @@
           <a:p>
             <a:fld id="{8771C398-EBCC-4210-8AFD-1D056CED0821}" type="datetimeFigureOut">
               <a:rPr lang="ko-KR" altLang="en-US" smtClean="0"/>
-              <a:t>2023-10-03</a:t>
+              <a:t>2023-10-04</a:t>
             </a:fld>
             <a:endParaRPr lang="ko-KR" altLang="en-US"/>
           </a:p>
@@ -1924,7 +2052,7 @@
           <a:p>
             <a:fld id="{8771C398-EBCC-4210-8AFD-1D056CED0821}" type="datetimeFigureOut">
               <a:rPr lang="ko-KR" altLang="en-US" smtClean="0"/>
-              <a:t>2023-10-03</a:t>
+              <a:t>2023-10-04</a:t>
             </a:fld>
             <a:endParaRPr lang="ko-KR" altLang="en-US"/>
           </a:p>
@@ -2291,7 +2419,7 @@
           <a:p>
             <a:fld id="{8771C398-EBCC-4210-8AFD-1D056CED0821}" type="datetimeFigureOut">
               <a:rPr lang="ko-KR" altLang="en-US" smtClean="0"/>
-              <a:t>2023-10-03</a:t>
+              <a:t>2023-10-04</a:t>
             </a:fld>
             <a:endParaRPr lang="ko-KR" altLang="en-US"/>
           </a:p>
@@ -2409,7 +2537,7 @@
           <a:p>
             <a:fld id="{8771C398-EBCC-4210-8AFD-1D056CED0821}" type="datetimeFigureOut">
               <a:rPr lang="ko-KR" altLang="en-US" smtClean="0"/>
-              <a:t>2023-10-03</a:t>
+              <a:t>2023-10-04</a:t>
             </a:fld>
             <a:endParaRPr lang="ko-KR" altLang="en-US"/>
           </a:p>
@@ -2504,7 +2632,7 @@
           <a:p>
             <a:fld id="{8771C398-EBCC-4210-8AFD-1D056CED0821}" type="datetimeFigureOut">
               <a:rPr lang="ko-KR" altLang="en-US" smtClean="0"/>
-              <a:t>2023-10-03</a:t>
+              <a:t>2023-10-04</a:t>
             </a:fld>
             <a:endParaRPr lang="ko-KR" altLang="en-US"/>
           </a:p>
@@ -2781,7 +2909,7 @@
           <a:p>
             <a:fld id="{8771C398-EBCC-4210-8AFD-1D056CED0821}" type="datetimeFigureOut">
               <a:rPr lang="ko-KR" altLang="en-US" smtClean="0"/>
-              <a:t>2023-10-03</a:t>
+              <a:t>2023-10-04</a:t>
             </a:fld>
             <a:endParaRPr lang="ko-KR" altLang="en-US"/>
           </a:p>
@@ -3038,7 +3166,7 @@
           <a:p>
             <a:fld id="{8771C398-EBCC-4210-8AFD-1D056CED0821}" type="datetimeFigureOut">
               <a:rPr lang="ko-KR" altLang="en-US" smtClean="0"/>
-              <a:t>2023-10-03</a:t>
+              <a:t>2023-10-04</a:t>
             </a:fld>
             <a:endParaRPr lang="ko-KR" altLang="en-US"/>
           </a:p>
@@ -3254,7 +3382,7 @@
           <a:p>
             <a:fld id="{8771C398-EBCC-4210-8AFD-1D056CED0821}" type="datetimeFigureOut">
               <a:rPr lang="ko-KR" altLang="en-US" smtClean="0"/>
-              <a:t>2023-10-03</a:t>
+              <a:t>2023-10-04</a:t>
             </a:fld>
             <a:endParaRPr lang="ko-KR" altLang="en-US"/>
           </a:p>
@@ -4108,16 +4236,15 @@
           </p:cNvPicPr>
           <p:nvPr/>
         </p:nvPicPr>
-        <p:blipFill>
+        <p:blipFill rotWithShape="1">
           <a:blip r:embed="rId2"/>
-          <a:stretch>
-            <a:fillRect/>
-          </a:stretch>
+          <a:srcRect t="268" b="7692"/>
+          <a:stretch/>
         </p:blipFill>
         <p:spPr>
           <a:xfrm>
-            <a:off x="871513" y="2279155"/>
-            <a:ext cx="6905675" cy="1914539"/>
+            <a:off x="881039" y="1939888"/>
+            <a:ext cx="6905675" cy="1762140"/>
           </a:xfrm>
           <a:prstGeom prst="rect">
             <a:avLst/>
@@ -4138,7 +4265,7 @@
         </p:nvSpPr>
         <p:spPr>
           <a:xfrm>
-            <a:off x="3971926" y="6055975"/>
+            <a:off x="3971926" y="6311791"/>
             <a:ext cx="4952999" cy="261610"/>
           </a:xfrm>
           <a:prstGeom prst="rect">
@@ -4173,7 +4300,7 @@
         </p:nvSpPr>
         <p:spPr>
           <a:xfrm>
-            <a:off x="2782790" y="6002114"/>
+            <a:off x="2782790" y="6257930"/>
             <a:ext cx="1189136" cy="369332"/>
           </a:xfrm>
           <a:prstGeom prst="rect">
@@ -4208,6 +4335,85 @@
           </a:p>
         </p:txBody>
       </p:sp>
+      <p:grpSp>
+        <p:nvGrpSpPr>
+          <p:cNvPr id="10" name="그룹 9">
+            <a:extLst>
+              <a:ext uri="{FF2B5EF4-FFF2-40B4-BE49-F238E27FC236}">
+                <a16:creationId xmlns:a16="http://schemas.microsoft.com/office/drawing/2014/main" id="{BDEC9569-E985-DFB2-A907-1D0B13D7B323}"/>
+              </a:ext>
+            </a:extLst>
+          </p:cNvPr>
+          <p:cNvGrpSpPr/>
+          <p:nvPr/>
+        </p:nvGrpSpPr>
+        <p:grpSpPr>
+          <a:xfrm>
+            <a:off x="881039" y="3702028"/>
+            <a:ext cx="6905675" cy="2451855"/>
+            <a:chOff x="940910" y="3865730"/>
+            <a:chExt cx="6915201" cy="2451855"/>
+          </a:xfrm>
+        </p:grpSpPr>
+        <p:pic>
+          <p:nvPicPr>
+            <p:cNvPr id="7" name="그림 6">
+              <a:extLst>
+                <a:ext uri="{FF2B5EF4-FFF2-40B4-BE49-F238E27FC236}">
+                  <a16:creationId xmlns:a16="http://schemas.microsoft.com/office/drawing/2014/main" id="{2A53CC2F-0D65-2BBA-1BBE-6947440B096B}"/>
+                </a:ext>
+              </a:extLst>
+            </p:cNvPr>
+            <p:cNvPicPr>
+              <a:picLocks noChangeAspect="1"/>
+            </p:cNvPicPr>
+            <p:nvPr/>
+          </p:nvPicPr>
+          <p:blipFill rotWithShape="1">
+            <a:blip r:embed="rId3"/>
+            <a:srcRect b="87789"/>
+            <a:stretch/>
+          </p:blipFill>
+          <p:spPr>
+            <a:xfrm>
+              <a:off x="940910" y="3865730"/>
+              <a:ext cx="6915201" cy="400110"/>
+            </a:xfrm>
+            <a:prstGeom prst="rect">
+              <a:avLst/>
+            </a:prstGeom>
+          </p:spPr>
+        </p:pic>
+        <p:pic>
+          <p:nvPicPr>
+            <p:cNvPr id="9" name="그림 8">
+              <a:extLst>
+                <a:ext uri="{FF2B5EF4-FFF2-40B4-BE49-F238E27FC236}">
+                  <a16:creationId xmlns:a16="http://schemas.microsoft.com/office/drawing/2014/main" id="{4D8A8615-4ED6-1971-BAAE-918D646C5964}"/>
+                </a:ext>
+              </a:extLst>
+            </p:cNvPr>
+            <p:cNvPicPr>
+              <a:picLocks noChangeAspect="1"/>
+            </p:cNvPicPr>
+            <p:nvPr/>
+          </p:nvPicPr>
+          <p:blipFill rotWithShape="1">
+            <a:blip r:embed="rId3"/>
+            <a:srcRect t="36850"/>
+            <a:stretch/>
+          </p:blipFill>
+          <p:spPr>
+            <a:xfrm>
+              <a:off x="940910" y="4248390"/>
+              <a:ext cx="6915201" cy="2069195"/>
+            </a:xfrm>
+            <a:prstGeom prst="rect">
+              <a:avLst/>
+            </a:prstGeom>
+          </p:spPr>
+        </p:pic>
+      </p:grpSp>
     </p:spTree>
     <p:extLst>
       <p:ext uri="{BB962C8B-B14F-4D97-AF65-F5344CB8AC3E}">
@@ -5075,6 +5281,671 @@
         </p:nvSpPr>
         <p:spPr>
           <a:xfrm>
+            <a:off x="762000" y="1722477"/>
+            <a:ext cx="4000500" cy="461665"/>
+          </a:xfrm>
+          <a:prstGeom prst="rect">
+            <a:avLst/>
+          </a:prstGeom>
+          <a:noFill/>
+        </p:spPr>
+        <p:txBody>
+          <a:bodyPr wrap="square" rtlCol="0">
+            <a:spAutoFit/>
+          </a:bodyPr>
+          <a:lstStyle/>
+          <a:p>
+            <a:r>
+              <a:rPr lang="en-US" altLang="ko-KR" sz="2400" b="1" i="0" dirty="0">
+                <a:solidFill>
+                  <a:schemeClr val="accent1"/>
+                </a:solidFill>
+                <a:effectLst/>
+                <a:latin typeface="-apple-system"/>
+              </a:rPr>
+              <a:t>self-hosted runners </a:t>
+            </a:r>
+            <a:r>
+              <a:rPr lang="ko-KR" altLang="en-US" sz="2400" b="1" i="0" dirty="0">
+                <a:solidFill>
+                  <a:schemeClr val="accent1"/>
+                </a:solidFill>
+                <a:effectLst/>
+                <a:latin typeface="-apple-system"/>
+              </a:rPr>
+              <a:t>설정방법</a:t>
+            </a:r>
+            <a:endParaRPr lang="ko-KR" altLang="en-US" sz="2400" dirty="0">
+              <a:solidFill>
+                <a:schemeClr val="accent1"/>
+              </a:solidFill>
+            </a:endParaRPr>
+          </a:p>
+        </p:txBody>
+      </p:sp>
+      <p:grpSp>
+        <p:nvGrpSpPr>
+          <p:cNvPr id="14" name="그룹 13">
+            <a:extLst>
+              <a:ext uri="{FF2B5EF4-FFF2-40B4-BE49-F238E27FC236}">
+                <a16:creationId xmlns:a16="http://schemas.microsoft.com/office/drawing/2014/main" id="{7973A85A-DEA5-5320-A1A9-A8B78842AA8F}"/>
+              </a:ext>
+            </a:extLst>
+          </p:cNvPr>
+          <p:cNvGrpSpPr/>
+          <p:nvPr/>
+        </p:nvGrpSpPr>
+        <p:grpSpPr>
+          <a:xfrm>
+            <a:off x="831237" y="2184142"/>
+            <a:ext cx="7688353" cy="4210161"/>
+            <a:chOff x="831237" y="2184142"/>
+            <a:chExt cx="7688353" cy="4210161"/>
+          </a:xfrm>
+        </p:grpSpPr>
+        <p:pic>
+          <p:nvPicPr>
+            <p:cNvPr id="7" name="그림 6">
+              <a:extLst>
+                <a:ext uri="{FF2B5EF4-FFF2-40B4-BE49-F238E27FC236}">
+                  <a16:creationId xmlns:a16="http://schemas.microsoft.com/office/drawing/2014/main" id="{D67747F2-2933-E657-4106-7995DDA3BEC2}"/>
+                </a:ext>
+              </a:extLst>
+            </p:cNvPr>
+            <p:cNvPicPr>
+              <a:picLocks noChangeAspect="1"/>
+            </p:cNvPicPr>
+            <p:nvPr/>
+          </p:nvPicPr>
+          <p:blipFill>
+            <a:blip r:embed="rId2"/>
+            <a:stretch>
+              <a:fillRect/>
+            </a:stretch>
+          </p:blipFill>
+          <p:spPr>
+            <a:xfrm>
+              <a:off x="831237" y="2184142"/>
+              <a:ext cx="7688353" cy="4210161"/>
+            </a:xfrm>
+            <a:prstGeom prst="rect">
+              <a:avLst/>
+            </a:prstGeom>
+          </p:spPr>
+        </p:pic>
+        <p:sp>
+          <p:nvSpPr>
+            <p:cNvPr id="10" name="직사각형 9">
+              <a:extLst>
+                <a:ext uri="{FF2B5EF4-FFF2-40B4-BE49-F238E27FC236}">
+                  <a16:creationId xmlns:a16="http://schemas.microsoft.com/office/drawing/2014/main" id="{908F4AF0-225B-A031-5EB7-BF24783410A8}"/>
+                </a:ext>
+              </a:extLst>
+            </p:cNvPr>
+            <p:cNvSpPr/>
+            <p:nvPr/>
+          </p:nvSpPr>
+          <p:spPr>
+            <a:xfrm>
+              <a:off x="1501548" y="4746171"/>
+              <a:ext cx="381681" cy="223158"/>
+            </a:xfrm>
+            <a:prstGeom prst="rect">
+              <a:avLst/>
+            </a:prstGeom>
+            <a:noFill/>
+            <a:ln>
+              <a:solidFill>
+                <a:srgbClr val="C00000"/>
+              </a:solidFill>
+            </a:ln>
+          </p:spPr>
+          <p:style>
+            <a:lnRef idx="2">
+              <a:schemeClr val="accent1">
+                <a:shade val="50000"/>
+              </a:schemeClr>
+            </a:lnRef>
+            <a:fillRef idx="1">
+              <a:schemeClr val="accent1"/>
+            </a:fillRef>
+            <a:effectRef idx="0">
+              <a:schemeClr val="accent1"/>
+            </a:effectRef>
+            <a:fontRef idx="minor">
+              <a:schemeClr val="lt1"/>
+            </a:fontRef>
+          </p:style>
+          <p:txBody>
+            <a:bodyPr rtlCol="0" anchor="ctr"/>
+            <a:lstStyle/>
+            <a:p>
+              <a:pPr algn="ctr"/>
+              <a:endParaRPr lang="ko-KR" altLang="en-US"/>
+            </a:p>
+          </p:txBody>
+        </p:sp>
+      </p:grpSp>
+      <p:grpSp>
+        <p:nvGrpSpPr>
+          <p:cNvPr id="15" name="그룹 14">
+            <a:extLst>
+              <a:ext uri="{FF2B5EF4-FFF2-40B4-BE49-F238E27FC236}">
+                <a16:creationId xmlns:a16="http://schemas.microsoft.com/office/drawing/2014/main" id="{6CC52621-CB1E-8F13-63DD-8B3661B9062E}"/>
+              </a:ext>
+            </a:extLst>
+          </p:cNvPr>
+          <p:cNvGrpSpPr/>
+          <p:nvPr/>
+        </p:nvGrpSpPr>
+        <p:grpSpPr>
+          <a:xfrm>
+            <a:off x="806318" y="2174925"/>
+            <a:ext cx="7688353" cy="4228594"/>
+            <a:chOff x="831237" y="2184142"/>
+            <a:chExt cx="7688353" cy="4228594"/>
+          </a:xfrm>
+        </p:grpSpPr>
+        <p:pic>
+          <p:nvPicPr>
+            <p:cNvPr id="12" name="그림 11">
+              <a:extLst>
+                <a:ext uri="{FF2B5EF4-FFF2-40B4-BE49-F238E27FC236}">
+                  <a16:creationId xmlns:a16="http://schemas.microsoft.com/office/drawing/2014/main" id="{1C01DDDE-DB16-B510-D2B7-3051A5F947B1}"/>
+                </a:ext>
+              </a:extLst>
+            </p:cNvPr>
+            <p:cNvPicPr>
+              <a:picLocks noChangeAspect="1"/>
+            </p:cNvPicPr>
+            <p:nvPr/>
+          </p:nvPicPr>
+          <p:blipFill>
+            <a:blip r:embed="rId3"/>
+            <a:stretch>
+              <a:fillRect/>
+            </a:stretch>
+          </p:blipFill>
+          <p:spPr>
+            <a:xfrm>
+              <a:off x="831237" y="2184142"/>
+              <a:ext cx="7688353" cy="4228594"/>
+            </a:xfrm>
+            <a:prstGeom prst="rect">
+              <a:avLst/>
+            </a:prstGeom>
+          </p:spPr>
+        </p:pic>
+        <p:sp>
+          <p:nvSpPr>
+            <p:cNvPr id="13" name="직사각형 12">
+              <a:extLst>
+                <a:ext uri="{FF2B5EF4-FFF2-40B4-BE49-F238E27FC236}">
+                  <a16:creationId xmlns:a16="http://schemas.microsoft.com/office/drawing/2014/main" id="{531ABAEE-1655-BBF9-2E3F-58B21C0EF8E9}"/>
+                </a:ext>
+              </a:extLst>
+            </p:cNvPr>
+            <p:cNvSpPr/>
+            <p:nvPr/>
+          </p:nvSpPr>
+          <p:spPr>
+            <a:xfrm>
+              <a:off x="6367461" y="2868384"/>
+              <a:ext cx="822553" cy="228601"/>
+            </a:xfrm>
+            <a:prstGeom prst="rect">
+              <a:avLst/>
+            </a:prstGeom>
+            <a:noFill/>
+            <a:ln>
+              <a:solidFill>
+                <a:srgbClr val="C00000"/>
+              </a:solidFill>
+            </a:ln>
+          </p:spPr>
+          <p:style>
+            <a:lnRef idx="2">
+              <a:schemeClr val="accent1">
+                <a:shade val="50000"/>
+              </a:schemeClr>
+            </a:lnRef>
+            <a:fillRef idx="1">
+              <a:schemeClr val="accent1"/>
+            </a:fillRef>
+            <a:effectRef idx="0">
+              <a:schemeClr val="accent1"/>
+            </a:effectRef>
+            <a:fontRef idx="minor">
+              <a:schemeClr val="lt1"/>
+            </a:fontRef>
+          </p:style>
+          <p:txBody>
+            <a:bodyPr rtlCol="0" anchor="ctr"/>
+            <a:lstStyle/>
+            <a:p>
+              <a:pPr algn="ctr"/>
+              <a:endParaRPr lang="ko-KR" altLang="en-US"/>
+            </a:p>
+          </p:txBody>
+        </p:sp>
+      </p:grpSp>
+      <p:pic>
+        <p:nvPicPr>
+          <p:cNvPr id="17" name="그림 16">
+            <a:extLst>
+              <a:ext uri="{FF2B5EF4-FFF2-40B4-BE49-F238E27FC236}">
+                <a16:creationId xmlns:a16="http://schemas.microsoft.com/office/drawing/2014/main" id="{818647F9-462F-1CAF-7BC4-917216B9B68A}"/>
+              </a:ext>
+            </a:extLst>
+          </p:cNvPr>
+          <p:cNvPicPr>
+            <a:picLocks noChangeAspect="1"/>
+          </p:cNvPicPr>
+          <p:nvPr/>
+        </p:nvPicPr>
+        <p:blipFill>
+          <a:blip r:embed="rId4"/>
+          <a:stretch>
+            <a:fillRect/>
+          </a:stretch>
+        </p:blipFill>
+        <p:spPr>
+          <a:xfrm>
+            <a:off x="806318" y="2184142"/>
+            <a:ext cx="7713272" cy="4210161"/>
+          </a:xfrm>
+          <a:prstGeom prst="rect">
+            <a:avLst/>
+          </a:prstGeom>
+        </p:spPr>
+      </p:pic>
+      <p:sp>
+        <p:nvSpPr>
+          <p:cNvPr id="18" name="TextBox 17">
+            <a:extLst>
+              <a:ext uri="{FF2B5EF4-FFF2-40B4-BE49-F238E27FC236}">
+                <a16:creationId xmlns:a16="http://schemas.microsoft.com/office/drawing/2014/main" id="{F49A7BF4-AEBA-79D2-AA5A-336AC3F4F4CA}"/>
+              </a:ext>
+            </a:extLst>
+          </p:cNvPr>
+          <p:cNvSpPr txBox="1"/>
+          <p:nvPr/>
+        </p:nvSpPr>
+        <p:spPr>
+          <a:xfrm>
+            <a:off x="4191001" y="6564318"/>
+            <a:ext cx="4952999" cy="261610"/>
+          </a:xfrm>
+          <a:prstGeom prst="rect">
+            <a:avLst/>
+          </a:prstGeom>
+          <a:noFill/>
+        </p:spPr>
+        <p:txBody>
+          <a:bodyPr wrap="square">
+            <a:spAutoFit/>
+          </a:bodyPr>
+          <a:lstStyle/>
+          <a:p>
+            <a:r>
+              <a:rPr lang="en-US" altLang="ko-KR" sz="1100" dirty="0"/>
+              <a:t>https://velog.io/@zuckerfrei/Github-Actions-1.-self-hosted-runner</a:t>
+            </a:r>
+            <a:endParaRPr lang="ko-KR" altLang="en-US" sz="1100" dirty="0"/>
+          </a:p>
+        </p:txBody>
+      </p:sp>
+      <p:sp>
+        <p:nvSpPr>
+          <p:cNvPr id="19" name="TextBox 18">
+            <a:extLst>
+              <a:ext uri="{FF2B5EF4-FFF2-40B4-BE49-F238E27FC236}">
+                <a16:creationId xmlns:a16="http://schemas.microsoft.com/office/drawing/2014/main" id="{B0705F3E-BBD0-5EA1-9EBB-65B436F42648}"/>
+              </a:ext>
+            </a:extLst>
+          </p:cNvPr>
+          <p:cNvSpPr txBox="1"/>
+          <p:nvPr/>
+        </p:nvSpPr>
+        <p:spPr>
+          <a:xfrm>
+            <a:off x="3001865" y="6510457"/>
+            <a:ext cx="1189136" cy="369332"/>
+          </a:xfrm>
+          <a:prstGeom prst="rect">
+            <a:avLst/>
+          </a:prstGeom>
+          <a:noFill/>
+        </p:spPr>
+        <p:txBody>
+          <a:bodyPr wrap="square" rtlCol="0">
+            <a:spAutoFit/>
+          </a:bodyPr>
+          <a:lstStyle/>
+          <a:p>
+            <a:r>
+              <a:rPr lang="ko-KR" altLang="en-US" dirty="0">
+                <a:latin typeface="맑은 고딕" panose="020B0503020000020004" pitchFamily="50" charset="-127"/>
+                <a:ea typeface="맑은 고딕" panose="020B0503020000020004" pitchFamily="50" charset="-127"/>
+              </a:rPr>
+              <a:t>더 </a:t>
+            </a:r>
+            <a:r>
+              <a:rPr lang="ko-KR" altLang="en-US" dirty="0" err="1">
+                <a:latin typeface="맑은 고딕" panose="020B0503020000020004" pitchFamily="50" charset="-127"/>
+                <a:ea typeface="맑은 고딕" panose="020B0503020000020004" pitchFamily="50" charset="-127"/>
+              </a:rPr>
+              <a:t>많은건</a:t>
+            </a:r>
+            <a:endParaRPr lang="ko-KR" altLang="en-US" dirty="0">
+              <a:latin typeface="맑은 고딕" panose="020B0503020000020004" pitchFamily="50" charset="-127"/>
+              <a:ea typeface="맑은 고딕" panose="020B0503020000020004" pitchFamily="50" charset="-127"/>
+            </a:endParaRPr>
+          </a:p>
+        </p:txBody>
+      </p:sp>
+    </p:spTree>
+    <p:extLst>
+      <p:ext uri="{BB962C8B-B14F-4D97-AF65-F5344CB8AC3E}">
+        <p14:creationId xmlns:p14="http://schemas.microsoft.com/office/powerpoint/2010/main" val="992579566"/>
+      </p:ext>
+    </p:extLst>
+  </p:cSld>
+  <p:clrMapOvr>
+    <a:masterClrMapping/>
+  </p:clrMapOvr>
+  <p:timing>
+    <p:tnLst>
+      <p:par>
+        <p:cTn id="1" dur="indefinite" restart="never" nodeType="tmRoot">
+          <p:childTnLst>
+            <p:seq concurrent="1" nextAc="seek">
+              <p:cTn id="2" dur="indefinite" nodeType="mainSeq">
+                <p:childTnLst>
+                  <p:par>
+                    <p:cTn id="3" fill="hold">
+                      <p:stCondLst>
+                        <p:cond delay="indefinite"/>
+                      </p:stCondLst>
+                      <p:childTnLst>
+                        <p:par>
+                          <p:cTn id="4" fill="hold">
+                            <p:stCondLst>
+                              <p:cond delay="0"/>
+                            </p:stCondLst>
+                            <p:childTnLst>
+                              <p:par>
+                                <p:cTn id="5" presetID="1" presetClass="entr" presetSubtype="0" fill="hold" nodeType="clickEffect">
+                                  <p:stCondLst>
+                                    <p:cond delay="0"/>
+                                  </p:stCondLst>
+                                  <p:childTnLst>
+                                    <p:set>
+                                      <p:cBhvr>
+                                        <p:cTn id="6" dur="1" fill="hold">
+                                          <p:stCondLst>
+                                            <p:cond delay="0"/>
+                                          </p:stCondLst>
+                                        </p:cTn>
+                                        <p:tgtEl>
+                                          <p:spTgt spid="15"/>
+                                        </p:tgtEl>
+                                        <p:attrNameLst>
+                                          <p:attrName>style.visibility</p:attrName>
+                                        </p:attrNameLst>
+                                      </p:cBhvr>
+                                      <p:to>
+                                        <p:strVal val="visible"/>
+                                      </p:to>
+                                    </p:set>
+                                  </p:childTnLst>
+                                </p:cTn>
+                              </p:par>
+                            </p:childTnLst>
+                          </p:cTn>
+                        </p:par>
+                      </p:childTnLst>
+                    </p:cTn>
+                  </p:par>
+                  <p:par>
+                    <p:cTn id="7" fill="hold">
+                      <p:stCondLst>
+                        <p:cond delay="indefinite"/>
+                      </p:stCondLst>
+                      <p:childTnLst>
+                        <p:par>
+                          <p:cTn id="8" fill="hold">
+                            <p:stCondLst>
+                              <p:cond delay="0"/>
+                            </p:stCondLst>
+                            <p:childTnLst>
+                              <p:par>
+                                <p:cTn id="9" presetID="1" presetClass="entr" presetSubtype="0" fill="hold" nodeType="clickEffect">
+                                  <p:stCondLst>
+                                    <p:cond delay="0"/>
+                                  </p:stCondLst>
+                                  <p:childTnLst>
+                                    <p:set>
+                                      <p:cBhvr>
+                                        <p:cTn id="10" dur="1" fill="hold">
+                                          <p:stCondLst>
+                                            <p:cond delay="0"/>
+                                          </p:stCondLst>
+                                        </p:cTn>
+                                        <p:tgtEl>
+                                          <p:spTgt spid="17"/>
+                                        </p:tgtEl>
+                                        <p:attrNameLst>
+                                          <p:attrName>style.visibility</p:attrName>
+                                        </p:attrNameLst>
+                                      </p:cBhvr>
+                                      <p:to>
+                                        <p:strVal val="visible"/>
+                                      </p:to>
+                                    </p:set>
+                                  </p:childTnLst>
+                                </p:cTn>
+                              </p:par>
+                            </p:childTnLst>
+                          </p:cTn>
+                        </p:par>
+                      </p:childTnLst>
+                    </p:cTn>
+                  </p:par>
+                </p:childTnLst>
+              </p:cTn>
+              <p:prevCondLst>
+                <p:cond evt="onPrev" delay="0">
+                  <p:tgtEl>
+                    <p:sldTgt/>
+                  </p:tgtEl>
+                </p:cond>
+              </p:prevCondLst>
+              <p:nextCondLst>
+                <p:cond evt="onNext" delay="0">
+                  <p:tgtEl>
+                    <p:sldTgt/>
+                  </p:tgtEl>
+                </p:cond>
+              </p:nextCondLst>
+            </p:seq>
+          </p:childTnLst>
+        </p:cTn>
+      </p:par>
+    </p:tnLst>
+  </p:timing>
+</p:sld>
+</file>
+
+<file path=ppt/slides/slide13.xml><?xml version="1.0" encoding="utf-8"?>
+<p:sld xmlns:a="http://schemas.openxmlformats.org/drawingml/2006/main" xmlns:r="http://schemas.openxmlformats.org/officeDocument/2006/relationships" xmlns:p="http://schemas.openxmlformats.org/presentationml/2006/main">
+  <p:cSld>
+    <p:spTree>
+      <p:nvGrpSpPr>
+        <p:cNvPr id="1" name=""/>
+        <p:cNvGrpSpPr/>
+        <p:nvPr/>
+      </p:nvGrpSpPr>
+      <p:grpSpPr>
+        <a:xfrm>
+          <a:off x="0" y="0"/>
+          <a:ext cx="0" cy="0"/>
+          <a:chOff x="0" y="0"/>
+          <a:chExt cx="0" cy="0"/>
+        </a:xfrm>
+      </p:grpSpPr>
+      <p:sp>
+        <p:nvSpPr>
+          <p:cNvPr id="3" name="직사각형 2"/>
+          <p:cNvSpPr/>
+          <p:nvPr/>
+        </p:nvSpPr>
+        <p:spPr>
+          <a:xfrm>
+            <a:off x="0" y="0"/>
+            <a:ext cx="342900" cy="6858000"/>
+          </a:xfrm>
+          <a:prstGeom prst="rect">
+            <a:avLst/>
+          </a:prstGeom>
+          <a:ln>
+            <a:noFill/>
+          </a:ln>
+        </p:spPr>
+        <p:style>
+          <a:lnRef idx="2">
+            <a:schemeClr val="accent1">
+              <a:shade val="50000"/>
+            </a:schemeClr>
+          </a:lnRef>
+          <a:fillRef idx="1">
+            <a:schemeClr val="accent1"/>
+          </a:fillRef>
+          <a:effectRef idx="0">
+            <a:schemeClr val="accent1"/>
+          </a:effectRef>
+          <a:fontRef idx="minor">
+            <a:schemeClr val="lt1"/>
+          </a:fontRef>
+        </p:style>
+        <p:txBody>
+          <a:bodyPr rtlCol="0" anchor="ctr"/>
+          <a:lstStyle/>
+          <a:p>
+            <a:pPr algn="ctr"/>
+            <a:endParaRPr lang="ko-KR" altLang="en-US">
+              <a:latin typeface="맑은 고딕" panose="020B0503020000020004" pitchFamily="50" charset="-127"/>
+              <a:ea typeface="맑은 고딕" panose="020B0503020000020004" pitchFamily="50" charset="-127"/>
+            </a:endParaRPr>
+          </a:p>
+        </p:txBody>
+      </p:sp>
+      <p:cxnSp>
+        <p:nvCxnSpPr>
+          <p:cNvPr id="5" name="직선 연결선 4"/>
+          <p:cNvCxnSpPr/>
+          <p:nvPr/>
+        </p:nvCxnSpPr>
+        <p:spPr>
+          <a:xfrm>
+            <a:off x="342900" y="1266825"/>
+            <a:ext cx="7839075" cy="0"/>
+          </a:xfrm>
+          <a:prstGeom prst="line">
+            <a:avLst/>
+          </a:prstGeom>
+        </p:spPr>
+        <p:style>
+          <a:lnRef idx="1">
+            <a:schemeClr val="accent1"/>
+          </a:lnRef>
+          <a:fillRef idx="0">
+            <a:schemeClr val="accent1"/>
+          </a:fillRef>
+          <a:effectRef idx="0">
+            <a:schemeClr val="accent1"/>
+          </a:effectRef>
+          <a:fontRef idx="minor">
+            <a:schemeClr val="tx1"/>
+          </a:fontRef>
+        </p:style>
+      </p:cxnSp>
+      <p:sp>
+        <p:nvSpPr>
+          <p:cNvPr id="6" name="TextBox 5"/>
+          <p:cNvSpPr txBox="1"/>
+          <p:nvPr/>
+        </p:nvSpPr>
+        <p:spPr>
+          <a:xfrm>
+            <a:off x="454765" y="347543"/>
+            <a:ext cx="4036682" cy="646331"/>
+          </a:xfrm>
+          <a:prstGeom prst="rect">
+            <a:avLst/>
+          </a:prstGeom>
+          <a:noFill/>
+        </p:spPr>
+        <p:txBody>
+          <a:bodyPr wrap="none" rtlCol="0">
+            <a:spAutoFit/>
+          </a:bodyPr>
+          <a:lstStyle/>
+          <a:p>
+            <a:r>
+              <a:rPr lang="en-US" altLang="ko-KR" sz="3600" dirty="0">
+                <a:solidFill>
+                  <a:schemeClr val="accent1"/>
+                </a:solidFill>
+                <a:latin typeface="맑은 고딕" panose="020B0503020000020004" pitchFamily="50" charset="-127"/>
+                <a:ea typeface="맑은 고딕" panose="020B0503020000020004" pitchFamily="50" charset="-127"/>
+              </a:rPr>
+              <a:t>GitHub Actions</a:t>
+            </a:r>
+            <a:r>
+              <a:rPr lang="ko-KR" altLang="en-US" sz="3600" dirty="0">
+                <a:solidFill>
+                  <a:schemeClr val="accent1"/>
+                </a:solidFill>
+                <a:latin typeface="맑은 고딕" panose="020B0503020000020004" pitchFamily="50" charset="-127"/>
+                <a:ea typeface="맑은 고딕" panose="020B0503020000020004" pitchFamily="50" charset="-127"/>
+              </a:rPr>
+              <a:t>란</a:t>
+            </a:r>
+            <a:r>
+              <a:rPr lang="en-US" altLang="ko-KR" sz="3600" dirty="0">
+                <a:solidFill>
+                  <a:schemeClr val="accent1"/>
+                </a:solidFill>
+                <a:latin typeface="맑은 고딕" panose="020B0503020000020004" pitchFamily="50" charset="-127"/>
+                <a:ea typeface="맑은 고딕" panose="020B0503020000020004" pitchFamily="50" charset="-127"/>
+              </a:rPr>
+              <a:t>?</a:t>
+            </a:r>
+            <a:endParaRPr lang="ko-KR" altLang="en-US" sz="3600" dirty="0">
+              <a:solidFill>
+                <a:schemeClr val="accent1"/>
+              </a:solidFill>
+              <a:latin typeface="맑은 고딕" panose="020B0503020000020004" pitchFamily="50" charset="-127"/>
+              <a:ea typeface="맑은 고딕" panose="020B0503020000020004" pitchFamily="50" charset="-127"/>
+            </a:endParaRPr>
+          </a:p>
+        </p:txBody>
+      </p:sp>
+      <p:sp>
+        <p:nvSpPr>
+          <p:cNvPr id="8" name="TextBox 7">
+            <a:extLst>
+              <a:ext uri="{FF2B5EF4-FFF2-40B4-BE49-F238E27FC236}">
+                <a16:creationId xmlns:a16="http://schemas.microsoft.com/office/drawing/2014/main" id="{AE33CB1D-901A-9243-7364-0A65AAF690CA}"/>
+              </a:ext>
+            </a:extLst>
+          </p:cNvPr>
+          <p:cNvSpPr txBox="1"/>
+          <p:nvPr/>
+        </p:nvSpPr>
+        <p:spPr>
+          <a:xfrm>
             <a:off x="781050" y="1539777"/>
             <a:ext cx="2376488" cy="461665"/>
           </a:xfrm>
@@ -5400,29 +6271,7 @@
                 <a:latin typeface="맑은 고딕" panose="020B0503020000020004" pitchFamily="50" charset="-127"/>
                 <a:ea typeface="맑은 고딕" panose="020B0503020000020004" pitchFamily="50" charset="-127"/>
               </a:rPr>
-              <a:t>만약 제한된 시간을 </a:t>
-            </a:r>
-            <a:r>
-              <a:rPr lang="ko-KR" altLang="en-US" b="0" i="0" dirty="0" err="1">
-                <a:solidFill>
-                  <a:schemeClr val="accent1"/>
-                </a:solidFill>
-                <a:effectLst/>
-                <a:latin typeface="맑은 고딕" panose="020B0503020000020004" pitchFamily="50" charset="-127"/>
-                <a:ea typeface="맑은 고딕" panose="020B0503020000020004" pitchFamily="50" charset="-127"/>
-              </a:rPr>
-              <a:t>넘게된다면</a:t>
-            </a:r>
-            <a:r>
-              <a:rPr lang="ko-KR" altLang="en-US" b="0" i="0" dirty="0">
-                <a:solidFill>
-                  <a:schemeClr val="accent1"/>
-                </a:solidFill>
-                <a:effectLst/>
-                <a:latin typeface="맑은 고딕" panose="020B0503020000020004" pitchFamily="50" charset="-127"/>
-                <a:ea typeface="맑은 고딕" panose="020B0503020000020004" pitchFamily="50" charset="-127"/>
-              </a:rPr>
-              <a:t> 작업은 자동으로 종료</a:t>
+              <a:t>만약 제한된 시간을 넘게 된다면 작업은 자동으로 종료</a:t>
             </a:r>
             <a:endParaRPr lang="ko-KR" altLang="en-US" dirty="0">
               <a:solidFill>
@@ -5447,7 +6296,7 @@
 </p:sld>
 </file>
 
-<file path=ppt/slides/slide13.xml><?xml version="1.0" encoding="utf-8"?>
+<file path=ppt/slides/slide14.xml><?xml version="1.0" encoding="utf-8"?>
 <p:sld xmlns:a="http://schemas.openxmlformats.org/drawingml/2006/main" xmlns:r="http://schemas.openxmlformats.org/officeDocument/2006/relationships" xmlns:p="http://schemas.openxmlformats.org/presentationml/2006/main">
   <p:cSld>
     <p:spTree>
@@ -6790,7 +7639,7 @@
 </p:sld>
 </file>
 
-<file path=ppt/slides/slide14.xml><?xml version="1.0" encoding="utf-8"?>
+<file path=ppt/slides/slide15.xml><?xml version="1.0" encoding="utf-8"?>
 <p:sld xmlns:a="http://schemas.openxmlformats.org/drawingml/2006/main" xmlns:r="http://schemas.openxmlformats.org/officeDocument/2006/relationships" xmlns:p="http://schemas.openxmlformats.org/presentationml/2006/main">
   <p:cSld>
     <p:spTree>
